--- a/thesis_slides/capparella.slides.pptx
+++ b/thesis_slides/capparella.slides.pptx
@@ -5,10 +5,10 @@
     <p:sldMasterId id="2147483648" r:id="rId1"/>
   </p:sldMasterIdLst>
   <p:notesMasterIdLst>
-    <p:notesMasterId r:id="rId19"/>
+    <p:notesMasterId r:id="rId20"/>
   </p:notesMasterIdLst>
   <p:handoutMasterIdLst>
-    <p:handoutMasterId r:id="rId20"/>
+    <p:handoutMasterId r:id="rId21"/>
   </p:handoutMasterIdLst>
   <p:sldIdLst>
     <p:sldId id="263" r:id="rId2"/>
@@ -19,15 +19,16 @@
     <p:sldId id="268" r:id="rId7"/>
     <p:sldId id="274" r:id="rId8"/>
     <p:sldId id="269" r:id="rId9"/>
-    <p:sldId id="272" r:id="rId10"/>
-    <p:sldId id="275" r:id="rId11"/>
-    <p:sldId id="273" r:id="rId12"/>
-    <p:sldId id="270" r:id="rId13"/>
-    <p:sldId id="271" r:id="rId14"/>
-    <p:sldId id="260" r:id="rId15"/>
-    <p:sldId id="259" r:id="rId16"/>
-    <p:sldId id="264" r:id="rId17"/>
-    <p:sldId id="265" r:id="rId18"/>
+    <p:sldId id="275" r:id="rId10"/>
+    <p:sldId id="272" r:id="rId11"/>
+    <p:sldId id="277" r:id="rId12"/>
+    <p:sldId id="273" r:id="rId13"/>
+    <p:sldId id="276" r:id="rId14"/>
+    <p:sldId id="270" r:id="rId15"/>
+    <p:sldId id="260" r:id="rId16"/>
+    <p:sldId id="259" r:id="rId17"/>
+    <p:sldId id="264" r:id="rId18"/>
+    <p:sldId id="265" r:id="rId19"/>
   </p:sldIdLst>
   <p:sldSz cx="9144000" cy="6858000" type="screen4x3"/>
   <p:notesSz cx="6858000" cy="9144000"/>
@@ -1439,71 +1440,15 @@
           <a:bodyPr/>
           <a:lstStyle/>
           <a:p>
-            <a:pPr marL="171450" indent="-171450" eaLnBrk="1" hangingPunct="1">
-              <a:buFont typeface="Arial" panose="020B0604020202020204" pitchFamily="34" charset="0"/>
-              <a:buChar char="•"/>
-            </a:pPr>
-            <a:r>
-              <a:rPr lang="it-IT" altLang="it-IT" dirty="0"/>
-              <a:t>https://lightning.ai/docs/pytorch/stable/notebooks/course_UvA-DL/05-transformers-and-MH-attention.html</a:t>
-            </a:r>
-          </a:p>
-          <a:p>
-            <a:pPr marL="171450" indent="-171450" eaLnBrk="1" hangingPunct="1">
-              <a:buFont typeface="Arial" panose="020B0604020202020204" pitchFamily="34" charset="0"/>
-              <a:buChar char="•"/>
-            </a:pPr>
-            <a:r>
-              <a:rPr lang="it-IT" altLang="it-IT" dirty="0"/>
-              <a:t>http://jalammar.github.io/illustrated-transformer/</a:t>
-            </a:r>
-          </a:p>
-          <a:p>
-            <a:pPr marL="171450" indent="-171450" eaLnBrk="1" hangingPunct="1">
-              <a:buFont typeface="Arial" panose="020B0604020202020204" pitchFamily="34" charset="0"/>
-              <a:buChar char="•"/>
-            </a:pPr>
-            <a:r>
-              <a:rPr lang="it-IT" altLang="it-IT" dirty="0"/>
-              <a:t>https://lilianweng.github.io/posts/2020-04-07-the-transformer-family/</a:t>
-            </a:r>
-          </a:p>
-          <a:p>
-            <a:pPr marL="171450" indent="-171450" eaLnBrk="1" hangingPunct="1">
-              <a:buFont typeface="Arial" panose="020B0604020202020204" pitchFamily="34" charset="0"/>
-              <a:buChar char="•"/>
-            </a:pPr>
-            <a:r>
-              <a:rPr lang="it-IT" altLang="it-IT" dirty="0"/>
-              <a:t>https://blogs.nvidia.com/blog/2022/03/25/what-is-a-transformer-model/</a:t>
-            </a:r>
-          </a:p>
-          <a:p>
-            <a:pPr marL="171450" indent="-171450" eaLnBrk="1" hangingPunct="1">
-              <a:buFont typeface="Arial" panose="020B0604020202020204" pitchFamily="34" charset="0"/>
-              <a:buChar char="•"/>
-            </a:pPr>
-            <a:r>
-              <a:rPr lang="it-IT" altLang="it-IT" dirty="0"/>
-              <a:t>https://en.wikipedia.org/wiki/Vision_transformer</a:t>
-            </a:r>
-          </a:p>
-          <a:p>
-            <a:pPr marL="171450" indent="-171450" eaLnBrk="1" hangingPunct="1">
-              <a:buFont typeface="Arial" panose="020B0604020202020204" pitchFamily="34" charset="0"/>
-              <a:buChar char="•"/>
-            </a:pPr>
-            <a:r>
-              <a:rPr lang="it-IT" altLang="it-IT" dirty="0"/>
-              <a:t>https://lightning.ai/docs/pytorch/stable/notebooks/course_UvA-DL/11-vision-transformer.html</a:t>
-            </a:r>
+            <a:pPr eaLnBrk="1" hangingPunct="1"/>
+            <a:endParaRPr lang="it-IT" altLang="it-IT"/>
           </a:p>
         </p:txBody>
       </p:sp>
     </p:spTree>
     <p:extLst>
       <p:ext uri="{BB962C8B-B14F-4D97-AF65-F5344CB8AC3E}">
-        <p14:creationId xmlns:p14="http://schemas.microsoft.com/office/powerpoint/2010/main" val="3545543513"/>
+        <p14:creationId xmlns:p14="http://schemas.microsoft.com/office/powerpoint/2010/main" val="3450636289"/>
       </p:ext>
     </p:extLst>
   </p:cSld>
@@ -1765,7 +1710,7 @@
     </p:spTree>
     <p:extLst>
       <p:ext uri="{BB962C8B-B14F-4D97-AF65-F5344CB8AC3E}">
-        <p14:creationId xmlns:p14="http://schemas.microsoft.com/office/powerpoint/2010/main" val="1733291450"/>
+        <p14:creationId xmlns:p14="http://schemas.microsoft.com/office/powerpoint/2010/main" val="754675576"/>
       </p:ext>
     </p:extLst>
   </p:cSld>
@@ -2027,7 +1972,7 @@
     </p:spTree>
     <p:extLst>
       <p:ext uri="{BB962C8B-B14F-4D97-AF65-F5344CB8AC3E}">
-        <p14:creationId xmlns:p14="http://schemas.microsoft.com/office/powerpoint/2010/main" val="515338914"/>
+        <p14:creationId xmlns:p14="http://schemas.microsoft.com/office/powerpoint/2010/main" val="1733291450"/>
       </p:ext>
     </p:extLst>
   </p:cSld>
@@ -2289,7 +2234,7 @@
     </p:spTree>
     <p:extLst>
       <p:ext uri="{BB962C8B-B14F-4D97-AF65-F5344CB8AC3E}">
-        <p14:creationId xmlns:p14="http://schemas.microsoft.com/office/powerpoint/2010/main" val="772144487"/>
+        <p14:creationId xmlns:p14="http://schemas.microsoft.com/office/powerpoint/2010/main" val="250194197"/>
       </p:ext>
     </p:extLst>
   </p:cSld>
@@ -2300,6 +2245,268 @@
 </file>
 
 <file path=ppt/notesSlides/notesSlide14.xml><?xml version="1.0" encoding="utf-8"?>
+<p:notes xmlns:a="http://schemas.openxmlformats.org/drawingml/2006/main" xmlns:r="http://schemas.openxmlformats.org/officeDocument/2006/relationships" xmlns:p="http://schemas.openxmlformats.org/presentationml/2006/main">
+  <p:cSld>
+    <p:spTree>
+      <p:nvGrpSpPr>
+        <p:cNvPr id="1" name=""/>
+        <p:cNvGrpSpPr/>
+        <p:nvPr/>
+      </p:nvGrpSpPr>
+      <p:grpSpPr>
+        <a:xfrm>
+          <a:off x="0" y="0"/>
+          <a:ext cx="0" cy="0"/>
+          <a:chOff x="0" y="0"/>
+          <a:chExt cx="0" cy="0"/>
+        </a:xfrm>
+      </p:grpSpPr>
+      <p:sp>
+        <p:nvSpPr>
+          <p:cNvPr id="9218" name="Rectangle 7">
+            <a:extLst>
+              <a:ext uri="{FF2B5EF4-FFF2-40B4-BE49-F238E27FC236}">
+                <a16:creationId xmlns:a16="http://schemas.microsoft.com/office/drawing/2014/main" id="{414CBB57-B3E0-0660-F938-14C9E5C1E141}"/>
+              </a:ext>
+            </a:extLst>
+          </p:cNvPr>
+          <p:cNvSpPr>
+            <a:spLocks noGrp="1" noChangeArrowheads="1"/>
+          </p:cNvSpPr>
+          <p:nvPr>
+            <p:ph type="sldNum" sz="quarter" idx="5"/>
+          </p:nvPr>
+        </p:nvSpPr>
+        <p:spPr>
+          <a:noFill/>
+          <a:extLst>
+            <a:ext uri="{909E8E84-426E-40DD-AFC4-6F175D3DCCD1}">
+              <a14:hiddenFill xmlns:a14="http://schemas.microsoft.com/office/drawing/2010/main">
+                <a:solidFill>
+                  <a:schemeClr val="accent1"/>
+                </a:solidFill>
+              </a14:hiddenFill>
+            </a:ext>
+            <a:ext uri="{91240B29-F687-4F45-9708-019B960494DF}">
+              <a14:hiddenLine xmlns:a14="http://schemas.microsoft.com/office/drawing/2010/main" w="9525">
+                <a:solidFill>
+                  <a:schemeClr val="tx1"/>
+                </a:solidFill>
+                <a:miter lim="800000"/>
+                <a:headEnd/>
+                <a:tailEnd/>
+              </a14:hiddenLine>
+            </a:ext>
+          </a:extLst>
+        </p:spPr>
+        <p:txBody>
+          <a:bodyPr/>
+          <a:lstStyle>
+            <a:lvl1pPr>
+              <a:defRPr sz="900">
+                <a:solidFill>
+                  <a:schemeClr val="bg1"/>
+                </a:solidFill>
+                <a:latin typeface="Arial" panose="020B0604020202020204" pitchFamily="34" charset="0"/>
+                <a:ea typeface="ＭＳ Ｐゴシック" panose="020B0600070205080204" pitchFamily="34" charset="-128"/>
+              </a:defRPr>
+            </a:lvl1pPr>
+            <a:lvl2pPr marL="742950" indent="-285750">
+              <a:defRPr sz="900">
+                <a:solidFill>
+                  <a:schemeClr val="bg1"/>
+                </a:solidFill>
+                <a:latin typeface="Arial" panose="020B0604020202020204" pitchFamily="34" charset="0"/>
+                <a:ea typeface="ＭＳ Ｐゴシック" panose="020B0600070205080204" pitchFamily="34" charset="-128"/>
+              </a:defRPr>
+            </a:lvl2pPr>
+            <a:lvl3pPr marL="1143000" indent="-228600">
+              <a:defRPr sz="900">
+                <a:solidFill>
+                  <a:schemeClr val="bg1"/>
+                </a:solidFill>
+                <a:latin typeface="Arial" panose="020B0604020202020204" pitchFamily="34" charset="0"/>
+                <a:ea typeface="ＭＳ Ｐゴシック" panose="020B0600070205080204" pitchFamily="34" charset="-128"/>
+              </a:defRPr>
+            </a:lvl3pPr>
+            <a:lvl4pPr marL="1600200" indent="-228600">
+              <a:defRPr sz="900">
+                <a:solidFill>
+                  <a:schemeClr val="bg1"/>
+                </a:solidFill>
+                <a:latin typeface="Arial" panose="020B0604020202020204" pitchFamily="34" charset="0"/>
+                <a:ea typeface="ＭＳ Ｐゴシック" panose="020B0600070205080204" pitchFamily="34" charset="-128"/>
+              </a:defRPr>
+            </a:lvl4pPr>
+            <a:lvl5pPr marL="2057400" indent="-228600">
+              <a:defRPr sz="900">
+                <a:solidFill>
+                  <a:schemeClr val="bg1"/>
+                </a:solidFill>
+                <a:latin typeface="Arial" panose="020B0604020202020204" pitchFamily="34" charset="0"/>
+                <a:ea typeface="ＭＳ Ｐゴシック" panose="020B0600070205080204" pitchFamily="34" charset="-128"/>
+              </a:defRPr>
+            </a:lvl5pPr>
+            <a:lvl6pPr marL="2514600" indent="-228600" eaLnBrk="0" fontAlgn="base" hangingPunct="0">
+              <a:spcBef>
+                <a:spcPct val="0"/>
+              </a:spcBef>
+              <a:spcAft>
+                <a:spcPct val="0"/>
+              </a:spcAft>
+              <a:defRPr sz="900">
+                <a:solidFill>
+                  <a:schemeClr val="bg1"/>
+                </a:solidFill>
+                <a:latin typeface="Arial" panose="020B0604020202020204" pitchFamily="34" charset="0"/>
+                <a:ea typeface="ＭＳ Ｐゴシック" panose="020B0600070205080204" pitchFamily="34" charset="-128"/>
+              </a:defRPr>
+            </a:lvl6pPr>
+            <a:lvl7pPr marL="2971800" indent="-228600" eaLnBrk="0" fontAlgn="base" hangingPunct="0">
+              <a:spcBef>
+                <a:spcPct val="0"/>
+              </a:spcBef>
+              <a:spcAft>
+                <a:spcPct val="0"/>
+              </a:spcAft>
+              <a:defRPr sz="900">
+                <a:solidFill>
+                  <a:schemeClr val="bg1"/>
+                </a:solidFill>
+                <a:latin typeface="Arial" panose="020B0604020202020204" pitchFamily="34" charset="0"/>
+                <a:ea typeface="ＭＳ Ｐゴシック" panose="020B0600070205080204" pitchFamily="34" charset="-128"/>
+              </a:defRPr>
+            </a:lvl7pPr>
+            <a:lvl8pPr marL="3429000" indent="-228600" eaLnBrk="0" fontAlgn="base" hangingPunct="0">
+              <a:spcBef>
+                <a:spcPct val="0"/>
+              </a:spcBef>
+              <a:spcAft>
+                <a:spcPct val="0"/>
+              </a:spcAft>
+              <a:defRPr sz="900">
+                <a:solidFill>
+                  <a:schemeClr val="bg1"/>
+                </a:solidFill>
+                <a:latin typeface="Arial" panose="020B0604020202020204" pitchFamily="34" charset="0"/>
+                <a:ea typeface="ＭＳ Ｐゴシック" panose="020B0600070205080204" pitchFamily="34" charset="-128"/>
+              </a:defRPr>
+            </a:lvl8pPr>
+            <a:lvl9pPr marL="3886200" indent="-228600" eaLnBrk="0" fontAlgn="base" hangingPunct="0">
+              <a:spcBef>
+                <a:spcPct val="0"/>
+              </a:spcBef>
+              <a:spcAft>
+                <a:spcPct val="0"/>
+              </a:spcAft>
+              <a:defRPr sz="900">
+                <a:solidFill>
+                  <a:schemeClr val="bg1"/>
+                </a:solidFill>
+                <a:latin typeface="Arial" panose="020B0604020202020204" pitchFamily="34" charset="0"/>
+                <a:ea typeface="ＭＳ Ｐゴシック" panose="020B0600070205080204" pitchFamily="34" charset="-128"/>
+              </a:defRPr>
+            </a:lvl9pPr>
+          </a:lstStyle>
+          <a:p>
+            <a:fld id="{B1E8D7A4-1657-4443-9866-9FD16F6CCC6E}" type="slidenum">
+              <a:rPr lang="it-IT" altLang="it-IT" sz="1200">
+                <a:solidFill>
+                  <a:schemeClr val="tx1"/>
+                </a:solidFill>
+              </a:rPr>
+              <a:pPr/>
+              <a:t>14</a:t>
+            </a:fld>
+            <a:endParaRPr lang="it-IT" altLang="it-IT" sz="1200">
+              <a:solidFill>
+                <a:schemeClr val="tx1"/>
+              </a:solidFill>
+            </a:endParaRPr>
+          </a:p>
+        </p:txBody>
+      </p:sp>
+      <p:sp>
+        <p:nvSpPr>
+          <p:cNvPr id="9219" name="Rectangle 2">
+            <a:extLst>
+              <a:ext uri="{FF2B5EF4-FFF2-40B4-BE49-F238E27FC236}">
+                <a16:creationId xmlns:a16="http://schemas.microsoft.com/office/drawing/2014/main" id="{03727CE3-CAAB-BE0F-92C6-C11C46D586A9}"/>
+              </a:ext>
+            </a:extLst>
+          </p:cNvPr>
+          <p:cNvSpPr>
+            <a:spLocks noGrp="1" noRot="1" noChangeAspect="1" noChangeArrowheads="1" noTextEdit="1"/>
+          </p:cNvSpPr>
+          <p:nvPr>
+            <p:ph type="sldImg"/>
+          </p:nvPr>
+        </p:nvSpPr>
+        <p:spPr>
+          <a:ln/>
+        </p:spPr>
+      </p:sp>
+      <p:sp>
+        <p:nvSpPr>
+          <p:cNvPr id="9220" name="Rectangle 3">
+            <a:extLst>
+              <a:ext uri="{FF2B5EF4-FFF2-40B4-BE49-F238E27FC236}">
+                <a16:creationId xmlns:a16="http://schemas.microsoft.com/office/drawing/2014/main" id="{436AE39C-42B2-D95E-CFC5-AC06A1126494}"/>
+              </a:ext>
+            </a:extLst>
+          </p:cNvPr>
+          <p:cNvSpPr>
+            <a:spLocks noGrp="1" noChangeArrowheads="1"/>
+          </p:cNvSpPr>
+          <p:nvPr>
+            <p:ph type="body" idx="1"/>
+          </p:nvPr>
+        </p:nvSpPr>
+        <p:spPr>
+          <a:noFill/>
+          <a:extLst>
+            <a:ext uri="{909E8E84-426E-40DD-AFC4-6F175D3DCCD1}">
+              <a14:hiddenFill xmlns:a14="http://schemas.microsoft.com/office/drawing/2010/main">
+                <a:solidFill>
+                  <a:schemeClr val="accent1"/>
+                </a:solidFill>
+              </a14:hiddenFill>
+            </a:ext>
+            <a:ext uri="{91240B29-F687-4F45-9708-019B960494DF}">
+              <a14:hiddenLine xmlns:a14="http://schemas.microsoft.com/office/drawing/2010/main" w="9525">
+                <a:solidFill>
+                  <a:schemeClr val="tx1"/>
+                </a:solidFill>
+                <a:miter lim="800000"/>
+                <a:headEnd/>
+                <a:tailEnd/>
+              </a14:hiddenLine>
+            </a:ext>
+          </a:extLst>
+        </p:spPr>
+        <p:txBody>
+          <a:bodyPr/>
+          <a:lstStyle/>
+          <a:p>
+            <a:pPr eaLnBrk="1" hangingPunct="1"/>
+            <a:endParaRPr lang="it-IT" altLang="it-IT"/>
+          </a:p>
+        </p:txBody>
+      </p:sp>
+    </p:spTree>
+    <p:extLst>
+      <p:ext uri="{BB962C8B-B14F-4D97-AF65-F5344CB8AC3E}">
+        <p14:creationId xmlns:p14="http://schemas.microsoft.com/office/powerpoint/2010/main" val="515338914"/>
+      </p:ext>
+    </p:extLst>
+  </p:cSld>
+  <p:clrMapOvr>
+    <a:masterClrMapping/>
+  </p:clrMapOvr>
+</p:notes>
+</file>
+
+<file path=ppt/notesSlides/notesSlide15.xml><?xml version="1.0" encoding="utf-8"?>
 <p:notes xmlns:a="http://schemas.openxmlformats.org/drawingml/2006/main" xmlns:r="http://schemas.openxmlformats.org/officeDocument/2006/relationships" xmlns:p="http://schemas.openxmlformats.org/presentationml/2006/main">
   <p:cSld>
     <p:spTree>
@@ -2471,7 +2678,7 @@
                 </a:solidFill>
               </a:rPr>
               <a:pPr/>
-              <a:t>14</a:t>
+              <a:t>15</a:t>
             </a:fld>
             <a:endParaRPr lang="it-IT" altLang="it-IT" sz="1200">
               <a:solidFill>
@@ -2556,7 +2763,7 @@
 </p:notes>
 </file>
 
-<file path=ppt/notesSlides/notesSlide15.xml><?xml version="1.0" encoding="utf-8"?>
+<file path=ppt/notesSlides/notesSlide16.xml><?xml version="1.0" encoding="utf-8"?>
 <p:notes xmlns:a="http://schemas.openxmlformats.org/drawingml/2006/main" xmlns:r="http://schemas.openxmlformats.org/officeDocument/2006/relationships" xmlns:p="http://schemas.openxmlformats.org/presentationml/2006/main">
   <p:cSld>
     <p:spTree>
@@ -2728,7 +2935,7 @@
                 </a:solidFill>
               </a:rPr>
               <a:pPr/>
-              <a:t>15</a:t>
+              <a:t>16</a:t>
             </a:fld>
             <a:endParaRPr lang="it-IT" altLang="it-IT" sz="1200">
               <a:solidFill>
@@ -4907,15 +5114,81 @@
           <a:bodyPr/>
           <a:lstStyle/>
           <a:p>
-            <a:pPr eaLnBrk="1" hangingPunct="1"/>
-            <a:endParaRPr lang="it-IT" altLang="it-IT"/>
+            <a:pPr marL="171450" indent="-171450" eaLnBrk="1" hangingPunct="1">
+              <a:buFont typeface="Arial" panose="020B0604020202020204" pitchFamily="34" charset="0"/>
+              <a:buChar char="•"/>
+            </a:pPr>
+            <a:r>
+              <a:rPr lang="it-IT" altLang="it-IT" dirty="0"/>
+              <a:t>https://lightning.ai/docs/pytorch/stable/notebooks/course_UvA-DL/05-transformers-and-MH-attention.html</a:t>
+            </a:r>
+          </a:p>
+          <a:p>
+            <a:pPr marL="171450" indent="-171450" eaLnBrk="1" hangingPunct="1">
+              <a:buFont typeface="Arial" panose="020B0604020202020204" pitchFamily="34" charset="0"/>
+              <a:buChar char="•"/>
+            </a:pPr>
+            <a:r>
+              <a:rPr lang="it-IT" altLang="it-IT" dirty="0"/>
+              <a:t>https://uvadlc-notebooks.readthedocs.io/en/latest/tutorial_notebooks/tutorial6/Transformers_and_MHAttention.html</a:t>
+            </a:r>
+          </a:p>
+          <a:p>
+            <a:pPr marL="171450" indent="-171450" eaLnBrk="1" hangingPunct="1">
+              <a:buFont typeface="Arial" panose="020B0604020202020204" pitchFamily="34" charset="0"/>
+              <a:buChar char="•"/>
+            </a:pPr>
+            <a:r>
+              <a:rPr lang="it-IT" altLang="it-IT" dirty="0"/>
+              <a:t>http://jalammar.github.io/illustrated-transformer/</a:t>
+            </a:r>
+          </a:p>
+          <a:p>
+            <a:pPr marL="171450" indent="-171450" eaLnBrk="1" hangingPunct="1">
+              <a:buFont typeface="Arial" panose="020B0604020202020204" pitchFamily="34" charset="0"/>
+              <a:buChar char="•"/>
+            </a:pPr>
+            <a:r>
+              <a:rPr lang="it-IT" altLang="it-IT" dirty="0"/>
+              <a:t>https://lilianweng.github.io/posts/2020-04-07-the-transformer-family/</a:t>
+            </a:r>
+          </a:p>
+          <a:p>
+            <a:pPr marL="171450" indent="-171450" eaLnBrk="1" hangingPunct="1">
+              <a:buFont typeface="Arial" panose="020B0604020202020204" pitchFamily="34" charset="0"/>
+              <a:buChar char="•"/>
+            </a:pPr>
+            <a:r>
+              <a:rPr lang="it-IT" altLang="it-IT" dirty="0"/>
+              <a:t>https://blogs.nvidia.com/blog/2022/03/25/what-is-a-transformer-model/</a:t>
+            </a:r>
+          </a:p>
+          <a:p>
+            <a:pPr marL="171450" indent="-171450" eaLnBrk="1" hangingPunct="1">
+              <a:buFont typeface="Arial" panose="020B0604020202020204" pitchFamily="34" charset="0"/>
+              <a:buChar char="•"/>
+            </a:pPr>
+            <a:r>
+              <a:rPr lang="it-IT" altLang="it-IT" dirty="0"/>
+              <a:t>https://en.wikipedia.org/wiki/Vision_transformer</a:t>
+            </a:r>
+          </a:p>
+          <a:p>
+            <a:pPr marL="171450" indent="-171450" eaLnBrk="1" hangingPunct="1">
+              <a:buFont typeface="Arial" panose="020B0604020202020204" pitchFamily="34" charset="0"/>
+              <a:buChar char="•"/>
+            </a:pPr>
+            <a:r>
+              <a:rPr lang="it-IT" altLang="it-IT" dirty="0"/>
+              <a:t>https://lightning.ai/docs/pytorch/stable/notebooks/course_UvA-DL/11-vision-transformer.html</a:t>
+            </a:r>
           </a:p>
         </p:txBody>
       </p:sp>
     </p:spTree>
     <p:extLst>
       <p:ext uri="{BB962C8B-B14F-4D97-AF65-F5344CB8AC3E}">
-        <p14:creationId xmlns:p14="http://schemas.microsoft.com/office/powerpoint/2010/main" val="3450636289"/>
+        <p14:creationId xmlns:p14="http://schemas.microsoft.com/office/powerpoint/2010/main" val="3545543513"/>
       </p:ext>
     </p:extLst>
   </p:cSld>
@@ -11111,46 +11384,311 @@
           </a:p>
         </p:txBody>
       </p:sp>
-      <p:pic>
-        <p:nvPicPr>
-          <p:cNvPr id="8" name="Immagine 7" descr="Immagine che contiene diagramma, Piano, testo, Disegno tecnico&#10;&#10;Descrizione generata automaticamente">
+      <p:grpSp>
+        <p:nvGrpSpPr>
+          <p:cNvPr id="5" name="Gruppo 4">
             <a:extLst>
               <a:ext uri="{FF2B5EF4-FFF2-40B4-BE49-F238E27FC236}">
-                <a16:creationId xmlns:a16="http://schemas.microsoft.com/office/drawing/2014/main" id="{23B5AA08-78D2-48A6-2426-3D54B16A9A78}"/>
+                <a16:creationId xmlns:a16="http://schemas.microsoft.com/office/drawing/2014/main" id="{8BB0B6F9-D21D-65DD-6705-CBC14B27754E}"/>
               </a:ext>
             </a:extLst>
           </p:cNvPr>
-          <p:cNvPicPr>
-            <a:picLocks noChangeAspect="1"/>
-          </p:cNvPicPr>
+          <p:cNvGrpSpPr/>
           <p:nvPr/>
-        </p:nvPicPr>
-        <p:blipFill>
-          <a:blip r:embed="rId3">
+        </p:nvGrpSpPr>
+        <p:grpSpPr>
+          <a:xfrm>
+            <a:off x="323528" y="2204865"/>
+            <a:ext cx="4032448" cy="2540024"/>
+            <a:chOff x="323528" y="2204865"/>
+            <a:chExt cx="4032448" cy="2540024"/>
+          </a:xfrm>
+        </p:grpSpPr>
+        <p:pic>
+          <p:nvPicPr>
+            <p:cNvPr id="10" name="Immagine 9" descr="Immagine che contiene linea, testo, schermata, Parallelo&#10;&#10;Descrizione generata automaticamente">
+              <a:extLst>
+                <a:ext uri="{FF2B5EF4-FFF2-40B4-BE49-F238E27FC236}">
+                  <a16:creationId xmlns:a16="http://schemas.microsoft.com/office/drawing/2014/main" id="{9C6F7C22-C629-6372-576A-01A5A0FE7C8A}"/>
+                </a:ext>
+              </a:extLst>
+            </p:cNvPr>
+            <p:cNvPicPr>
+              <a:picLocks noChangeAspect="1"/>
+            </p:cNvPicPr>
+            <p:nvPr/>
+          </p:nvPicPr>
+          <p:blipFill rotWithShape="1">
+            <a:blip r:embed="rId3">
+              <a:extLst>
+                <a:ext uri="{28A0092B-C50C-407E-A947-70E740481C1C}">
+                  <a14:useLocalDpi xmlns:a14="http://schemas.microsoft.com/office/drawing/2010/main" val="0"/>
+                </a:ext>
+              </a:extLst>
+            </a:blip>
+            <a:srcRect b="7843"/>
+            <a:stretch/>
+          </p:blipFill>
+          <p:spPr>
+            <a:xfrm>
+              <a:off x="371872" y="2204865"/>
+              <a:ext cx="3984104" cy="2088232"/>
+            </a:xfrm>
+            <a:prstGeom prst="rect">
+              <a:avLst/>
+            </a:prstGeom>
+          </p:spPr>
+        </p:pic>
+        <p:sp>
+          <p:nvSpPr>
+            <p:cNvPr id="2" name="CasellaDiTesto 1">
+              <a:extLst>
+                <a:ext uri="{FF2B5EF4-FFF2-40B4-BE49-F238E27FC236}">
+                  <a16:creationId xmlns:a16="http://schemas.microsoft.com/office/drawing/2014/main" id="{F980ABBB-7E03-FAF4-8FAD-BFE7E77540C3}"/>
+                </a:ext>
+              </a:extLst>
+            </p:cNvPr>
+            <p:cNvSpPr txBox="1"/>
+            <p:nvPr/>
+          </p:nvSpPr>
+          <p:spPr>
+            <a:xfrm>
+              <a:off x="323528" y="4437112"/>
+              <a:ext cx="2255912" cy="307777"/>
+            </a:xfrm>
+            <a:prstGeom prst="rect">
+              <a:avLst/>
+            </a:prstGeom>
+            <a:noFill/>
+          </p:spPr>
+          <p:txBody>
+            <a:bodyPr wrap="square" rtlCol="0">
+              <a:spAutoFit/>
+            </a:bodyPr>
+            <a:lstStyle/>
+            <a:p>
+              <a:pPr algn="ctr"/>
+              <a:r>
+                <a:rPr lang="it-IT" sz="1100" dirty="0">
+                  <a:solidFill>
+                    <a:srgbClr val="000000"/>
+                  </a:solidFill>
+                </a:rPr>
+                <a:t>(a.1)</a:t>
+              </a:r>
+              <a:r>
+                <a:rPr lang="it-IT" sz="1400" dirty="0">
+                  <a:solidFill>
+                    <a:srgbClr val="000000"/>
+                  </a:solidFill>
+                </a:rPr>
+                <a:t> </a:t>
+              </a:r>
+              <a:r>
+                <a:rPr lang="it-IT" sz="1400" dirty="0" err="1">
+                  <a:solidFill>
+                    <a:srgbClr val="000000"/>
+                  </a:solidFill>
+                </a:rPr>
+                <a:t>Swin</a:t>
+              </a:r>
+              <a:r>
+                <a:rPr lang="it-IT" sz="1400" dirty="0">
+                  <a:solidFill>
+                    <a:srgbClr val="000000"/>
+                  </a:solidFill>
+                </a:rPr>
+                <a:t>-Transformer</a:t>
+              </a:r>
+            </a:p>
+          </p:txBody>
+        </p:sp>
+        <p:sp>
+          <p:nvSpPr>
+            <p:cNvPr id="3" name="CasellaDiTesto 2">
+              <a:extLst>
+                <a:ext uri="{FF2B5EF4-FFF2-40B4-BE49-F238E27FC236}">
+                  <a16:creationId xmlns:a16="http://schemas.microsoft.com/office/drawing/2014/main" id="{EBEC78CD-09E8-7813-076A-1069AA949FD8}"/>
+                </a:ext>
+              </a:extLst>
+            </p:cNvPr>
+            <p:cNvSpPr txBox="1"/>
+            <p:nvPr/>
+          </p:nvSpPr>
+          <p:spPr>
+            <a:xfrm>
+              <a:off x="2987824" y="4437112"/>
+              <a:ext cx="936104" cy="307777"/>
+            </a:xfrm>
+            <a:prstGeom prst="rect">
+              <a:avLst/>
+            </a:prstGeom>
+            <a:noFill/>
+          </p:spPr>
+          <p:txBody>
+            <a:bodyPr wrap="square" rtlCol="0">
+              <a:spAutoFit/>
+            </a:bodyPr>
+            <a:lstStyle/>
+            <a:p>
+              <a:pPr algn="ctr"/>
+              <a:r>
+                <a:rPr lang="it-IT" sz="1100" dirty="0">
+                  <a:solidFill>
+                    <a:srgbClr val="000000"/>
+                  </a:solidFill>
+                </a:rPr>
+                <a:t>(a.2)</a:t>
+              </a:r>
+              <a:r>
+                <a:rPr lang="it-IT" sz="1400" dirty="0">
+                  <a:solidFill>
+                    <a:srgbClr val="000000"/>
+                  </a:solidFill>
+                </a:rPr>
+                <a:t> </a:t>
+              </a:r>
+              <a:r>
+                <a:rPr lang="it-IT" sz="1400" dirty="0" err="1">
+                  <a:solidFill>
+                    <a:srgbClr val="000000"/>
+                  </a:solidFill>
+                </a:rPr>
+                <a:t>ViT</a:t>
+              </a:r>
+              <a:endParaRPr lang="it-IT" sz="1400" dirty="0">
+                <a:solidFill>
+                  <a:srgbClr val="000000"/>
+                </a:solidFill>
+              </a:endParaRPr>
+            </a:p>
+          </p:txBody>
+        </p:sp>
+      </p:grpSp>
+      <p:grpSp>
+        <p:nvGrpSpPr>
+          <p:cNvPr id="9" name="Gruppo 8">
             <a:extLst>
-              <a:ext uri="{28A0092B-C50C-407E-A947-70E740481C1C}">
-                <a14:useLocalDpi xmlns:a14="http://schemas.microsoft.com/office/drawing/2010/main" val="0"/>
+              <a:ext uri="{FF2B5EF4-FFF2-40B4-BE49-F238E27FC236}">
+                <a16:creationId xmlns:a16="http://schemas.microsoft.com/office/drawing/2014/main" id="{882ED3A3-5F71-8353-4982-D92A80AF4F0F}"/>
               </a:ext>
             </a:extLst>
-          </a:blip>
-          <a:stretch>
-            <a:fillRect/>
-          </a:stretch>
-        </p:blipFill>
-        <p:spPr>
+          </p:cNvPr>
+          <p:cNvGrpSpPr/>
+          <p:nvPr/>
+        </p:nvGrpSpPr>
+        <p:grpSpPr>
           <a:xfrm>
-            <a:off x="755576" y="914400"/>
-            <a:ext cx="7704856" cy="4436363"/>
+            <a:off x="4860032" y="2509897"/>
+            <a:ext cx="4083707" cy="2225013"/>
+            <a:chOff x="4860032" y="2509897"/>
+            <a:chExt cx="4083707" cy="2225013"/>
           </a:xfrm>
-          <a:prstGeom prst="rect">
-            <a:avLst/>
-          </a:prstGeom>
-        </p:spPr>
-      </p:pic>
+        </p:grpSpPr>
+        <p:pic>
+          <p:nvPicPr>
+            <p:cNvPr id="6" name="Immagine 5" descr="Immagine che contiene schermata, Rettangolo, finestra&#10;&#10;Descrizione generata automaticamente">
+              <a:extLst>
+                <a:ext uri="{FF2B5EF4-FFF2-40B4-BE49-F238E27FC236}">
+                  <a16:creationId xmlns:a16="http://schemas.microsoft.com/office/drawing/2014/main" id="{FD9D615A-3CF0-6CDA-90C1-02C4DEC2EB13}"/>
+                </a:ext>
+              </a:extLst>
+            </p:cNvPr>
+            <p:cNvPicPr>
+              <a:picLocks noChangeAspect="1"/>
+            </p:cNvPicPr>
+            <p:nvPr/>
+          </p:nvPicPr>
+          <p:blipFill rotWithShape="1">
+            <a:blip r:embed="rId4">
+              <a:extLst>
+                <a:ext uri="{28A0092B-C50C-407E-A947-70E740481C1C}">
+                  <a14:useLocalDpi xmlns:a14="http://schemas.microsoft.com/office/drawing/2010/main" val="0"/>
+                </a:ext>
+              </a:extLst>
+            </a:blip>
+            <a:srcRect b="5357"/>
+            <a:stretch/>
+          </p:blipFill>
+          <p:spPr>
+            <a:xfrm>
+              <a:off x="4860032" y="2509897"/>
+              <a:ext cx="4083707" cy="1567176"/>
+            </a:xfrm>
+            <a:prstGeom prst="rect">
+              <a:avLst/>
+            </a:prstGeom>
+          </p:spPr>
+        </p:pic>
+        <p:sp>
+          <p:nvSpPr>
+            <p:cNvPr id="7" name="CasellaDiTesto 6">
+              <a:extLst>
+                <a:ext uri="{FF2B5EF4-FFF2-40B4-BE49-F238E27FC236}">
+                  <a16:creationId xmlns:a16="http://schemas.microsoft.com/office/drawing/2014/main" id="{8F3CED5B-444B-816B-7DB5-6E519F66D9CE}"/>
+                </a:ext>
+              </a:extLst>
+            </p:cNvPr>
+            <p:cNvSpPr txBox="1"/>
+            <p:nvPr/>
+          </p:nvSpPr>
+          <p:spPr>
+            <a:xfrm>
+              <a:off x="5773929" y="4427133"/>
+              <a:ext cx="2255912" cy="307777"/>
+            </a:xfrm>
+            <a:prstGeom prst="rect">
+              <a:avLst/>
+            </a:prstGeom>
+            <a:noFill/>
+          </p:spPr>
+          <p:txBody>
+            <a:bodyPr wrap="square" rtlCol="0">
+              <a:spAutoFit/>
+            </a:bodyPr>
+            <a:lstStyle/>
+            <a:p>
+              <a:pPr algn="ctr"/>
+              <a:r>
+                <a:rPr lang="it-IT" sz="1100" dirty="0">
+                  <a:solidFill>
+                    <a:srgbClr val="000000"/>
+                  </a:solidFill>
+                </a:rPr>
+                <a:t>(b)</a:t>
+              </a:r>
+              <a:r>
+                <a:rPr lang="it-IT" sz="1400" dirty="0">
+                  <a:solidFill>
+                    <a:srgbClr val="000000"/>
+                  </a:solidFill>
+                </a:rPr>
+                <a:t> </a:t>
+              </a:r>
+              <a:r>
+                <a:rPr lang="it-IT" sz="1400" dirty="0" err="1">
+                  <a:solidFill>
+                    <a:srgbClr val="000000"/>
+                  </a:solidFill>
+                </a:rPr>
+                <a:t>Shifted</a:t>
+              </a:r>
+              <a:r>
+                <a:rPr lang="it-IT" sz="1400" dirty="0">
+                  <a:solidFill>
+                    <a:srgbClr val="000000"/>
+                  </a:solidFill>
+                </a:rPr>
+                <a:t> Window</a:t>
+              </a:r>
+            </a:p>
+          </p:txBody>
+        </p:sp>
+      </p:grpSp>
     </p:spTree>
     <p:extLst>
       <p:ext uri="{BB962C8B-B14F-4D97-AF65-F5344CB8AC3E}">
-        <p14:creationId xmlns:p14="http://schemas.microsoft.com/office/powerpoint/2010/main" val="894709161"/>
+        <p14:creationId xmlns:p14="http://schemas.microsoft.com/office/powerpoint/2010/main" val="3407652967"/>
       </p:ext>
     </p:extLst>
   </p:cSld>
@@ -11645,6 +12183,579 @@
               <a:rPr lang="it-IT" altLang="it-IT" sz="1100" smtClean="0"/>
               <a:pPr/>
               <a:t>11</a:t>
+            </a:fld>
+            <a:endParaRPr lang="it-IT" altLang="it-IT" sz="1100"/>
+          </a:p>
+        </p:txBody>
+      </p:sp>
+      <p:sp>
+        <p:nvSpPr>
+          <p:cNvPr id="8197" name="Rectangle 2">
+            <a:extLst>
+              <a:ext uri="{FF2B5EF4-FFF2-40B4-BE49-F238E27FC236}">
+                <a16:creationId xmlns:a16="http://schemas.microsoft.com/office/drawing/2014/main" id="{40621EC2-CD26-9DDE-5482-6088DF20FFA4}"/>
+              </a:ext>
+            </a:extLst>
+          </p:cNvPr>
+          <p:cNvSpPr>
+            <a:spLocks noGrp="1" noChangeArrowheads="1"/>
+          </p:cNvSpPr>
+          <p:nvPr>
+            <p:ph type="title"/>
+          </p:nvPr>
+        </p:nvSpPr>
+        <p:spPr>
+          <a:xfrm>
+            <a:off x="1116013" y="409575"/>
+            <a:ext cx="7416800" cy="504825"/>
+          </a:xfrm>
+        </p:spPr>
+        <p:txBody>
+          <a:bodyPr/>
+          <a:lstStyle/>
+          <a:p>
+            <a:pPr eaLnBrk="1" hangingPunct="1"/>
+            <a:r>
+              <a:rPr lang="it-IT" altLang="it-IT"/>
+              <a:t>Literature Review</a:t>
+            </a:r>
+          </a:p>
+        </p:txBody>
+      </p:sp>
+      <p:pic>
+        <p:nvPicPr>
+          <p:cNvPr id="8" name="Immagine 7">
+            <a:extLst>
+              <a:ext uri="{FF2B5EF4-FFF2-40B4-BE49-F238E27FC236}">
+                <a16:creationId xmlns:a16="http://schemas.microsoft.com/office/drawing/2014/main" id="{D9F2CACE-A9A3-E6F9-F0C6-08C7C65315F5}"/>
+              </a:ext>
+            </a:extLst>
+          </p:cNvPr>
+          <p:cNvPicPr>
+            <a:picLocks noChangeAspect="1"/>
+          </p:cNvPicPr>
+          <p:nvPr/>
+        </p:nvPicPr>
+        <p:blipFill>
+          <a:blip r:embed="rId3">
+            <a:extLst>
+              <a:ext uri="{28A0092B-C50C-407E-A947-70E740481C1C}">
+                <a14:useLocalDpi xmlns:a14="http://schemas.microsoft.com/office/drawing/2010/main" val="0"/>
+              </a:ext>
+            </a:extLst>
+          </a:blip>
+          <a:stretch>
+            <a:fillRect/>
+          </a:stretch>
+        </p:blipFill>
+        <p:spPr>
+          <a:xfrm>
+            <a:off x="573621" y="1760073"/>
+            <a:ext cx="7996758" cy="3337854"/>
+          </a:xfrm>
+          <a:prstGeom prst="rect">
+            <a:avLst/>
+          </a:prstGeom>
+        </p:spPr>
+      </p:pic>
+    </p:spTree>
+    <p:extLst>
+      <p:ext uri="{BB962C8B-B14F-4D97-AF65-F5344CB8AC3E}">
+        <p14:creationId xmlns:p14="http://schemas.microsoft.com/office/powerpoint/2010/main" val="3987011878"/>
+      </p:ext>
+    </p:extLst>
+  </p:cSld>
+  <p:clrMapOvr>
+    <a:masterClrMapping/>
+  </p:clrMapOvr>
+</p:sld>
+</file>
+
+<file path=ppt/slides/slide12.xml><?xml version="1.0" encoding="utf-8"?>
+<p:sld xmlns:a="http://schemas.openxmlformats.org/drawingml/2006/main" xmlns:r="http://schemas.openxmlformats.org/officeDocument/2006/relationships" xmlns:p="http://schemas.openxmlformats.org/presentationml/2006/main" show="0">
+  <p:cSld>
+    <p:spTree>
+      <p:nvGrpSpPr>
+        <p:cNvPr id="1" name=""/>
+        <p:cNvGrpSpPr/>
+        <p:nvPr/>
+      </p:nvGrpSpPr>
+      <p:grpSpPr>
+        <a:xfrm>
+          <a:off x="0" y="0"/>
+          <a:ext cx="0" cy="0"/>
+          <a:chOff x="0" y="0"/>
+          <a:chExt cx="0" cy="0"/>
+        </a:xfrm>
+      </p:grpSpPr>
+      <p:sp>
+        <p:nvSpPr>
+          <p:cNvPr id="8194" name="Segnaposto data 3">
+            <a:extLst>
+              <a:ext uri="{FF2B5EF4-FFF2-40B4-BE49-F238E27FC236}">
+                <a16:creationId xmlns:a16="http://schemas.microsoft.com/office/drawing/2014/main" id="{89F239C3-1771-5E40-418C-68B34C600A68}"/>
+              </a:ext>
+            </a:extLst>
+          </p:cNvPr>
+          <p:cNvSpPr>
+            <a:spLocks noGrp="1"/>
+          </p:cNvSpPr>
+          <p:nvPr>
+            <p:ph type="dt" sz="quarter" idx="10"/>
+          </p:nvPr>
+        </p:nvSpPr>
+        <p:spPr>
+          <a:noFill/>
+          <a:extLst>
+            <a:ext uri="{909E8E84-426E-40DD-AFC4-6F175D3DCCD1}">
+              <a14:hiddenFill xmlns:a14="http://schemas.microsoft.com/office/drawing/2010/main">
+                <a:solidFill>
+                  <a:schemeClr val="accent1"/>
+                </a:solidFill>
+              </a14:hiddenFill>
+            </a:ext>
+            <a:ext uri="{91240B29-F687-4F45-9708-019B960494DF}">
+              <a14:hiddenLine xmlns:a14="http://schemas.microsoft.com/office/drawing/2010/main" w="9525">
+                <a:solidFill>
+                  <a:schemeClr val="tx1"/>
+                </a:solidFill>
+                <a:miter lim="800000"/>
+                <a:headEnd/>
+                <a:tailEnd/>
+              </a14:hiddenLine>
+            </a:ext>
+          </a:extLst>
+        </p:spPr>
+        <p:txBody>
+          <a:bodyPr/>
+          <a:lstStyle>
+            <a:lvl1pPr>
+              <a:defRPr sz="900">
+                <a:solidFill>
+                  <a:schemeClr val="bg1"/>
+                </a:solidFill>
+                <a:latin typeface="Arial" panose="020B0604020202020204" pitchFamily="34" charset="0"/>
+                <a:ea typeface="ＭＳ Ｐゴシック" panose="020B0600070205080204" pitchFamily="34" charset="-128"/>
+              </a:defRPr>
+            </a:lvl1pPr>
+            <a:lvl2pPr marL="742950" indent="-285750">
+              <a:defRPr sz="900">
+                <a:solidFill>
+                  <a:schemeClr val="bg1"/>
+                </a:solidFill>
+                <a:latin typeface="Arial" panose="020B0604020202020204" pitchFamily="34" charset="0"/>
+                <a:ea typeface="ＭＳ Ｐゴシック" panose="020B0600070205080204" pitchFamily="34" charset="-128"/>
+              </a:defRPr>
+            </a:lvl2pPr>
+            <a:lvl3pPr marL="1143000" indent="-228600">
+              <a:defRPr sz="900">
+                <a:solidFill>
+                  <a:schemeClr val="bg1"/>
+                </a:solidFill>
+                <a:latin typeface="Arial" panose="020B0604020202020204" pitchFamily="34" charset="0"/>
+                <a:ea typeface="ＭＳ Ｐゴシック" panose="020B0600070205080204" pitchFamily="34" charset="-128"/>
+              </a:defRPr>
+            </a:lvl3pPr>
+            <a:lvl4pPr marL="1600200" indent="-228600">
+              <a:defRPr sz="900">
+                <a:solidFill>
+                  <a:schemeClr val="bg1"/>
+                </a:solidFill>
+                <a:latin typeface="Arial" panose="020B0604020202020204" pitchFamily="34" charset="0"/>
+                <a:ea typeface="ＭＳ Ｐゴシック" panose="020B0600070205080204" pitchFamily="34" charset="-128"/>
+              </a:defRPr>
+            </a:lvl4pPr>
+            <a:lvl5pPr marL="2057400" indent="-228600">
+              <a:defRPr sz="900">
+                <a:solidFill>
+                  <a:schemeClr val="bg1"/>
+                </a:solidFill>
+                <a:latin typeface="Arial" panose="020B0604020202020204" pitchFamily="34" charset="0"/>
+                <a:ea typeface="ＭＳ Ｐゴシック" panose="020B0600070205080204" pitchFamily="34" charset="-128"/>
+              </a:defRPr>
+            </a:lvl5pPr>
+            <a:lvl6pPr marL="2514600" indent="-228600" eaLnBrk="0" fontAlgn="base" hangingPunct="0">
+              <a:spcBef>
+                <a:spcPct val="0"/>
+              </a:spcBef>
+              <a:spcAft>
+                <a:spcPct val="0"/>
+              </a:spcAft>
+              <a:defRPr sz="900">
+                <a:solidFill>
+                  <a:schemeClr val="bg1"/>
+                </a:solidFill>
+                <a:latin typeface="Arial" panose="020B0604020202020204" pitchFamily="34" charset="0"/>
+                <a:ea typeface="ＭＳ Ｐゴシック" panose="020B0600070205080204" pitchFamily="34" charset="-128"/>
+              </a:defRPr>
+            </a:lvl6pPr>
+            <a:lvl7pPr marL="2971800" indent="-228600" eaLnBrk="0" fontAlgn="base" hangingPunct="0">
+              <a:spcBef>
+                <a:spcPct val="0"/>
+              </a:spcBef>
+              <a:spcAft>
+                <a:spcPct val="0"/>
+              </a:spcAft>
+              <a:defRPr sz="900">
+                <a:solidFill>
+                  <a:schemeClr val="bg1"/>
+                </a:solidFill>
+                <a:latin typeface="Arial" panose="020B0604020202020204" pitchFamily="34" charset="0"/>
+                <a:ea typeface="ＭＳ Ｐゴシック" panose="020B0600070205080204" pitchFamily="34" charset="-128"/>
+              </a:defRPr>
+            </a:lvl7pPr>
+            <a:lvl8pPr marL="3429000" indent="-228600" eaLnBrk="0" fontAlgn="base" hangingPunct="0">
+              <a:spcBef>
+                <a:spcPct val="0"/>
+              </a:spcBef>
+              <a:spcAft>
+                <a:spcPct val="0"/>
+              </a:spcAft>
+              <a:defRPr sz="900">
+                <a:solidFill>
+                  <a:schemeClr val="bg1"/>
+                </a:solidFill>
+                <a:latin typeface="Arial" panose="020B0604020202020204" pitchFamily="34" charset="0"/>
+                <a:ea typeface="ＭＳ Ｐゴシック" panose="020B0600070205080204" pitchFamily="34" charset="-128"/>
+              </a:defRPr>
+            </a:lvl8pPr>
+            <a:lvl9pPr marL="3886200" indent="-228600" eaLnBrk="0" fontAlgn="base" hangingPunct="0">
+              <a:spcBef>
+                <a:spcPct val="0"/>
+              </a:spcBef>
+              <a:spcAft>
+                <a:spcPct val="0"/>
+              </a:spcAft>
+              <a:defRPr sz="900">
+                <a:solidFill>
+                  <a:schemeClr val="bg1"/>
+                </a:solidFill>
+                <a:latin typeface="Arial" panose="020B0604020202020204" pitchFamily="34" charset="0"/>
+                <a:ea typeface="ＭＳ Ｐゴシック" panose="020B0600070205080204" pitchFamily="34" charset="-128"/>
+              </a:defRPr>
+            </a:lvl9pPr>
+          </a:lstStyle>
+          <a:p>
+            <a:fld id="{9E582260-007F-4969-8198-F6C9C1A10CB4}" type="datetime1">
+              <a:rPr lang="it-IT" altLang="it-IT" sz="1100"/>
+              <a:pPr/>
+              <a:t>11/05/2023</a:t>
+            </a:fld>
+            <a:endParaRPr lang="it-IT" altLang="it-IT" sz="1100"/>
+          </a:p>
+        </p:txBody>
+      </p:sp>
+      <p:sp>
+        <p:nvSpPr>
+          <p:cNvPr id="8195" name="Segnaposto piè di pagina 4">
+            <a:extLst>
+              <a:ext uri="{FF2B5EF4-FFF2-40B4-BE49-F238E27FC236}">
+                <a16:creationId xmlns:a16="http://schemas.microsoft.com/office/drawing/2014/main" id="{33EE81AF-2BDE-6422-00EF-765BFCD88FDC}"/>
+              </a:ext>
+            </a:extLst>
+          </p:cNvPr>
+          <p:cNvSpPr>
+            <a:spLocks noGrp="1"/>
+          </p:cNvSpPr>
+          <p:nvPr>
+            <p:ph type="ftr" sz="quarter" idx="11"/>
+          </p:nvPr>
+        </p:nvSpPr>
+        <p:spPr>
+          <a:noFill/>
+          <a:extLst>
+            <a:ext uri="{909E8E84-426E-40DD-AFC4-6F175D3DCCD1}">
+              <a14:hiddenFill xmlns:a14="http://schemas.microsoft.com/office/drawing/2010/main">
+                <a:solidFill>
+                  <a:schemeClr val="accent1"/>
+                </a:solidFill>
+              </a14:hiddenFill>
+            </a:ext>
+            <a:ext uri="{91240B29-F687-4F45-9708-019B960494DF}">
+              <a14:hiddenLine xmlns:a14="http://schemas.microsoft.com/office/drawing/2010/main" w="9525">
+                <a:solidFill>
+                  <a:schemeClr val="tx1"/>
+                </a:solidFill>
+                <a:miter lim="800000"/>
+                <a:headEnd/>
+                <a:tailEnd/>
+              </a14:hiddenLine>
+            </a:ext>
+          </a:extLst>
+        </p:spPr>
+        <p:txBody>
+          <a:bodyPr/>
+          <a:lstStyle>
+            <a:lvl1pPr>
+              <a:defRPr sz="900">
+                <a:solidFill>
+                  <a:schemeClr val="bg1"/>
+                </a:solidFill>
+                <a:latin typeface="Arial" panose="020B0604020202020204" pitchFamily="34" charset="0"/>
+                <a:ea typeface="ＭＳ Ｐゴシック" panose="020B0600070205080204" pitchFamily="34" charset="-128"/>
+              </a:defRPr>
+            </a:lvl1pPr>
+            <a:lvl2pPr marL="742950" indent="-285750">
+              <a:defRPr sz="900">
+                <a:solidFill>
+                  <a:schemeClr val="bg1"/>
+                </a:solidFill>
+                <a:latin typeface="Arial" panose="020B0604020202020204" pitchFamily="34" charset="0"/>
+                <a:ea typeface="ＭＳ Ｐゴシック" panose="020B0600070205080204" pitchFamily="34" charset="-128"/>
+              </a:defRPr>
+            </a:lvl2pPr>
+            <a:lvl3pPr marL="1143000" indent="-228600">
+              <a:defRPr sz="900">
+                <a:solidFill>
+                  <a:schemeClr val="bg1"/>
+                </a:solidFill>
+                <a:latin typeface="Arial" panose="020B0604020202020204" pitchFamily="34" charset="0"/>
+                <a:ea typeface="ＭＳ Ｐゴシック" panose="020B0600070205080204" pitchFamily="34" charset="-128"/>
+              </a:defRPr>
+            </a:lvl3pPr>
+            <a:lvl4pPr marL="1600200" indent="-228600">
+              <a:defRPr sz="900">
+                <a:solidFill>
+                  <a:schemeClr val="bg1"/>
+                </a:solidFill>
+                <a:latin typeface="Arial" panose="020B0604020202020204" pitchFamily="34" charset="0"/>
+                <a:ea typeface="ＭＳ Ｐゴシック" panose="020B0600070205080204" pitchFamily="34" charset="-128"/>
+              </a:defRPr>
+            </a:lvl4pPr>
+            <a:lvl5pPr marL="2057400" indent="-228600">
+              <a:defRPr sz="900">
+                <a:solidFill>
+                  <a:schemeClr val="bg1"/>
+                </a:solidFill>
+                <a:latin typeface="Arial" panose="020B0604020202020204" pitchFamily="34" charset="0"/>
+                <a:ea typeface="ＭＳ Ｐゴシック" panose="020B0600070205080204" pitchFamily="34" charset="-128"/>
+              </a:defRPr>
+            </a:lvl5pPr>
+            <a:lvl6pPr marL="2514600" indent="-228600" eaLnBrk="0" fontAlgn="base" hangingPunct="0">
+              <a:spcBef>
+                <a:spcPct val="0"/>
+              </a:spcBef>
+              <a:spcAft>
+                <a:spcPct val="0"/>
+              </a:spcAft>
+              <a:defRPr sz="900">
+                <a:solidFill>
+                  <a:schemeClr val="bg1"/>
+                </a:solidFill>
+                <a:latin typeface="Arial" panose="020B0604020202020204" pitchFamily="34" charset="0"/>
+                <a:ea typeface="ＭＳ Ｐゴシック" panose="020B0600070205080204" pitchFamily="34" charset="-128"/>
+              </a:defRPr>
+            </a:lvl6pPr>
+            <a:lvl7pPr marL="2971800" indent="-228600" eaLnBrk="0" fontAlgn="base" hangingPunct="0">
+              <a:spcBef>
+                <a:spcPct val="0"/>
+              </a:spcBef>
+              <a:spcAft>
+                <a:spcPct val="0"/>
+              </a:spcAft>
+              <a:defRPr sz="900">
+                <a:solidFill>
+                  <a:schemeClr val="bg1"/>
+                </a:solidFill>
+                <a:latin typeface="Arial" panose="020B0604020202020204" pitchFamily="34" charset="0"/>
+                <a:ea typeface="ＭＳ Ｐゴシック" panose="020B0600070205080204" pitchFamily="34" charset="-128"/>
+              </a:defRPr>
+            </a:lvl7pPr>
+            <a:lvl8pPr marL="3429000" indent="-228600" eaLnBrk="0" fontAlgn="base" hangingPunct="0">
+              <a:spcBef>
+                <a:spcPct val="0"/>
+              </a:spcBef>
+              <a:spcAft>
+                <a:spcPct val="0"/>
+              </a:spcAft>
+              <a:defRPr sz="900">
+                <a:solidFill>
+                  <a:schemeClr val="bg1"/>
+                </a:solidFill>
+                <a:latin typeface="Arial" panose="020B0604020202020204" pitchFamily="34" charset="0"/>
+                <a:ea typeface="ＭＳ Ｐゴシック" panose="020B0600070205080204" pitchFamily="34" charset="-128"/>
+              </a:defRPr>
+            </a:lvl8pPr>
+            <a:lvl9pPr marL="3886200" indent="-228600" eaLnBrk="0" fontAlgn="base" hangingPunct="0">
+              <a:spcBef>
+                <a:spcPct val="0"/>
+              </a:spcBef>
+              <a:spcAft>
+                <a:spcPct val="0"/>
+              </a:spcAft>
+              <a:defRPr sz="900">
+                <a:solidFill>
+                  <a:schemeClr val="bg1"/>
+                </a:solidFill>
+                <a:latin typeface="Arial" panose="020B0604020202020204" pitchFamily="34" charset="0"/>
+                <a:ea typeface="ＭＳ Ｐゴシック" panose="020B0600070205080204" pitchFamily="34" charset="-128"/>
+              </a:defRPr>
+            </a:lvl9pPr>
+          </a:lstStyle>
+          <a:p>
+            <a:r>
+              <a:rPr lang="it-IT" altLang="it-IT" sz="1100"/>
+              <a:t>nnAttention U-net for Brain Tumor Segmentation</a:t>
+            </a:r>
+          </a:p>
+        </p:txBody>
+      </p:sp>
+      <p:sp>
+        <p:nvSpPr>
+          <p:cNvPr id="8196" name="Segnaposto numero diapositiva 5">
+            <a:extLst>
+              <a:ext uri="{FF2B5EF4-FFF2-40B4-BE49-F238E27FC236}">
+                <a16:creationId xmlns:a16="http://schemas.microsoft.com/office/drawing/2014/main" id="{2384839B-14AF-3709-A337-B8EEF9740B7F}"/>
+              </a:ext>
+            </a:extLst>
+          </p:cNvPr>
+          <p:cNvSpPr>
+            <a:spLocks noGrp="1"/>
+          </p:cNvSpPr>
+          <p:nvPr>
+            <p:ph type="sldNum" sz="quarter" idx="12"/>
+          </p:nvPr>
+        </p:nvSpPr>
+        <p:spPr>
+          <a:noFill/>
+          <a:extLst>
+            <a:ext uri="{909E8E84-426E-40DD-AFC4-6F175D3DCCD1}">
+              <a14:hiddenFill xmlns:a14="http://schemas.microsoft.com/office/drawing/2010/main">
+                <a:solidFill>
+                  <a:schemeClr val="accent1"/>
+                </a:solidFill>
+              </a14:hiddenFill>
+            </a:ext>
+            <a:ext uri="{91240B29-F687-4F45-9708-019B960494DF}">
+              <a14:hiddenLine xmlns:a14="http://schemas.microsoft.com/office/drawing/2010/main" w="9525">
+                <a:solidFill>
+                  <a:schemeClr val="tx1"/>
+                </a:solidFill>
+                <a:miter lim="800000"/>
+                <a:headEnd/>
+                <a:tailEnd/>
+              </a14:hiddenLine>
+            </a:ext>
+          </a:extLst>
+        </p:spPr>
+        <p:txBody>
+          <a:bodyPr/>
+          <a:lstStyle>
+            <a:lvl1pPr>
+              <a:defRPr sz="900">
+                <a:solidFill>
+                  <a:schemeClr val="bg1"/>
+                </a:solidFill>
+                <a:latin typeface="Arial" panose="020B0604020202020204" pitchFamily="34" charset="0"/>
+                <a:ea typeface="ＭＳ Ｐゴシック" panose="020B0600070205080204" pitchFamily="34" charset="-128"/>
+              </a:defRPr>
+            </a:lvl1pPr>
+            <a:lvl2pPr marL="742950" indent="-285750">
+              <a:defRPr sz="900">
+                <a:solidFill>
+                  <a:schemeClr val="bg1"/>
+                </a:solidFill>
+                <a:latin typeface="Arial" panose="020B0604020202020204" pitchFamily="34" charset="0"/>
+                <a:ea typeface="ＭＳ Ｐゴシック" panose="020B0600070205080204" pitchFamily="34" charset="-128"/>
+              </a:defRPr>
+            </a:lvl2pPr>
+            <a:lvl3pPr marL="1143000" indent="-228600">
+              <a:defRPr sz="900">
+                <a:solidFill>
+                  <a:schemeClr val="bg1"/>
+                </a:solidFill>
+                <a:latin typeface="Arial" panose="020B0604020202020204" pitchFamily="34" charset="0"/>
+                <a:ea typeface="ＭＳ Ｐゴシック" panose="020B0600070205080204" pitchFamily="34" charset="-128"/>
+              </a:defRPr>
+            </a:lvl3pPr>
+            <a:lvl4pPr marL="1600200" indent="-228600">
+              <a:defRPr sz="900">
+                <a:solidFill>
+                  <a:schemeClr val="bg1"/>
+                </a:solidFill>
+                <a:latin typeface="Arial" panose="020B0604020202020204" pitchFamily="34" charset="0"/>
+                <a:ea typeface="ＭＳ Ｐゴシック" panose="020B0600070205080204" pitchFamily="34" charset="-128"/>
+              </a:defRPr>
+            </a:lvl4pPr>
+            <a:lvl5pPr marL="2057400" indent="-228600">
+              <a:defRPr sz="900">
+                <a:solidFill>
+                  <a:schemeClr val="bg1"/>
+                </a:solidFill>
+                <a:latin typeface="Arial" panose="020B0604020202020204" pitchFamily="34" charset="0"/>
+                <a:ea typeface="ＭＳ Ｐゴシック" panose="020B0600070205080204" pitchFamily="34" charset="-128"/>
+              </a:defRPr>
+            </a:lvl5pPr>
+            <a:lvl6pPr marL="2514600" indent="-228600" eaLnBrk="0" fontAlgn="base" hangingPunct="0">
+              <a:spcBef>
+                <a:spcPct val="0"/>
+              </a:spcBef>
+              <a:spcAft>
+                <a:spcPct val="0"/>
+              </a:spcAft>
+              <a:defRPr sz="900">
+                <a:solidFill>
+                  <a:schemeClr val="bg1"/>
+                </a:solidFill>
+                <a:latin typeface="Arial" panose="020B0604020202020204" pitchFamily="34" charset="0"/>
+                <a:ea typeface="ＭＳ Ｐゴシック" panose="020B0600070205080204" pitchFamily="34" charset="-128"/>
+              </a:defRPr>
+            </a:lvl6pPr>
+            <a:lvl7pPr marL="2971800" indent="-228600" eaLnBrk="0" fontAlgn="base" hangingPunct="0">
+              <a:spcBef>
+                <a:spcPct val="0"/>
+              </a:spcBef>
+              <a:spcAft>
+                <a:spcPct val="0"/>
+              </a:spcAft>
+              <a:defRPr sz="900">
+                <a:solidFill>
+                  <a:schemeClr val="bg1"/>
+                </a:solidFill>
+                <a:latin typeface="Arial" panose="020B0604020202020204" pitchFamily="34" charset="0"/>
+                <a:ea typeface="ＭＳ Ｐゴシック" panose="020B0600070205080204" pitchFamily="34" charset="-128"/>
+              </a:defRPr>
+            </a:lvl7pPr>
+            <a:lvl8pPr marL="3429000" indent="-228600" eaLnBrk="0" fontAlgn="base" hangingPunct="0">
+              <a:spcBef>
+                <a:spcPct val="0"/>
+              </a:spcBef>
+              <a:spcAft>
+                <a:spcPct val="0"/>
+              </a:spcAft>
+              <a:defRPr sz="900">
+                <a:solidFill>
+                  <a:schemeClr val="bg1"/>
+                </a:solidFill>
+                <a:latin typeface="Arial" panose="020B0604020202020204" pitchFamily="34" charset="0"/>
+                <a:ea typeface="ＭＳ Ｐゴシック" panose="020B0600070205080204" pitchFamily="34" charset="-128"/>
+              </a:defRPr>
+            </a:lvl8pPr>
+            <a:lvl9pPr marL="3886200" indent="-228600" eaLnBrk="0" fontAlgn="base" hangingPunct="0">
+              <a:spcBef>
+                <a:spcPct val="0"/>
+              </a:spcBef>
+              <a:spcAft>
+                <a:spcPct val="0"/>
+              </a:spcAft>
+              <a:defRPr sz="900">
+                <a:solidFill>
+                  <a:schemeClr val="bg1"/>
+                </a:solidFill>
+                <a:latin typeface="Arial" panose="020B0604020202020204" pitchFamily="34" charset="0"/>
+                <a:ea typeface="ＭＳ Ｐゴシック" panose="020B0600070205080204" pitchFamily="34" charset="-128"/>
+              </a:defRPr>
+            </a:lvl9pPr>
+          </a:lstStyle>
+          <a:p>
+            <a:r>
+              <a:rPr lang="it-IT" altLang="it-IT" sz="1100"/>
+              <a:t>Pagina </a:t>
+            </a:r>
+            <a:fld id="{A5A0298B-8610-43D9-B58F-136B4E052372}" type="slidenum">
+              <a:rPr lang="it-IT" altLang="it-IT" sz="1100" smtClean="0"/>
+              <a:pPr/>
+              <a:t>12</a:t>
             </a:fld>
             <a:endParaRPr lang="it-IT" altLang="it-IT" sz="1100"/>
           </a:p>
@@ -11732,7 +12843,7 @@
 </p:sld>
 </file>
 
-<file path=ppt/slides/slide12.xml><?xml version="1.0" encoding="utf-8"?>
+<file path=ppt/slides/slide13.xml><?xml version="1.0" encoding="utf-8"?>
 <p:sld xmlns:a="http://schemas.openxmlformats.org/drawingml/2006/main" xmlns:r="http://schemas.openxmlformats.org/officeDocument/2006/relationships" xmlns:p="http://schemas.openxmlformats.org/presentationml/2006/main">
   <p:cSld>
     <p:spTree>
@@ -12216,7 +13327,580 @@
             <a:fld id="{A5A0298B-8610-43D9-B58F-136B4E052372}" type="slidenum">
               <a:rPr lang="it-IT" altLang="it-IT" sz="1100" smtClean="0"/>
               <a:pPr/>
-              <a:t>12</a:t>
+              <a:t>13</a:t>
+            </a:fld>
+            <a:endParaRPr lang="it-IT" altLang="it-IT" sz="1100"/>
+          </a:p>
+        </p:txBody>
+      </p:sp>
+      <p:sp>
+        <p:nvSpPr>
+          <p:cNvPr id="8197" name="Rectangle 2">
+            <a:extLst>
+              <a:ext uri="{FF2B5EF4-FFF2-40B4-BE49-F238E27FC236}">
+                <a16:creationId xmlns:a16="http://schemas.microsoft.com/office/drawing/2014/main" id="{40621EC2-CD26-9DDE-5482-6088DF20FFA4}"/>
+              </a:ext>
+            </a:extLst>
+          </p:cNvPr>
+          <p:cNvSpPr>
+            <a:spLocks noGrp="1" noChangeArrowheads="1"/>
+          </p:cNvSpPr>
+          <p:nvPr>
+            <p:ph type="title"/>
+          </p:nvPr>
+        </p:nvSpPr>
+        <p:spPr>
+          <a:xfrm>
+            <a:off x="1116013" y="409575"/>
+            <a:ext cx="7416800" cy="504825"/>
+          </a:xfrm>
+        </p:spPr>
+        <p:txBody>
+          <a:bodyPr/>
+          <a:lstStyle/>
+          <a:p>
+            <a:pPr eaLnBrk="1" hangingPunct="1"/>
+            <a:r>
+              <a:rPr lang="it-IT" altLang="it-IT"/>
+              <a:t>Literature Review</a:t>
+            </a:r>
+          </a:p>
+        </p:txBody>
+      </p:sp>
+      <p:pic>
+        <p:nvPicPr>
+          <p:cNvPr id="15" name="Immagine 14" descr="Immagine che contiene testo, diagramma, schermata, Piano&#10;&#10;Descrizione generata automaticamente">
+            <a:extLst>
+              <a:ext uri="{FF2B5EF4-FFF2-40B4-BE49-F238E27FC236}">
+                <a16:creationId xmlns:a16="http://schemas.microsoft.com/office/drawing/2014/main" id="{61CA3713-5C75-FE69-9CB8-0659D16E6FA0}"/>
+              </a:ext>
+            </a:extLst>
+          </p:cNvPr>
+          <p:cNvPicPr>
+            <a:picLocks noChangeAspect="1"/>
+          </p:cNvPicPr>
+          <p:nvPr/>
+        </p:nvPicPr>
+        <p:blipFill>
+          <a:blip r:embed="rId3">
+            <a:extLst>
+              <a:ext uri="{28A0092B-C50C-407E-A947-70E740481C1C}">
+                <a14:useLocalDpi xmlns:a14="http://schemas.microsoft.com/office/drawing/2010/main" val="0"/>
+              </a:ext>
+            </a:extLst>
+          </a:blip>
+          <a:stretch>
+            <a:fillRect/>
+          </a:stretch>
+        </p:blipFill>
+        <p:spPr>
+          <a:xfrm>
+            <a:off x="183862" y="1775544"/>
+            <a:ext cx="8776276" cy="3306911"/>
+          </a:xfrm>
+          <a:prstGeom prst="rect">
+            <a:avLst/>
+          </a:prstGeom>
+        </p:spPr>
+      </p:pic>
+    </p:spTree>
+    <p:extLst>
+      <p:ext uri="{BB962C8B-B14F-4D97-AF65-F5344CB8AC3E}">
+        <p14:creationId xmlns:p14="http://schemas.microsoft.com/office/powerpoint/2010/main" val="3907374012"/>
+      </p:ext>
+    </p:extLst>
+  </p:cSld>
+  <p:clrMapOvr>
+    <a:masterClrMapping/>
+  </p:clrMapOvr>
+</p:sld>
+</file>
+
+<file path=ppt/slides/slide14.xml><?xml version="1.0" encoding="utf-8"?>
+<p:sld xmlns:a="http://schemas.openxmlformats.org/drawingml/2006/main" xmlns:r="http://schemas.openxmlformats.org/officeDocument/2006/relationships" xmlns:p="http://schemas.openxmlformats.org/presentationml/2006/main">
+  <p:cSld>
+    <p:spTree>
+      <p:nvGrpSpPr>
+        <p:cNvPr id="1" name=""/>
+        <p:cNvGrpSpPr/>
+        <p:nvPr/>
+      </p:nvGrpSpPr>
+      <p:grpSpPr>
+        <a:xfrm>
+          <a:off x="0" y="0"/>
+          <a:ext cx="0" cy="0"/>
+          <a:chOff x="0" y="0"/>
+          <a:chExt cx="0" cy="0"/>
+        </a:xfrm>
+      </p:grpSpPr>
+      <p:sp>
+        <p:nvSpPr>
+          <p:cNvPr id="8194" name="Segnaposto data 3">
+            <a:extLst>
+              <a:ext uri="{FF2B5EF4-FFF2-40B4-BE49-F238E27FC236}">
+                <a16:creationId xmlns:a16="http://schemas.microsoft.com/office/drawing/2014/main" id="{89F239C3-1771-5E40-418C-68B34C600A68}"/>
+              </a:ext>
+            </a:extLst>
+          </p:cNvPr>
+          <p:cNvSpPr>
+            <a:spLocks noGrp="1"/>
+          </p:cNvSpPr>
+          <p:nvPr>
+            <p:ph type="dt" sz="quarter" idx="10"/>
+          </p:nvPr>
+        </p:nvSpPr>
+        <p:spPr>
+          <a:noFill/>
+          <a:extLst>
+            <a:ext uri="{909E8E84-426E-40DD-AFC4-6F175D3DCCD1}">
+              <a14:hiddenFill xmlns:a14="http://schemas.microsoft.com/office/drawing/2010/main">
+                <a:solidFill>
+                  <a:schemeClr val="accent1"/>
+                </a:solidFill>
+              </a14:hiddenFill>
+            </a:ext>
+            <a:ext uri="{91240B29-F687-4F45-9708-019B960494DF}">
+              <a14:hiddenLine xmlns:a14="http://schemas.microsoft.com/office/drawing/2010/main" w="9525">
+                <a:solidFill>
+                  <a:schemeClr val="tx1"/>
+                </a:solidFill>
+                <a:miter lim="800000"/>
+                <a:headEnd/>
+                <a:tailEnd/>
+              </a14:hiddenLine>
+            </a:ext>
+          </a:extLst>
+        </p:spPr>
+        <p:txBody>
+          <a:bodyPr/>
+          <a:lstStyle>
+            <a:lvl1pPr>
+              <a:defRPr sz="900">
+                <a:solidFill>
+                  <a:schemeClr val="bg1"/>
+                </a:solidFill>
+                <a:latin typeface="Arial" panose="020B0604020202020204" pitchFamily="34" charset="0"/>
+                <a:ea typeface="ＭＳ Ｐゴシック" panose="020B0600070205080204" pitchFamily="34" charset="-128"/>
+              </a:defRPr>
+            </a:lvl1pPr>
+            <a:lvl2pPr marL="742950" indent="-285750">
+              <a:defRPr sz="900">
+                <a:solidFill>
+                  <a:schemeClr val="bg1"/>
+                </a:solidFill>
+                <a:latin typeface="Arial" panose="020B0604020202020204" pitchFamily="34" charset="0"/>
+                <a:ea typeface="ＭＳ Ｐゴシック" panose="020B0600070205080204" pitchFamily="34" charset="-128"/>
+              </a:defRPr>
+            </a:lvl2pPr>
+            <a:lvl3pPr marL="1143000" indent="-228600">
+              <a:defRPr sz="900">
+                <a:solidFill>
+                  <a:schemeClr val="bg1"/>
+                </a:solidFill>
+                <a:latin typeface="Arial" panose="020B0604020202020204" pitchFamily="34" charset="0"/>
+                <a:ea typeface="ＭＳ Ｐゴシック" panose="020B0600070205080204" pitchFamily="34" charset="-128"/>
+              </a:defRPr>
+            </a:lvl3pPr>
+            <a:lvl4pPr marL="1600200" indent="-228600">
+              <a:defRPr sz="900">
+                <a:solidFill>
+                  <a:schemeClr val="bg1"/>
+                </a:solidFill>
+                <a:latin typeface="Arial" panose="020B0604020202020204" pitchFamily="34" charset="0"/>
+                <a:ea typeface="ＭＳ Ｐゴシック" panose="020B0600070205080204" pitchFamily="34" charset="-128"/>
+              </a:defRPr>
+            </a:lvl4pPr>
+            <a:lvl5pPr marL="2057400" indent="-228600">
+              <a:defRPr sz="900">
+                <a:solidFill>
+                  <a:schemeClr val="bg1"/>
+                </a:solidFill>
+                <a:latin typeface="Arial" panose="020B0604020202020204" pitchFamily="34" charset="0"/>
+                <a:ea typeface="ＭＳ Ｐゴシック" panose="020B0600070205080204" pitchFamily="34" charset="-128"/>
+              </a:defRPr>
+            </a:lvl5pPr>
+            <a:lvl6pPr marL="2514600" indent="-228600" eaLnBrk="0" fontAlgn="base" hangingPunct="0">
+              <a:spcBef>
+                <a:spcPct val="0"/>
+              </a:spcBef>
+              <a:spcAft>
+                <a:spcPct val="0"/>
+              </a:spcAft>
+              <a:defRPr sz="900">
+                <a:solidFill>
+                  <a:schemeClr val="bg1"/>
+                </a:solidFill>
+                <a:latin typeface="Arial" panose="020B0604020202020204" pitchFamily="34" charset="0"/>
+                <a:ea typeface="ＭＳ Ｐゴシック" panose="020B0600070205080204" pitchFamily="34" charset="-128"/>
+              </a:defRPr>
+            </a:lvl6pPr>
+            <a:lvl7pPr marL="2971800" indent="-228600" eaLnBrk="0" fontAlgn="base" hangingPunct="0">
+              <a:spcBef>
+                <a:spcPct val="0"/>
+              </a:spcBef>
+              <a:spcAft>
+                <a:spcPct val="0"/>
+              </a:spcAft>
+              <a:defRPr sz="900">
+                <a:solidFill>
+                  <a:schemeClr val="bg1"/>
+                </a:solidFill>
+                <a:latin typeface="Arial" panose="020B0604020202020204" pitchFamily="34" charset="0"/>
+                <a:ea typeface="ＭＳ Ｐゴシック" panose="020B0600070205080204" pitchFamily="34" charset="-128"/>
+              </a:defRPr>
+            </a:lvl7pPr>
+            <a:lvl8pPr marL="3429000" indent="-228600" eaLnBrk="0" fontAlgn="base" hangingPunct="0">
+              <a:spcBef>
+                <a:spcPct val="0"/>
+              </a:spcBef>
+              <a:spcAft>
+                <a:spcPct val="0"/>
+              </a:spcAft>
+              <a:defRPr sz="900">
+                <a:solidFill>
+                  <a:schemeClr val="bg1"/>
+                </a:solidFill>
+                <a:latin typeface="Arial" panose="020B0604020202020204" pitchFamily="34" charset="0"/>
+                <a:ea typeface="ＭＳ Ｐゴシック" panose="020B0600070205080204" pitchFamily="34" charset="-128"/>
+              </a:defRPr>
+            </a:lvl8pPr>
+            <a:lvl9pPr marL="3886200" indent="-228600" eaLnBrk="0" fontAlgn="base" hangingPunct="0">
+              <a:spcBef>
+                <a:spcPct val="0"/>
+              </a:spcBef>
+              <a:spcAft>
+                <a:spcPct val="0"/>
+              </a:spcAft>
+              <a:defRPr sz="900">
+                <a:solidFill>
+                  <a:schemeClr val="bg1"/>
+                </a:solidFill>
+                <a:latin typeface="Arial" panose="020B0604020202020204" pitchFamily="34" charset="0"/>
+                <a:ea typeface="ＭＳ Ｐゴシック" panose="020B0600070205080204" pitchFamily="34" charset="-128"/>
+              </a:defRPr>
+            </a:lvl9pPr>
+          </a:lstStyle>
+          <a:p>
+            <a:fld id="{9E582260-007F-4969-8198-F6C9C1A10CB4}" type="datetime1">
+              <a:rPr lang="it-IT" altLang="it-IT" sz="1100"/>
+              <a:pPr/>
+              <a:t>11/05/2023</a:t>
+            </a:fld>
+            <a:endParaRPr lang="it-IT" altLang="it-IT" sz="1100"/>
+          </a:p>
+        </p:txBody>
+      </p:sp>
+      <p:sp>
+        <p:nvSpPr>
+          <p:cNvPr id="8195" name="Segnaposto piè di pagina 4">
+            <a:extLst>
+              <a:ext uri="{FF2B5EF4-FFF2-40B4-BE49-F238E27FC236}">
+                <a16:creationId xmlns:a16="http://schemas.microsoft.com/office/drawing/2014/main" id="{33EE81AF-2BDE-6422-00EF-765BFCD88FDC}"/>
+              </a:ext>
+            </a:extLst>
+          </p:cNvPr>
+          <p:cNvSpPr>
+            <a:spLocks noGrp="1"/>
+          </p:cNvSpPr>
+          <p:nvPr>
+            <p:ph type="ftr" sz="quarter" idx="11"/>
+          </p:nvPr>
+        </p:nvSpPr>
+        <p:spPr>
+          <a:noFill/>
+          <a:extLst>
+            <a:ext uri="{909E8E84-426E-40DD-AFC4-6F175D3DCCD1}">
+              <a14:hiddenFill xmlns:a14="http://schemas.microsoft.com/office/drawing/2010/main">
+                <a:solidFill>
+                  <a:schemeClr val="accent1"/>
+                </a:solidFill>
+              </a14:hiddenFill>
+            </a:ext>
+            <a:ext uri="{91240B29-F687-4F45-9708-019B960494DF}">
+              <a14:hiddenLine xmlns:a14="http://schemas.microsoft.com/office/drawing/2010/main" w="9525">
+                <a:solidFill>
+                  <a:schemeClr val="tx1"/>
+                </a:solidFill>
+                <a:miter lim="800000"/>
+                <a:headEnd/>
+                <a:tailEnd/>
+              </a14:hiddenLine>
+            </a:ext>
+          </a:extLst>
+        </p:spPr>
+        <p:txBody>
+          <a:bodyPr/>
+          <a:lstStyle>
+            <a:lvl1pPr>
+              <a:defRPr sz="900">
+                <a:solidFill>
+                  <a:schemeClr val="bg1"/>
+                </a:solidFill>
+                <a:latin typeface="Arial" panose="020B0604020202020204" pitchFamily="34" charset="0"/>
+                <a:ea typeface="ＭＳ Ｐゴシック" panose="020B0600070205080204" pitchFamily="34" charset="-128"/>
+              </a:defRPr>
+            </a:lvl1pPr>
+            <a:lvl2pPr marL="742950" indent="-285750">
+              <a:defRPr sz="900">
+                <a:solidFill>
+                  <a:schemeClr val="bg1"/>
+                </a:solidFill>
+                <a:latin typeface="Arial" panose="020B0604020202020204" pitchFamily="34" charset="0"/>
+                <a:ea typeface="ＭＳ Ｐゴシック" panose="020B0600070205080204" pitchFamily="34" charset="-128"/>
+              </a:defRPr>
+            </a:lvl2pPr>
+            <a:lvl3pPr marL="1143000" indent="-228600">
+              <a:defRPr sz="900">
+                <a:solidFill>
+                  <a:schemeClr val="bg1"/>
+                </a:solidFill>
+                <a:latin typeface="Arial" panose="020B0604020202020204" pitchFamily="34" charset="0"/>
+                <a:ea typeface="ＭＳ Ｐゴシック" panose="020B0600070205080204" pitchFamily="34" charset="-128"/>
+              </a:defRPr>
+            </a:lvl3pPr>
+            <a:lvl4pPr marL="1600200" indent="-228600">
+              <a:defRPr sz="900">
+                <a:solidFill>
+                  <a:schemeClr val="bg1"/>
+                </a:solidFill>
+                <a:latin typeface="Arial" panose="020B0604020202020204" pitchFamily="34" charset="0"/>
+                <a:ea typeface="ＭＳ Ｐゴシック" panose="020B0600070205080204" pitchFamily="34" charset="-128"/>
+              </a:defRPr>
+            </a:lvl4pPr>
+            <a:lvl5pPr marL="2057400" indent="-228600">
+              <a:defRPr sz="900">
+                <a:solidFill>
+                  <a:schemeClr val="bg1"/>
+                </a:solidFill>
+                <a:latin typeface="Arial" panose="020B0604020202020204" pitchFamily="34" charset="0"/>
+                <a:ea typeface="ＭＳ Ｐゴシック" panose="020B0600070205080204" pitchFamily="34" charset="-128"/>
+              </a:defRPr>
+            </a:lvl5pPr>
+            <a:lvl6pPr marL="2514600" indent="-228600" eaLnBrk="0" fontAlgn="base" hangingPunct="0">
+              <a:spcBef>
+                <a:spcPct val="0"/>
+              </a:spcBef>
+              <a:spcAft>
+                <a:spcPct val="0"/>
+              </a:spcAft>
+              <a:defRPr sz="900">
+                <a:solidFill>
+                  <a:schemeClr val="bg1"/>
+                </a:solidFill>
+                <a:latin typeface="Arial" panose="020B0604020202020204" pitchFamily="34" charset="0"/>
+                <a:ea typeface="ＭＳ Ｐゴシック" panose="020B0600070205080204" pitchFamily="34" charset="-128"/>
+              </a:defRPr>
+            </a:lvl6pPr>
+            <a:lvl7pPr marL="2971800" indent="-228600" eaLnBrk="0" fontAlgn="base" hangingPunct="0">
+              <a:spcBef>
+                <a:spcPct val="0"/>
+              </a:spcBef>
+              <a:spcAft>
+                <a:spcPct val="0"/>
+              </a:spcAft>
+              <a:defRPr sz="900">
+                <a:solidFill>
+                  <a:schemeClr val="bg1"/>
+                </a:solidFill>
+                <a:latin typeface="Arial" panose="020B0604020202020204" pitchFamily="34" charset="0"/>
+                <a:ea typeface="ＭＳ Ｐゴシック" panose="020B0600070205080204" pitchFamily="34" charset="-128"/>
+              </a:defRPr>
+            </a:lvl7pPr>
+            <a:lvl8pPr marL="3429000" indent="-228600" eaLnBrk="0" fontAlgn="base" hangingPunct="0">
+              <a:spcBef>
+                <a:spcPct val="0"/>
+              </a:spcBef>
+              <a:spcAft>
+                <a:spcPct val="0"/>
+              </a:spcAft>
+              <a:defRPr sz="900">
+                <a:solidFill>
+                  <a:schemeClr val="bg1"/>
+                </a:solidFill>
+                <a:latin typeface="Arial" panose="020B0604020202020204" pitchFamily="34" charset="0"/>
+                <a:ea typeface="ＭＳ Ｐゴシック" panose="020B0600070205080204" pitchFamily="34" charset="-128"/>
+              </a:defRPr>
+            </a:lvl8pPr>
+            <a:lvl9pPr marL="3886200" indent="-228600" eaLnBrk="0" fontAlgn="base" hangingPunct="0">
+              <a:spcBef>
+                <a:spcPct val="0"/>
+              </a:spcBef>
+              <a:spcAft>
+                <a:spcPct val="0"/>
+              </a:spcAft>
+              <a:defRPr sz="900">
+                <a:solidFill>
+                  <a:schemeClr val="bg1"/>
+                </a:solidFill>
+                <a:latin typeface="Arial" panose="020B0604020202020204" pitchFamily="34" charset="0"/>
+                <a:ea typeface="ＭＳ Ｐゴシック" panose="020B0600070205080204" pitchFamily="34" charset="-128"/>
+              </a:defRPr>
+            </a:lvl9pPr>
+          </a:lstStyle>
+          <a:p>
+            <a:r>
+              <a:rPr lang="it-IT" altLang="it-IT" sz="1100"/>
+              <a:t>nnAttention U-net for Brain Tumor Segmentation</a:t>
+            </a:r>
+          </a:p>
+        </p:txBody>
+      </p:sp>
+      <p:sp>
+        <p:nvSpPr>
+          <p:cNvPr id="8196" name="Segnaposto numero diapositiva 5">
+            <a:extLst>
+              <a:ext uri="{FF2B5EF4-FFF2-40B4-BE49-F238E27FC236}">
+                <a16:creationId xmlns:a16="http://schemas.microsoft.com/office/drawing/2014/main" id="{2384839B-14AF-3709-A337-B8EEF9740B7F}"/>
+              </a:ext>
+            </a:extLst>
+          </p:cNvPr>
+          <p:cNvSpPr>
+            <a:spLocks noGrp="1"/>
+          </p:cNvSpPr>
+          <p:nvPr>
+            <p:ph type="sldNum" sz="quarter" idx="12"/>
+          </p:nvPr>
+        </p:nvSpPr>
+        <p:spPr>
+          <a:noFill/>
+          <a:extLst>
+            <a:ext uri="{909E8E84-426E-40DD-AFC4-6F175D3DCCD1}">
+              <a14:hiddenFill xmlns:a14="http://schemas.microsoft.com/office/drawing/2010/main">
+                <a:solidFill>
+                  <a:schemeClr val="accent1"/>
+                </a:solidFill>
+              </a14:hiddenFill>
+            </a:ext>
+            <a:ext uri="{91240B29-F687-4F45-9708-019B960494DF}">
+              <a14:hiddenLine xmlns:a14="http://schemas.microsoft.com/office/drawing/2010/main" w="9525">
+                <a:solidFill>
+                  <a:schemeClr val="tx1"/>
+                </a:solidFill>
+                <a:miter lim="800000"/>
+                <a:headEnd/>
+                <a:tailEnd/>
+              </a14:hiddenLine>
+            </a:ext>
+          </a:extLst>
+        </p:spPr>
+        <p:txBody>
+          <a:bodyPr/>
+          <a:lstStyle>
+            <a:lvl1pPr>
+              <a:defRPr sz="900">
+                <a:solidFill>
+                  <a:schemeClr val="bg1"/>
+                </a:solidFill>
+                <a:latin typeface="Arial" panose="020B0604020202020204" pitchFamily="34" charset="0"/>
+                <a:ea typeface="ＭＳ Ｐゴシック" panose="020B0600070205080204" pitchFamily="34" charset="-128"/>
+              </a:defRPr>
+            </a:lvl1pPr>
+            <a:lvl2pPr marL="742950" indent="-285750">
+              <a:defRPr sz="900">
+                <a:solidFill>
+                  <a:schemeClr val="bg1"/>
+                </a:solidFill>
+                <a:latin typeface="Arial" panose="020B0604020202020204" pitchFamily="34" charset="0"/>
+                <a:ea typeface="ＭＳ Ｐゴシック" panose="020B0600070205080204" pitchFamily="34" charset="-128"/>
+              </a:defRPr>
+            </a:lvl2pPr>
+            <a:lvl3pPr marL="1143000" indent="-228600">
+              <a:defRPr sz="900">
+                <a:solidFill>
+                  <a:schemeClr val="bg1"/>
+                </a:solidFill>
+                <a:latin typeface="Arial" panose="020B0604020202020204" pitchFamily="34" charset="0"/>
+                <a:ea typeface="ＭＳ Ｐゴシック" panose="020B0600070205080204" pitchFamily="34" charset="-128"/>
+              </a:defRPr>
+            </a:lvl3pPr>
+            <a:lvl4pPr marL="1600200" indent="-228600">
+              <a:defRPr sz="900">
+                <a:solidFill>
+                  <a:schemeClr val="bg1"/>
+                </a:solidFill>
+                <a:latin typeface="Arial" panose="020B0604020202020204" pitchFamily="34" charset="0"/>
+                <a:ea typeface="ＭＳ Ｐゴシック" panose="020B0600070205080204" pitchFamily="34" charset="-128"/>
+              </a:defRPr>
+            </a:lvl4pPr>
+            <a:lvl5pPr marL="2057400" indent="-228600">
+              <a:defRPr sz="900">
+                <a:solidFill>
+                  <a:schemeClr val="bg1"/>
+                </a:solidFill>
+                <a:latin typeface="Arial" panose="020B0604020202020204" pitchFamily="34" charset="0"/>
+                <a:ea typeface="ＭＳ Ｐゴシック" panose="020B0600070205080204" pitchFamily="34" charset="-128"/>
+              </a:defRPr>
+            </a:lvl5pPr>
+            <a:lvl6pPr marL="2514600" indent="-228600" eaLnBrk="0" fontAlgn="base" hangingPunct="0">
+              <a:spcBef>
+                <a:spcPct val="0"/>
+              </a:spcBef>
+              <a:spcAft>
+                <a:spcPct val="0"/>
+              </a:spcAft>
+              <a:defRPr sz="900">
+                <a:solidFill>
+                  <a:schemeClr val="bg1"/>
+                </a:solidFill>
+                <a:latin typeface="Arial" panose="020B0604020202020204" pitchFamily="34" charset="0"/>
+                <a:ea typeface="ＭＳ Ｐゴシック" panose="020B0600070205080204" pitchFamily="34" charset="-128"/>
+              </a:defRPr>
+            </a:lvl6pPr>
+            <a:lvl7pPr marL="2971800" indent="-228600" eaLnBrk="0" fontAlgn="base" hangingPunct="0">
+              <a:spcBef>
+                <a:spcPct val="0"/>
+              </a:spcBef>
+              <a:spcAft>
+                <a:spcPct val="0"/>
+              </a:spcAft>
+              <a:defRPr sz="900">
+                <a:solidFill>
+                  <a:schemeClr val="bg1"/>
+                </a:solidFill>
+                <a:latin typeface="Arial" panose="020B0604020202020204" pitchFamily="34" charset="0"/>
+                <a:ea typeface="ＭＳ Ｐゴシック" panose="020B0600070205080204" pitchFamily="34" charset="-128"/>
+              </a:defRPr>
+            </a:lvl7pPr>
+            <a:lvl8pPr marL="3429000" indent="-228600" eaLnBrk="0" fontAlgn="base" hangingPunct="0">
+              <a:spcBef>
+                <a:spcPct val="0"/>
+              </a:spcBef>
+              <a:spcAft>
+                <a:spcPct val="0"/>
+              </a:spcAft>
+              <a:defRPr sz="900">
+                <a:solidFill>
+                  <a:schemeClr val="bg1"/>
+                </a:solidFill>
+                <a:latin typeface="Arial" panose="020B0604020202020204" pitchFamily="34" charset="0"/>
+                <a:ea typeface="ＭＳ Ｐゴシック" panose="020B0600070205080204" pitchFamily="34" charset="-128"/>
+              </a:defRPr>
+            </a:lvl8pPr>
+            <a:lvl9pPr marL="3886200" indent="-228600" eaLnBrk="0" fontAlgn="base" hangingPunct="0">
+              <a:spcBef>
+                <a:spcPct val="0"/>
+              </a:spcBef>
+              <a:spcAft>
+                <a:spcPct val="0"/>
+              </a:spcAft>
+              <a:defRPr sz="900">
+                <a:solidFill>
+                  <a:schemeClr val="bg1"/>
+                </a:solidFill>
+                <a:latin typeface="Arial" panose="020B0604020202020204" pitchFamily="34" charset="0"/>
+                <a:ea typeface="ＭＳ Ｐゴシック" panose="020B0600070205080204" pitchFamily="34" charset="-128"/>
+              </a:defRPr>
+            </a:lvl9pPr>
+          </a:lstStyle>
+          <a:p>
+            <a:r>
+              <a:rPr lang="it-IT" altLang="it-IT" sz="1100"/>
+              <a:t>Pagina </a:t>
+            </a:r>
+            <a:fld id="{A5A0298B-8610-43D9-B58F-136B4E052372}" type="slidenum">
+              <a:rPr lang="it-IT" altLang="it-IT" sz="1100" smtClean="0"/>
+              <a:pPr/>
+              <a:t>14</a:t>
             </a:fld>
             <a:endParaRPr lang="it-IT" altLang="it-IT" sz="1100"/>
           </a:p>
@@ -12304,579 +13988,7 @@
 </p:sld>
 </file>
 
-<file path=ppt/slides/slide13.xml><?xml version="1.0" encoding="utf-8"?>
-<p:sld xmlns:a="http://schemas.openxmlformats.org/drawingml/2006/main" xmlns:r="http://schemas.openxmlformats.org/officeDocument/2006/relationships" xmlns:p="http://schemas.openxmlformats.org/presentationml/2006/main">
-  <p:cSld>
-    <p:spTree>
-      <p:nvGrpSpPr>
-        <p:cNvPr id="1" name=""/>
-        <p:cNvGrpSpPr/>
-        <p:nvPr/>
-      </p:nvGrpSpPr>
-      <p:grpSpPr>
-        <a:xfrm>
-          <a:off x="0" y="0"/>
-          <a:ext cx="0" cy="0"/>
-          <a:chOff x="0" y="0"/>
-          <a:chExt cx="0" cy="0"/>
-        </a:xfrm>
-      </p:grpSpPr>
-      <p:sp>
-        <p:nvSpPr>
-          <p:cNvPr id="8194" name="Segnaposto data 3">
-            <a:extLst>
-              <a:ext uri="{FF2B5EF4-FFF2-40B4-BE49-F238E27FC236}">
-                <a16:creationId xmlns:a16="http://schemas.microsoft.com/office/drawing/2014/main" id="{89F239C3-1771-5E40-418C-68B34C600A68}"/>
-              </a:ext>
-            </a:extLst>
-          </p:cNvPr>
-          <p:cNvSpPr>
-            <a:spLocks noGrp="1"/>
-          </p:cNvSpPr>
-          <p:nvPr>
-            <p:ph type="dt" sz="quarter" idx="10"/>
-          </p:nvPr>
-        </p:nvSpPr>
-        <p:spPr>
-          <a:noFill/>
-          <a:extLst>
-            <a:ext uri="{909E8E84-426E-40DD-AFC4-6F175D3DCCD1}">
-              <a14:hiddenFill xmlns:a14="http://schemas.microsoft.com/office/drawing/2010/main">
-                <a:solidFill>
-                  <a:schemeClr val="accent1"/>
-                </a:solidFill>
-              </a14:hiddenFill>
-            </a:ext>
-            <a:ext uri="{91240B29-F687-4F45-9708-019B960494DF}">
-              <a14:hiddenLine xmlns:a14="http://schemas.microsoft.com/office/drawing/2010/main" w="9525">
-                <a:solidFill>
-                  <a:schemeClr val="tx1"/>
-                </a:solidFill>
-                <a:miter lim="800000"/>
-                <a:headEnd/>
-                <a:tailEnd/>
-              </a14:hiddenLine>
-            </a:ext>
-          </a:extLst>
-        </p:spPr>
-        <p:txBody>
-          <a:bodyPr/>
-          <a:lstStyle>
-            <a:lvl1pPr>
-              <a:defRPr sz="900">
-                <a:solidFill>
-                  <a:schemeClr val="bg1"/>
-                </a:solidFill>
-                <a:latin typeface="Arial" panose="020B0604020202020204" pitchFamily="34" charset="0"/>
-                <a:ea typeface="ＭＳ Ｐゴシック" panose="020B0600070205080204" pitchFamily="34" charset="-128"/>
-              </a:defRPr>
-            </a:lvl1pPr>
-            <a:lvl2pPr marL="742950" indent="-285750">
-              <a:defRPr sz="900">
-                <a:solidFill>
-                  <a:schemeClr val="bg1"/>
-                </a:solidFill>
-                <a:latin typeface="Arial" panose="020B0604020202020204" pitchFamily="34" charset="0"/>
-                <a:ea typeface="ＭＳ Ｐゴシック" panose="020B0600070205080204" pitchFamily="34" charset="-128"/>
-              </a:defRPr>
-            </a:lvl2pPr>
-            <a:lvl3pPr marL="1143000" indent="-228600">
-              <a:defRPr sz="900">
-                <a:solidFill>
-                  <a:schemeClr val="bg1"/>
-                </a:solidFill>
-                <a:latin typeface="Arial" panose="020B0604020202020204" pitchFamily="34" charset="0"/>
-                <a:ea typeface="ＭＳ Ｐゴシック" panose="020B0600070205080204" pitchFamily="34" charset="-128"/>
-              </a:defRPr>
-            </a:lvl3pPr>
-            <a:lvl4pPr marL="1600200" indent="-228600">
-              <a:defRPr sz="900">
-                <a:solidFill>
-                  <a:schemeClr val="bg1"/>
-                </a:solidFill>
-                <a:latin typeface="Arial" panose="020B0604020202020204" pitchFamily="34" charset="0"/>
-                <a:ea typeface="ＭＳ Ｐゴシック" panose="020B0600070205080204" pitchFamily="34" charset="-128"/>
-              </a:defRPr>
-            </a:lvl4pPr>
-            <a:lvl5pPr marL="2057400" indent="-228600">
-              <a:defRPr sz="900">
-                <a:solidFill>
-                  <a:schemeClr val="bg1"/>
-                </a:solidFill>
-                <a:latin typeface="Arial" panose="020B0604020202020204" pitchFamily="34" charset="0"/>
-                <a:ea typeface="ＭＳ Ｐゴシック" panose="020B0600070205080204" pitchFamily="34" charset="-128"/>
-              </a:defRPr>
-            </a:lvl5pPr>
-            <a:lvl6pPr marL="2514600" indent="-228600" eaLnBrk="0" fontAlgn="base" hangingPunct="0">
-              <a:spcBef>
-                <a:spcPct val="0"/>
-              </a:spcBef>
-              <a:spcAft>
-                <a:spcPct val="0"/>
-              </a:spcAft>
-              <a:defRPr sz="900">
-                <a:solidFill>
-                  <a:schemeClr val="bg1"/>
-                </a:solidFill>
-                <a:latin typeface="Arial" panose="020B0604020202020204" pitchFamily="34" charset="0"/>
-                <a:ea typeface="ＭＳ Ｐゴシック" panose="020B0600070205080204" pitchFamily="34" charset="-128"/>
-              </a:defRPr>
-            </a:lvl6pPr>
-            <a:lvl7pPr marL="2971800" indent="-228600" eaLnBrk="0" fontAlgn="base" hangingPunct="0">
-              <a:spcBef>
-                <a:spcPct val="0"/>
-              </a:spcBef>
-              <a:spcAft>
-                <a:spcPct val="0"/>
-              </a:spcAft>
-              <a:defRPr sz="900">
-                <a:solidFill>
-                  <a:schemeClr val="bg1"/>
-                </a:solidFill>
-                <a:latin typeface="Arial" panose="020B0604020202020204" pitchFamily="34" charset="0"/>
-                <a:ea typeface="ＭＳ Ｐゴシック" panose="020B0600070205080204" pitchFamily="34" charset="-128"/>
-              </a:defRPr>
-            </a:lvl7pPr>
-            <a:lvl8pPr marL="3429000" indent="-228600" eaLnBrk="0" fontAlgn="base" hangingPunct="0">
-              <a:spcBef>
-                <a:spcPct val="0"/>
-              </a:spcBef>
-              <a:spcAft>
-                <a:spcPct val="0"/>
-              </a:spcAft>
-              <a:defRPr sz="900">
-                <a:solidFill>
-                  <a:schemeClr val="bg1"/>
-                </a:solidFill>
-                <a:latin typeface="Arial" panose="020B0604020202020204" pitchFamily="34" charset="0"/>
-                <a:ea typeface="ＭＳ Ｐゴシック" panose="020B0600070205080204" pitchFamily="34" charset="-128"/>
-              </a:defRPr>
-            </a:lvl8pPr>
-            <a:lvl9pPr marL="3886200" indent="-228600" eaLnBrk="0" fontAlgn="base" hangingPunct="0">
-              <a:spcBef>
-                <a:spcPct val="0"/>
-              </a:spcBef>
-              <a:spcAft>
-                <a:spcPct val="0"/>
-              </a:spcAft>
-              <a:defRPr sz="900">
-                <a:solidFill>
-                  <a:schemeClr val="bg1"/>
-                </a:solidFill>
-                <a:latin typeface="Arial" panose="020B0604020202020204" pitchFamily="34" charset="0"/>
-                <a:ea typeface="ＭＳ Ｐゴシック" panose="020B0600070205080204" pitchFamily="34" charset="-128"/>
-              </a:defRPr>
-            </a:lvl9pPr>
-          </a:lstStyle>
-          <a:p>
-            <a:fld id="{9E582260-007F-4969-8198-F6C9C1A10CB4}" type="datetime1">
-              <a:rPr lang="it-IT" altLang="it-IT" sz="1100"/>
-              <a:pPr/>
-              <a:t>11/05/2023</a:t>
-            </a:fld>
-            <a:endParaRPr lang="it-IT" altLang="it-IT" sz="1100"/>
-          </a:p>
-        </p:txBody>
-      </p:sp>
-      <p:sp>
-        <p:nvSpPr>
-          <p:cNvPr id="8195" name="Segnaposto piè di pagina 4">
-            <a:extLst>
-              <a:ext uri="{FF2B5EF4-FFF2-40B4-BE49-F238E27FC236}">
-                <a16:creationId xmlns:a16="http://schemas.microsoft.com/office/drawing/2014/main" id="{33EE81AF-2BDE-6422-00EF-765BFCD88FDC}"/>
-              </a:ext>
-            </a:extLst>
-          </p:cNvPr>
-          <p:cNvSpPr>
-            <a:spLocks noGrp="1"/>
-          </p:cNvSpPr>
-          <p:nvPr>
-            <p:ph type="ftr" sz="quarter" idx="11"/>
-          </p:nvPr>
-        </p:nvSpPr>
-        <p:spPr>
-          <a:noFill/>
-          <a:extLst>
-            <a:ext uri="{909E8E84-426E-40DD-AFC4-6F175D3DCCD1}">
-              <a14:hiddenFill xmlns:a14="http://schemas.microsoft.com/office/drawing/2010/main">
-                <a:solidFill>
-                  <a:schemeClr val="accent1"/>
-                </a:solidFill>
-              </a14:hiddenFill>
-            </a:ext>
-            <a:ext uri="{91240B29-F687-4F45-9708-019B960494DF}">
-              <a14:hiddenLine xmlns:a14="http://schemas.microsoft.com/office/drawing/2010/main" w="9525">
-                <a:solidFill>
-                  <a:schemeClr val="tx1"/>
-                </a:solidFill>
-                <a:miter lim="800000"/>
-                <a:headEnd/>
-                <a:tailEnd/>
-              </a14:hiddenLine>
-            </a:ext>
-          </a:extLst>
-        </p:spPr>
-        <p:txBody>
-          <a:bodyPr/>
-          <a:lstStyle>
-            <a:lvl1pPr>
-              <a:defRPr sz="900">
-                <a:solidFill>
-                  <a:schemeClr val="bg1"/>
-                </a:solidFill>
-                <a:latin typeface="Arial" panose="020B0604020202020204" pitchFamily="34" charset="0"/>
-                <a:ea typeface="ＭＳ Ｐゴシック" panose="020B0600070205080204" pitchFamily="34" charset="-128"/>
-              </a:defRPr>
-            </a:lvl1pPr>
-            <a:lvl2pPr marL="742950" indent="-285750">
-              <a:defRPr sz="900">
-                <a:solidFill>
-                  <a:schemeClr val="bg1"/>
-                </a:solidFill>
-                <a:latin typeface="Arial" panose="020B0604020202020204" pitchFamily="34" charset="0"/>
-                <a:ea typeface="ＭＳ Ｐゴシック" panose="020B0600070205080204" pitchFamily="34" charset="-128"/>
-              </a:defRPr>
-            </a:lvl2pPr>
-            <a:lvl3pPr marL="1143000" indent="-228600">
-              <a:defRPr sz="900">
-                <a:solidFill>
-                  <a:schemeClr val="bg1"/>
-                </a:solidFill>
-                <a:latin typeface="Arial" panose="020B0604020202020204" pitchFamily="34" charset="0"/>
-                <a:ea typeface="ＭＳ Ｐゴシック" panose="020B0600070205080204" pitchFamily="34" charset="-128"/>
-              </a:defRPr>
-            </a:lvl3pPr>
-            <a:lvl4pPr marL="1600200" indent="-228600">
-              <a:defRPr sz="900">
-                <a:solidFill>
-                  <a:schemeClr val="bg1"/>
-                </a:solidFill>
-                <a:latin typeface="Arial" panose="020B0604020202020204" pitchFamily="34" charset="0"/>
-                <a:ea typeface="ＭＳ Ｐゴシック" panose="020B0600070205080204" pitchFamily="34" charset="-128"/>
-              </a:defRPr>
-            </a:lvl4pPr>
-            <a:lvl5pPr marL="2057400" indent="-228600">
-              <a:defRPr sz="900">
-                <a:solidFill>
-                  <a:schemeClr val="bg1"/>
-                </a:solidFill>
-                <a:latin typeface="Arial" panose="020B0604020202020204" pitchFamily="34" charset="0"/>
-                <a:ea typeface="ＭＳ Ｐゴシック" panose="020B0600070205080204" pitchFamily="34" charset="-128"/>
-              </a:defRPr>
-            </a:lvl5pPr>
-            <a:lvl6pPr marL="2514600" indent="-228600" eaLnBrk="0" fontAlgn="base" hangingPunct="0">
-              <a:spcBef>
-                <a:spcPct val="0"/>
-              </a:spcBef>
-              <a:spcAft>
-                <a:spcPct val="0"/>
-              </a:spcAft>
-              <a:defRPr sz="900">
-                <a:solidFill>
-                  <a:schemeClr val="bg1"/>
-                </a:solidFill>
-                <a:latin typeface="Arial" panose="020B0604020202020204" pitchFamily="34" charset="0"/>
-                <a:ea typeface="ＭＳ Ｐゴシック" panose="020B0600070205080204" pitchFamily="34" charset="-128"/>
-              </a:defRPr>
-            </a:lvl6pPr>
-            <a:lvl7pPr marL="2971800" indent="-228600" eaLnBrk="0" fontAlgn="base" hangingPunct="0">
-              <a:spcBef>
-                <a:spcPct val="0"/>
-              </a:spcBef>
-              <a:spcAft>
-                <a:spcPct val="0"/>
-              </a:spcAft>
-              <a:defRPr sz="900">
-                <a:solidFill>
-                  <a:schemeClr val="bg1"/>
-                </a:solidFill>
-                <a:latin typeface="Arial" panose="020B0604020202020204" pitchFamily="34" charset="0"/>
-                <a:ea typeface="ＭＳ Ｐゴシック" panose="020B0600070205080204" pitchFamily="34" charset="-128"/>
-              </a:defRPr>
-            </a:lvl7pPr>
-            <a:lvl8pPr marL="3429000" indent="-228600" eaLnBrk="0" fontAlgn="base" hangingPunct="0">
-              <a:spcBef>
-                <a:spcPct val="0"/>
-              </a:spcBef>
-              <a:spcAft>
-                <a:spcPct val="0"/>
-              </a:spcAft>
-              <a:defRPr sz="900">
-                <a:solidFill>
-                  <a:schemeClr val="bg1"/>
-                </a:solidFill>
-                <a:latin typeface="Arial" panose="020B0604020202020204" pitchFamily="34" charset="0"/>
-                <a:ea typeface="ＭＳ Ｐゴシック" panose="020B0600070205080204" pitchFamily="34" charset="-128"/>
-              </a:defRPr>
-            </a:lvl8pPr>
-            <a:lvl9pPr marL="3886200" indent="-228600" eaLnBrk="0" fontAlgn="base" hangingPunct="0">
-              <a:spcBef>
-                <a:spcPct val="0"/>
-              </a:spcBef>
-              <a:spcAft>
-                <a:spcPct val="0"/>
-              </a:spcAft>
-              <a:defRPr sz="900">
-                <a:solidFill>
-                  <a:schemeClr val="bg1"/>
-                </a:solidFill>
-                <a:latin typeface="Arial" panose="020B0604020202020204" pitchFamily="34" charset="0"/>
-                <a:ea typeface="ＭＳ Ｐゴシック" panose="020B0600070205080204" pitchFamily="34" charset="-128"/>
-              </a:defRPr>
-            </a:lvl9pPr>
-          </a:lstStyle>
-          <a:p>
-            <a:r>
-              <a:rPr lang="it-IT" altLang="it-IT" sz="1100"/>
-              <a:t>nnAttention U-net for Brain Tumor Segmentation</a:t>
-            </a:r>
-          </a:p>
-        </p:txBody>
-      </p:sp>
-      <p:sp>
-        <p:nvSpPr>
-          <p:cNvPr id="8196" name="Segnaposto numero diapositiva 5">
-            <a:extLst>
-              <a:ext uri="{FF2B5EF4-FFF2-40B4-BE49-F238E27FC236}">
-                <a16:creationId xmlns:a16="http://schemas.microsoft.com/office/drawing/2014/main" id="{2384839B-14AF-3709-A337-B8EEF9740B7F}"/>
-              </a:ext>
-            </a:extLst>
-          </p:cNvPr>
-          <p:cNvSpPr>
-            <a:spLocks noGrp="1"/>
-          </p:cNvSpPr>
-          <p:nvPr>
-            <p:ph type="sldNum" sz="quarter" idx="12"/>
-          </p:nvPr>
-        </p:nvSpPr>
-        <p:spPr>
-          <a:noFill/>
-          <a:extLst>
-            <a:ext uri="{909E8E84-426E-40DD-AFC4-6F175D3DCCD1}">
-              <a14:hiddenFill xmlns:a14="http://schemas.microsoft.com/office/drawing/2010/main">
-                <a:solidFill>
-                  <a:schemeClr val="accent1"/>
-                </a:solidFill>
-              </a14:hiddenFill>
-            </a:ext>
-            <a:ext uri="{91240B29-F687-4F45-9708-019B960494DF}">
-              <a14:hiddenLine xmlns:a14="http://schemas.microsoft.com/office/drawing/2010/main" w="9525">
-                <a:solidFill>
-                  <a:schemeClr val="tx1"/>
-                </a:solidFill>
-                <a:miter lim="800000"/>
-                <a:headEnd/>
-                <a:tailEnd/>
-              </a14:hiddenLine>
-            </a:ext>
-          </a:extLst>
-        </p:spPr>
-        <p:txBody>
-          <a:bodyPr/>
-          <a:lstStyle>
-            <a:lvl1pPr>
-              <a:defRPr sz="900">
-                <a:solidFill>
-                  <a:schemeClr val="bg1"/>
-                </a:solidFill>
-                <a:latin typeface="Arial" panose="020B0604020202020204" pitchFamily="34" charset="0"/>
-                <a:ea typeface="ＭＳ Ｐゴシック" panose="020B0600070205080204" pitchFamily="34" charset="-128"/>
-              </a:defRPr>
-            </a:lvl1pPr>
-            <a:lvl2pPr marL="742950" indent="-285750">
-              <a:defRPr sz="900">
-                <a:solidFill>
-                  <a:schemeClr val="bg1"/>
-                </a:solidFill>
-                <a:latin typeface="Arial" panose="020B0604020202020204" pitchFamily="34" charset="0"/>
-                <a:ea typeface="ＭＳ Ｐゴシック" panose="020B0600070205080204" pitchFamily="34" charset="-128"/>
-              </a:defRPr>
-            </a:lvl2pPr>
-            <a:lvl3pPr marL="1143000" indent="-228600">
-              <a:defRPr sz="900">
-                <a:solidFill>
-                  <a:schemeClr val="bg1"/>
-                </a:solidFill>
-                <a:latin typeface="Arial" panose="020B0604020202020204" pitchFamily="34" charset="0"/>
-                <a:ea typeface="ＭＳ Ｐゴシック" panose="020B0600070205080204" pitchFamily="34" charset="-128"/>
-              </a:defRPr>
-            </a:lvl3pPr>
-            <a:lvl4pPr marL="1600200" indent="-228600">
-              <a:defRPr sz="900">
-                <a:solidFill>
-                  <a:schemeClr val="bg1"/>
-                </a:solidFill>
-                <a:latin typeface="Arial" panose="020B0604020202020204" pitchFamily="34" charset="0"/>
-                <a:ea typeface="ＭＳ Ｐゴシック" panose="020B0600070205080204" pitchFamily="34" charset="-128"/>
-              </a:defRPr>
-            </a:lvl4pPr>
-            <a:lvl5pPr marL="2057400" indent="-228600">
-              <a:defRPr sz="900">
-                <a:solidFill>
-                  <a:schemeClr val="bg1"/>
-                </a:solidFill>
-                <a:latin typeface="Arial" panose="020B0604020202020204" pitchFamily="34" charset="0"/>
-                <a:ea typeface="ＭＳ Ｐゴシック" panose="020B0600070205080204" pitchFamily="34" charset="-128"/>
-              </a:defRPr>
-            </a:lvl5pPr>
-            <a:lvl6pPr marL="2514600" indent="-228600" eaLnBrk="0" fontAlgn="base" hangingPunct="0">
-              <a:spcBef>
-                <a:spcPct val="0"/>
-              </a:spcBef>
-              <a:spcAft>
-                <a:spcPct val="0"/>
-              </a:spcAft>
-              <a:defRPr sz="900">
-                <a:solidFill>
-                  <a:schemeClr val="bg1"/>
-                </a:solidFill>
-                <a:latin typeface="Arial" panose="020B0604020202020204" pitchFamily="34" charset="0"/>
-                <a:ea typeface="ＭＳ Ｐゴシック" panose="020B0600070205080204" pitchFamily="34" charset="-128"/>
-              </a:defRPr>
-            </a:lvl6pPr>
-            <a:lvl7pPr marL="2971800" indent="-228600" eaLnBrk="0" fontAlgn="base" hangingPunct="0">
-              <a:spcBef>
-                <a:spcPct val="0"/>
-              </a:spcBef>
-              <a:spcAft>
-                <a:spcPct val="0"/>
-              </a:spcAft>
-              <a:defRPr sz="900">
-                <a:solidFill>
-                  <a:schemeClr val="bg1"/>
-                </a:solidFill>
-                <a:latin typeface="Arial" panose="020B0604020202020204" pitchFamily="34" charset="0"/>
-                <a:ea typeface="ＭＳ Ｐゴシック" panose="020B0600070205080204" pitchFamily="34" charset="-128"/>
-              </a:defRPr>
-            </a:lvl7pPr>
-            <a:lvl8pPr marL="3429000" indent="-228600" eaLnBrk="0" fontAlgn="base" hangingPunct="0">
-              <a:spcBef>
-                <a:spcPct val="0"/>
-              </a:spcBef>
-              <a:spcAft>
-                <a:spcPct val="0"/>
-              </a:spcAft>
-              <a:defRPr sz="900">
-                <a:solidFill>
-                  <a:schemeClr val="bg1"/>
-                </a:solidFill>
-                <a:latin typeface="Arial" panose="020B0604020202020204" pitchFamily="34" charset="0"/>
-                <a:ea typeface="ＭＳ Ｐゴシック" panose="020B0600070205080204" pitchFamily="34" charset="-128"/>
-              </a:defRPr>
-            </a:lvl8pPr>
-            <a:lvl9pPr marL="3886200" indent="-228600" eaLnBrk="0" fontAlgn="base" hangingPunct="0">
-              <a:spcBef>
-                <a:spcPct val="0"/>
-              </a:spcBef>
-              <a:spcAft>
-                <a:spcPct val="0"/>
-              </a:spcAft>
-              <a:defRPr sz="900">
-                <a:solidFill>
-                  <a:schemeClr val="bg1"/>
-                </a:solidFill>
-                <a:latin typeface="Arial" panose="020B0604020202020204" pitchFamily="34" charset="0"/>
-                <a:ea typeface="ＭＳ Ｐゴシック" panose="020B0600070205080204" pitchFamily="34" charset="-128"/>
-              </a:defRPr>
-            </a:lvl9pPr>
-          </a:lstStyle>
-          <a:p>
-            <a:r>
-              <a:rPr lang="it-IT" altLang="it-IT" sz="1100"/>
-              <a:t>Pagina </a:t>
-            </a:r>
-            <a:fld id="{A5A0298B-8610-43D9-B58F-136B4E052372}" type="slidenum">
-              <a:rPr lang="it-IT" altLang="it-IT" sz="1100" smtClean="0"/>
-              <a:pPr/>
-              <a:t>13</a:t>
-            </a:fld>
-            <a:endParaRPr lang="it-IT" altLang="it-IT" sz="1100"/>
-          </a:p>
-        </p:txBody>
-      </p:sp>
-      <p:sp>
-        <p:nvSpPr>
-          <p:cNvPr id="8197" name="Rectangle 2">
-            <a:extLst>
-              <a:ext uri="{FF2B5EF4-FFF2-40B4-BE49-F238E27FC236}">
-                <a16:creationId xmlns:a16="http://schemas.microsoft.com/office/drawing/2014/main" id="{40621EC2-CD26-9DDE-5482-6088DF20FFA4}"/>
-              </a:ext>
-            </a:extLst>
-          </p:cNvPr>
-          <p:cNvSpPr>
-            <a:spLocks noGrp="1" noChangeArrowheads="1"/>
-          </p:cNvSpPr>
-          <p:nvPr>
-            <p:ph type="title"/>
-          </p:nvPr>
-        </p:nvSpPr>
-        <p:spPr>
-          <a:xfrm>
-            <a:off x="1116013" y="409575"/>
-            <a:ext cx="7416800" cy="504825"/>
-          </a:xfrm>
-        </p:spPr>
-        <p:txBody>
-          <a:bodyPr/>
-          <a:lstStyle/>
-          <a:p>
-            <a:pPr eaLnBrk="1" hangingPunct="1"/>
-            <a:r>
-              <a:rPr lang="it-IT" altLang="it-IT"/>
-              <a:t>Literature Review</a:t>
-            </a:r>
-          </a:p>
-        </p:txBody>
-      </p:sp>
-      <p:pic>
-        <p:nvPicPr>
-          <p:cNvPr id="3" name="Immagine 2" descr="Immagine che contiene testo, schermata, diagramma, linea&#10;&#10;Descrizione generata automaticamente">
-            <a:extLst>
-              <a:ext uri="{FF2B5EF4-FFF2-40B4-BE49-F238E27FC236}">
-                <a16:creationId xmlns:a16="http://schemas.microsoft.com/office/drawing/2014/main" id="{42B70330-49EA-3B2D-13DD-FC7684E9E1B2}"/>
-              </a:ext>
-            </a:extLst>
-          </p:cNvPr>
-          <p:cNvPicPr>
-            <a:picLocks noChangeAspect="1"/>
-          </p:cNvPicPr>
-          <p:nvPr/>
-        </p:nvPicPr>
-        <p:blipFill rotWithShape="1">
-          <a:blip r:embed="rId3">
-            <a:extLst>
-              <a:ext uri="{28A0092B-C50C-407E-A947-70E740481C1C}">
-                <a14:useLocalDpi xmlns:a14="http://schemas.microsoft.com/office/drawing/2010/main" val="0"/>
-              </a:ext>
-            </a:extLst>
-          </a:blip>
-          <a:srcRect l="4336" t="1700" r="4336" b="20601"/>
-          <a:stretch/>
-        </p:blipFill>
-        <p:spPr>
-          <a:xfrm>
-            <a:off x="179512" y="1556792"/>
-            <a:ext cx="5566548" cy="3744416"/>
-          </a:xfrm>
-          <a:prstGeom prst="rect">
-            <a:avLst/>
-          </a:prstGeom>
-        </p:spPr>
-      </p:pic>
-    </p:spTree>
-    <p:extLst>
-      <p:ext uri="{BB962C8B-B14F-4D97-AF65-F5344CB8AC3E}">
-        <p14:creationId xmlns:p14="http://schemas.microsoft.com/office/powerpoint/2010/main" val="608583242"/>
-      </p:ext>
-    </p:extLst>
-  </p:cSld>
-  <p:clrMapOvr>
-    <a:masterClrMapping/>
-  </p:clrMapOvr>
-</p:sld>
-</file>
-
-<file path=ppt/slides/slide14.xml><?xml version="1.0" encoding="utf-8"?>
+<file path=ppt/slides/slide15.xml><?xml version="1.0" encoding="utf-8"?>
 <p:sld xmlns:a="http://schemas.openxmlformats.org/drawingml/2006/main" xmlns:r="http://schemas.openxmlformats.org/officeDocument/2006/relationships" xmlns:p="http://schemas.openxmlformats.org/presentationml/2006/main">
   <p:cSld>
     <p:spTree>
@@ -13360,7 +14472,7 @@
             <a:fld id="{83F64888-5FC8-4DD9-AEE1-0DCC84BBF39F}" type="slidenum">
               <a:rPr lang="it-IT" altLang="it-IT" sz="1100" smtClean="0"/>
               <a:pPr/>
-              <a:t>14</a:t>
+              <a:t>15</a:t>
             </a:fld>
             <a:endParaRPr lang="it-IT" altLang="it-IT" sz="1100"/>
           </a:p>
@@ -13597,7 +14709,7 @@
 </p:sld>
 </file>
 
-<file path=ppt/slides/slide15.xml><?xml version="1.0" encoding="utf-8"?>
+<file path=ppt/slides/slide16.xml><?xml version="1.0" encoding="utf-8"?>
 <p:sld xmlns:a="http://schemas.openxmlformats.org/drawingml/2006/main" xmlns:r="http://schemas.openxmlformats.org/officeDocument/2006/relationships" xmlns:p="http://schemas.openxmlformats.org/presentationml/2006/main">
   <p:cSld>
     <p:spTree>
@@ -14081,7 +15193,7 @@
             <a:fld id="{FCC9F9EC-B6A8-4331-B4E4-2C3E89718227}" type="slidenum">
               <a:rPr lang="it-IT" altLang="it-IT" sz="1100" smtClean="0"/>
               <a:pPr/>
-              <a:t>15</a:t>
+              <a:t>16</a:t>
             </a:fld>
             <a:endParaRPr lang="it-IT" altLang="it-IT" sz="1100"/>
           </a:p>
@@ -14581,7 +15693,7 @@
 </p:sld>
 </file>
 
-<file path=ppt/slides/slide16.xml><?xml version="1.0" encoding="utf-8"?>
+<file path=ppt/slides/slide17.xml><?xml version="1.0" encoding="utf-8"?>
 <p:sld xmlns:a="http://schemas.openxmlformats.org/drawingml/2006/main" xmlns:r="http://schemas.openxmlformats.org/officeDocument/2006/relationships" xmlns:p="http://schemas.openxmlformats.org/presentationml/2006/main">
   <p:cSld>
     <p:spTree>
@@ -15065,7 +16177,7 @@
             <a:fld id="{717FA07C-BCBD-448F-BB50-F71173744B9E}" type="slidenum">
               <a:rPr lang="it-IT" altLang="it-IT" sz="1100" smtClean="0"/>
               <a:pPr/>
-              <a:t>16</a:t>
+              <a:t>17</a:t>
             </a:fld>
             <a:endParaRPr lang="it-IT" altLang="it-IT" sz="1100"/>
           </a:p>
@@ -15297,7 +16409,7 @@
 </p:sld>
 </file>
 
-<file path=ppt/slides/slide17.xml><?xml version="1.0" encoding="utf-8"?>
+<file path=ppt/slides/slide18.xml><?xml version="1.0" encoding="utf-8"?>
 <p:sld xmlns:a="http://schemas.openxmlformats.org/drawingml/2006/main" xmlns:r="http://schemas.openxmlformats.org/officeDocument/2006/relationships" xmlns:p="http://schemas.openxmlformats.org/presentationml/2006/main">
   <p:cSld>
     <p:spTree>
@@ -15810,7 +16922,7 @@
             <a:fld id="{FF544ACD-400E-42E7-80A3-F35D04085BFA}" type="slidenum">
               <a:rPr lang="it-IT" altLang="it-IT" sz="1100" smtClean="0"/>
               <a:pPr/>
-              <a:t>17</a:t>
+              <a:t>18</a:t>
             </a:fld>
             <a:endParaRPr lang="it-IT" altLang="it-IT" sz="1100"/>
           </a:p>
@@ -21533,311 +22645,46 @@
           </a:p>
         </p:txBody>
       </p:sp>
-      <p:grpSp>
-        <p:nvGrpSpPr>
-          <p:cNvPr id="5" name="Gruppo 4">
+      <p:pic>
+        <p:nvPicPr>
+          <p:cNvPr id="8" name="Immagine 7" descr="Immagine che contiene diagramma, Piano, testo, Disegno tecnico&#10;&#10;Descrizione generata automaticamente">
             <a:extLst>
               <a:ext uri="{FF2B5EF4-FFF2-40B4-BE49-F238E27FC236}">
-                <a16:creationId xmlns:a16="http://schemas.microsoft.com/office/drawing/2014/main" id="{8BB0B6F9-D21D-65DD-6705-CBC14B27754E}"/>
+                <a16:creationId xmlns:a16="http://schemas.microsoft.com/office/drawing/2014/main" id="{23B5AA08-78D2-48A6-2426-3D54B16A9A78}"/>
               </a:ext>
             </a:extLst>
           </p:cNvPr>
-          <p:cNvGrpSpPr/>
+          <p:cNvPicPr>
+            <a:picLocks noChangeAspect="1"/>
+          </p:cNvPicPr>
           <p:nvPr/>
-        </p:nvGrpSpPr>
-        <p:grpSpPr>
-          <a:xfrm>
-            <a:off x="323528" y="2204865"/>
-            <a:ext cx="4032448" cy="2540024"/>
-            <a:chOff x="323528" y="2204865"/>
-            <a:chExt cx="4032448" cy="2540024"/>
-          </a:xfrm>
-        </p:grpSpPr>
-        <p:pic>
-          <p:nvPicPr>
-            <p:cNvPr id="10" name="Immagine 9" descr="Immagine che contiene linea, testo, schermata, Parallelo&#10;&#10;Descrizione generata automaticamente">
-              <a:extLst>
-                <a:ext uri="{FF2B5EF4-FFF2-40B4-BE49-F238E27FC236}">
-                  <a16:creationId xmlns:a16="http://schemas.microsoft.com/office/drawing/2014/main" id="{9C6F7C22-C629-6372-576A-01A5A0FE7C8A}"/>
-                </a:ext>
-              </a:extLst>
-            </p:cNvPr>
-            <p:cNvPicPr>
-              <a:picLocks noChangeAspect="1"/>
-            </p:cNvPicPr>
-            <p:nvPr/>
-          </p:nvPicPr>
-          <p:blipFill rotWithShape="1">
-            <a:blip r:embed="rId3">
-              <a:extLst>
-                <a:ext uri="{28A0092B-C50C-407E-A947-70E740481C1C}">
-                  <a14:useLocalDpi xmlns:a14="http://schemas.microsoft.com/office/drawing/2010/main" val="0"/>
-                </a:ext>
-              </a:extLst>
-            </a:blip>
-            <a:srcRect b="7843"/>
-            <a:stretch/>
-          </p:blipFill>
-          <p:spPr>
-            <a:xfrm>
-              <a:off x="371872" y="2204865"/>
-              <a:ext cx="3984104" cy="2088232"/>
-            </a:xfrm>
-            <a:prstGeom prst="rect">
-              <a:avLst/>
-            </a:prstGeom>
-          </p:spPr>
-        </p:pic>
-        <p:sp>
-          <p:nvSpPr>
-            <p:cNvPr id="2" name="CasellaDiTesto 1">
-              <a:extLst>
-                <a:ext uri="{FF2B5EF4-FFF2-40B4-BE49-F238E27FC236}">
-                  <a16:creationId xmlns:a16="http://schemas.microsoft.com/office/drawing/2014/main" id="{F980ABBB-7E03-FAF4-8FAD-BFE7E77540C3}"/>
-                </a:ext>
-              </a:extLst>
-            </p:cNvPr>
-            <p:cNvSpPr txBox="1"/>
-            <p:nvPr/>
-          </p:nvSpPr>
-          <p:spPr>
-            <a:xfrm>
-              <a:off x="323528" y="4437112"/>
-              <a:ext cx="2255912" cy="307777"/>
-            </a:xfrm>
-            <a:prstGeom prst="rect">
-              <a:avLst/>
-            </a:prstGeom>
-            <a:noFill/>
-          </p:spPr>
-          <p:txBody>
-            <a:bodyPr wrap="square" rtlCol="0">
-              <a:spAutoFit/>
-            </a:bodyPr>
-            <a:lstStyle/>
-            <a:p>
-              <a:pPr algn="ctr"/>
-              <a:r>
-                <a:rPr lang="it-IT" sz="1100" dirty="0">
-                  <a:solidFill>
-                    <a:srgbClr val="000000"/>
-                  </a:solidFill>
-                </a:rPr>
-                <a:t>(a.1)</a:t>
-              </a:r>
-              <a:r>
-                <a:rPr lang="it-IT" sz="1400" dirty="0">
-                  <a:solidFill>
-                    <a:srgbClr val="000000"/>
-                  </a:solidFill>
-                </a:rPr>
-                <a:t> </a:t>
-              </a:r>
-              <a:r>
-                <a:rPr lang="it-IT" sz="1400" dirty="0" err="1">
-                  <a:solidFill>
-                    <a:srgbClr val="000000"/>
-                  </a:solidFill>
-                </a:rPr>
-                <a:t>Swin</a:t>
-              </a:r>
-              <a:r>
-                <a:rPr lang="it-IT" sz="1400" dirty="0">
-                  <a:solidFill>
-                    <a:srgbClr val="000000"/>
-                  </a:solidFill>
-                </a:rPr>
-                <a:t>-Transformer</a:t>
-              </a:r>
-            </a:p>
-          </p:txBody>
-        </p:sp>
-        <p:sp>
-          <p:nvSpPr>
-            <p:cNvPr id="3" name="CasellaDiTesto 2">
-              <a:extLst>
-                <a:ext uri="{FF2B5EF4-FFF2-40B4-BE49-F238E27FC236}">
-                  <a16:creationId xmlns:a16="http://schemas.microsoft.com/office/drawing/2014/main" id="{EBEC78CD-09E8-7813-076A-1069AA949FD8}"/>
-                </a:ext>
-              </a:extLst>
-            </p:cNvPr>
-            <p:cNvSpPr txBox="1"/>
-            <p:nvPr/>
-          </p:nvSpPr>
-          <p:spPr>
-            <a:xfrm>
-              <a:off x="2987824" y="4437112"/>
-              <a:ext cx="936104" cy="307777"/>
-            </a:xfrm>
-            <a:prstGeom prst="rect">
-              <a:avLst/>
-            </a:prstGeom>
-            <a:noFill/>
-          </p:spPr>
-          <p:txBody>
-            <a:bodyPr wrap="square" rtlCol="0">
-              <a:spAutoFit/>
-            </a:bodyPr>
-            <a:lstStyle/>
-            <a:p>
-              <a:pPr algn="ctr"/>
-              <a:r>
-                <a:rPr lang="it-IT" sz="1100" dirty="0">
-                  <a:solidFill>
-                    <a:srgbClr val="000000"/>
-                  </a:solidFill>
-                </a:rPr>
-                <a:t>(a.2)</a:t>
-              </a:r>
-              <a:r>
-                <a:rPr lang="it-IT" sz="1400" dirty="0">
-                  <a:solidFill>
-                    <a:srgbClr val="000000"/>
-                  </a:solidFill>
-                </a:rPr>
-                <a:t> </a:t>
-              </a:r>
-              <a:r>
-                <a:rPr lang="it-IT" sz="1400" dirty="0" err="1">
-                  <a:solidFill>
-                    <a:srgbClr val="000000"/>
-                  </a:solidFill>
-                </a:rPr>
-                <a:t>ViT</a:t>
-              </a:r>
-              <a:endParaRPr lang="it-IT" sz="1400" dirty="0">
-                <a:solidFill>
-                  <a:srgbClr val="000000"/>
-                </a:solidFill>
-              </a:endParaRPr>
-            </a:p>
-          </p:txBody>
-        </p:sp>
-      </p:grpSp>
-      <p:grpSp>
-        <p:nvGrpSpPr>
-          <p:cNvPr id="9" name="Gruppo 8">
+        </p:nvPicPr>
+        <p:blipFill>
+          <a:blip r:embed="rId3">
             <a:extLst>
-              <a:ext uri="{FF2B5EF4-FFF2-40B4-BE49-F238E27FC236}">
-                <a16:creationId xmlns:a16="http://schemas.microsoft.com/office/drawing/2014/main" id="{882ED3A3-5F71-8353-4982-D92A80AF4F0F}"/>
+              <a:ext uri="{28A0092B-C50C-407E-A947-70E740481C1C}">
+                <a14:useLocalDpi xmlns:a14="http://schemas.microsoft.com/office/drawing/2010/main" val="0"/>
               </a:ext>
             </a:extLst>
-          </p:cNvPr>
-          <p:cNvGrpSpPr/>
-          <p:nvPr/>
-        </p:nvGrpSpPr>
-        <p:grpSpPr>
+          </a:blip>
+          <a:stretch>
+            <a:fillRect/>
+          </a:stretch>
+        </p:blipFill>
+        <p:spPr>
           <a:xfrm>
-            <a:off x="4860032" y="2509897"/>
-            <a:ext cx="4083707" cy="2225013"/>
-            <a:chOff x="4860032" y="2509897"/>
-            <a:chExt cx="4083707" cy="2225013"/>
+            <a:off x="755576" y="914400"/>
+            <a:ext cx="7704856" cy="4436363"/>
           </a:xfrm>
-        </p:grpSpPr>
-        <p:pic>
-          <p:nvPicPr>
-            <p:cNvPr id="6" name="Immagine 5" descr="Immagine che contiene schermata, Rettangolo, finestra&#10;&#10;Descrizione generata automaticamente">
-              <a:extLst>
-                <a:ext uri="{FF2B5EF4-FFF2-40B4-BE49-F238E27FC236}">
-                  <a16:creationId xmlns:a16="http://schemas.microsoft.com/office/drawing/2014/main" id="{FD9D615A-3CF0-6CDA-90C1-02C4DEC2EB13}"/>
-                </a:ext>
-              </a:extLst>
-            </p:cNvPr>
-            <p:cNvPicPr>
-              <a:picLocks noChangeAspect="1"/>
-            </p:cNvPicPr>
-            <p:nvPr/>
-          </p:nvPicPr>
-          <p:blipFill rotWithShape="1">
-            <a:blip r:embed="rId4">
-              <a:extLst>
-                <a:ext uri="{28A0092B-C50C-407E-A947-70E740481C1C}">
-                  <a14:useLocalDpi xmlns:a14="http://schemas.microsoft.com/office/drawing/2010/main" val="0"/>
-                </a:ext>
-              </a:extLst>
-            </a:blip>
-            <a:srcRect b="5357"/>
-            <a:stretch/>
-          </p:blipFill>
-          <p:spPr>
-            <a:xfrm>
-              <a:off x="4860032" y="2509897"/>
-              <a:ext cx="4083707" cy="1567176"/>
-            </a:xfrm>
-            <a:prstGeom prst="rect">
-              <a:avLst/>
-            </a:prstGeom>
-          </p:spPr>
-        </p:pic>
-        <p:sp>
-          <p:nvSpPr>
-            <p:cNvPr id="7" name="CasellaDiTesto 6">
-              <a:extLst>
-                <a:ext uri="{FF2B5EF4-FFF2-40B4-BE49-F238E27FC236}">
-                  <a16:creationId xmlns:a16="http://schemas.microsoft.com/office/drawing/2014/main" id="{8F3CED5B-444B-816B-7DB5-6E519F66D9CE}"/>
-                </a:ext>
-              </a:extLst>
-            </p:cNvPr>
-            <p:cNvSpPr txBox="1"/>
-            <p:nvPr/>
-          </p:nvSpPr>
-          <p:spPr>
-            <a:xfrm>
-              <a:off x="5773929" y="4427133"/>
-              <a:ext cx="2255912" cy="307777"/>
-            </a:xfrm>
-            <a:prstGeom prst="rect">
-              <a:avLst/>
-            </a:prstGeom>
-            <a:noFill/>
-          </p:spPr>
-          <p:txBody>
-            <a:bodyPr wrap="square" rtlCol="0">
-              <a:spAutoFit/>
-            </a:bodyPr>
-            <a:lstStyle/>
-            <a:p>
-              <a:pPr algn="ctr"/>
-              <a:r>
-                <a:rPr lang="it-IT" sz="1100" dirty="0">
-                  <a:solidFill>
-                    <a:srgbClr val="000000"/>
-                  </a:solidFill>
-                </a:rPr>
-                <a:t>(b)</a:t>
-              </a:r>
-              <a:r>
-                <a:rPr lang="it-IT" sz="1400" dirty="0">
-                  <a:solidFill>
-                    <a:srgbClr val="000000"/>
-                  </a:solidFill>
-                </a:rPr>
-                <a:t> </a:t>
-              </a:r>
-              <a:r>
-                <a:rPr lang="it-IT" sz="1400" dirty="0" err="1">
-                  <a:solidFill>
-                    <a:srgbClr val="000000"/>
-                  </a:solidFill>
-                </a:rPr>
-                <a:t>Shifted</a:t>
-              </a:r>
-              <a:r>
-                <a:rPr lang="it-IT" sz="1400" dirty="0">
-                  <a:solidFill>
-                    <a:srgbClr val="000000"/>
-                  </a:solidFill>
-                </a:rPr>
-                <a:t> Window</a:t>
-              </a:r>
-            </a:p>
-          </p:txBody>
-        </p:sp>
-      </p:grpSp>
+          <a:prstGeom prst="rect">
+            <a:avLst/>
+          </a:prstGeom>
+        </p:spPr>
+      </p:pic>
     </p:spTree>
     <p:extLst>
       <p:ext uri="{BB962C8B-B14F-4D97-AF65-F5344CB8AC3E}">
-        <p14:creationId xmlns:p14="http://schemas.microsoft.com/office/powerpoint/2010/main" val="3407652967"/>
+        <p14:creationId xmlns:p14="http://schemas.microsoft.com/office/powerpoint/2010/main" val="894709161"/>
       </p:ext>
     </p:extLst>
   </p:cSld>

--- a/thesis_slides/capparella.slides.pptx
+++ b/thesis_slides/capparella.slides.pptx
@@ -5,10 +5,10 @@
     <p:sldMasterId id="2147483648" r:id="rId1"/>
   </p:sldMasterIdLst>
   <p:notesMasterIdLst>
-    <p:notesMasterId r:id="rId20"/>
+    <p:notesMasterId r:id="rId25"/>
   </p:notesMasterIdLst>
   <p:handoutMasterIdLst>
-    <p:handoutMasterId r:id="rId21"/>
+    <p:handoutMasterId r:id="rId26"/>
   </p:handoutMasterIdLst>
   <p:sldIdLst>
     <p:sldId id="263" r:id="rId2"/>
@@ -25,10 +25,15 @@
     <p:sldId id="273" r:id="rId13"/>
     <p:sldId id="276" r:id="rId14"/>
     <p:sldId id="270" r:id="rId15"/>
-    <p:sldId id="260" r:id="rId16"/>
-    <p:sldId id="259" r:id="rId17"/>
-    <p:sldId id="264" r:id="rId18"/>
-    <p:sldId id="265" r:id="rId19"/>
+    <p:sldId id="279" r:id="rId16"/>
+    <p:sldId id="278" r:id="rId17"/>
+    <p:sldId id="280" r:id="rId18"/>
+    <p:sldId id="260" r:id="rId19"/>
+    <p:sldId id="282" r:id="rId20"/>
+    <p:sldId id="259" r:id="rId21"/>
+    <p:sldId id="281" r:id="rId22"/>
+    <p:sldId id="264" r:id="rId23"/>
+    <p:sldId id="265" r:id="rId24"/>
   </p:sldIdLst>
   <p:sldSz cx="9144000" cy="6858000" type="screen4x3"/>
   <p:notesSz cx="6858000" cy="9144000"/>
@@ -2525,6 +2530,792 @@
       </p:grpSpPr>
       <p:sp>
         <p:nvSpPr>
+          <p:cNvPr id="9218" name="Rectangle 7">
+            <a:extLst>
+              <a:ext uri="{FF2B5EF4-FFF2-40B4-BE49-F238E27FC236}">
+                <a16:creationId xmlns:a16="http://schemas.microsoft.com/office/drawing/2014/main" id="{414CBB57-B3E0-0660-F938-14C9E5C1E141}"/>
+              </a:ext>
+            </a:extLst>
+          </p:cNvPr>
+          <p:cNvSpPr>
+            <a:spLocks noGrp="1" noChangeArrowheads="1"/>
+          </p:cNvSpPr>
+          <p:nvPr>
+            <p:ph type="sldNum" sz="quarter" idx="5"/>
+          </p:nvPr>
+        </p:nvSpPr>
+        <p:spPr>
+          <a:noFill/>
+          <a:extLst>
+            <a:ext uri="{909E8E84-426E-40DD-AFC4-6F175D3DCCD1}">
+              <a14:hiddenFill xmlns:a14="http://schemas.microsoft.com/office/drawing/2010/main">
+                <a:solidFill>
+                  <a:schemeClr val="accent1"/>
+                </a:solidFill>
+              </a14:hiddenFill>
+            </a:ext>
+            <a:ext uri="{91240B29-F687-4F45-9708-019B960494DF}">
+              <a14:hiddenLine xmlns:a14="http://schemas.microsoft.com/office/drawing/2010/main" w="9525">
+                <a:solidFill>
+                  <a:schemeClr val="tx1"/>
+                </a:solidFill>
+                <a:miter lim="800000"/>
+                <a:headEnd/>
+                <a:tailEnd/>
+              </a14:hiddenLine>
+            </a:ext>
+          </a:extLst>
+        </p:spPr>
+        <p:txBody>
+          <a:bodyPr/>
+          <a:lstStyle>
+            <a:lvl1pPr>
+              <a:defRPr sz="900">
+                <a:solidFill>
+                  <a:schemeClr val="bg1"/>
+                </a:solidFill>
+                <a:latin typeface="Arial" panose="020B0604020202020204" pitchFamily="34" charset="0"/>
+                <a:ea typeface="ＭＳ Ｐゴシック" panose="020B0600070205080204" pitchFamily="34" charset="-128"/>
+              </a:defRPr>
+            </a:lvl1pPr>
+            <a:lvl2pPr marL="742950" indent="-285750">
+              <a:defRPr sz="900">
+                <a:solidFill>
+                  <a:schemeClr val="bg1"/>
+                </a:solidFill>
+                <a:latin typeface="Arial" panose="020B0604020202020204" pitchFamily="34" charset="0"/>
+                <a:ea typeface="ＭＳ Ｐゴシック" panose="020B0600070205080204" pitchFamily="34" charset="-128"/>
+              </a:defRPr>
+            </a:lvl2pPr>
+            <a:lvl3pPr marL="1143000" indent="-228600">
+              <a:defRPr sz="900">
+                <a:solidFill>
+                  <a:schemeClr val="bg1"/>
+                </a:solidFill>
+                <a:latin typeface="Arial" panose="020B0604020202020204" pitchFamily="34" charset="0"/>
+                <a:ea typeface="ＭＳ Ｐゴシック" panose="020B0600070205080204" pitchFamily="34" charset="-128"/>
+              </a:defRPr>
+            </a:lvl3pPr>
+            <a:lvl4pPr marL="1600200" indent="-228600">
+              <a:defRPr sz="900">
+                <a:solidFill>
+                  <a:schemeClr val="bg1"/>
+                </a:solidFill>
+                <a:latin typeface="Arial" panose="020B0604020202020204" pitchFamily="34" charset="0"/>
+                <a:ea typeface="ＭＳ Ｐゴシック" panose="020B0600070205080204" pitchFamily="34" charset="-128"/>
+              </a:defRPr>
+            </a:lvl4pPr>
+            <a:lvl5pPr marL="2057400" indent="-228600">
+              <a:defRPr sz="900">
+                <a:solidFill>
+                  <a:schemeClr val="bg1"/>
+                </a:solidFill>
+                <a:latin typeface="Arial" panose="020B0604020202020204" pitchFamily="34" charset="0"/>
+                <a:ea typeface="ＭＳ Ｐゴシック" panose="020B0600070205080204" pitchFamily="34" charset="-128"/>
+              </a:defRPr>
+            </a:lvl5pPr>
+            <a:lvl6pPr marL="2514600" indent="-228600" eaLnBrk="0" fontAlgn="base" hangingPunct="0">
+              <a:spcBef>
+                <a:spcPct val="0"/>
+              </a:spcBef>
+              <a:spcAft>
+                <a:spcPct val="0"/>
+              </a:spcAft>
+              <a:defRPr sz="900">
+                <a:solidFill>
+                  <a:schemeClr val="bg1"/>
+                </a:solidFill>
+                <a:latin typeface="Arial" panose="020B0604020202020204" pitchFamily="34" charset="0"/>
+                <a:ea typeface="ＭＳ Ｐゴシック" panose="020B0600070205080204" pitchFamily="34" charset="-128"/>
+              </a:defRPr>
+            </a:lvl6pPr>
+            <a:lvl7pPr marL="2971800" indent="-228600" eaLnBrk="0" fontAlgn="base" hangingPunct="0">
+              <a:spcBef>
+                <a:spcPct val="0"/>
+              </a:spcBef>
+              <a:spcAft>
+                <a:spcPct val="0"/>
+              </a:spcAft>
+              <a:defRPr sz="900">
+                <a:solidFill>
+                  <a:schemeClr val="bg1"/>
+                </a:solidFill>
+                <a:latin typeface="Arial" panose="020B0604020202020204" pitchFamily="34" charset="0"/>
+                <a:ea typeface="ＭＳ Ｐゴシック" panose="020B0600070205080204" pitchFamily="34" charset="-128"/>
+              </a:defRPr>
+            </a:lvl7pPr>
+            <a:lvl8pPr marL="3429000" indent="-228600" eaLnBrk="0" fontAlgn="base" hangingPunct="0">
+              <a:spcBef>
+                <a:spcPct val="0"/>
+              </a:spcBef>
+              <a:spcAft>
+                <a:spcPct val="0"/>
+              </a:spcAft>
+              <a:defRPr sz="900">
+                <a:solidFill>
+                  <a:schemeClr val="bg1"/>
+                </a:solidFill>
+                <a:latin typeface="Arial" panose="020B0604020202020204" pitchFamily="34" charset="0"/>
+                <a:ea typeface="ＭＳ Ｐゴシック" panose="020B0600070205080204" pitchFamily="34" charset="-128"/>
+              </a:defRPr>
+            </a:lvl8pPr>
+            <a:lvl9pPr marL="3886200" indent="-228600" eaLnBrk="0" fontAlgn="base" hangingPunct="0">
+              <a:spcBef>
+                <a:spcPct val="0"/>
+              </a:spcBef>
+              <a:spcAft>
+                <a:spcPct val="0"/>
+              </a:spcAft>
+              <a:defRPr sz="900">
+                <a:solidFill>
+                  <a:schemeClr val="bg1"/>
+                </a:solidFill>
+                <a:latin typeface="Arial" panose="020B0604020202020204" pitchFamily="34" charset="0"/>
+                <a:ea typeface="ＭＳ Ｐゴシック" panose="020B0600070205080204" pitchFamily="34" charset="-128"/>
+              </a:defRPr>
+            </a:lvl9pPr>
+          </a:lstStyle>
+          <a:p>
+            <a:fld id="{B1E8D7A4-1657-4443-9866-9FD16F6CCC6E}" type="slidenum">
+              <a:rPr lang="it-IT" altLang="it-IT" sz="1200">
+                <a:solidFill>
+                  <a:schemeClr val="tx1"/>
+                </a:solidFill>
+              </a:rPr>
+              <a:pPr/>
+              <a:t>15</a:t>
+            </a:fld>
+            <a:endParaRPr lang="it-IT" altLang="it-IT" sz="1200">
+              <a:solidFill>
+                <a:schemeClr val="tx1"/>
+              </a:solidFill>
+            </a:endParaRPr>
+          </a:p>
+        </p:txBody>
+      </p:sp>
+      <p:sp>
+        <p:nvSpPr>
+          <p:cNvPr id="9219" name="Rectangle 2">
+            <a:extLst>
+              <a:ext uri="{FF2B5EF4-FFF2-40B4-BE49-F238E27FC236}">
+                <a16:creationId xmlns:a16="http://schemas.microsoft.com/office/drawing/2014/main" id="{03727CE3-CAAB-BE0F-92C6-C11C46D586A9}"/>
+              </a:ext>
+            </a:extLst>
+          </p:cNvPr>
+          <p:cNvSpPr>
+            <a:spLocks noGrp="1" noRot="1" noChangeAspect="1" noChangeArrowheads="1" noTextEdit="1"/>
+          </p:cNvSpPr>
+          <p:nvPr>
+            <p:ph type="sldImg"/>
+          </p:nvPr>
+        </p:nvSpPr>
+        <p:spPr>
+          <a:ln/>
+        </p:spPr>
+      </p:sp>
+      <p:sp>
+        <p:nvSpPr>
+          <p:cNvPr id="9220" name="Rectangle 3">
+            <a:extLst>
+              <a:ext uri="{FF2B5EF4-FFF2-40B4-BE49-F238E27FC236}">
+                <a16:creationId xmlns:a16="http://schemas.microsoft.com/office/drawing/2014/main" id="{436AE39C-42B2-D95E-CFC5-AC06A1126494}"/>
+              </a:ext>
+            </a:extLst>
+          </p:cNvPr>
+          <p:cNvSpPr>
+            <a:spLocks noGrp="1" noChangeArrowheads="1"/>
+          </p:cNvSpPr>
+          <p:nvPr>
+            <p:ph type="body" idx="1"/>
+          </p:nvPr>
+        </p:nvSpPr>
+        <p:spPr>
+          <a:noFill/>
+          <a:extLst>
+            <a:ext uri="{909E8E84-426E-40DD-AFC4-6F175D3DCCD1}">
+              <a14:hiddenFill xmlns:a14="http://schemas.microsoft.com/office/drawing/2010/main">
+                <a:solidFill>
+                  <a:schemeClr val="accent1"/>
+                </a:solidFill>
+              </a14:hiddenFill>
+            </a:ext>
+            <a:ext uri="{91240B29-F687-4F45-9708-019B960494DF}">
+              <a14:hiddenLine xmlns:a14="http://schemas.microsoft.com/office/drawing/2010/main" w="9525">
+                <a:solidFill>
+                  <a:schemeClr val="tx1"/>
+                </a:solidFill>
+                <a:miter lim="800000"/>
+                <a:headEnd/>
+                <a:tailEnd/>
+              </a14:hiddenLine>
+            </a:ext>
+          </a:extLst>
+        </p:spPr>
+        <p:txBody>
+          <a:bodyPr/>
+          <a:lstStyle/>
+          <a:p>
+            <a:pPr eaLnBrk="1" hangingPunct="1"/>
+            <a:endParaRPr lang="it-IT" altLang="it-IT"/>
+          </a:p>
+        </p:txBody>
+      </p:sp>
+    </p:spTree>
+    <p:extLst>
+      <p:ext uri="{BB962C8B-B14F-4D97-AF65-F5344CB8AC3E}">
+        <p14:creationId xmlns:p14="http://schemas.microsoft.com/office/powerpoint/2010/main" val="1637160429"/>
+      </p:ext>
+    </p:extLst>
+  </p:cSld>
+  <p:clrMapOvr>
+    <a:masterClrMapping/>
+  </p:clrMapOvr>
+</p:notes>
+</file>
+
+<file path=ppt/notesSlides/notesSlide16.xml><?xml version="1.0" encoding="utf-8"?>
+<p:notes xmlns:a="http://schemas.openxmlformats.org/drawingml/2006/main" xmlns:r="http://schemas.openxmlformats.org/officeDocument/2006/relationships" xmlns:p="http://schemas.openxmlformats.org/presentationml/2006/main">
+  <p:cSld>
+    <p:spTree>
+      <p:nvGrpSpPr>
+        <p:cNvPr id="1" name=""/>
+        <p:cNvGrpSpPr/>
+        <p:nvPr/>
+      </p:nvGrpSpPr>
+      <p:grpSpPr>
+        <a:xfrm>
+          <a:off x="0" y="0"/>
+          <a:ext cx="0" cy="0"/>
+          <a:chOff x="0" y="0"/>
+          <a:chExt cx="0" cy="0"/>
+        </a:xfrm>
+      </p:grpSpPr>
+      <p:sp>
+        <p:nvSpPr>
+          <p:cNvPr id="9218" name="Rectangle 7">
+            <a:extLst>
+              <a:ext uri="{FF2B5EF4-FFF2-40B4-BE49-F238E27FC236}">
+                <a16:creationId xmlns:a16="http://schemas.microsoft.com/office/drawing/2014/main" id="{414CBB57-B3E0-0660-F938-14C9E5C1E141}"/>
+              </a:ext>
+            </a:extLst>
+          </p:cNvPr>
+          <p:cNvSpPr>
+            <a:spLocks noGrp="1" noChangeArrowheads="1"/>
+          </p:cNvSpPr>
+          <p:nvPr>
+            <p:ph type="sldNum" sz="quarter" idx="5"/>
+          </p:nvPr>
+        </p:nvSpPr>
+        <p:spPr>
+          <a:noFill/>
+          <a:extLst>
+            <a:ext uri="{909E8E84-426E-40DD-AFC4-6F175D3DCCD1}">
+              <a14:hiddenFill xmlns:a14="http://schemas.microsoft.com/office/drawing/2010/main">
+                <a:solidFill>
+                  <a:schemeClr val="accent1"/>
+                </a:solidFill>
+              </a14:hiddenFill>
+            </a:ext>
+            <a:ext uri="{91240B29-F687-4F45-9708-019B960494DF}">
+              <a14:hiddenLine xmlns:a14="http://schemas.microsoft.com/office/drawing/2010/main" w="9525">
+                <a:solidFill>
+                  <a:schemeClr val="tx1"/>
+                </a:solidFill>
+                <a:miter lim="800000"/>
+                <a:headEnd/>
+                <a:tailEnd/>
+              </a14:hiddenLine>
+            </a:ext>
+          </a:extLst>
+        </p:spPr>
+        <p:txBody>
+          <a:bodyPr/>
+          <a:lstStyle>
+            <a:lvl1pPr>
+              <a:defRPr sz="900">
+                <a:solidFill>
+                  <a:schemeClr val="bg1"/>
+                </a:solidFill>
+                <a:latin typeface="Arial" panose="020B0604020202020204" pitchFamily="34" charset="0"/>
+                <a:ea typeface="ＭＳ Ｐゴシック" panose="020B0600070205080204" pitchFamily="34" charset="-128"/>
+              </a:defRPr>
+            </a:lvl1pPr>
+            <a:lvl2pPr marL="742950" indent="-285750">
+              <a:defRPr sz="900">
+                <a:solidFill>
+                  <a:schemeClr val="bg1"/>
+                </a:solidFill>
+                <a:latin typeface="Arial" panose="020B0604020202020204" pitchFamily="34" charset="0"/>
+                <a:ea typeface="ＭＳ Ｐゴシック" panose="020B0600070205080204" pitchFamily="34" charset="-128"/>
+              </a:defRPr>
+            </a:lvl2pPr>
+            <a:lvl3pPr marL="1143000" indent="-228600">
+              <a:defRPr sz="900">
+                <a:solidFill>
+                  <a:schemeClr val="bg1"/>
+                </a:solidFill>
+                <a:latin typeface="Arial" panose="020B0604020202020204" pitchFamily="34" charset="0"/>
+                <a:ea typeface="ＭＳ Ｐゴシック" panose="020B0600070205080204" pitchFamily="34" charset="-128"/>
+              </a:defRPr>
+            </a:lvl3pPr>
+            <a:lvl4pPr marL="1600200" indent="-228600">
+              <a:defRPr sz="900">
+                <a:solidFill>
+                  <a:schemeClr val="bg1"/>
+                </a:solidFill>
+                <a:latin typeface="Arial" panose="020B0604020202020204" pitchFamily="34" charset="0"/>
+                <a:ea typeface="ＭＳ Ｐゴシック" panose="020B0600070205080204" pitchFamily="34" charset="-128"/>
+              </a:defRPr>
+            </a:lvl4pPr>
+            <a:lvl5pPr marL="2057400" indent="-228600">
+              <a:defRPr sz="900">
+                <a:solidFill>
+                  <a:schemeClr val="bg1"/>
+                </a:solidFill>
+                <a:latin typeface="Arial" panose="020B0604020202020204" pitchFamily="34" charset="0"/>
+                <a:ea typeface="ＭＳ Ｐゴシック" panose="020B0600070205080204" pitchFamily="34" charset="-128"/>
+              </a:defRPr>
+            </a:lvl5pPr>
+            <a:lvl6pPr marL="2514600" indent="-228600" eaLnBrk="0" fontAlgn="base" hangingPunct="0">
+              <a:spcBef>
+                <a:spcPct val="0"/>
+              </a:spcBef>
+              <a:spcAft>
+                <a:spcPct val="0"/>
+              </a:spcAft>
+              <a:defRPr sz="900">
+                <a:solidFill>
+                  <a:schemeClr val="bg1"/>
+                </a:solidFill>
+                <a:latin typeface="Arial" panose="020B0604020202020204" pitchFamily="34" charset="0"/>
+                <a:ea typeface="ＭＳ Ｐゴシック" panose="020B0600070205080204" pitchFamily="34" charset="-128"/>
+              </a:defRPr>
+            </a:lvl6pPr>
+            <a:lvl7pPr marL="2971800" indent="-228600" eaLnBrk="0" fontAlgn="base" hangingPunct="0">
+              <a:spcBef>
+                <a:spcPct val="0"/>
+              </a:spcBef>
+              <a:spcAft>
+                <a:spcPct val="0"/>
+              </a:spcAft>
+              <a:defRPr sz="900">
+                <a:solidFill>
+                  <a:schemeClr val="bg1"/>
+                </a:solidFill>
+                <a:latin typeface="Arial" panose="020B0604020202020204" pitchFamily="34" charset="0"/>
+                <a:ea typeface="ＭＳ Ｐゴシック" panose="020B0600070205080204" pitchFamily="34" charset="-128"/>
+              </a:defRPr>
+            </a:lvl7pPr>
+            <a:lvl8pPr marL="3429000" indent="-228600" eaLnBrk="0" fontAlgn="base" hangingPunct="0">
+              <a:spcBef>
+                <a:spcPct val="0"/>
+              </a:spcBef>
+              <a:spcAft>
+                <a:spcPct val="0"/>
+              </a:spcAft>
+              <a:defRPr sz="900">
+                <a:solidFill>
+                  <a:schemeClr val="bg1"/>
+                </a:solidFill>
+                <a:latin typeface="Arial" panose="020B0604020202020204" pitchFamily="34" charset="0"/>
+                <a:ea typeface="ＭＳ Ｐゴシック" panose="020B0600070205080204" pitchFamily="34" charset="-128"/>
+              </a:defRPr>
+            </a:lvl8pPr>
+            <a:lvl9pPr marL="3886200" indent="-228600" eaLnBrk="0" fontAlgn="base" hangingPunct="0">
+              <a:spcBef>
+                <a:spcPct val="0"/>
+              </a:spcBef>
+              <a:spcAft>
+                <a:spcPct val="0"/>
+              </a:spcAft>
+              <a:defRPr sz="900">
+                <a:solidFill>
+                  <a:schemeClr val="bg1"/>
+                </a:solidFill>
+                <a:latin typeface="Arial" panose="020B0604020202020204" pitchFamily="34" charset="0"/>
+                <a:ea typeface="ＭＳ Ｐゴシック" panose="020B0600070205080204" pitchFamily="34" charset="-128"/>
+              </a:defRPr>
+            </a:lvl9pPr>
+          </a:lstStyle>
+          <a:p>
+            <a:fld id="{B1E8D7A4-1657-4443-9866-9FD16F6CCC6E}" type="slidenum">
+              <a:rPr lang="it-IT" altLang="it-IT" sz="1200">
+                <a:solidFill>
+                  <a:schemeClr val="tx1"/>
+                </a:solidFill>
+              </a:rPr>
+              <a:pPr/>
+              <a:t>16</a:t>
+            </a:fld>
+            <a:endParaRPr lang="it-IT" altLang="it-IT" sz="1200">
+              <a:solidFill>
+                <a:schemeClr val="tx1"/>
+              </a:solidFill>
+            </a:endParaRPr>
+          </a:p>
+        </p:txBody>
+      </p:sp>
+      <p:sp>
+        <p:nvSpPr>
+          <p:cNvPr id="9219" name="Rectangle 2">
+            <a:extLst>
+              <a:ext uri="{FF2B5EF4-FFF2-40B4-BE49-F238E27FC236}">
+                <a16:creationId xmlns:a16="http://schemas.microsoft.com/office/drawing/2014/main" id="{03727CE3-CAAB-BE0F-92C6-C11C46D586A9}"/>
+              </a:ext>
+            </a:extLst>
+          </p:cNvPr>
+          <p:cNvSpPr>
+            <a:spLocks noGrp="1" noRot="1" noChangeAspect="1" noChangeArrowheads="1" noTextEdit="1"/>
+          </p:cNvSpPr>
+          <p:nvPr>
+            <p:ph type="sldImg"/>
+          </p:nvPr>
+        </p:nvSpPr>
+        <p:spPr>
+          <a:ln/>
+        </p:spPr>
+      </p:sp>
+      <p:sp>
+        <p:nvSpPr>
+          <p:cNvPr id="9220" name="Rectangle 3">
+            <a:extLst>
+              <a:ext uri="{FF2B5EF4-FFF2-40B4-BE49-F238E27FC236}">
+                <a16:creationId xmlns:a16="http://schemas.microsoft.com/office/drawing/2014/main" id="{436AE39C-42B2-D95E-CFC5-AC06A1126494}"/>
+              </a:ext>
+            </a:extLst>
+          </p:cNvPr>
+          <p:cNvSpPr>
+            <a:spLocks noGrp="1" noChangeArrowheads="1"/>
+          </p:cNvSpPr>
+          <p:nvPr>
+            <p:ph type="body" idx="1"/>
+          </p:nvPr>
+        </p:nvSpPr>
+        <p:spPr>
+          <a:noFill/>
+          <a:extLst>
+            <a:ext uri="{909E8E84-426E-40DD-AFC4-6F175D3DCCD1}">
+              <a14:hiddenFill xmlns:a14="http://schemas.microsoft.com/office/drawing/2010/main">
+                <a:solidFill>
+                  <a:schemeClr val="accent1"/>
+                </a:solidFill>
+              </a14:hiddenFill>
+            </a:ext>
+            <a:ext uri="{91240B29-F687-4F45-9708-019B960494DF}">
+              <a14:hiddenLine xmlns:a14="http://schemas.microsoft.com/office/drawing/2010/main" w="9525">
+                <a:solidFill>
+                  <a:schemeClr val="tx1"/>
+                </a:solidFill>
+                <a:miter lim="800000"/>
+                <a:headEnd/>
+                <a:tailEnd/>
+              </a14:hiddenLine>
+            </a:ext>
+          </a:extLst>
+        </p:spPr>
+        <p:txBody>
+          <a:bodyPr/>
+          <a:lstStyle/>
+          <a:p>
+            <a:pPr eaLnBrk="1" hangingPunct="1"/>
+            <a:endParaRPr lang="it-IT" altLang="it-IT"/>
+          </a:p>
+        </p:txBody>
+      </p:sp>
+    </p:spTree>
+    <p:extLst>
+      <p:ext uri="{BB962C8B-B14F-4D97-AF65-F5344CB8AC3E}">
+        <p14:creationId xmlns:p14="http://schemas.microsoft.com/office/powerpoint/2010/main" val="327923692"/>
+      </p:ext>
+    </p:extLst>
+  </p:cSld>
+  <p:clrMapOvr>
+    <a:masterClrMapping/>
+  </p:clrMapOvr>
+</p:notes>
+</file>
+
+<file path=ppt/notesSlides/notesSlide17.xml><?xml version="1.0" encoding="utf-8"?>
+<p:notes xmlns:a="http://schemas.openxmlformats.org/drawingml/2006/main" xmlns:r="http://schemas.openxmlformats.org/officeDocument/2006/relationships" xmlns:p="http://schemas.openxmlformats.org/presentationml/2006/main">
+  <p:cSld>
+    <p:spTree>
+      <p:nvGrpSpPr>
+        <p:cNvPr id="1" name=""/>
+        <p:cNvGrpSpPr/>
+        <p:nvPr/>
+      </p:nvGrpSpPr>
+      <p:grpSpPr>
+        <a:xfrm>
+          <a:off x="0" y="0"/>
+          <a:ext cx="0" cy="0"/>
+          <a:chOff x="0" y="0"/>
+          <a:chExt cx="0" cy="0"/>
+        </a:xfrm>
+      </p:grpSpPr>
+      <p:sp>
+        <p:nvSpPr>
+          <p:cNvPr id="9218" name="Rectangle 7">
+            <a:extLst>
+              <a:ext uri="{FF2B5EF4-FFF2-40B4-BE49-F238E27FC236}">
+                <a16:creationId xmlns:a16="http://schemas.microsoft.com/office/drawing/2014/main" id="{414CBB57-B3E0-0660-F938-14C9E5C1E141}"/>
+              </a:ext>
+            </a:extLst>
+          </p:cNvPr>
+          <p:cNvSpPr>
+            <a:spLocks noGrp="1" noChangeArrowheads="1"/>
+          </p:cNvSpPr>
+          <p:nvPr>
+            <p:ph type="sldNum" sz="quarter" idx="5"/>
+          </p:nvPr>
+        </p:nvSpPr>
+        <p:spPr>
+          <a:noFill/>
+          <a:extLst>
+            <a:ext uri="{909E8E84-426E-40DD-AFC4-6F175D3DCCD1}">
+              <a14:hiddenFill xmlns:a14="http://schemas.microsoft.com/office/drawing/2010/main">
+                <a:solidFill>
+                  <a:schemeClr val="accent1"/>
+                </a:solidFill>
+              </a14:hiddenFill>
+            </a:ext>
+            <a:ext uri="{91240B29-F687-4F45-9708-019B960494DF}">
+              <a14:hiddenLine xmlns:a14="http://schemas.microsoft.com/office/drawing/2010/main" w="9525">
+                <a:solidFill>
+                  <a:schemeClr val="tx1"/>
+                </a:solidFill>
+                <a:miter lim="800000"/>
+                <a:headEnd/>
+                <a:tailEnd/>
+              </a14:hiddenLine>
+            </a:ext>
+          </a:extLst>
+        </p:spPr>
+        <p:txBody>
+          <a:bodyPr/>
+          <a:lstStyle>
+            <a:lvl1pPr>
+              <a:defRPr sz="900">
+                <a:solidFill>
+                  <a:schemeClr val="bg1"/>
+                </a:solidFill>
+                <a:latin typeface="Arial" panose="020B0604020202020204" pitchFamily="34" charset="0"/>
+                <a:ea typeface="ＭＳ Ｐゴシック" panose="020B0600070205080204" pitchFamily="34" charset="-128"/>
+              </a:defRPr>
+            </a:lvl1pPr>
+            <a:lvl2pPr marL="742950" indent="-285750">
+              <a:defRPr sz="900">
+                <a:solidFill>
+                  <a:schemeClr val="bg1"/>
+                </a:solidFill>
+                <a:latin typeface="Arial" panose="020B0604020202020204" pitchFamily="34" charset="0"/>
+                <a:ea typeface="ＭＳ Ｐゴシック" panose="020B0600070205080204" pitchFamily="34" charset="-128"/>
+              </a:defRPr>
+            </a:lvl2pPr>
+            <a:lvl3pPr marL="1143000" indent="-228600">
+              <a:defRPr sz="900">
+                <a:solidFill>
+                  <a:schemeClr val="bg1"/>
+                </a:solidFill>
+                <a:latin typeface="Arial" panose="020B0604020202020204" pitchFamily="34" charset="0"/>
+                <a:ea typeface="ＭＳ Ｐゴシック" panose="020B0600070205080204" pitchFamily="34" charset="-128"/>
+              </a:defRPr>
+            </a:lvl3pPr>
+            <a:lvl4pPr marL="1600200" indent="-228600">
+              <a:defRPr sz="900">
+                <a:solidFill>
+                  <a:schemeClr val="bg1"/>
+                </a:solidFill>
+                <a:latin typeface="Arial" panose="020B0604020202020204" pitchFamily="34" charset="0"/>
+                <a:ea typeface="ＭＳ Ｐゴシック" panose="020B0600070205080204" pitchFamily="34" charset="-128"/>
+              </a:defRPr>
+            </a:lvl4pPr>
+            <a:lvl5pPr marL="2057400" indent="-228600">
+              <a:defRPr sz="900">
+                <a:solidFill>
+                  <a:schemeClr val="bg1"/>
+                </a:solidFill>
+                <a:latin typeface="Arial" panose="020B0604020202020204" pitchFamily="34" charset="0"/>
+                <a:ea typeface="ＭＳ Ｐゴシック" panose="020B0600070205080204" pitchFamily="34" charset="-128"/>
+              </a:defRPr>
+            </a:lvl5pPr>
+            <a:lvl6pPr marL="2514600" indent="-228600" eaLnBrk="0" fontAlgn="base" hangingPunct="0">
+              <a:spcBef>
+                <a:spcPct val="0"/>
+              </a:spcBef>
+              <a:spcAft>
+                <a:spcPct val="0"/>
+              </a:spcAft>
+              <a:defRPr sz="900">
+                <a:solidFill>
+                  <a:schemeClr val="bg1"/>
+                </a:solidFill>
+                <a:latin typeface="Arial" panose="020B0604020202020204" pitchFamily="34" charset="0"/>
+                <a:ea typeface="ＭＳ Ｐゴシック" panose="020B0600070205080204" pitchFamily="34" charset="-128"/>
+              </a:defRPr>
+            </a:lvl6pPr>
+            <a:lvl7pPr marL="2971800" indent="-228600" eaLnBrk="0" fontAlgn="base" hangingPunct="0">
+              <a:spcBef>
+                <a:spcPct val="0"/>
+              </a:spcBef>
+              <a:spcAft>
+                <a:spcPct val="0"/>
+              </a:spcAft>
+              <a:defRPr sz="900">
+                <a:solidFill>
+                  <a:schemeClr val="bg1"/>
+                </a:solidFill>
+                <a:latin typeface="Arial" panose="020B0604020202020204" pitchFamily="34" charset="0"/>
+                <a:ea typeface="ＭＳ Ｐゴシック" panose="020B0600070205080204" pitchFamily="34" charset="-128"/>
+              </a:defRPr>
+            </a:lvl7pPr>
+            <a:lvl8pPr marL="3429000" indent="-228600" eaLnBrk="0" fontAlgn="base" hangingPunct="0">
+              <a:spcBef>
+                <a:spcPct val="0"/>
+              </a:spcBef>
+              <a:spcAft>
+                <a:spcPct val="0"/>
+              </a:spcAft>
+              <a:defRPr sz="900">
+                <a:solidFill>
+                  <a:schemeClr val="bg1"/>
+                </a:solidFill>
+                <a:latin typeface="Arial" panose="020B0604020202020204" pitchFamily="34" charset="0"/>
+                <a:ea typeface="ＭＳ Ｐゴシック" panose="020B0600070205080204" pitchFamily="34" charset="-128"/>
+              </a:defRPr>
+            </a:lvl8pPr>
+            <a:lvl9pPr marL="3886200" indent="-228600" eaLnBrk="0" fontAlgn="base" hangingPunct="0">
+              <a:spcBef>
+                <a:spcPct val="0"/>
+              </a:spcBef>
+              <a:spcAft>
+                <a:spcPct val="0"/>
+              </a:spcAft>
+              <a:defRPr sz="900">
+                <a:solidFill>
+                  <a:schemeClr val="bg1"/>
+                </a:solidFill>
+                <a:latin typeface="Arial" panose="020B0604020202020204" pitchFamily="34" charset="0"/>
+                <a:ea typeface="ＭＳ Ｐゴシック" panose="020B0600070205080204" pitchFamily="34" charset="-128"/>
+              </a:defRPr>
+            </a:lvl9pPr>
+          </a:lstStyle>
+          <a:p>
+            <a:fld id="{B1E8D7A4-1657-4443-9866-9FD16F6CCC6E}" type="slidenum">
+              <a:rPr lang="it-IT" altLang="it-IT" sz="1200">
+                <a:solidFill>
+                  <a:schemeClr val="tx1"/>
+                </a:solidFill>
+              </a:rPr>
+              <a:pPr/>
+              <a:t>17</a:t>
+            </a:fld>
+            <a:endParaRPr lang="it-IT" altLang="it-IT" sz="1200">
+              <a:solidFill>
+                <a:schemeClr val="tx1"/>
+              </a:solidFill>
+            </a:endParaRPr>
+          </a:p>
+        </p:txBody>
+      </p:sp>
+      <p:sp>
+        <p:nvSpPr>
+          <p:cNvPr id="9219" name="Rectangle 2">
+            <a:extLst>
+              <a:ext uri="{FF2B5EF4-FFF2-40B4-BE49-F238E27FC236}">
+                <a16:creationId xmlns:a16="http://schemas.microsoft.com/office/drawing/2014/main" id="{03727CE3-CAAB-BE0F-92C6-C11C46D586A9}"/>
+              </a:ext>
+            </a:extLst>
+          </p:cNvPr>
+          <p:cNvSpPr>
+            <a:spLocks noGrp="1" noRot="1" noChangeAspect="1" noChangeArrowheads="1" noTextEdit="1"/>
+          </p:cNvSpPr>
+          <p:nvPr>
+            <p:ph type="sldImg"/>
+          </p:nvPr>
+        </p:nvSpPr>
+        <p:spPr>
+          <a:ln/>
+        </p:spPr>
+      </p:sp>
+      <p:sp>
+        <p:nvSpPr>
+          <p:cNvPr id="9220" name="Rectangle 3">
+            <a:extLst>
+              <a:ext uri="{FF2B5EF4-FFF2-40B4-BE49-F238E27FC236}">
+                <a16:creationId xmlns:a16="http://schemas.microsoft.com/office/drawing/2014/main" id="{436AE39C-42B2-D95E-CFC5-AC06A1126494}"/>
+              </a:ext>
+            </a:extLst>
+          </p:cNvPr>
+          <p:cNvSpPr>
+            <a:spLocks noGrp="1" noChangeArrowheads="1"/>
+          </p:cNvSpPr>
+          <p:nvPr>
+            <p:ph type="body" idx="1"/>
+          </p:nvPr>
+        </p:nvSpPr>
+        <p:spPr>
+          <a:noFill/>
+          <a:extLst>
+            <a:ext uri="{909E8E84-426E-40DD-AFC4-6F175D3DCCD1}">
+              <a14:hiddenFill xmlns:a14="http://schemas.microsoft.com/office/drawing/2010/main">
+                <a:solidFill>
+                  <a:schemeClr val="accent1"/>
+                </a:solidFill>
+              </a14:hiddenFill>
+            </a:ext>
+            <a:ext uri="{91240B29-F687-4F45-9708-019B960494DF}">
+              <a14:hiddenLine xmlns:a14="http://schemas.microsoft.com/office/drawing/2010/main" w="9525">
+                <a:solidFill>
+                  <a:schemeClr val="tx1"/>
+                </a:solidFill>
+                <a:miter lim="800000"/>
+                <a:headEnd/>
+                <a:tailEnd/>
+              </a14:hiddenLine>
+            </a:ext>
+          </a:extLst>
+        </p:spPr>
+        <p:txBody>
+          <a:bodyPr/>
+          <a:lstStyle/>
+          <a:p>
+            <a:pPr eaLnBrk="1" hangingPunct="1"/>
+            <a:endParaRPr lang="it-IT" altLang="it-IT"/>
+          </a:p>
+        </p:txBody>
+      </p:sp>
+    </p:spTree>
+    <p:extLst>
+      <p:ext uri="{BB962C8B-B14F-4D97-AF65-F5344CB8AC3E}">
+        <p14:creationId xmlns:p14="http://schemas.microsoft.com/office/powerpoint/2010/main" val="3379426541"/>
+      </p:ext>
+    </p:extLst>
+  </p:cSld>
+  <p:clrMapOvr>
+    <a:masterClrMapping/>
+  </p:clrMapOvr>
+</p:notes>
+</file>
+
+<file path=ppt/notesSlides/notesSlide18.xml><?xml version="1.0" encoding="utf-8"?>
+<p:notes xmlns:a="http://schemas.openxmlformats.org/drawingml/2006/main" xmlns:r="http://schemas.openxmlformats.org/officeDocument/2006/relationships" xmlns:p="http://schemas.openxmlformats.org/presentationml/2006/main">
+  <p:cSld>
+    <p:spTree>
+      <p:nvGrpSpPr>
+        <p:cNvPr id="1" name=""/>
+        <p:cNvGrpSpPr/>
+        <p:nvPr/>
+      </p:nvGrpSpPr>
+      <p:grpSpPr>
+        <a:xfrm>
+          <a:off x="0" y="0"/>
+          <a:ext cx="0" cy="0"/>
+          <a:chOff x="0" y="0"/>
+          <a:chExt cx="0" cy="0"/>
+        </a:xfrm>
+      </p:grpSpPr>
+      <p:sp>
+        <p:nvSpPr>
           <p:cNvPr id="11266" name="Rectangle 7">
             <a:extLst>
               <a:ext uri="{FF2B5EF4-FFF2-40B4-BE49-F238E27FC236}">
@@ -2678,7 +3469,7 @@
                 </a:solidFill>
               </a:rPr>
               <a:pPr/>
-              <a:t>15</a:t>
+              <a:t>18</a:t>
             </a:fld>
             <a:endParaRPr lang="it-IT" altLang="it-IT" sz="1200">
               <a:solidFill>
@@ -2763,7 +3554,7 @@
 </p:notes>
 </file>
 
-<file path=ppt/notesSlides/notesSlide16.xml><?xml version="1.0" encoding="utf-8"?>
+<file path=ppt/notesSlides/notesSlide19.xml><?xml version="1.0" encoding="utf-8"?>
 <p:notes xmlns:a="http://schemas.openxmlformats.org/drawingml/2006/main" xmlns:r="http://schemas.openxmlformats.org/officeDocument/2006/relationships" xmlns:p="http://schemas.openxmlformats.org/presentationml/2006/main">
   <p:cSld>
     <p:spTree>
@@ -2935,7 +3726,7 @@
                 </a:solidFill>
               </a:rPr>
               <a:pPr/>
-              <a:t>16</a:t>
+              <a:t>19</a:t>
             </a:fld>
             <a:endParaRPr lang="it-IT" altLang="it-IT" sz="1200">
               <a:solidFill>
@@ -3013,6 +3804,11 @@
         </p:txBody>
       </p:sp>
     </p:spTree>
+    <p:extLst>
+      <p:ext uri="{BB962C8B-B14F-4D97-AF65-F5344CB8AC3E}">
+        <p14:creationId xmlns:p14="http://schemas.microsoft.com/office/powerpoint/2010/main" val="148444477"/>
+      </p:ext>
+    </p:extLst>
   </p:cSld>
   <p:clrMapOvr>
     <a:masterClrMapping/>
@@ -3270,6 +4066,525 @@
         </p:txBody>
       </p:sp>
     </p:spTree>
+  </p:cSld>
+  <p:clrMapOvr>
+    <a:masterClrMapping/>
+  </p:clrMapOvr>
+</p:notes>
+</file>
+
+<file path=ppt/notesSlides/notesSlide20.xml><?xml version="1.0" encoding="utf-8"?>
+<p:notes xmlns:a="http://schemas.openxmlformats.org/drawingml/2006/main" xmlns:r="http://schemas.openxmlformats.org/officeDocument/2006/relationships" xmlns:p="http://schemas.openxmlformats.org/presentationml/2006/main">
+  <p:cSld>
+    <p:spTree>
+      <p:nvGrpSpPr>
+        <p:cNvPr id="1" name=""/>
+        <p:cNvGrpSpPr/>
+        <p:nvPr/>
+      </p:nvGrpSpPr>
+      <p:grpSpPr>
+        <a:xfrm>
+          <a:off x="0" y="0"/>
+          <a:ext cx="0" cy="0"/>
+          <a:chOff x="0" y="0"/>
+          <a:chExt cx="0" cy="0"/>
+        </a:xfrm>
+      </p:grpSpPr>
+      <p:sp>
+        <p:nvSpPr>
+          <p:cNvPr id="13314" name="Rectangle 7">
+            <a:extLst>
+              <a:ext uri="{FF2B5EF4-FFF2-40B4-BE49-F238E27FC236}">
+                <a16:creationId xmlns:a16="http://schemas.microsoft.com/office/drawing/2014/main" id="{8ED599A5-AF43-5157-205A-C0B18291B431}"/>
+              </a:ext>
+            </a:extLst>
+          </p:cNvPr>
+          <p:cNvSpPr>
+            <a:spLocks noGrp="1" noChangeArrowheads="1"/>
+          </p:cNvSpPr>
+          <p:nvPr>
+            <p:ph type="sldNum" sz="quarter" idx="5"/>
+          </p:nvPr>
+        </p:nvSpPr>
+        <p:spPr>
+          <a:noFill/>
+          <a:extLst>
+            <a:ext uri="{909E8E84-426E-40DD-AFC4-6F175D3DCCD1}">
+              <a14:hiddenFill xmlns:a14="http://schemas.microsoft.com/office/drawing/2010/main">
+                <a:solidFill>
+                  <a:schemeClr val="accent1"/>
+                </a:solidFill>
+              </a14:hiddenFill>
+            </a:ext>
+            <a:ext uri="{91240B29-F687-4F45-9708-019B960494DF}">
+              <a14:hiddenLine xmlns:a14="http://schemas.microsoft.com/office/drawing/2010/main" w="9525">
+                <a:solidFill>
+                  <a:schemeClr val="tx1"/>
+                </a:solidFill>
+                <a:miter lim="800000"/>
+                <a:headEnd/>
+                <a:tailEnd/>
+              </a14:hiddenLine>
+            </a:ext>
+          </a:extLst>
+        </p:spPr>
+        <p:txBody>
+          <a:bodyPr/>
+          <a:lstStyle>
+            <a:lvl1pPr>
+              <a:defRPr sz="900">
+                <a:solidFill>
+                  <a:schemeClr val="bg1"/>
+                </a:solidFill>
+                <a:latin typeface="Arial" panose="020B0604020202020204" pitchFamily="34" charset="0"/>
+                <a:ea typeface="ＭＳ Ｐゴシック" panose="020B0600070205080204" pitchFamily="34" charset="-128"/>
+              </a:defRPr>
+            </a:lvl1pPr>
+            <a:lvl2pPr marL="742950" indent="-285750">
+              <a:defRPr sz="900">
+                <a:solidFill>
+                  <a:schemeClr val="bg1"/>
+                </a:solidFill>
+                <a:latin typeface="Arial" panose="020B0604020202020204" pitchFamily="34" charset="0"/>
+                <a:ea typeface="ＭＳ Ｐゴシック" panose="020B0600070205080204" pitchFamily="34" charset="-128"/>
+              </a:defRPr>
+            </a:lvl2pPr>
+            <a:lvl3pPr marL="1143000" indent="-228600">
+              <a:defRPr sz="900">
+                <a:solidFill>
+                  <a:schemeClr val="bg1"/>
+                </a:solidFill>
+                <a:latin typeface="Arial" panose="020B0604020202020204" pitchFamily="34" charset="0"/>
+                <a:ea typeface="ＭＳ Ｐゴシック" panose="020B0600070205080204" pitchFamily="34" charset="-128"/>
+              </a:defRPr>
+            </a:lvl3pPr>
+            <a:lvl4pPr marL="1600200" indent="-228600">
+              <a:defRPr sz="900">
+                <a:solidFill>
+                  <a:schemeClr val="bg1"/>
+                </a:solidFill>
+                <a:latin typeface="Arial" panose="020B0604020202020204" pitchFamily="34" charset="0"/>
+                <a:ea typeface="ＭＳ Ｐゴシック" panose="020B0600070205080204" pitchFamily="34" charset="-128"/>
+              </a:defRPr>
+            </a:lvl4pPr>
+            <a:lvl5pPr marL="2057400" indent="-228600">
+              <a:defRPr sz="900">
+                <a:solidFill>
+                  <a:schemeClr val="bg1"/>
+                </a:solidFill>
+                <a:latin typeface="Arial" panose="020B0604020202020204" pitchFamily="34" charset="0"/>
+                <a:ea typeface="ＭＳ Ｐゴシック" panose="020B0600070205080204" pitchFamily="34" charset="-128"/>
+              </a:defRPr>
+            </a:lvl5pPr>
+            <a:lvl6pPr marL="2514600" indent="-228600" eaLnBrk="0" fontAlgn="base" hangingPunct="0">
+              <a:spcBef>
+                <a:spcPct val="0"/>
+              </a:spcBef>
+              <a:spcAft>
+                <a:spcPct val="0"/>
+              </a:spcAft>
+              <a:defRPr sz="900">
+                <a:solidFill>
+                  <a:schemeClr val="bg1"/>
+                </a:solidFill>
+                <a:latin typeface="Arial" panose="020B0604020202020204" pitchFamily="34" charset="0"/>
+                <a:ea typeface="ＭＳ Ｐゴシック" panose="020B0600070205080204" pitchFamily="34" charset="-128"/>
+              </a:defRPr>
+            </a:lvl6pPr>
+            <a:lvl7pPr marL="2971800" indent="-228600" eaLnBrk="0" fontAlgn="base" hangingPunct="0">
+              <a:spcBef>
+                <a:spcPct val="0"/>
+              </a:spcBef>
+              <a:spcAft>
+                <a:spcPct val="0"/>
+              </a:spcAft>
+              <a:defRPr sz="900">
+                <a:solidFill>
+                  <a:schemeClr val="bg1"/>
+                </a:solidFill>
+                <a:latin typeface="Arial" panose="020B0604020202020204" pitchFamily="34" charset="0"/>
+                <a:ea typeface="ＭＳ Ｐゴシック" panose="020B0600070205080204" pitchFamily="34" charset="-128"/>
+              </a:defRPr>
+            </a:lvl7pPr>
+            <a:lvl8pPr marL="3429000" indent="-228600" eaLnBrk="0" fontAlgn="base" hangingPunct="0">
+              <a:spcBef>
+                <a:spcPct val="0"/>
+              </a:spcBef>
+              <a:spcAft>
+                <a:spcPct val="0"/>
+              </a:spcAft>
+              <a:defRPr sz="900">
+                <a:solidFill>
+                  <a:schemeClr val="bg1"/>
+                </a:solidFill>
+                <a:latin typeface="Arial" panose="020B0604020202020204" pitchFamily="34" charset="0"/>
+                <a:ea typeface="ＭＳ Ｐゴシック" panose="020B0600070205080204" pitchFamily="34" charset="-128"/>
+              </a:defRPr>
+            </a:lvl8pPr>
+            <a:lvl9pPr marL="3886200" indent="-228600" eaLnBrk="0" fontAlgn="base" hangingPunct="0">
+              <a:spcBef>
+                <a:spcPct val="0"/>
+              </a:spcBef>
+              <a:spcAft>
+                <a:spcPct val="0"/>
+              </a:spcAft>
+              <a:defRPr sz="900">
+                <a:solidFill>
+                  <a:schemeClr val="bg1"/>
+                </a:solidFill>
+                <a:latin typeface="Arial" panose="020B0604020202020204" pitchFamily="34" charset="0"/>
+                <a:ea typeface="ＭＳ Ｐゴシック" panose="020B0600070205080204" pitchFamily="34" charset="-128"/>
+              </a:defRPr>
+            </a:lvl9pPr>
+          </a:lstStyle>
+          <a:p>
+            <a:fld id="{5C32D549-ED99-4100-B7A6-8EA4C5369BD1}" type="slidenum">
+              <a:rPr lang="it-IT" altLang="it-IT" sz="1200">
+                <a:solidFill>
+                  <a:schemeClr val="tx1"/>
+                </a:solidFill>
+              </a:rPr>
+              <a:pPr/>
+              <a:t>20</a:t>
+            </a:fld>
+            <a:endParaRPr lang="it-IT" altLang="it-IT" sz="1200">
+              <a:solidFill>
+                <a:schemeClr val="tx1"/>
+              </a:solidFill>
+            </a:endParaRPr>
+          </a:p>
+        </p:txBody>
+      </p:sp>
+      <p:sp>
+        <p:nvSpPr>
+          <p:cNvPr id="13315" name="Rectangle 2">
+            <a:extLst>
+              <a:ext uri="{FF2B5EF4-FFF2-40B4-BE49-F238E27FC236}">
+                <a16:creationId xmlns:a16="http://schemas.microsoft.com/office/drawing/2014/main" id="{A1EF1F5E-2786-3A5A-AB36-2CE83988A1F3}"/>
+              </a:ext>
+            </a:extLst>
+          </p:cNvPr>
+          <p:cNvSpPr>
+            <a:spLocks noGrp="1" noRot="1" noChangeAspect="1" noChangeArrowheads="1" noTextEdit="1"/>
+          </p:cNvSpPr>
+          <p:nvPr>
+            <p:ph type="sldImg"/>
+          </p:nvPr>
+        </p:nvSpPr>
+        <p:spPr>
+          <a:ln/>
+        </p:spPr>
+      </p:sp>
+      <p:sp>
+        <p:nvSpPr>
+          <p:cNvPr id="13316" name="Rectangle 3">
+            <a:extLst>
+              <a:ext uri="{FF2B5EF4-FFF2-40B4-BE49-F238E27FC236}">
+                <a16:creationId xmlns:a16="http://schemas.microsoft.com/office/drawing/2014/main" id="{A8B24916-CF73-2C6A-4515-81C123248DB8}"/>
+              </a:ext>
+            </a:extLst>
+          </p:cNvPr>
+          <p:cNvSpPr>
+            <a:spLocks noGrp="1" noChangeArrowheads="1"/>
+          </p:cNvSpPr>
+          <p:nvPr>
+            <p:ph type="body" idx="1"/>
+          </p:nvPr>
+        </p:nvSpPr>
+        <p:spPr>
+          <a:noFill/>
+          <a:extLst>
+            <a:ext uri="{909E8E84-426E-40DD-AFC4-6F175D3DCCD1}">
+              <a14:hiddenFill xmlns:a14="http://schemas.microsoft.com/office/drawing/2010/main">
+                <a:solidFill>
+                  <a:schemeClr val="accent1"/>
+                </a:solidFill>
+              </a14:hiddenFill>
+            </a:ext>
+            <a:ext uri="{91240B29-F687-4F45-9708-019B960494DF}">
+              <a14:hiddenLine xmlns:a14="http://schemas.microsoft.com/office/drawing/2010/main" w="9525">
+                <a:solidFill>
+                  <a:schemeClr val="tx1"/>
+                </a:solidFill>
+                <a:miter lim="800000"/>
+                <a:headEnd/>
+                <a:tailEnd/>
+              </a14:hiddenLine>
+            </a:ext>
+          </a:extLst>
+        </p:spPr>
+        <p:txBody>
+          <a:bodyPr/>
+          <a:lstStyle/>
+          <a:p>
+            <a:pPr eaLnBrk="1" hangingPunct="1"/>
+            <a:endParaRPr lang="it-IT" altLang="it-IT"/>
+          </a:p>
+        </p:txBody>
+      </p:sp>
+    </p:spTree>
+  </p:cSld>
+  <p:clrMapOvr>
+    <a:masterClrMapping/>
+  </p:clrMapOvr>
+</p:notes>
+</file>
+
+<file path=ppt/notesSlides/notesSlide21.xml><?xml version="1.0" encoding="utf-8"?>
+<p:notes xmlns:a="http://schemas.openxmlformats.org/drawingml/2006/main" xmlns:r="http://schemas.openxmlformats.org/officeDocument/2006/relationships" xmlns:p="http://schemas.openxmlformats.org/presentationml/2006/main">
+  <p:cSld>
+    <p:spTree>
+      <p:nvGrpSpPr>
+        <p:cNvPr id="1" name=""/>
+        <p:cNvGrpSpPr/>
+        <p:nvPr/>
+      </p:nvGrpSpPr>
+      <p:grpSpPr>
+        <a:xfrm>
+          <a:off x="0" y="0"/>
+          <a:ext cx="0" cy="0"/>
+          <a:chOff x="0" y="0"/>
+          <a:chExt cx="0" cy="0"/>
+        </a:xfrm>
+      </p:grpSpPr>
+      <p:sp>
+        <p:nvSpPr>
+          <p:cNvPr id="13314" name="Rectangle 7">
+            <a:extLst>
+              <a:ext uri="{FF2B5EF4-FFF2-40B4-BE49-F238E27FC236}">
+                <a16:creationId xmlns:a16="http://schemas.microsoft.com/office/drawing/2014/main" id="{8ED599A5-AF43-5157-205A-C0B18291B431}"/>
+              </a:ext>
+            </a:extLst>
+          </p:cNvPr>
+          <p:cNvSpPr>
+            <a:spLocks noGrp="1" noChangeArrowheads="1"/>
+          </p:cNvSpPr>
+          <p:nvPr>
+            <p:ph type="sldNum" sz="quarter" idx="5"/>
+          </p:nvPr>
+        </p:nvSpPr>
+        <p:spPr>
+          <a:noFill/>
+          <a:extLst>
+            <a:ext uri="{909E8E84-426E-40DD-AFC4-6F175D3DCCD1}">
+              <a14:hiddenFill xmlns:a14="http://schemas.microsoft.com/office/drawing/2010/main">
+                <a:solidFill>
+                  <a:schemeClr val="accent1"/>
+                </a:solidFill>
+              </a14:hiddenFill>
+            </a:ext>
+            <a:ext uri="{91240B29-F687-4F45-9708-019B960494DF}">
+              <a14:hiddenLine xmlns:a14="http://schemas.microsoft.com/office/drawing/2010/main" w="9525">
+                <a:solidFill>
+                  <a:schemeClr val="tx1"/>
+                </a:solidFill>
+                <a:miter lim="800000"/>
+                <a:headEnd/>
+                <a:tailEnd/>
+              </a14:hiddenLine>
+            </a:ext>
+          </a:extLst>
+        </p:spPr>
+        <p:txBody>
+          <a:bodyPr/>
+          <a:lstStyle>
+            <a:lvl1pPr>
+              <a:defRPr sz="900">
+                <a:solidFill>
+                  <a:schemeClr val="bg1"/>
+                </a:solidFill>
+                <a:latin typeface="Arial" panose="020B0604020202020204" pitchFamily="34" charset="0"/>
+                <a:ea typeface="ＭＳ Ｐゴシック" panose="020B0600070205080204" pitchFamily="34" charset="-128"/>
+              </a:defRPr>
+            </a:lvl1pPr>
+            <a:lvl2pPr marL="742950" indent="-285750">
+              <a:defRPr sz="900">
+                <a:solidFill>
+                  <a:schemeClr val="bg1"/>
+                </a:solidFill>
+                <a:latin typeface="Arial" panose="020B0604020202020204" pitchFamily="34" charset="0"/>
+                <a:ea typeface="ＭＳ Ｐゴシック" panose="020B0600070205080204" pitchFamily="34" charset="-128"/>
+              </a:defRPr>
+            </a:lvl2pPr>
+            <a:lvl3pPr marL="1143000" indent="-228600">
+              <a:defRPr sz="900">
+                <a:solidFill>
+                  <a:schemeClr val="bg1"/>
+                </a:solidFill>
+                <a:latin typeface="Arial" panose="020B0604020202020204" pitchFamily="34" charset="0"/>
+                <a:ea typeface="ＭＳ Ｐゴシック" panose="020B0600070205080204" pitchFamily="34" charset="-128"/>
+              </a:defRPr>
+            </a:lvl3pPr>
+            <a:lvl4pPr marL="1600200" indent="-228600">
+              <a:defRPr sz="900">
+                <a:solidFill>
+                  <a:schemeClr val="bg1"/>
+                </a:solidFill>
+                <a:latin typeface="Arial" panose="020B0604020202020204" pitchFamily="34" charset="0"/>
+                <a:ea typeface="ＭＳ Ｐゴシック" panose="020B0600070205080204" pitchFamily="34" charset="-128"/>
+              </a:defRPr>
+            </a:lvl4pPr>
+            <a:lvl5pPr marL="2057400" indent="-228600">
+              <a:defRPr sz="900">
+                <a:solidFill>
+                  <a:schemeClr val="bg1"/>
+                </a:solidFill>
+                <a:latin typeface="Arial" panose="020B0604020202020204" pitchFamily="34" charset="0"/>
+                <a:ea typeface="ＭＳ Ｐゴシック" panose="020B0600070205080204" pitchFamily="34" charset="-128"/>
+              </a:defRPr>
+            </a:lvl5pPr>
+            <a:lvl6pPr marL="2514600" indent="-228600" eaLnBrk="0" fontAlgn="base" hangingPunct="0">
+              <a:spcBef>
+                <a:spcPct val="0"/>
+              </a:spcBef>
+              <a:spcAft>
+                <a:spcPct val="0"/>
+              </a:spcAft>
+              <a:defRPr sz="900">
+                <a:solidFill>
+                  <a:schemeClr val="bg1"/>
+                </a:solidFill>
+                <a:latin typeface="Arial" panose="020B0604020202020204" pitchFamily="34" charset="0"/>
+                <a:ea typeface="ＭＳ Ｐゴシック" panose="020B0600070205080204" pitchFamily="34" charset="-128"/>
+              </a:defRPr>
+            </a:lvl6pPr>
+            <a:lvl7pPr marL="2971800" indent="-228600" eaLnBrk="0" fontAlgn="base" hangingPunct="0">
+              <a:spcBef>
+                <a:spcPct val="0"/>
+              </a:spcBef>
+              <a:spcAft>
+                <a:spcPct val="0"/>
+              </a:spcAft>
+              <a:defRPr sz="900">
+                <a:solidFill>
+                  <a:schemeClr val="bg1"/>
+                </a:solidFill>
+                <a:latin typeface="Arial" panose="020B0604020202020204" pitchFamily="34" charset="0"/>
+                <a:ea typeface="ＭＳ Ｐゴシック" panose="020B0600070205080204" pitchFamily="34" charset="-128"/>
+              </a:defRPr>
+            </a:lvl7pPr>
+            <a:lvl8pPr marL="3429000" indent="-228600" eaLnBrk="0" fontAlgn="base" hangingPunct="0">
+              <a:spcBef>
+                <a:spcPct val="0"/>
+              </a:spcBef>
+              <a:spcAft>
+                <a:spcPct val="0"/>
+              </a:spcAft>
+              <a:defRPr sz="900">
+                <a:solidFill>
+                  <a:schemeClr val="bg1"/>
+                </a:solidFill>
+                <a:latin typeface="Arial" panose="020B0604020202020204" pitchFamily="34" charset="0"/>
+                <a:ea typeface="ＭＳ Ｐゴシック" panose="020B0600070205080204" pitchFamily="34" charset="-128"/>
+              </a:defRPr>
+            </a:lvl8pPr>
+            <a:lvl9pPr marL="3886200" indent="-228600" eaLnBrk="0" fontAlgn="base" hangingPunct="0">
+              <a:spcBef>
+                <a:spcPct val="0"/>
+              </a:spcBef>
+              <a:spcAft>
+                <a:spcPct val="0"/>
+              </a:spcAft>
+              <a:defRPr sz="900">
+                <a:solidFill>
+                  <a:schemeClr val="bg1"/>
+                </a:solidFill>
+                <a:latin typeface="Arial" panose="020B0604020202020204" pitchFamily="34" charset="0"/>
+                <a:ea typeface="ＭＳ Ｐゴシック" panose="020B0600070205080204" pitchFamily="34" charset="-128"/>
+              </a:defRPr>
+            </a:lvl9pPr>
+          </a:lstStyle>
+          <a:p>
+            <a:fld id="{5C32D549-ED99-4100-B7A6-8EA4C5369BD1}" type="slidenum">
+              <a:rPr lang="it-IT" altLang="it-IT" sz="1200">
+                <a:solidFill>
+                  <a:schemeClr val="tx1"/>
+                </a:solidFill>
+              </a:rPr>
+              <a:pPr/>
+              <a:t>21</a:t>
+            </a:fld>
+            <a:endParaRPr lang="it-IT" altLang="it-IT" sz="1200">
+              <a:solidFill>
+                <a:schemeClr val="tx1"/>
+              </a:solidFill>
+            </a:endParaRPr>
+          </a:p>
+        </p:txBody>
+      </p:sp>
+      <p:sp>
+        <p:nvSpPr>
+          <p:cNvPr id="13315" name="Rectangle 2">
+            <a:extLst>
+              <a:ext uri="{FF2B5EF4-FFF2-40B4-BE49-F238E27FC236}">
+                <a16:creationId xmlns:a16="http://schemas.microsoft.com/office/drawing/2014/main" id="{A1EF1F5E-2786-3A5A-AB36-2CE83988A1F3}"/>
+              </a:ext>
+            </a:extLst>
+          </p:cNvPr>
+          <p:cNvSpPr>
+            <a:spLocks noGrp="1" noRot="1" noChangeAspect="1" noChangeArrowheads="1" noTextEdit="1"/>
+          </p:cNvSpPr>
+          <p:nvPr>
+            <p:ph type="sldImg"/>
+          </p:nvPr>
+        </p:nvSpPr>
+        <p:spPr>
+          <a:ln/>
+        </p:spPr>
+      </p:sp>
+      <p:sp>
+        <p:nvSpPr>
+          <p:cNvPr id="13316" name="Rectangle 3">
+            <a:extLst>
+              <a:ext uri="{FF2B5EF4-FFF2-40B4-BE49-F238E27FC236}">
+                <a16:creationId xmlns:a16="http://schemas.microsoft.com/office/drawing/2014/main" id="{A8B24916-CF73-2C6A-4515-81C123248DB8}"/>
+              </a:ext>
+            </a:extLst>
+          </p:cNvPr>
+          <p:cNvSpPr>
+            <a:spLocks noGrp="1" noChangeArrowheads="1"/>
+          </p:cNvSpPr>
+          <p:nvPr>
+            <p:ph type="body" idx="1"/>
+          </p:nvPr>
+        </p:nvSpPr>
+        <p:spPr>
+          <a:noFill/>
+          <a:extLst>
+            <a:ext uri="{909E8E84-426E-40DD-AFC4-6F175D3DCCD1}">
+              <a14:hiddenFill xmlns:a14="http://schemas.microsoft.com/office/drawing/2010/main">
+                <a:solidFill>
+                  <a:schemeClr val="accent1"/>
+                </a:solidFill>
+              </a14:hiddenFill>
+            </a:ext>
+            <a:ext uri="{91240B29-F687-4F45-9708-019B960494DF}">
+              <a14:hiddenLine xmlns:a14="http://schemas.microsoft.com/office/drawing/2010/main" w="9525">
+                <a:solidFill>
+                  <a:schemeClr val="tx1"/>
+                </a:solidFill>
+                <a:miter lim="800000"/>
+                <a:headEnd/>
+                <a:tailEnd/>
+              </a14:hiddenLine>
+            </a:ext>
+          </a:extLst>
+        </p:spPr>
+        <p:txBody>
+          <a:bodyPr/>
+          <a:lstStyle/>
+          <a:p>
+            <a:pPr eaLnBrk="1" hangingPunct="1"/>
+            <a:endParaRPr lang="it-IT" altLang="it-IT"/>
+          </a:p>
+        </p:txBody>
+      </p:sp>
+    </p:spTree>
+    <p:extLst>
+      <p:ext uri="{BB962C8B-B14F-4D97-AF65-F5344CB8AC3E}">
+        <p14:creationId xmlns:p14="http://schemas.microsoft.com/office/powerpoint/2010/main" val="3809742548"/>
+      </p:ext>
+    </p:extLst>
   </p:cSld>
   <p:clrMapOvr>
     <a:masterClrMapping/>
@@ -5345,7 +6660,7 @@
               <a:pPr>
                 <a:defRPr/>
               </a:pPr>
-              <a:t>11/05/2023</a:t>
+              <a:t>12/05/2023</a:t>
             </a:fld>
             <a:endParaRPr lang="it-IT" altLang="it-IT"/>
           </a:p>
@@ -5571,7 +6886,7 @@
               <a:pPr>
                 <a:defRPr/>
               </a:pPr>
-              <a:t>11/05/2023</a:t>
+              <a:t>12/05/2023</a:t>
             </a:fld>
             <a:endParaRPr lang="it-IT" altLang="it-IT"/>
           </a:p>
@@ -5807,7 +7122,7 @@
               <a:pPr>
                 <a:defRPr/>
               </a:pPr>
-              <a:t>11/05/2023</a:t>
+              <a:t>12/05/2023</a:t>
             </a:fld>
             <a:endParaRPr lang="it-IT" altLang="it-IT"/>
           </a:p>
@@ -6099,7 +7414,7 @@
               <a:pPr>
                 <a:defRPr/>
               </a:pPr>
-              <a:t>11/05/2023</a:t>
+              <a:t>12/05/2023</a:t>
             </a:fld>
             <a:endParaRPr lang="it-IT" altLang="it-IT"/>
           </a:p>
@@ -6304,7 +7619,7 @@
               <a:pPr>
                 <a:defRPr/>
               </a:pPr>
-              <a:t>11/05/2023</a:t>
+              <a:t>12/05/2023</a:t>
             </a:fld>
             <a:endParaRPr lang="it-IT" altLang="it-IT"/>
           </a:p>
@@ -6509,7 +7824,7 @@
               <a:pPr>
                 <a:defRPr/>
               </a:pPr>
-              <a:t>11/05/2023</a:t>
+              <a:t>12/05/2023</a:t>
             </a:fld>
             <a:endParaRPr lang="it-IT" altLang="it-IT"/>
           </a:p>
@@ -6735,7 +8050,7 @@
               <a:pPr>
                 <a:defRPr/>
               </a:pPr>
-              <a:t>11/05/2023</a:t>
+              <a:t>12/05/2023</a:t>
             </a:fld>
             <a:endParaRPr lang="it-IT" altLang="it-IT"/>
           </a:p>
@@ -6984,7 +8299,7 @@
               <a:pPr>
                 <a:defRPr/>
               </a:pPr>
-              <a:t>11/05/2023</a:t>
+              <a:t>12/05/2023</a:t>
             </a:fld>
             <a:endParaRPr lang="it-IT" altLang="it-IT"/>
           </a:p>
@@ -7271,7 +8586,7 @@
               <a:pPr>
                 <a:defRPr/>
               </a:pPr>
-              <a:t>11/05/2023</a:t>
+              <a:t>12/05/2023</a:t>
             </a:fld>
             <a:endParaRPr lang="it-IT" altLang="it-IT"/>
           </a:p>
@@ -7693,7 +9008,7 @@
               <a:pPr>
                 <a:defRPr/>
               </a:pPr>
-              <a:t>11/05/2023</a:t>
+              <a:t>12/05/2023</a:t>
             </a:fld>
             <a:endParaRPr lang="it-IT" altLang="it-IT"/>
           </a:p>
@@ -7868,7 +9183,7 @@
               <a:pPr>
                 <a:defRPr/>
               </a:pPr>
-              <a:t>11/05/2023</a:t>
+              <a:t>12/05/2023</a:t>
             </a:fld>
             <a:endParaRPr lang="it-IT" altLang="it-IT"/>
           </a:p>
@@ -8021,7 +9336,7 @@
               <a:pPr>
                 <a:defRPr/>
               </a:pPr>
-              <a:t>11/05/2023</a:t>
+              <a:t>12/05/2023</a:t>
             </a:fld>
             <a:endParaRPr lang="it-IT" altLang="it-IT"/>
           </a:p>
@@ -8354,7 +9669,7 @@
               <a:pPr>
                 <a:defRPr/>
               </a:pPr>
-              <a:t>11/05/2023</a:t>
+              <a:t>12/05/2023</a:t>
             </a:fld>
             <a:endParaRPr lang="it-IT" altLang="it-IT"/>
           </a:p>
@@ -8665,7 +9980,7 @@
               <a:pPr>
                 <a:defRPr/>
               </a:pPr>
-              <a:t>11/05/2023</a:t>
+              <a:t>12/05/2023</a:t>
             </a:fld>
             <a:endParaRPr lang="it-IT" altLang="it-IT"/>
           </a:p>
@@ -9329,7 +10644,7 @@
               <a:pPr>
                 <a:defRPr/>
               </a:pPr>
-              <a:t>11/05/2023</a:t>
+              <a:t>12/05/2023</a:t>
             </a:fld>
             <a:endParaRPr lang="it-IT" altLang="it-IT"/>
           </a:p>
@@ -11028,7 +12343,7 @@
             <a:fld id="{9E582260-007F-4969-8198-F6C9C1A10CB4}" type="datetime1">
               <a:rPr lang="it-IT" altLang="it-IT" sz="1100"/>
               <a:pPr/>
-              <a:t>11/05/2023</a:t>
+              <a:t>12/05/2023</a:t>
             </a:fld>
             <a:endParaRPr lang="it-IT" altLang="it-IT" sz="1100"/>
           </a:p>
@@ -11866,7 +13181,7 @@
             <a:fld id="{9E582260-007F-4969-8198-F6C9C1A10CB4}" type="datetime1">
               <a:rPr lang="it-IT" altLang="it-IT" sz="1100"/>
               <a:pPr/>
-              <a:t>11/05/2023</a:t>
+              <a:t>12/05/2023</a:t>
             </a:fld>
             <a:endParaRPr lang="it-IT" altLang="it-IT" sz="1100"/>
           </a:p>
@@ -12439,7 +13754,7 @@
             <a:fld id="{9E582260-007F-4969-8198-F6C9C1A10CB4}" type="datetime1">
               <a:rPr lang="it-IT" altLang="it-IT" sz="1100"/>
               <a:pPr/>
-              <a:t>11/05/2023</a:t>
+              <a:t>12/05/2023</a:t>
             </a:fld>
             <a:endParaRPr lang="it-IT" altLang="it-IT" sz="1100"/>
           </a:p>
@@ -13011,7 +14326,7 @@
             <a:fld id="{9E582260-007F-4969-8198-F6C9C1A10CB4}" type="datetime1">
               <a:rPr lang="it-IT" altLang="it-IT" sz="1100"/>
               <a:pPr/>
-              <a:t>11/05/2023</a:t>
+              <a:t>12/05/2023</a:t>
             </a:fld>
             <a:endParaRPr lang="it-IT" altLang="it-IT" sz="1100"/>
           </a:p>
@@ -13584,7 +14899,7 @@
             <a:fld id="{9E582260-007F-4969-8198-F6C9C1A10CB4}" type="datetime1">
               <a:rPr lang="it-IT" altLang="it-IT" sz="1100"/>
               <a:pPr/>
-              <a:t>11/05/2023</a:t>
+              <a:t>12/05/2023</a:t>
             </a:fld>
             <a:endParaRPr lang="it-IT" altLang="it-IT" sz="1100"/>
           </a:p>
@@ -13942,10 +15257,10 @@
       </p:sp>
       <p:pic>
         <p:nvPicPr>
-          <p:cNvPr id="3" name="Immagine 2" descr="Immagine che contiene testo, schermata, diagramma, linea&#10;&#10;Descrizione generata automaticamente">
+          <p:cNvPr id="4" name="Immagine 3" descr="Immagine che contiene testo, diagramma, design, schermata&#10;&#10;Descrizione generata automaticamente">
             <a:extLst>
               <a:ext uri="{FF2B5EF4-FFF2-40B4-BE49-F238E27FC236}">
-                <a16:creationId xmlns:a16="http://schemas.microsoft.com/office/drawing/2014/main" id="{42B70330-49EA-3B2D-13DD-FC7684E9E1B2}"/>
+                <a16:creationId xmlns:a16="http://schemas.microsoft.com/office/drawing/2014/main" id="{3BFAD2EA-8E18-3527-EA33-D8FCB0554731}"/>
               </a:ext>
             </a:extLst>
           </p:cNvPr>
@@ -13954,7 +15269,7 @@
           </p:cNvPicPr>
           <p:nvPr/>
         </p:nvPicPr>
-        <p:blipFill rotWithShape="1">
+        <p:blipFill>
           <a:blip r:embed="rId3">
             <a:extLst>
               <a:ext uri="{28A0092B-C50C-407E-A947-70E740481C1C}">
@@ -13962,13 +15277,14 @@
               </a:ext>
             </a:extLst>
           </a:blip>
-          <a:srcRect l="4336" t="1700" r="4336" b="20601"/>
-          <a:stretch/>
+          <a:stretch>
+            <a:fillRect/>
+          </a:stretch>
         </p:blipFill>
         <p:spPr>
           <a:xfrm>
-            <a:off x="179512" y="1556792"/>
-            <a:ext cx="5566548" cy="3744416"/>
+            <a:off x="351397" y="1503350"/>
+            <a:ext cx="8441206" cy="3851300"/>
           </a:xfrm>
           <a:prstGeom prst="rect">
             <a:avLst/>
@@ -13989,6 +15305,1725 @@
 </file>
 
 <file path=ppt/slides/slide15.xml><?xml version="1.0" encoding="utf-8"?>
+<p:sld xmlns:a="http://schemas.openxmlformats.org/drawingml/2006/main" xmlns:r="http://schemas.openxmlformats.org/officeDocument/2006/relationships" xmlns:p="http://schemas.openxmlformats.org/presentationml/2006/main" show="0">
+  <p:cSld>
+    <p:spTree>
+      <p:nvGrpSpPr>
+        <p:cNvPr id="1" name=""/>
+        <p:cNvGrpSpPr/>
+        <p:nvPr/>
+      </p:nvGrpSpPr>
+      <p:grpSpPr>
+        <a:xfrm>
+          <a:off x="0" y="0"/>
+          <a:ext cx="0" cy="0"/>
+          <a:chOff x="0" y="0"/>
+          <a:chExt cx="0" cy="0"/>
+        </a:xfrm>
+      </p:grpSpPr>
+      <p:sp>
+        <p:nvSpPr>
+          <p:cNvPr id="8194" name="Segnaposto data 3">
+            <a:extLst>
+              <a:ext uri="{FF2B5EF4-FFF2-40B4-BE49-F238E27FC236}">
+                <a16:creationId xmlns:a16="http://schemas.microsoft.com/office/drawing/2014/main" id="{89F239C3-1771-5E40-418C-68B34C600A68}"/>
+              </a:ext>
+            </a:extLst>
+          </p:cNvPr>
+          <p:cNvSpPr>
+            <a:spLocks noGrp="1"/>
+          </p:cNvSpPr>
+          <p:nvPr>
+            <p:ph type="dt" sz="quarter" idx="10"/>
+          </p:nvPr>
+        </p:nvSpPr>
+        <p:spPr>
+          <a:noFill/>
+          <a:extLst>
+            <a:ext uri="{909E8E84-426E-40DD-AFC4-6F175D3DCCD1}">
+              <a14:hiddenFill xmlns:a14="http://schemas.microsoft.com/office/drawing/2010/main">
+                <a:solidFill>
+                  <a:schemeClr val="accent1"/>
+                </a:solidFill>
+              </a14:hiddenFill>
+            </a:ext>
+            <a:ext uri="{91240B29-F687-4F45-9708-019B960494DF}">
+              <a14:hiddenLine xmlns:a14="http://schemas.microsoft.com/office/drawing/2010/main" w="9525">
+                <a:solidFill>
+                  <a:schemeClr val="tx1"/>
+                </a:solidFill>
+                <a:miter lim="800000"/>
+                <a:headEnd/>
+                <a:tailEnd/>
+              </a14:hiddenLine>
+            </a:ext>
+          </a:extLst>
+        </p:spPr>
+        <p:txBody>
+          <a:bodyPr/>
+          <a:lstStyle>
+            <a:lvl1pPr>
+              <a:defRPr sz="900">
+                <a:solidFill>
+                  <a:schemeClr val="bg1"/>
+                </a:solidFill>
+                <a:latin typeface="Arial" panose="020B0604020202020204" pitchFamily="34" charset="0"/>
+                <a:ea typeface="ＭＳ Ｐゴシック" panose="020B0600070205080204" pitchFamily="34" charset="-128"/>
+              </a:defRPr>
+            </a:lvl1pPr>
+            <a:lvl2pPr marL="742950" indent="-285750">
+              <a:defRPr sz="900">
+                <a:solidFill>
+                  <a:schemeClr val="bg1"/>
+                </a:solidFill>
+                <a:latin typeface="Arial" panose="020B0604020202020204" pitchFamily="34" charset="0"/>
+                <a:ea typeface="ＭＳ Ｐゴシック" panose="020B0600070205080204" pitchFamily="34" charset="-128"/>
+              </a:defRPr>
+            </a:lvl2pPr>
+            <a:lvl3pPr marL="1143000" indent="-228600">
+              <a:defRPr sz="900">
+                <a:solidFill>
+                  <a:schemeClr val="bg1"/>
+                </a:solidFill>
+                <a:latin typeface="Arial" panose="020B0604020202020204" pitchFamily="34" charset="0"/>
+                <a:ea typeface="ＭＳ Ｐゴシック" panose="020B0600070205080204" pitchFamily="34" charset="-128"/>
+              </a:defRPr>
+            </a:lvl3pPr>
+            <a:lvl4pPr marL="1600200" indent="-228600">
+              <a:defRPr sz="900">
+                <a:solidFill>
+                  <a:schemeClr val="bg1"/>
+                </a:solidFill>
+                <a:latin typeface="Arial" panose="020B0604020202020204" pitchFamily="34" charset="0"/>
+                <a:ea typeface="ＭＳ Ｐゴシック" panose="020B0600070205080204" pitchFamily="34" charset="-128"/>
+              </a:defRPr>
+            </a:lvl4pPr>
+            <a:lvl5pPr marL="2057400" indent="-228600">
+              <a:defRPr sz="900">
+                <a:solidFill>
+                  <a:schemeClr val="bg1"/>
+                </a:solidFill>
+                <a:latin typeface="Arial" panose="020B0604020202020204" pitchFamily="34" charset="0"/>
+                <a:ea typeface="ＭＳ Ｐゴシック" panose="020B0600070205080204" pitchFamily="34" charset="-128"/>
+              </a:defRPr>
+            </a:lvl5pPr>
+            <a:lvl6pPr marL="2514600" indent="-228600" eaLnBrk="0" fontAlgn="base" hangingPunct="0">
+              <a:spcBef>
+                <a:spcPct val="0"/>
+              </a:spcBef>
+              <a:spcAft>
+                <a:spcPct val="0"/>
+              </a:spcAft>
+              <a:defRPr sz="900">
+                <a:solidFill>
+                  <a:schemeClr val="bg1"/>
+                </a:solidFill>
+                <a:latin typeface="Arial" panose="020B0604020202020204" pitchFamily="34" charset="0"/>
+                <a:ea typeface="ＭＳ Ｐゴシック" panose="020B0600070205080204" pitchFamily="34" charset="-128"/>
+              </a:defRPr>
+            </a:lvl6pPr>
+            <a:lvl7pPr marL="2971800" indent="-228600" eaLnBrk="0" fontAlgn="base" hangingPunct="0">
+              <a:spcBef>
+                <a:spcPct val="0"/>
+              </a:spcBef>
+              <a:spcAft>
+                <a:spcPct val="0"/>
+              </a:spcAft>
+              <a:defRPr sz="900">
+                <a:solidFill>
+                  <a:schemeClr val="bg1"/>
+                </a:solidFill>
+                <a:latin typeface="Arial" panose="020B0604020202020204" pitchFamily="34" charset="0"/>
+                <a:ea typeface="ＭＳ Ｐゴシック" panose="020B0600070205080204" pitchFamily="34" charset="-128"/>
+              </a:defRPr>
+            </a:lvl7pPr>
+            <a:lvl8pPr marL="3429000" indent="-228600" eaLnBrk="0" fontAlgn="base" hangingPunct="0">
+              <a:spcBef>
+                <a:spcPct val="0"/>
+              </a:spcBef>
+              <a:spcAft>
+                <a:spcPct val="0"/>
+              </a:spcAft>
+              <a:defRPr sz="900">
+                <a:solidFill>
+                  <a:schemeClr val="bg1"/>
+                </a:solidFill>
+                <a:latin typeface="Arial" panose="020B0604020202020204" pitchFamily="34" charset="0"/>
+                <a:ea typeface="ＭＳ Ｐゴシック" panose="020B0600070205080204" pitchFamily="34" charset="-128"/>
+              </a:defRPr>
+            </a:lvl8pPr>
+            <a:lvl9pPr marL="3886200" indent="-228600" eaLnBrk="0" fontAlgn="base" hangingPunct="0">
+              <a:spcBef>
+                <a:spcPct val="0"/>
+              </a:spcBef>
+              <a:spcAft>
+                <a:spcPct val="0"/>
+              </a:spcAft>
+              <a:defRPr sz="900">
+                <a:solidFill>
+                  <a:schemeClr val="bg1"/>
+                </a:solidFill>
+                <a:latin typeface="Arial" panose="020B0604020202020204" pitchFamily="34" charset="0"/>
+                <a:ea typeface="ＭＳ Ｐゴシック" panose="020B0600070205080204" pitchFamily="34" charset="-128"/>
+              </a:defRPr>
+            </a:lvl9pPr>
+          </a:lstStyle>
+          <a:p>
+            <a:fld id="{9E582260-007F-4969-8198-F6C9C1A10CB4}" type="datetime1">
+              <a:rPr lang="it-IT" altLang="it-IT" sz="1100"/>
+              <a:pPr/>
+              <a:t>12/05/2023</a:t>
+            </a:fld>
+            <a:endParaRPr lang="it-IT" altLang="it-IT" sz="1100"/>
+          </a:p>
+        </p:txBody>
+      </p:sp>
+      <p:sp>
+        <p:nvSpPr>
+          <p:cNvPr id="8195" name="Segnaposto piè di pagina 4">
+            <a:extLst>
+              <a:ext uri="{FF2B5EF4-FFF2-40B4-BE49-F238E27FC236}">
+                <a16:creationId xmlns:a16="http://schemas.microsoft.com/office/drawing/2014/main" id="{33EE81AF-2BDE-6422-00EF-765BFCD88FDC}"/>
+              </a:ext>
+            </a:extLst>
+          </p:cNvPr>
+          <p:cNvSpPr>
+            <a:spLocks noGrp="1"/>
+          </p:cNvSpPr>
+          <p:nvPr>
+            <p:ph type="ftr" sz="quarter" idx="11"/>
+          </p:nvPr>
+        </p:nvSpPr>
+        <p:spPr>
+          <a:noFill/>
+          <a:extLst>
+            <a:ext uri="{909E8E84-426E-40DD-AFC4-6F175D3DCCD1}">
+              <a14:hiddenFill xmlns:a14="http://schemas.microsoft.com/office/drawing/2010/main">
+                <a:solidFill>
+                  <a:schemeClr val="accent1"/>
+                </a:solidFill>
+              </a14:hiddenFill>
+            </a:ext>
+            <a:ext uri="{91240B29-F687-4F45-9708-019B960494DF}">
+              <a14:hiddenLine xmlns:a14="http://schemas.microsoft.com/office/drawing/2010/main" w="9525">
+                <a:solidFill>
+                  <a:schemeClr val="tx1"/>
+                </a:solidFill>
+                <a:miter lim="800000"/>
+                <a:headEnd/>
+                <a:tailEnd/>
+              </a14:hiddenLine>
+            </a:ext>
+          </a:extLst>
+        </p:spPr>
+        <p:txBody>
+          <a:bodyPr/>
+          <a:lstStyle>
+            <a:lvl1pPr>
+              <a:defRPr sz="900">
+                <a:solidFill>
+                  <a:schemeClr val="bg1"/>
+                </a:solidFill>
+                <a:latin typeface="Arial" panose="020B0604020202020204" pitchFamily="34" charset="0"/>
+                <a:ea typeface="ＭＳ Ｐゴシック" panose="020B0600070205080204" pitchFamily="34" charset="-128"/>
+              </a:defRPr>
+            </a:lvl1pPr>
+            <a:lvl2pPr marL="742950" indent="-285750">
+              <a:defRPr sz="900">
+                <a:solidFill>
+                  <a:schemeClr val="bg1"/>
+                </a:solidFill>
+                <a:latin typeface="Arial" panose="020B0604020202020204" pitchFamily="34" charset="0"/>
+                <a:ea typeface="ＭＳ Ｐゴシック" panose="020B0600070205080204" pitchFamily="34" charset="-128"/>
+              </a:defRPr>
+            </a:lvl2pPr>
+            <a:lvl3pPr marL="1143000" indent="-228600">
+              <a:defRPr sz="900">
+                <a:solidFill>
+                  <a:schemeClr val="bg1"/>
+                </a:solidFill>
+                <a:latin typeface="Arial" panose="020B0604020202020204" pitchFamily="34" charset="0"/>
+                <a:ea typeface="ＭＳ Ｐゴシック" panose="020B0600070205080204" pitchFamily="34" charset="-128"/>
+              </a:defRPr>
+            </a:lvl3pPr>
+            <a:lvl4pPr marL="1600200" indent="-228600">
+              <a:defRPr sz="900">
+                <a:solidFill>
+                  <a:schemeClr val="bg1"/>
+                </a:solidFill>
+                <a:latin typeface="Arial" panose="020B0604020202020204" pitchFamily="34" charset="0"/>
+                <a:ea typeface="ＭＳ Ｐゴシック" panose="020B0600070205080204" pitchFamily="34" charset="-128"/>
+              </a:defRPr>
+            </a:lvl4pPr>
+            <a:lvl5pPr marL="2057400" indent="-228600">
+              <a:defRPr sz="900">
+                <a:solidFill>
+                  <a:schemeClr val="bg1"/>
+                </a:solidFill>
+                <a:latin typeface="Arial" panose="020B0604020202020204" pitchFamily="34" charset="0"/>
+                <a:ea typeface="ＭＳ Ｐゴシック" panose="020B0600070205080204" pitchFamily="34" charset="-128"/>
+              </a:defRPr>
+            </a:lvl5pPr>
+            <a:lvl6pPr marL="2514600" indent="-228600" eaLnBrk="0" fontAlgn="base" hangingPunct="0">
+              <a:spcBef>
+                <a:spcPct val="0"/>
+              </a:spcBef>
+              <a:spcAft>
+                <a:spcPct val="0"/>
+              </a:spcAft>
+              <a:defRPr sz="900">
+                <a:solidFill>
+                  <a:schemeClr val="bg1"/>
+                </a:solidFill>
+                <a:latin typeface="Arial" panose="020B0604020202020204" pitchFamily="34" charset="0"/>
+                <a:ea typeface="ＭＳ Ｐゴシック" panose="020B0600070205080204" pitchFamily="34" charset="-128"/>
+              </a:defRPr>
+            </a:lvl6pPr>
+            <a:lvl7pPr marL="2971800" indent="-228600" eaLnBrk="0" fontAlgn="base" hangingPunct="0">
+              <a:spcBef>
+                <a:spcPct val="0"/>
+              </a:spcBef>
+              <a:spcAft>
+                <a:spcPct val="0"/>
+              </a:spcAft>
+              <a:defRPr sz="900">
+                <a:solidFill>
+                  <a:schemeClr val="bg1"/>
+                </a:solidFill>
+                <a:latin typeface="Arial" panose="020B0604020202020204" pitchFamily="34" charset="0"/>
+                <a:ea typeface="ＭＳ Ｐゴシック" panose="020B0600070205080204" pitchFamily="34" charset="-128"/>
+              </a:defRPr>
+            </a:lvl7pPr>
+            <a:lvl8pPr marL="3429000" indent="-228600" eaLnBrk="0" fontAlgn="base" hangingPunct="0">
+              <a:spcBef>
+                <a:spcPct val="0"/>
+              </a:spcBef>
+              <a:spcAft>
+                <a:spcPct val="0"/>
+              </a:spcAft>
+              <a:defRPr sz="900">
+                <a:solidFill>
+                  <a:schemeClr val="bg1"/>
+                </a:solidFill>
+                <a:latin typeface="Arial" panose="020B0604020202020204" pitchFamily="34" charset="0"/>
+                <a:ea typeface="ＭＳ Ｐゴシック" panose="020B0600070205080204" pitchFamily="34" charset="-128"/>
+              </a:defRPr>
+            </a:lvl8pPr>
+            <a:lvl9pPr marL="3886200" indent="-228600" eaLnBrk="0" fontAlgn="base" hangingPunct="0">
+              <a:spcBef>
+                <a:spcPct val="0"/>
+              </a:spcBef>
+              <a:spcAft>
+                <a:spcPct val="0"/>
+              </a:spcAft>
+              <a:defRPr sz="900">
+                <a:solidFill>
+                  <a:schemeClr val="bg1"/>
+                </a:solidFill>
+                <a:latin typeface="Arial" panose="020B0604020202020204" pitchFamily="34" charset="0"/>
+                <a:ea typeface="ＭＳ Ｐゴシック" panose="020B0600070205080204" pitchFamily="34" charset="-128"/>
+              </a:defRPr>
+            </a:lvl9pPr>
+          </a:lstStyle>
+          <a:p>
+            <a:r>
+              <a:rPr lang="it-IT" altLang="it-IT" sz="1100"/>
+              <a:t>nnAttention U-net for Brain Tumor Segmentation</a:t>
+            </a:r>
+          </a:p>
+        </p:txBody>
+      </p:sp>
+      <p:sp>
+        <p:nvSpPr>
+          <p:cNvPr id="8196" name="Segnaposto numero diapositiva 5">
+            <a:extLst>
+              <a:ext uri="{FF2B5EF4-FFF2-40B4-BE49-F238E27FC236}">
+                <a16:creationId xmlns:a16="http://schemas.microsoft.com/office/drawing/2014/main" id="{2384839B-14AF-3709-A337-B8EEF9740B7F}"/>
+              </a:ext>
+            </a:extLst>
+          </p:cNvPr>
+          <p:cNvSpPr>
+            <a:spLocks noGrp="1"/>
+          </p:cNvSpPr>
+          <p:nvPr>
+            <p:ph type="sldNum" sz="quarter" idx="12"/>
+          </p:nvPr>
+        </p:nvSpPr>
+        <p:spPr>
+          <a:noFill/>
+          <a:extLst>
+            <a:ext uri="{909E8E84-426E-40DD-AFC4-6F175D3DCCD1}">
+              <a14:hiddenFill xmlns:a14="http://schemas.microsoft.com/office/drawing/2010/main">
+                <a:solidFill>
+                  <a:schemeClr val="accent1"/>
+                </a:solidFill>
+              </a14:hiddenFill>
+            </a:ext>
+            <a:ext uri="{91240B29-F687-4F45-9708-019B960494DF}">
+              <a14:hiddenLine xmlns:a14="http://schemas.microsoft.com/office/drawing/2010/main" w="9525">
+                <a:solidFill>
+                  <a:schemeClr val="tx1"/>
+                </a:solidFill>
+                <a:miter lim="800000"/>
+                <a:headEnd/>
+                <a:tailEnd/>
+              </a14:hiddenLine>
+            </a:ext>
+          </a:extLst>
+        </p:spPr>
+        <p:txBody>
+          <a:bodyPr/>
+          <a:lstStyle>
+            <a:lvl1pPr>
+              <a:defRPr sz="900">
+                <a:solidFill>
+                  <a:schemeClr val="bg1"/>
+                </a:solidFill>
+                <a:latin typeface="Arial" panose="020B0604020202020204" pitchFamily="34" charset="0"/>
+                <a:ea typeface="ＭＳ Ｐゴシック" panose="020B0600070205080204" pitchFamily="34" charset="-128"/>
+              </a:defRPr>
+            </a:lvl1pPr>
+            <a:lvl2pPr marL="742950" indent="-285750">
+              <a:defRPr sz="900">
+                <a:solidFill>
+                  <a:schemeClr val="bg1"/>
+                </a:solidFill>
+                <a:latin typeface="Arial" panose="020B0604020202020204" pitchFamily="34" charset="0"/>
+                <a:ea typeface="ＭＳ Ｐゴシック" panose="020B0600070205080204" pitchFamily="34" charset="-128"/>
+              </a:defRPr>
+            </a:lvl2pPr>
+            <a:lvl3pPr marL="1143000" indent="-228600">
+              <a:defRPr sz="900">
+                <a:solidFill>
+                  <a:schemeClr val="bg1"/>
+                </a:solidFill>
+                <a:latin typeface="Arial" panose="020B0604020202020204" pitchFamily="34" charset="0"/>
+                <a:ea typeface="ＭＳ Ｐゴシック" panose="020B0600070205080204" pitchFamily="34" charset="-128"/>
+              </a:defRPr>
+            </a:lvl3pPr>
+            <a:lvl4pPr marL="1600200" indent="-228600">
+              <a:defRPr sz="900">
+                <a:solidFill>
+                  <a:schemeClr val="bg1"/>
+                </a:solidFill>
+                <a:latin typeface="Arial" panose="020B0604020202020204" pitchFamily="34" charset="0"/>
+                <a:ea typeface="ＭＳ Ｐゴシック" panose="020B0600070205080204" pitchFamily="34" charset="-128"/>
+              </a:defRPr>
+            </a:lvl4pPr>
+            <a:lvl5pPr marL="2057400" indent="-228600">
+              <a:defRPr sz="900">
+                <a:solidFill>
+                  <a:schemeClr val="bg1"/>
+                </a:solidFill>
+                <a:latin typeface="Arial" panose="020B0604020202020204" pitchFamily="34" charset="0"/>
+                <a:ea typeface="ＭＳ Ｐゴシック" panose="020B0600070205080204" pitchFamily="34" charset="-128"/>
+              </a:defRPr>
+            </a:lvl5pPr>
+            <a:lvl6pPr marL="2514600" indent="-228600" eaLnBrk="0" fontAlgn="base" hangingPunct="0">
+              <a:spcBef>
+                <a:spcPct val="0"/>
+              </a:spcBef>
+              <a:spcAft>
+                <a:spcPct val="0"/>
+              </a:spcAft>
+              <a:defRPr sz="900">
+                <a:solidFill>
+                  <a:schemeClr val="bg1"/>
+                </a:solidFill>
+                <a:latin typeface="Arial" panose="020B0604020202020204" pitchFamily="34" charset="0"/>
+                <a:ea typeface="ＭＳ Ｐゴシック" panose="020B0600070205080204" pitchFamily="34" charset="-128"/>
+              </a:defRPr>
+            </a:lvl6pPr>
+            <a:lvl7pPr marL="2971800" indent="-228600" eaLnBrk="0" fontAlgn="base" hangingPunct="0">
+              <a:spcBef>
+                <a:spcPct val="0"/>
+              </a:spcBef>
+              <a:spcAft>
+                <a:spcPct val="0"/>
+              </a:spcAft>
+              <a:defRPr sz="900">
+                <a:solidFill>
+                  <a:schemeClr val="bg1"/>
+                </a:solidFill>
+                <a:latin typeface="Arial" panose="020B0604020202020204" pitchFamily="34" charset="0"/>
+                <a:ea typeface="ＭＳ Ｐゴシック" panose="020B0600070205080204" pitchFamily="34" charset="-128"/>
+              </a:defRPr>
+            </a:lvl7pPr>
+            <a:lvl8pPr marL="3429000" indent="-228600" eaLnBrk="0" fontAlgn="base" hangingPunct="0">
+              <a:spcBef>
+                <a:spcPct val="0"/>
+              </a:spcBef>
+              <a:spcAft>
+                <a:spcPct val="0"/>
+              </a:spcAft>
+              <a:defRPr sz="900">
+                <a:solidFill>
+                  <a:schemeClr val="bg1"/>
+                </a:solidFill>
+                <a:latin typeface="Arial" panose="020B0604020202020204" pitchFamily="34" charset="0"/>
+                <a:ea typeface="ＭＳ Ｐゴシック" panose="020B0600070205080204" pitchFamily="34" charset="-128"/>
+              </a:defRPr>
+            </a:lvl8pPr>
+            <a:lvl9pPr marL="3886200" indent="-228600" eaLnBrk="0" fontAlgn="base" hangingPunct="0">
+              <a:spcBef>
+                <a:spcPct val="0"/>
+              </a:spcBef>
+              <a:spcAft>
+                <a:spcPct val="0"/>
+              </a:spcAft>
+              <a:defRPr sz="900">
+                <a:solidFill>
+                  <a:schemeClr val="bg1"/>
+                </a:solidFill>
+                <a:latin typeface="Arial" panose="020B0604020202020204" pitchFamily="34" charset="0"/>
+                <a:ea typeface="ＭＳ Ｐゴシック" panose="020B0600070205080204" pitchFamily="34" charset="-128"/>
+              </a:defRPr>
+            </a:lvl9pPr>
+          </a:lstStyle>
+          <a:p>
+            <a:r>
+              <a:rPr lang="it-IT" altLang="it-IT" sz="1100"/>
+              <a:t>Pagina </a:t>
+            </a:r>
+            <a:fld id="{A5A0298B-8610-43D9-B58F-136B4E052372}" type="slidenum">
+              <a:rPr lang="it-IT" altLang="it-IT" sz="1100" smtClean="0"/>
+              <a:pPr/>
+              <a:t>15</a:t>
+            </a:fld>
+            <a:endParaRPr lang="it-IT" altLang="it-IT" sz="1100"/>
+          </a:p>
+        </p:txBody>
+      </p:sp>
+      <p:sp>
+        <p:nvSpPr>
+          <p:cNvPr id="8197" name="Rectangle 2">
+            <a:extLst>
+              <a:ext uri="{FF2B5EF4-FFF2-40B4-BE49-F238E27FC236}">
+                <a16:creationId xmlns:a16="http://schemas.microsoft.com/office/drawing/2014/main" id="{40621EC2-CD26-9DDE-5482-6088DF20FFA4}"/>
+              </a:ext>
+            </a:extLst>
+          </p:cNvPr>
+          <p:cNvSpPr>
+            <a:spLocks noGrp="1" noChangeArrowheads="1"/>
+          </p:cNvSpPr>
+          <p:nvPr>
+            <p:ph type="title"/>
+          </p:nvPr>
+        </p:nvSpPr>
+        <p:spPr>
+          <a:xfrm>
+            <a:off x="1116013" y="409575"/>
+            <a:ext cx="7416800" cy="504825"/>
+          </a:xfrm>
+        </p:spPr>
+        <p:txBody>
+          <a:bodyPr/>
+          <a:lstStyle/>
+          <a:p>
+            <a:pPr eaLnBrk="1" hangingPunct="1"/>
+            <a:r>
+              <a:rPr lang="it-IT" altLang="it-IT"/>
+              <a:t>Literature Review</a:t>
+            </a:r>
+          </a:p>
+        </p:txBody>
+      </p:sp>
+      <p:pic>
+        <p:nvPicPr>
+          <p:cNvPr id="3" name="Immagine 2" descr="Immagine che contiene testo, lavagna, schermata&#10;&#10;Descrizione generata automaticamente">
+            <a:extLst>
+              <a:ext uri="{FF2B5EF4-FFF2-40B4-BE49-F238E27FC236}">
+                <a16:creationId xmlns:a16="http://schemas.microsoft.com/office/drawing/2014/main" id="{B39CA281-6118-82DE-C2B7-7D5BCE92F534}"/>
+              </a:ext>
+            </a:extLst>
+          </p:cNvPr>
+          <p:cNvPicPr>
+            <a:picLocks noChangeAspect="1"/>
+          </p:cNvPicPr>
+          <p:nvPr/>
+        </p:nvPicPr>
+        <p:blipFill>
+          <a:blip r:embed="rId3">
+            <a:extLst>
+              <a:ext uri="{28A0092B-C50C-407E-A947-70E740481C1C}">
+                <a14:useLocalDpi xmlns:a14="http://schemas.microsoft.com/office/drawing/2010/main" val="0"/>
+              </a:ext>
+            </a:extLst>
+          </a:blip>
+          <a:stretch>
+            <a:fillRect/>
+          </a:stretch>
+        </p:blipFill>
+        <p:spPr>
+          <a:xfrm>
+            <a:off x="568624" y="1484784"/>
+            <a:ext cx="8006751" cy="3640571"/>
+          </a:xfrm>
+          <a:prstGeom prst="rect">
+            <a:avLst/>
+          </a:prstGeom>
+        </p:spPr>
+      </p:pic>
+    </p:spTree>
+    <p:extLst>
+      <p:ext uri="{BB962C8B-B14F-4D97-AF65-F5344CB8AC3E}">
+        <p14:creationId xmlns:p14="http://schemas.microsoft.com/office/powerpoint/2010/main" val="1602326243"/>
+      </p:ext>
+    </p:extLst>
+  </p:cSld>
+  <p:clrMapOvr>
+    <a:masterClrMapping/>
+  </p:clrMapOvr>
+</p:sld>
+</file>
+
+<file path=ppt/slides/slide16.xml><?xml version="1.0" encoding="utf-8"?>
+<p:sld xmlns:a="http://schemas.openxmlformats.org/drawingml/2006/main" xmlns:r="http://schemas.openxmlformats.org/officeDocument/2006/relationships" xmlns:p="http://schemas.openxmlformats.org/presentationml/2006/main">
+  <p:cSld>
+    <p:spTree>
+      <p:nvGrpSpPr>
+        <p:cNvPr id="1" name=""/>
+        <p:cNvGrpSpPr/>
+        <p:nvPr/>
+      </p:nvGrpSpPr>
+      <p:grpSpPr>
+        <a:xfrm>
+          <a:off x="0" y="0"/>
+          <a:ext cx="0" cy="0"/>
+          <a:chOff x="0" y="0"/>
+          <a:chExt cx="0" cy="0"/>
+        </a:xfrm>
+      </p:grpSpPr>
+      <p:sp>
+        <p:nvSpPr>
+          <p:cNvPr id="8194" name="Segnaposto data 3">
+            <a:extLst>
+              <a:ext uri="{FF2B5EF4-FFF2-40B4-BE49-F238E27FC236}">
+                <a16:creationId xmlns:a16="http://schemas.microsoft.com/office/drawing/2014/main" id="{89F239C3-1771-5E40-418C-68B34C600A68}"/>
+              </a:ext>
+            </a:extLst>
+          </p:cNvPr>
+          <p:cNvSpPr>
+            <a:spLocks noGrp="1"/>
+          </p:cNvSpPr>
+          <p:nvPr>
+            <p:ph type="dt" sz="quarter" idx="10"/>
+          </p:nvPr>
+        </p:nvSpPr>
+        <p:spPr>
+          <a:noFill/>
+          <a:extLst>
+            <a:ext uri="{909E8E84-426E-40DD-AFC4-6F175D3DCCD1}">
+              <a14:hiddenFill xmlns:a14="http://schemas.microsoft.com/office/drawing/2010/main">
+                <a:solidFill>
+                  <a:schemeClr val="accent1"/>
+                </a:solidFill>
+              </a14:hiddenFill>
+            </a:ext>
+            <a:ext uri="{91240B29-F687-4F45-9708-019B960494DF}">
+              <a14:hiddenLine xmlns:a14="http://schemas.microsoft.com/office/drawing/2010/main" w="9525">
+                <a:solidFill>
+                  <a:schemeClr val="tx1"/>
+                </a:solidFill>
+                <a:miter lim="800000"/>
+                <a:headEnd/>
+                <a:tailEnd/>
+              </a14:hiddenLine>
+            </a:ext>
+          </a:extLst>
+        </p:spPr>
+        <p:txBody>
+          <a:bodyPr/>
+          <a:lstStyle>
+            <a:lvl1pPr>
+              <a:defRPr sz="900">
+                <a:solidFill>
+                  <a:schemeClr val="bg1"/>
+                </a:solidFill>
+                <a:latin typeface="Arial" panose="020B0604020202020204" pitchFamily="34" charset="0"/>
+                <a:ea typeface="ＭＳ Ｐゴシック" panose="020B0600070205080204" pitchFamily="34" charset="-128"/>
+              </a:defRPr>
+            </a:lvl1pPr>
+            <a:lvl2pPr marL="742950" indent="-285750">
+              <a:defRPr sz="900">
+                <a:solidFill>
+                  <a:schemeClr val="bg1"/>
+                </a:solidFill>
+                <a:latin typeface="Arial" panose="020B0604020202020204" pitchFamily="34" charset="0"/>
+                <a:ea typeface="ＭＳ Ｐゴシック" panose="020B0600070205080204" pitchFamily="34" charset="-128"/>
+              </a:defRPr>
+            </a:lvl2pPr>
+            <a:lvl3pPr marL="1143000" indent="-228600">
+              <a:defRPr sz="900">
+                <a:solidFill>
+                  <a:schemeClr val="bg1"/>
+                </a:solidFill>
+                <a:latin typeface="Arial" panose="020B0604020202020204" pitchFamily="34" charset="0"/>
+                <a:ea typeface="ＭＳ Ｐゴシック" panose="020B0600070205080204" pitchFamily="34" charset="-128"/>
+              </a:defRPr>
+            </a:lvl3pPr>
+            <a:lvl4pPr marL="1600200" indent="-228600">
+              <a:defRPr sz="900">
+                <a:solidFill>
+                  <a:schemeClr val="bg1"/>
+                </a:solidFill>
+                <a:latin typeface="Arial" panose="020B0604020202020204" pitchFamily="34" charset="0"/>
+                <a:ea typeface="ＭＳ Ｐゴシック" panose="020B0600070205080204" pitchFamily="34" charset="-128"/>
+              </a:defRPr>
+            </a:lvl4pPr>
+            <a:lvl5pPr marL="2057400" indent="-228600">
+              <a:defRPr sz="900">
+                <a:solidFill>
+                  <a:schemeClr val="bg1"/>
+                </a:solidFill>
+                <a:latin typeface="Arial" panose="020B0604020202020204" pitchFamily="34" charset="0"/>
+                <a:ea typeface="ＭＳ Ｐゴシック" panose="020B0600070205080204" pitchFamily="34" charset="-128"/>
+              </a:defRPr>
+            </a:lvl5pPr>
+            <a:lvl6pPr marL="2514600" indent="-228600" eaLnBrk="0" fontAlgn="base" hangingPunct="0">
+              <a:spcBef>
+                <a:spcPct val="0"/>
+              </a:spcBef>
+              <a:spcAft>
+                <a:spcPct val="0"/>
+              </a:spcAft>
+              <a:defRPr sz="900">
+                <a:solidFill>
+                  <a:schemeClr val="bg1"/>
+                </a:solidFill>
+                <a:latin typeface="Arial" panose="020B0604020202020204" pitchFamily="34" charset="0"/>
+                <a:ea typeface="ＭＳ Ｐゴシック" panose="020B0600070205080204" pitchFamily="34" charset="-128"/>
+              </a:defRPr>
+            </a:lvl6pPr>
+            <a:lvl7pPr marL="2971800" indent="-228600" eaLnBrk="0" fontAlgn="base" hangingPunct="0">
+              <a:spcBef>
+                <a:spcPct val="0"/>
+              </a:spcBef>
+              <a:spcAft>
+                <a:spcPct val="0"/>
+              </a:spcAft>
+              <a:defRPr sz="900">
+                <a:solidFill>
+                  <a:schemeClr val="bg1"/>
+                </a:solidFill>
+                <a:latin typeface="Arial" panose="020B0604020202020204" pitchFamily="34" charset="0"/>
+                <a:ea typeface="ＭＳ Ｐゴシック" panose="020B0600070205080204" pitchFamily="34" charset="-128"/>
+              </a:defRPr>
+            </a:lvl7pPr>
+            <a:lvl8pPr marL="3429000" indent="-228600" eaLnBrk="0" fontAlgn="base" hangingPunct="0">
+              <a:spcBef>
+                <a:spcPct val="0"/>
+              </a:spcBef>
+              <a:spcAft>
+                <a:spcPct val="0"/>
+              </a:spcAft>
+              <a:defRPr sz="900">
+                <a:solidFill>
+                  <a:schemeClr val="bg1"/>
+                </a:solidFill>
+                <a:latin typeface="Arial" panose="020B0604020202020204" pitchFamily="34" charset="0"/>
+                <a:ea typeface="ＭＳ Ｐゴシック" panose="020B0600070205080204" pitchFamily="34" charset="-128"/>
+              </a:defRPr>
+            </a:lvl8pPr>
+            <a:lvl9pPr marL="3886200" indent="-228600" eaLnBrk="0" fontAlgn="base" hangingPunct="0">
+              <a:spcBef>
+                <a:spcPct val="0"/>
+              </a:spcBef>
+              <a:spcAft>
+                <a:spcPct val="0"/>
+              </a:spcAft>
+              <a:defRPr sz="900">
+                <a:solidFill>
+                  <a:schemeClr val="bg1"/>
+                </a:solidFill>
+                <a:latin typeface="Arial" panose="020B0604020202020204" pitchFamily="34" charset="0"/>
+                <a:ea typeface="ＭＳ Ｐゴシック" panose="020B0600070205080204" pitchFamily="34" charset="-128"/>
+              </a:defRPr>
+            </a:lvl9pPr>
+          </a:lstStyle>
+          <a:p>
+            <a:fld id="{9E582260-007F-4969-8198-F6C9C1A10CB4}" type="datetime1">
+              <a:rPr lang="it-IT" altLang="it-IT" sz="1100"/>
+              <a:pPr/>
+              <a:t>12/05/2023</a:t>
+            </a:fld>
+            <a:endParaRPr lang="it-IT" altLang="it-IT" sz="1100"/>
+          </a:p>
+        </p:txBody>
+      </p:sp>
+      <p:sp>
+        <p:nvSpPr>
+          <p:cNvPr id="8195" name="Segnaposto piè di pagina 4">
+            <a:extLst>
+              <a:ext uri="{FF2B5EF4-FFF2-40B4-BE49-F238E27FC236}">
+                <a16:creationId xmlns:a16="http://schemas.microsoft.com/office/drawing/2014/main" id="{33EE81AF-2BDE-6422-00EF-765BFCD88FDC}"/>
+              </a:ext>
+            </a:extLst>
+          </p:cNvPr>
+          <p:cNvSpPr>
+            <a:spLocks noGrp="1"/>
+          </p:cNvSpPr>
+          <p:nvPr>
+            <p:ph type="ftr" sz="quarter" idx="11"/>
+          </p:nvPr>
+        </p:nvSpPr>
+        <p:spPr>
+          <a:noFill/>
+          <a:extLst>
+            <a:ext uri="{909E8E84-426E-40DD-AFC4-6F175D3DCCD1}">
+              <a14:hiddenFill xmlns:a14="http://schemas.microsoft.com/office/drawing/2010/main">
+                <a:solidFill>
+                  <a:schemeClr val="accent1"/>
+                </a:solidFill>
+              </a14:hiddenFill>
+            </a:ext>
+            <a:ext uri="{91240B29-F687-4F45-9708-019B960494DF}">
+              <a14:hiddenLine xmlns:a14="http://schemas.microsoft.com/office/drawing/2010/main" w="9525">
+                <a:solidFill>
+                  <a:schemeClr val="tx1"/>
+                </a:solidFill>
+                <a:miter lim="800000"/>
+                <a:headEnd/>
+                <a:tailEnd/>
+              </a14:hiddenLine>
+            </a:ext>
+          </a:extLst>
+        </p:spPr>
+        <p:txBody>
+          <a:bodyPr/>
+          <a:lstStyle>
+            <a:lvl1pPr>
+              <a:defRPr sz="900">
+                <a:solidFill>
+                  <a:schemeClr val="bg1"/>
+                </a:solidFill>
+                <a:latin typeface="Arial" panose="020B0604020202020204" pitchFamily="34" charset="0"/>
+                <a:ea typeface="ＭＳ Ｐゴシック" panose="020B0600070205080204" pitchFamily="34" charset="-128"/>
+              </a:defRPr>
+            </a:lvl1pPr>
+            <a:lvl2pPr marL="742950" indent="-285750">
+              <a:defRPr sz="900">
+                <a:solidFill>
+                  <a:schemeClr val="bg1"/>
+                </a:solidFill>
+                <a:latin typeface="Arial" panose="020B0604020202020204" pitchFamily="34" charset="0"/>
+                <a:ea typeface="ＭＳ Ｐゴシック" panose="020B0600070205080204" pitchFamily="34" charset="-128"/>
+              </a:defRPr>
+            </a:lvl2pPr>
+            <a:lvl3pPr marL="1143000" indent="-228600">
+              <a:defRPr sz="900">
+                <a:solidFill>
+                  <a:schemeClr val="bg1"/>
+                </a:solidFill>
+                <a:latin typeface="Arial" panose="020B0604020202020204" pitchFamily="34" charset="0"/>
+                <a:ea typeface="ＭＳ Ｐゴシック" panose="020B0600070205080204" pitchFamily="34" charset="-128"/>
+              </a:defRPr>
+            </a:lvl3pPr>
+            <a:lvl4pPr marL="1600200" indent="-228600">
+              <a:defRPr sz="900">
+                <a:solidFill>
+                  <a:schemeClr val="bg1"/>
+                </a:solidFill>
+                <a:latin typeface="Arial" panose="020B0604020202020204" pitchFamily="34" charset="0"/>
+                <a:ea typeface="ＭＳ Ｐゴシック" panose="020B0600070205080204" pitchFamily="34" charset="-128"/>
+              </a:defRPr>
+            </a:lvl4pPr>
+            <a:lvl5pPr marL="2057400" indent="-228600">
+              <a:defRPr sz="900">
+                <a:solidFill>
+                  <a:schemeClr val="bg1"/>
+                </a:solidFill>
+                <a:latin typeface="Arial" panose="020B0604020202020204" pitchFamily="34" charset="0"/>
+                <a:ea typeface="ＭＳ Ｐゴシック" panose="020B0600070205080204" pitchFamily="34" charset="-128"/>
+              </a:defRPr>
+            </a:lvl5pPr>
+            <a:lvl6pPr marL="2514600" indent="-228600" eaLnBrk="0" fontAlgn="base" hangingPunct="0">
+              <a:spcBef>
+                <a:spcPct val="0"/>
+              </a:spcBef>
+              <a:spcAft>
+                <a:spcPct val="0"/>
+              </a:spcAft>
+              <a:defRPr sz="900">
+                <a:solidFill>
+                  <a:schemeClr val="bg1"/>
+                </a:solidFill>
+                <a:latin typeface="Arial" panose="020B0604020202020204" pitchFamily="34" charset="0"/>
+                <a:ea typeface="ＭＳ Ｐゴシック" panose="020B0600070205080204" pitchFamily="34" charset="-128"/>
+              </a:defRPr>
+            </a:lvl6pPr>
+            <a:lvl7pPr marL="2971800" indent="-228600" eaLnBrk="0" fontAlgn="base" hangingPunct="0">
+              <a:spcBef>
+                <a:spcPct val="0"/>
+              </a:spcBef>
+              <a:spcAft>
+                <a:spcPct val="0"/>
+              </a:spcAft>
+              <a:defRPr sz="900">
+                <a:solidFill>
+                  <a:schemeClr val="bg1"/>
+                </a:solidFill>
+                <a:latin typeface="Arial" panose="020B0604020202020204" pitchFamily="34" charset="0"/>
+                <a:ea typeface="ＭＳ Ｐゴシック" panose="020B0600070205080204" pitchFamily="34" charset="-128"/>
+              </a:defRPr>
+            </a:lvl7pPr>
+            <a:lvl8pPr marL="3429000" indent="-228600" eaLnBrk="0" fontAlgn="base" hangingPunct="0">
+              <a:spcBef>
+                <a:spcPct val="0"/>
+              </a:spcBef>
+              <a:spcAft>
+                <a:spcPct val="0"/>
+              </a:spcAft>
+              <a:defRPr sz="900">
+                <a:solidFill>
+                  <a:schemeClr val="bg1"/>
+                </a:solidFill>
+                <a:latin typeface="Arial" panose="020B0604020202020204" pitchFamily="34" charset="0"/>
+                <a:ea typeface="ＭＳ Ｐゴシック" panose="020B0600070205080204" pitchFamily="34" charset="-128"/>
+              </a:defRPr>
+            </a:lvl8pPr>
+            <a:lvl9pPr marL="3886200" indent="-228600" eaLnBrk="0" fontAlgn="base" hangingPunct="0">
+              <a:spcBef>
+                <a:spcPct val="0"/>
+              </a:spcBef>
+              <a:spcAft>
+                <a:spcPct val="0"/>
+              </a:spcAft>
+              <a:defRPr sz="900">
+                <a:solidFill>
+                  <a:schemeClr val="bg1"/>
+                </a:solidFill>
+                <a:latin typeface="Arial" panose="020B0604020202020204" pitchFamily="34" charset="0"/>
+                <a:ea typeface="ＭＳ Ｐゴシック" panose="020B0600070205080204" pitchFamily="34" charset="-128"/>
+              </a:defRPr>
+            </a:lvl9pPr>
+          </a:lstStyle>
+          <a:p>
+            <a:r>
+              <a:rPr lang="it-IT" altLang="it-IT" sz="1100"/>
+              <a:t>nnAttention U-net for Brain Tumor Segmentation</a:t>
+            </a:r>
+          </a:p>
+        </p:txBody>
+      </p:sp>
+      <p:sp>
+        <p:nvSpPr>
+          <p:cNvPr id="8196" name="Segnaposto numero diapositiva 5">
+            <a:extLst>
+              <a:ext uri="{FF2B5EF4-FFF2-40B4-BE49-F238E27FC236}">
+                <a16:creationId xmlns:a16="http://schemas.microsoft.com/office/drawing/2014/main" id="{2384839B-14AF-3709-A337-B8EEF9740B7F}"/>
+              </a:ext>
+            </a:extLst>
+          </p:cNvPr>
+          <p:cNvSpPr>
+            <a:spLocks noGrp="1"/>
+          </p:cNvSpPr>
+          <p:nvPr>
+            <p:ph type="sldNum" sz="quarter" idx="12"/>
+          </p:nvPr>
+        </p:nvSpPr>
+        <p:spPr>
+          <a:noFill/>
+          <a:extLst>
+            <a:ext uri="{909E8E84-426E-40DD-AFC4-6F175D3DCCD1}">
+              <a14:hiddenFill xmlns:a14="http://schemas.microsoft.com/office/drawing/2010/main">
+                <a:solidFill>
+                  <a:schemeClr val="accent1"/>
+                </a:solidFill>
+              </a14:hiddenFill>
+            </a:ext>
+            <a:ext uri="{91240B29-F687-4F45-9708-019B960494DF}">
+              <a14:hiddenLine xmlns:a14="http://schemas.microsoft.com/office/drawing/2010/main" w="9525">
+                <a:solidFill>
+                  <a:schemeClr val="tx1"/>
+                </a:solidFill>
+                <a:miter lim="800000"/>
+                <a:headEnd/>
+                <a:tailEnd/>
+              </a14:hiddenLine>
+            </a:ext>
+          </a:extLst>
+        </p:spPr>
+        <p:txBody>
+          <a:bodyPr/>
+          <a:lstStyle>
+            <a:lvl1pPr>
+              <a:defRPr sz="900">
+                <a:solidFill>
+                  <a:schemeClr val="bg1"/>
+                </a:solidFill>
+                <a:latin typeface="Arial" panose="020B0604020202020204" pitchFamily="34" charset="0"/>
+                <a:ea typeface="ＭＳ Ｐゴシック" panose="020B0600070205080204" pitchFamily="34" charset="-128"/>
+              </a:defRPr>
+            </a:lvl1pPr>
+            <a:lvl2pPr marL="742950" indent="-285750">
+              <a:defRPr sz="900">
+                <a:solidFill>
+                  <a:schemeClr val="bg1"/>
+                </a:solidFill>
+                <a:latin typeface="Arial" panose="020B0604020202020204" pitchFamily="34" charset="0"/>
+                <a:ea typeface="ＭＳ Ｐゴシック" panose="020B0600070205080204" pitchFamily="34" charset="-128"/>
+              </a:defRPr>
+            </a:lvl2pPr>
+            <a:lvl3pPr marL="1143000" indent="-228600">
+              <a:defRPr sz="900">
+                <a:solidFill>
+                  <a:schemeClr val="bg1"/>
+                </a:solidFill>
+                <a:latin typeface="Arial" panose="020B0604020202020204" pitchFamily="34" charset="0"/>
+                <a:ea typeface="ＭＳ Ｐゴシック" panose="020B0600070205080204" pitchFamily="34" charset="-128"/>
+              </a:defRPr>
+            </a:lvl3pPr>
+            <a:lvl4pPr marL="1600200" indent="-228600">
+              <a:defRPr sz="900">
+                <a:solidFill>
+                  <a:schemeClr val="bg1"/>
+                </a:solidFill>
+                <a:latin typeface="Arial" panose="020B0604020202020204" pitchFamily="34" charset="0"/>
+                <a:ea typeface="ＭＳ Ｐゴシック" panose="020B0600070205080204" pitchFamily="34" charset="-128"/>
+              </a:defRPr>
+            </a:lvl4pPr>
+            <a:lvl5pPr marL="2057400" indent="-228600">
+              <a:defRPr sz="900">
+                <a:solidFill>
+                  <a:schemeClr val="bg1"/>
+                </a:solidFill>
+                <a:latin typeface="Arial" panose="020B0604020202020204" pitchFamily="34" charset="0"/>
+                <a:ea typeface="ＭＳ Ｐゴシック" panose="020B0600070205080204" pitchFamily="34" charset="-128"/>
+              </a:defRPr>
+            </a:lvl5pPr>
+            <a:lvl6pPr marL="2514600" indent="-228600" eaLnBrk="0" fontAlgn="base" hangingPunct="0">
+              <a:spcBef>
+                <a:spcPct val="0"/>
+              </a:spcBef>
+              <a:spcAft>
+                <a:spcPct val="0"/>
+              </a:spcAft>
+              <a:defRPr sz="900">
+                <a:solidFill>
+                  <a:schemeClr val="bg1"/>
+                </a:solidFill>
+                <a:latin typeface="Arial" panose="020B0604020202020204" pitchFamily="34" charset="0"/>
+                <a:ea typeface="ＭＳ Ｐゴシック" panose="020B0600070205080204" pitchFamily="34" charset="-128"/>
+              </a:defRPr>
+            </a:lvl6pPr>
+            <a:lvl7pPr marL="2971800" indent="-228600" eaLnBrk="0" fontAlgn="base" hangingPunct="0">
+              <a:spcBef>
+                <a:spcPct val="0"/>
+              </a:spcBef>
+              <a:spcAft>
+                <a:spcPct val="0"/>
+              </a:spcAft>
+              <a:defRPr sz="900">
+                <a:solidFill>
+                  <a:schemeClr val="bg1"/>
+                </a:solidFill>
+                <a:latin typeface="Arial" panose="020B0604020202020204" pitchFamily="34" charset="0"/>
+                <a:ea typeface="ＭＳ Ｐゴシック" panose="020B0600070205080204" pitchFamily="34" charset="-128"/>
+              </a:defRPr>
+            </a:lvl7pPr>
+            <a:lvl8pPr marL="3429000" indent="-228600" eaLnBrk="0" fontAlgn="base" hangingPunct="0">
+              <a:spcBef>
+                <a:spcPct val="0"/>
+              </a:spcBef>
+              <a:spcAft>
+                <a:spcPct val="0"/>
+              </a:spcAft>
+              <a:defRPr sz="900">
+                <a:solidFill>
+                  <a:schemeClr val="bg1"/>
+                </a:solidFill>
+                <a:latin typeface="Arial" panose="020B0604020202020204" pitchFamily="34" charset="0"/>
+                <a:ea typeface="ＭＳ Ｐゴシック" panose="020B0600070205080204" pitchFamily="34" charset="-128"/>
+              </a:defRPr>
+            </a:lvl8pPr>
+            <a:lvl9pPr marL="3886200" indent="-228600" eaLnBrk="0" fontAlgn="base" hangingPunct="0">
+              <a:spcBef>
+                <a:spcPct val="0"/>
+              </a:spcBef>
+              <a:spcAft>
+                <a:spcPct val="0"/>
+              </a:spcAft>
+              <a:defRPr sz="900">
+                <a:solidFill>
+                  <a:schemeClr val="bg1"/>
+                </a:solidFill>
+                <a:latin typeface="Arial" panose="020B0604020202020204" pitchFamily="34" charset="0"/>
+                <a:ea typeface="ＭＳ Ｐゴシック" panose="020B0600070205080204" pitchFamily="34" charset="-128"/>
+              </a:defRPr>
+            </a:lvl9pPr>
+          </a:lstStyle>
+          <a:p>
+            <a:r>
+              <a:rPr lang="it-IT" altLang="it-IT" sz="1100"/>
+              <a:t>Pagina </a:t>
+            </a:r>
+            <a:fld id="{A5A0298B-8610-43D9-B58F-136B4E052372}" type="slidenum">
+              <a:rPr lang="it-IT" altLang="it-IT" sz="1100" smtClean="0"/>
+              <a:pPr/>
+              <a:t>16</a:t>
+            </a:fld>
+            <a:endParaRPr lang="it-IT" altLang="it-IT" sz="1100"/>
+          </a:p>
+        </p:txBody>
+      </p:sp>
+      <p:sp>
+        <p:nvSpPr>
+          <p:cNvPr id="8197" name="Rectangle 2">
+            <a:extLst>
+              <a:ext uri="{FF2B5EF4-FFF2-40B4-BE49-F238E27FC236}">
+                <a16:creationId xmlns:a16="http://schemas.microsoft.com/office/drawing/2014/main" id="{40621EC2-CD26-9DDE-5482-6088DF20FFA4}"/>
+              </a:ext>
+            </a:extLst>
+          </p:cNvPr>
+          <p:cNvSpPr>
+            <a:spLocks noGrp="1" noChangeArrowheads="1"/>
+          </p:cNvSpPr>
+          <p:nvPr>
+            <p:ph type="title"/>
+          </p:nvPr>
+        </p:nvSpPr>
+        <p:spPr>
+          <a:xfrm>
+            <a:off x="1116013" y="409575"/>
+            <a:ext cx="7416800" cy="504825"/>
+          </a:xfrm>
+        </p:spPr>
+        <p:txBody>
+          <a:bodyPr/>
+          <a:lstStyle/>
+          <a:p>
+            <a:pPr eaLnBrk="1" hangingPunct="1"/>
+            <a:r>
+              <a:rPr lang="it-IT" altLang="it-IT"/>
+              <a:t>Literature Review</a:t>
+            </a:r>
+          </a:p>
+        </p:txBody>
+      </p:sp>
+      <p:pic>
+        <p:nvPicPr>
+          <p:cNvPr id="3" name="Immagine 2" descr="Immagine che contiene testo, Carattere, diagramma, linea&#10;&#10;Descrizione generata automaticamente">
+            <a:extLst>
+              <a:ext uri="{FF2B5EF4-FFF2-40B4-BE49-F238E27FC236}">
+                <a16:creationId xmlns:a16="http://schemas.microsoft.com/office/drawing/2014/main" id="{846AEBE0-F5D6-3476-AB6A-C832D48AE18D}"/>
+              </a:ext>
+            </a:extLst>
+          </p:cNvPr>
+          <p:cNvPicPr>
+            <a:picLocks noChangeAspect="1"/>
+          </p:cNvPicPr>
+          <p:nvPr/>
+        </p:nvPicPr>
+        <p:blipFill>
+          <a:blip r:embed="rId3">
+            <a:extLst>
+              <a:ext uri="{28A0092B-C50C-407E-A947-70E740481C1C}">
+                <a14:useLocalDpi xmlns:a14="http://schemas.microsoft.com/office/drawing/2010/main" val="0"/>
+              </a:ext>
+            </a:extLst>
+          </a:blip>
+          <a:stretch>
+            <a:fillRect/>
+          </a:stretch>
+        </p:blipFill>
+        <p:spPr>
+          <a:xfrm>
+            <a:off x="342900" y="2338685"/>
+            <a:ext cx="8458200" cy="2180630"/>
+          </a:xfrm>
+          <a:prstGeom prst="rect">
+            <a:avLst/>
+          </a:prstGeom>
+        </p:spPr>
+      </p:pic>
+    </p:spTree>
+    <p:extLst>
+      <p:ext uri="{BB962C8B-B14F-4D97-AF65-F5344CB8AC3E}">
+        <p14:creationId xmlns:p14="http://schemas.microsoft.com/office/powerpoint/2010/main" val="3761172807"/>
+      </p:ext>
+    </p:extLst>
+  </p:cSld>
+  <p:clrMapOvr>
+    <a:masterClrMapping/>
+  </p:clrMapOvr>
+</p:sld>
+</file>
+
+<file path=ppt/slides/slide17.xml><?xml version="1.0" encoding="utf-8"?>
+<p:sld xmlns:a="http://schemas.openxmlformats.org/drawingml/2006/main" xmlns:r="http://schemas.openxmlformats.org/officeDocument/2006/relationships" xmlns:p="http://schemas.openxmlformats.org/presentationml/2006/main">
+  <p:cSld>
+    <p:spTree>
+      <p:nvGrpSpPr>
+        <p:cNvPr id="1" name=""/>
+        <p:cNvGrpSpPr/>
+        <p:nvPr/>
+      </p:nvGrpSpPr>
+      <p:grpSpPr>
+        <a:xfrm>
+          <a:off x="0" y="0"/>
+          <a:ext cx="0" cy="0"/>
+          <a:chOff x="0" y="0"/>
+          <a:chExt cx="0" cy="0"/>
+        </a:xfrm>
+      </p:grpSpPr>
+      <p:sp>
+        <p:nvSpPr>
+          <p:cNvPr id="8194" name="Segnaposto data 3">
+            <a:extLst>
+              <a:ext uri="{FF2B5EF4-FFF2-40B4-BE49-F238E27FC236}">
+                <a16:creationId xmlns:a16="http://schemas.microsoft.com/office/drawing/2014/main" id="{89F239C3-1771-5E40-418C-68B34C600A68}"/>
+              </a:ext>
+            </a:extLst>
+          </p:cNvPr>
+          <p:cNvSpPr>
+            <a:spLocks noGrp="1"/>
+          </p:cNvSpPr>
+          <p:nvPr>
+            <p:ph type="dt" sz="quarter" idx="10"/>
+          </p:nvPr>
+        </p:nvSpPr>
+        <p:spPr>
+          <a:noFill/>
+          <a:extLst>
+            <a:ext uri="{909E8E84-426E-40DD-AFC4-6F175D3DCCD1}">
+              <a14:hiddenFill xmlns:a14="http://schemas.microsoft.com/office/drawing/2010/main">
+                <a:solidFill>
+                  <a:schemeClr val="accent1"/>
+                </a:solidFill>
+              </a14:hiddenFill>
+            </a:ext>
+            <a:ext uri="{91240B29-F687-4F45-9708-019B960494DF}">
+              <a14:hiddenLine xmlns:a14="http://schemas.microsoft.com/office/drawing/2010/main" w="9525">
+                <a:solidFill>
+                  <a:schemeClr val="tx1"/>
+                </a:solidFill>
+                <a:miter lim="800000"/>
+                <a:headEnd/>
+                <a:tailEnd/>
+              </a14:hiddenLine>
+            </a:ext>
+          </a:extLst>
+        </p:spPr>
+        <p:txBody>
+          <a:bodyPr/>
+          <a:lstStyle>
+            <a:lvl1pPr>
+              <a:defRPr sz="900">
+                <a:solidFill>
+                  <a:schemeClr val="bg1"/>
+                </a:solidFill>
+                <a:latin typeface="Arial" panose="020B0604020202020204" pitchFamily="34" charset="0"/>
+                <a:ea typeface="ＭＳ Ｐゴシック" panose="020B0600070205080204" pitchFamily="34" charset="-128"/>
+              </a:defRPr>
+            </a:lvl1pPr>
+            <a:lvl2pPr marL="742950" indent="-285750">
+              <a:defRPr sz="900">
+                <a:solidFill>
+                  <a:schemeClr val="bg1"/>
+                </a:solidFill>
+                <a:latin typeface="Arial" panose="020B0604020202020204" pitchFamily="34" charset="0"/>
+                <a:ea typeface="ＭＳ Ｐゴシック" panose="020B0600070205080204" pitchFamily="34" charset="-128"/>
+              </a:defRPr>
+            </a:lvl2pPr>
+            <a:lvl3pPr marL="1143000" indent="-228600">
+              <a:defRPr sz="900">
+                <a:solidFill>
+                  <a:schemeClr val="bg1"/>
+                </a:solidFill>
+                <a:latin typeface="Arial" panose="020B0604020202020204" pitchFamily="34" charset="0"/>
+                <a:ea typeface="ＭＳ Ｐゴシック" panose="020B0600070205080204" pitchFamily="34" charset="-128"/>
+              </a:defRPr>
+            </a:lvl3pPr>
+            <a:lvl4pPr marL="1600200" indent="-228600">
+              <a:defRPr sz="900">
+                <a:solidFill>
+                  <a:schemeClr val="bg1"/>
+                </a:solidFill>
+                <a:latin typeface="Arial" panose="020B0604020202020204" pitchFamily="34" charset="0"/>
+                <a:ea typeface="ＭＳ Ｐゴシック" panose="020B0600070205080204" pitchFamily="34" charset="-128"/>
+              </a:defRPr>
+            </a:lvl4pPr>
+            <a:lvl5pPr marL="2057400" indent="-228600">
+              <a:defRPr sz="900">
+                <a:solidFill>
+                  <a:schemeClr val="bg1"/>
+                </a:solidFill>
+                <a:latin typeface="Arial" panose="020B0604020202020204" pitchFamily="34" charset="0"/>
+                <a:ea typeface="ＭＳ Ｐゴシック" panose="020B0600070205080204" pitchFamily="34" charset="-128"/>
+              </a:defRPr>
+            </a:lvl5pPr>
+            <a:lvl6pPr marL="2514600" indent="-228600" eaLnBrk="0" fontAlgn="base" hangingPunct="0">
+              <a:spcBef>
+                <a:spcPct val="0"/>
+              </a:spcBef>
+              <a:spcAft>
+                <a:spcPct val="0"/>
+              </a:spcAft>
+              <a:defRPr sz="900">
+                <a:solidFill>
+                  <a:schemeClr val="bg1"/>
+                </a:solidFill>
+                <a:latin typeface="Arial" panose="020B0604020202020204" pitchFamily="34" charset="0"/>
+                <a:ea typeface="ＭＳ Ｐゴシック" panose="020B0600070205080204" pitchFamily="34" charset="-128"/>
+              </a:defRPr>
+            </a:lvl6pPr>
+            <a:lvl7pPr marL="2971800" indent="-228600" eaLnBrk="0" fontAlgn="base" hangingPunct="0">
+              <a:spcBef>
+                <a:spcPct val="0"/>
+              </a:spcBef>
+              <a:spcAft>
+                <a:spcPct val="0"/>
+              </a:spcAft>
+              <a:defRPr sz="900">
+                <a:solidFill>
+                  <a:schemeClr val="bg1"/>
+                </a:solidFill>
+                <a:latin typeface="Arial" panose="020B0604020202020204" pitchFamily="34" charset="0"/>
+                <a:ea typeface="ＭＳ Ｐゴシック" panose="020B0600070205080204" pitchFamily="34" charset="-128"/>
+              </a:defRPr>
+            </a:lvl7pPr>
+            <a:lvl8pPr marL="3429000" indent="-228600" eaLnBrk="0" fontAlgn="base" hangingPunct="0">
+              <a:spcBef>
+                <a:spcPct val="0"/>
+              </a:spcBef>
+              <a:spcAft>
+                <a:spcPct val="0"/>
+              </a:spcAft>
+              <a:defRPr sz="900">
+                <a:solidFill>
+                  <a:schemeClr val="bg1"/>
+                </a:solidFill>
+                <a:latin typeface="Arial" panose="020B0604020202020204" pitchFamily="34" charset="0"/>
+                <a:ea typeface="ＭＳ Ｐゴシック" panose="020B0600070205080204" pitchFamily="34" charset="-128"/>
+              </a:defRPr>
+            </a:lvl8pPr>
+            <a:lvl9pPr marL="3886200" indent="-228600" eaLnBrk="0" fontAlgn="base" hangingPunct="0">
+              <a:spcBef>
+                <a:spcPct val="0"/>
+              </a:spcBef>
+              <a:spcAft>
+                <a:spcPct val="0"/>
+              </a:spcAft>
+              <a:defRPr sz="900">
+                <a:solidFill>
+                  <a:schemeClr val="bg1"/>
+                </a:solidFill>
+                <a:latin typeface="Arial" panose="020B0604020202020204" pitchFamily="34" charset="0"/>
+                <a:ea typeface="ＭＳ Ｐゴシック" panose="020B0600070205080204" pitchFamily="34" charset="-128"/>
+              </a:defRPr>
+            </a:lvl9pPr>
+          </a:lstStyle>
+          <a:p>
+            <a:fld id="{9E582260-007F-4969-8198-F6C9C1A10CB4}" type="datetime1">
+              <a:rPr lang="it-IT" altLang="it-IT" sz="1100"/>
+              <a:pPr/>
+              <a:t>12/05/2023</a:t>
+            </a:fld>
+            <a:endParaRPr lang="it-IT" altLang="it-IT" sz="1100"/>
+          </a:p>
+        </p:txBody>
+      </p:sp>
+      <p:sp>
+        <p:nvSpPr>
+          <p:cNvPr id="8195" name="Segnaposto piè di pagina 4">
+            <a:extLst>
+              <a:ext uri="{FF2B5EF4-FFF2-40B4-BE49-F238E27FC236}">
+                <a16:creationId xmlns:a16="http://schemas.microsoft.com/office/drawing/2014/main" id="{33EE81AF-2BDE-6422-00EF-765BFCD88FDC}"/>
+              </a:ext>
+            </a:extLst>
+          </p:cNvPr>
+          <p:cNvSpPr>
+            <a:spLocks noGrp="1"/>
+          </p:cNvSpPr>
+          <p:nvPr>
+            <p:ph type="ftr" sz="quarter" idx="11"/>
+          </p:nvPr>
+        </p:nvSpPr>
+        <p:spPr>
+          <a:noFill/>
+          <a:extLst>
+            <a:ext uri="{909E8E84-426E-40DD-AFC4-6F175D3DCCD1}">
+              <a14:hiddenFill xmlns:a14="http://schemas.microsoft.com/office/drawing/2010/main">
+                <a:solidFill>
+                  <a:schemeClr val="accent1"/>
+                </a:solidFill>
+              </a14:hiddenFill>
+            </a:ext>
+            <a:ext uri="{91240B29-F687-4F45-9708-019B960494DF}">
+              <a14:hiddenLine xmlns:a14="http://schemas.microsoft.com/office/drawing/2010/main" w="9525">
+                <a:solidFill>
+                  <a:schemeClr val="tx1"/>
+                </a:solidFill>
+                <a:miter lim="800000"/>
+                <a:headEnd/>
+                <a:tailEnd/>
+              </a14:hiddenLine>
+            </a:ext>
+          </a:extLst>
+        </p:spPr>
+        <p:txBody>
+          <a:bodyPr/>
+          <a:lstStyle>
+            <a:lvl1pPr>
+              <a:defRPr sz="900">
+                <a:solidFill>
+                  <a:schemeClr val="bg1"/>
+                </a:solidFill>
+                <a:latin typeface="Arial" panose="020B0604020202020204" pitchFamily="34" charset="0"/>
+                <a:ea typeface="ＭＳ Ｐゴシック" panose="020B0600070205080204" pitchFamily="34" charset="-128"/>
+              </a:defRPr>
+            </a:lvl1pPr>
+            <a:lvl2pPr marL="742950" indent="-285750">
+              <a:defRPr sz="900">
+                <a:solidFill>
+                  <a:schemeClr val="bg1"/>
+                </a:solidFill>
+                <a:latin typeface="Arial" panose="020B0604020202020204" pitchFamily="34" charset="0"/>
+                <a:ea typeface="ＭＳ Ｐゴシック" panose="020B0600070205080204" pitchFamily="34" charset="-128"/>
+              </a:defRPr>
+            </a:lvl2pPr>
+            <a:lvl3pPr marL="1143000" indent="-228600">
+              <a:defRPr sz="900">
+                <a:solidFill>
+                  <a:schemeClr val="bg1"/>
+                </a:solidFill>
+                <a:latin typeface="Arial" panose="020B0604020202020204" pitchFamily="34" charset="0"/>
+                <a:ea typeface="ＭＳ Ｐゴシック" panose="020B0600070205080204" pitchFamily="34" charset="-128"/>
+              </a:defRPr>
+            </a:lvl3pPr>
+            <a:lvl4pPr marL="1600200" indent="-228600">
+              <a:defRPr sz="900">
+                <a:solidFill>
+                  <a:schemeClr val="bg1"/>
+                </a:solidFill>
+                <a:latin typeface="Arial" panose="020B0604020202020204" pitchFamily="34" charset="0"/>
+                <a:ea typeface="ＭＳ Ｐゴシック" panose="020B0600070205080204" pitchFamily="34" charset="-128"/>
+              </a:defRPr>
+            </a:lvl4pPr>
+            <a:lvl5pPr marL="2057400" indent="-228600">
+              <a:defRPr sz="900">
+                <a:solidFill>
+                  <a:schemeClr val="bg1"/>
+                </a:solidFill>
+                <a:latin typeface="Arial" panose="020B0604020202020204" pitchFamily="34" charset="0"/>
+                <a:ea typeface="ＭＳ Ｐゴシック" panose="020B0600070205080204" pitchFamily="34" charset="-128"/>
+              </a:defRPr>
+            </a:lvl5pPr>
+            <a:lvl6pPr marL="2514600" indent="-228600" eaLnBrk="0" fontAlgn="base" hangingPunct="0">
+              <a:spcBef>
+                <a:spcPct val="0"/>
+              </a:spcBef>
+              <a:spcAft>
+                <a:spcPct val="0"/>
+              </a:spcAft>
+              <a:defRPr sz="900">
+                <a:solidFill>
+                  <a:schemeClr val="bg1"/>
+                </a:solidFill>
+                <a:latin typeface="Arial" panose="020B0604020202020204" pitchFamily="34" charset="0"/>
+                <a:ea typeface="ＭＳ Ｐゴシック" panose="020B0600070205080204" pitchFamily="34" charset="-128"/>
+              </a:defRPr>
+            </a:lvl6pPr>
+            <a:lvl7pPr marL="2971800" indent="-228600" eaLnBrk="0" fontAlgn="base" hangingPunct="0">
+              <a:spcBef>
+                <a:spcPct val="0"/>
+              </a:spcBef>
+              <a:spcAft>
+                <a:spcPct val="0"/>
+              </a:spcAft>
+              <a:defRPr sz="900">
+                <a:solidFill>
+                  <a:schemeClr val="bg1"/>
+                </a:solidFill>
+                <a:latin typeface="Arial" panose="020B0604020202020204" pitchFamily="34" charset="0"/>
+                <a:ea typeface="ＭＳ Ｐゴシック" panose="020B0600070205080204" pitchFamily="34" charset="-128"/>
+              </a:defRPr>
+            </a:lvl7pPr>
+            <a:lvl8pPr marL="3429000" indent="-228600" eaLnBrk="0" fontAlgn="base" hangingPunct="0">
+              <a:spcBef>
+                <a:spcPct val="0"/>
+              </a:spcBef>
+              <a:spcAft>
+                <a:spcPct val="0"/>
+              </a:spcAft>
+              <a:defRPr sz="900">
+                <a:solidFill>
+                  <a:schemeClr val="bg1"/>
+                </a:solidFill>
+                <a:latin typeface="Arial" panose="020B0604020202020204" pitchFamily="34" charset="0"/>
+                <a:ea typeface="ＭＳ Ｐゴシック" panose="020B0600070205080204" pitchFamily="34" charset="-128"/>
+              </a:defRPr>
+            </a:lvl8pPr>
+            <a:lvl9pPr marL="3886200" indent="-228600" eaLnBrk="0" fontAlgn="base" hangingPunct="0">
+              <a:spcBef>
+                <a:spcPct val="0"/>
+              </a:spcBef>
+              <a:spcAft>
+                <a:spcPct val="0"/>
+              </a:spcAft>
+              <a:defRPr sz="900">
+                <a:solidFill>
+                  <a:schemeClr val="bg1"/>
+                </a:solidFill>
+                <a:latin typeface="Arial" panose="020B0604020202020204" pitchFamily="34" charset="0"/>
+                <a:ea typeface="ＭＳ Ｐゴシック" panose="020B0600070205080204" pitchFamily="34" charset="-128"/>
+              </a:defRPr>
+            </a:lvl9pPr>
+          </a:lstStyle>
+          <a:p>
+            <a:r>
+              <a:rPr lang="it-IT" altLang="it-IT" sz="1100"/>
+              <a:t>nnAttention U-net for Brain Tumor Segmentation</a:t>
+            </a:r>
+          </a:p>
+        </p:txBody>
+      </p:sp>
+      <p:sp>
+        <p:nvSpPr>
+          <p:cNvPr id="8196" name="Segnaposto numero diapositiva 5">
+            <a:extLst>
+              <a:ext uri="{FF2B5EF4-FFF2-40B4-BE49-F238E27FC236}">
+                <a16:creationId xmlns:a16="http://schemas.microsoft.com/office/drawing/2014/main" id="{2384839B-14AF-3709-A337-B8EEF9740B7F}"/>
+              </a:ext>
+            </a:extLst>
+          </p:cNvPr>
+          <p:cNvSpPr>
+            <a:spLocks noGrp="1"/>
+          </p:cNvSpPr>
+          <p:nvPr>
+            <p:ph type="sldNum" sz="quarter" idx="12"/>
+          </p:nvPr>
+        </p:nvSpPr>
+        <p:spPr>
+          <a:noFill/>
+          <a:extLst>
+            <a:ext uri="{909E8E84-426E-40DD-AFC4-6F175D3DCCD1}">
+              <a14:hiddenFill xmlns:a14="http://schemas.microsoft.com/office/drawing/2010/main">
+                <a:solidFill>
+                  <a:schemeClr val="accent1"/>
+                </a:solidFill>
+              </a14:hiddenFill>
+            </a:ext>
+            <a:ext uri="{91240B29-F687-4F45-9708-019B960494DF}">
+              <a14:hiddenLine xmlns:a14="http://schemas.microsoft.com/office/drawing/2010/main" w="9525">
+                <a:solidFill>
+                  <a:schemeClr val="tx1"/>
+                </a:solidFill>
+                <a:miter lim="800000"/>
+                <a:headEnd/>
+                <a:tailEnd/>
+              </a14:hiddenLine>
+            </a:ext>
+          </a:extLst>
+        </p:spPr>
+        <p:txBody>
+          <a:bodyPr/>
+          <a:lstStyle>
+            <a:lvl1pPr>
+              <a:defRPr sz="900">
+                <a:solidFill>
+                  <a:schemeClr val="bg1"/>
+                </a:solidFill>
+                <a:latin typeface="Arial" panose="020B0604020202020204" pitchFamily="34" charset="0"/>
+                <a:ea typeface="ＭＳ Ｐゴシック" panose="020B0600070205080204" pitchFamily="34" charset="-128"/>
+              </a:defRPr>
+            </a:lvl1pPr>
+            <a:lvl2pPr marL="742950" indent="-285750">
+              <a:defRPr sz="900">
+                <a:solidFill>
+                  <a:schemeClr val="bg1"/>
+                </a:solidFill>
+                <a:latin typeface="Arial" panose="020B0604020202020204" pitchFamily="34" charset="0"/>
+                <a:ea typeface="ＭＳ Ｐゴシック" panose="020B0600070205080204" pitchFamily="34" charset="-128"/>
+              </a:defRPr>
+            </a:lvl2pPr>
+            <a:lvl3pPr marL="1143000" indent="-228600">
+              <a:defRPr sz="900">
+                <a:solidFill>
+                  <a:schemeClr val="bg1"/>
+                </a:solidFill>
+                <a:latin typeface="Arial" panose="020B0604020202020204" pitchFamily="34" charset="0"/>
+                <a:ea typeface="ＭＳ Ｐゴシック" panose="020B0600070205080204" pitchFamily="34" charset="-128"/>
+              </a:defRPr>
+            </a:lvl3pPr>
+            <a:lvl4pPr marL="1600200" indent="-228600">
+              <a:defRPr sz="900">
+                <a:solidFill>
+                  <a:schemeClr val="bg1"/>
+                </a:solidFill>
+                <a:latin typeface="Arial" panose="020B0604020202020204" pitchFamily="34" charset="0"/>
+                <a:ea typeface="ＭＳ Ｐゴシック" panose="020B0600070205080204" pitchFamily="34" charset="-128"/>
+              </a:defRPr>
+            </a:lvl4pPr>
+            <a:lvl5pPr marL="2057400" indent="-228600">
+              <a:defRPr sz="900">
+                <a:solidFill>
+                  <a:schemeClr val="bg1"/>
+                </a:solidFill>
+                <a:latin typeface="Arial" panose="020B0604020202020204" pitchFamily="34" charset="0"/>
+                <a:ea typeface="ＭＳ Ｐゴシック" panose="020B0600070205080204" pitchFamily="34" charset="-128"/>
+              </a:defRPr>
+            </a:lvl5pPr>
+            <a:lvl6pPr marL="2514600" indent="-228600" eaLnBrk="0" fontAlgn="base" hangingPunct="0">
+              <a:spcBef>
+                <a:spcPct val="0"/>
+              </a:spcBef>
+              <a:spcAft>
+                <a:spcPct val="0"/>
+              </a:spcAft>
+              <a:defRPr sz="900">
+                <a:solidFill>
+                  <a:schemeClr val="bg1"/>
+                </a:solidFill>
+                <a:latin typeface="Arial" panose="020B0604020202020204" pitchFamily="34" charset="0"/>
+                <a:ea typeface="ＭＳ Ｐゴシック" panose="020B0600070205080204" pitchFamily="34" charset="-128"/>
+              </a:defRPr>
+            </a:lvl6pPr>
+            <a:lvl7pPr marL="2971800" indent="-228600" eaLnBrk="0" fontAlgn="base" hangingPunct="0">
+              <a:spcBef>
+                <a:spcPct val="0"/>
+              </a:spcBef>
+              <a:spcAft>
+                <a:spcPct val="0"/>
+              </a:spcAft>
+              <a:defRPr sz="900">
+                <a:solidFill>
+                  <a:schemeClr val="bg1"/>
+                </a:solidFill>
+                <a:latin typeface="Arial" panose="020B0604020202020204" pitchFamily="34" charset="0"/>
+                <a:ea typeface="ＭＳ Ｐゴシック" panose="020B0600070205080204" pitchFamily="34" charset="-128"/>
+              </a:defRPr>
+            </a:lvl7pPr>
+            <a:lvl8pPr marL="3429000" indent="-228600" eaLnBrk="0" fontAlgn="base" hangingPunct="0">
+              <a:spcBef>
+                <a:spcPct val="0"/>
+              </a:spcBef>
+              <a:spcAft>
+                <a:spcPct val="0"/>
+              </a:spcAft>
+              <a:defRPr sz="900">
+                <a:solidFill>
+                  <a:schemeClr val="bg1"/>
+                </a:solidFill>
+                <a:latin typeface="Arial" panose="020B0604020202020204" pitchFamily="34" charset="0"/>
+                <a:ea typeface="ＭＳ Ｐゴシック" panose="020B0600070205080204" pitchFamily="34" charset="-128"/>
+              </a:defRPr>
+            </a:lvl8pPr>
+            <a:lvl9pPr marL="3886200" indent="-228600" eaLnBrk="0" fontAlgn="base" hangingPunct="0">
+              <a:spcBef>
+                <a:spcPct val="0"/>
+              </a:spcBef>
+              <a:spcAft>
+                <a:spcPct val="0"/>
+              </a:spcAft>
+              <a:defRPr sz="900">
+                <a:solidFill>
+                  <a:schemeClr val="bg1"/>
+                </a:solidFill>
+                <a:latin typeface="Arial" panose="020B0604020202020204" pitchFamily="34" charset="0"/>
+                <a:ea typeface="ＭＳ Ｐゴシック" panose="020B0600070205080204" pitchFamily="34" charset="-128"/>
+              </a:defRPr>
+            </a:lvl9pPr>
+          </a:lstStyle>
+          <a:p>
+            <a:r>
+              <a:rPr lang="it-IT" altLang="it-IT" sz="1100"/>
+              <a:t>Pagina </a:t>
+            </a:r>
+            <a:fld id="{A5A0298B-8610-43D9-B58F-136B4E052372}" type="slidenum">
+              <a:rPr lang="it-IT" altLang="it-IT" sz="1100" smtClean="0"/>
+              <a:pPr/>
+              <a:t>17</a:t>
+            </a:fld>
+            <a:endParaRPr lang="it-IT" altLang="it-IT" sz="1100"/>
+          </a:p>
+        </p:txBody>
+      </p:sp>
+      <p:sp>
+        <p:nvSpPr>
+          <p:cNvPr id="8197" name="Rectangle 2">
+            <a:extLst>
+              <a:ext uri="{FF2B5EF4-FFF2-40B4-BE49-F238E27FC236}">
+                <a16:creationId xmlns:a16="http://schemas.microsoft.com/office/drawing/2014/main" id="{40621EC2-CD26-9DDE-5482-6088DF20FFA4}"/>
+              </a:ext>
+            </a:extLst>
+          </p:cNvPr>
+          <p:cNvSpPr>
+            <a:spLocks noGrp="1" noChangeArrowheads="1"/>
+          </p:cNvSpPr>
+          <p:nvPr>
+            <p:ph type="title"/>
+          </p:nvPr>
+        </p:nvSpPr>
+        <p:spPr>
+          <a:xfrm>
+            <a:off x="1116013" y="409575"/>
+            <a:ext cx="7416800" cy="504825"/>
+          </a:xfrm>
+        </p:spPr>
+        <p:txBody>
+          <a:bodyPr/>
+          <a:lstStyle/>
+          <a:p>
+            <a:pPr eaLnBrk="1" hangingPunct="1"/>
+            <a:r>
+              <a:rPr lang="it-IT" altLang="it-IT"/>
+              <a:t>Literature Review</a:t>
+            </a:r>
+          </a:p>
+        </p:txBody>
+      </p:sp>
+      <p:pic>
+        <p:nvPicPr>
+          <p:cNvPr id="6" name="Immagine 5" descr="Immagine che contiene diagramma, testo, design, schermata&#10;&#10;Descrizione generata automaticamente">
+            <a:extLst>
+              <a:ext uri="{FF2B5EF4-FFF2-40B4-BE49-F238E27FC236}">
+                <a16:creationId xmlns:a16="http://schemas.microsoft.com/office/drawing/2014/main" id="{E450BC09-1882-2A6A-7847-5A84824D6CA1}"/>
+              </a:ext>
+            </a:extLst>
+          </p:cNvPr>
+          <p:cNvPicPr>
+            <a:picLocks noChangeAspect="1"/>
+          </p:cNvPicPr>
+          <p:nvPr/>
+        </p:nvPicPr>
+        <p:blipFill>
+          <a:blip r:embed="rId3">
+            <a:extLst>
+              <a:ext uri="{28A0092B-C50C-407E-A947-70E740481C1C}">
+                <a14:useLocalDpi xmlns:a14="http://schemas.microsoft.com/office/drawing/2010/main" val="0"/>
+              </a:ext>
+            </a:extLst>
+          </a:blip>
+          <a:stretch>
+            <a:fillRect/>
+          </a:stretch>
+        </p:blipFill>
+        <p:spPr>
+          <a:xfrm>
+            <a:off x="0" y="1124744"/>
+            <a:ext cx="9144000" cy="4707731"/>
+          </a:xfrm>
+          <a:prstGeom prst="rect">
+            <a:avLst/>
+          </a:prstGeom>
+        </p:spPr>
+      </p:pic>
+    </p:spTree>
+    <p:extLst>
+      <p:ext uri="{BB962C8B-B14F-4D97-AF65-F5344CB8AC3E}">
+        <p14:creationId xmlns:p14="http://schemas.microsoft.com/office/powerpoint/2010/main" val="3458448944"/>
+      </p:ext>
+    </p:extLst>
+  </p:cSld>
+  <p:clrMapOvr>
+    <a:masterClrMapping/>
+  </p:clrMapOvr>
+</p:sld>
+</file>
+
+<file path=ppt/slides/slide18.xml><?xml version="1.0" encoding="utf-8"?>
 <p:sld xmlns:a="http://schemas.openxmlformats.org/drawingml/2006/main" xmlns:r="http://schemas.openxmlformats.org/officeDocument/2006/relationships" xmlns:p="http://schemas.openxmlformats.org/presentationml/2006/main">
   <p:cSld>
     <p:spTree>
@@ -14156,7 +17191,7 @@
             <a:fld id="{167E3B0B-DB4C-41AF-9EC4-C186560DCD71}" type="datetime1">
               <a:rPr lang="it-IT" altLang="it-IT" sz="1100"/>
               <a:pPr/>
-              <a:t>11/05/2023</a:t>
+              <a:t>12/05/2023</a:t>
             </a:fld>
             <a:endParaRPr lang="it-IT" altLang="it-IT" sz="1100"/>
           </a:p>
@@ -14472,7 +17507,7 @@
             <a:fld id="{83F64888-5FC8-4DD9-AEE1-0DCC84BBF39F}" type="slidenum">
               <a:rPr lang="it-IT" altLang="it-IT" sz="1100" smtClean="0"/>
               <a:pPr/>
-              <a:t>15</a:t>
+              <a:t>18</a:t>
             </a:fld>
             <a:endParaRPr lang="it-IT" altLang="it-IT" sz="1100"/>
           </a:p>
@@ -14701,6 +17736,171 @@
           </a:p>
         </p:txBody>
       </p:sp>
+      <p:grpSp>
+        <p:nvGrpSpPr>
+          <p:cNvPr id="10" name="Gruppo 9">
+            <a:extLst>
+              <a:ext uri="{FF2B5EF4-FFF2-40B4-BE49-F238E27FC236}">
+                <a16:creationId xmlns:a16="http://schemas.microsoft.com/office/drawing/2014/main" id="{D397D14B-48E2-A20D-268F-27BFE9300498}"/>
+              </a:ext>
+            </a:extLst>
+          </p:cNvPr>
+          <p:cNvGrpSpPr/>
+          <p:nvPr/>
+        </p:nvGrpSpPr>
+        <p:grpSpPr>
+          <a:xfrm>
+            <a:off x="971600" y="2018878"/>
+            <a:ext cx="7416800" cy="3312368"/>
+            <a:chOff x="611560" y="2408688"/>
+            <a:chExt cx="7920882" cy="3484893"/>
+          </a:xfrm>
+        </p:grpSpPr>
+        <p:pic>
+          <p:nvPicPr>
+            <p:cNvPr id="3" name="Immagine 2" descr="Immagine che contiene Elementi grafici, design&#10;&#10;Descrizione generata automaticamente">
+              <a:extLst>
+                <a:ext uri="{FF2B5EF4-FFF2-40B4-BE49-F238E27FC236}">
+                  <a16:creationId xmlns:a16="http://schemas.microsoft.com/office/drawing/2014/main" id="{1A6492BA-7EBF-87CB-B860-47CA0744135A}"/>
+                </a:ext>
+              </a:extLst>
+            </p:cNvPr>
+            <p:cNvPicPr>
+              <a:picLocks noChangeAspect="1"/>
+            </p:cNvPicPr>
+            <p:nvPr/>
+          </p:nvPicPr>
+          <p:blipFill>
+            <a:blip r:embed="rId3">
+              <a:extLst>
+                <a:ext uri="{28A0092B-C50C-407E-A947-70E740481C1C}">
+                  <a14:useLocalDpi xmlns:a14="http://schemas.microsoft.com/office/drawing/2010/main" val="0"/>
+                </a:ext>
+              </a:extLst>
+            </a:blip>
+            <a:stretch>
+              <a:fillRect/>
+            </a:stretch>
+          </p:blipFill>
+          <p:spPr>
+            <a:xfrm>
+              <a:off x="611560" y="2408688"/>
+              <a:ext cx="3600000" cy="892968"/>
+            </a:xfrm>
+            <a:prstGeom prst="rect">
+              <a:avLst/>
+            </a:prstGeom>
+          </p:spPr>
+        </p:pic>
+        <p:pic>
+          <p:nvPicPr>
+            <p:cNvPr id="5" name="Immagine 4" descr="Immagine che contiene schermata, nero, oscurità&#10;&#10;Descrizione generata automaticamente">
+              <a:extLst>
+                <a:ext uri="{FF2B5EF4-FFF2-40B4-BE49-F238E27FC236}">
+                  <a16:creationId xmlns:a16="http://schemas.microsoft.com/office/drawing/2014/main" id="{4BE4081B-A167-A49E-6BB3-133EB00D3F17}"/>
+                </a:ext>
+              </a:extLst>
+            </p:cNvPr>
+            <p:cNvPicPr>
+              <a:picLocks noChangeAspect="1"/>
+            </p:cNvPicPr>
+            <p:nvPr/>
+          </p:nvPicPr>
+          <p:blipFill>
+            <a:blip r:embed="rId4">
+              <a:extLst>
+                <a:ext uri="{28A0092B-C50C-407E-A947-70E740481C1C}">
+                  <a14:useLocalDpi xmlns:a14="http://schemas.microsoft.com/office/drawing/2010/main" val="0"/>
+                </a:ext>
+              </a:extLst>
+            </a:blip>
+            <a:stretch>
+              <a:fillRect/>
+            </a:stretch>
+          </p:blipFill>
+          <p:spPr>
+            <a:xfrm>
+              <a:off x="611560" y="4287462"/>
+              <a:ext cx="3600000" cy="447504"/>
+            </a:xfrm>
+            <a:prstGeom prst="rect">
+              <a:avLst/>
+            </a:prstGeom>
+          </p:spPr>
+        </p:pic>
+        <p:pic>
+          <p:nvPicPr>
+            <p:cNvPr id="7" name="Immagine 6" descr="Immagine che contiene Carattere, Elementi grafici, logo, grafica&#10;&#10;Descrizione generata automaticamente">
+              <a:extLst>
+                <a:ext uri="{FF2B5EF4-FFF2-40B4-BE49-F238E27FC236}">
+                  <a16:creationId xmlns:a16="http://schemas.microsoft.com/office/drawing/2014/main" id="{822FA899-1006-C91A-B9AF-0B6C10A09D29}"/>
+                </a:ext>
+              </a:extLst>
+            </p:cNvPr>
+            <p:cNvPicPr>
+              <a:picLocks noChangeAspect="1"/>
+            </p:cNvPicPr>
+            <p:nvPr/>
+          </p:nvPicPr>
+          <p:blipFill>
+            <a:blip r:embed="rId5">
+              <a:extLst>
+                <a:ext uri="{28A0092B-C50C-407E-A947-70E740481C1C}">
+                  <a14:useLocalDpi xmlns:a14="http://schemas.microsoft.com/office/drawing/2010/main" val="0"/>
+                </a:ext>
+              </a:extLst>
+            </a:blip>
+            <a:stretch>
+              <a:fillRect/>
+            </a:stretch>
+          </p:blipFill>
+          <p:spPr>
+            <a:xfrm>
+              <a:off x="4932442" y="4503163"/>
+              <a:ext cx="3600000" cy="1390418"/>
+            </a:xfrm>
+            <a:prstGeom prst="rect">
+              <a:avLst/>
+            </a:prstGeom>
+          </p:spPr>
+        </p:pic>
+        <p:pic>
+          <p:nvPicPr>
+            <p:cNvPr id="9" name="Immagine 8" descr="Immagine che contiene testo, Carattere, Elementi grafici, logo&#10;&#10;Descrizione generata automaticamente">
+              <a:extLst>
+                <a:ext uri="{FF2B5EF4-FFF2-40B4-BE49-F238E27FC236}">
+                  <a16:creationId xmlns:a16="http://schemas.microsoft.com/office/drawing/2014/main" id="{80BE459B-5FCA-D14F-8C49-57454CBEBCBB}"/>
+                </a:ext>
+              </a:extLst>
+            </p:cNvPr>
+            <p:cNvPicPr>
+              <a:picLocks noChangeAspect="1"/>
+            </p:cNvPicPr>
+            <p:nvPr/>
+          </p:nvPicPr>
+          <p:blipFill>
+            <a:blip r:embed="rId6">
+              <a:extLst>
+                <a:ext uri="{28A0092B-C50C-407E-A947-70E740481C1C}">
+                  <a14:useLocalDpi xmlns:a14="http://schemas.microsoft.com/office/drawing/2010/main" val="0"/>
+                </a:ext>
+              </a:extLst>
+            </a:blip>
+            <a:stretch>
+              <a:fillRect/>
+            </a:stretch>
+          </p:blipFill>
+          <p:spPr>
+            <a:xfrm>
+              <a:off x="4932442" y="3319664"/>
+              <a:ext cx="3600000" cy="649922"/>
+            </a:xfrm>
+            <a:prstGeom prst="rect">
+              <a:avLst/>
+            </a:prstGeom>
+          </p:spPr>
+        </p:pic>
+      </p:grpSp>
     </p:spTree>
   </p:cSld>
   <p:clrMapOvr>
@@ -14709,7 +17909,7 @@
 </p:sld>
 </file>
 
-<file path=ppt/slides/slide16.xml><?xml version="1.0" encoding="utf-8"?>
+<file path=ppt/slides/slide19.xml><?xml version="1.0" encoding="utf-8"?>
 <p:sld xmlns:a="http://schemas.openxmlformats.org/drawingml/2006/main" xmlns:r="http://schemas.openxmlformats.org/officeDocument/2006/relationships" xmlns:p="http://schemas.openxmlformats.org/presentationml/2006/main">
   <p:cSld>
     <p:spTree>
@@ -14877,7 +18077,7 @@
             <a:fld id="{0F7C379C-86A5-4DFA-9CF6-E11CBC122C51}" type="datetime1">
               <a:rPr lang="it-IT" altLang="it-IT" sz="1100"/>
               <a:pPr/>
-              <a:t>11/05/2023</a:t>
+              <a:t>12/05/2023</a:t>
             </a:fld>
             <a:endParaRPr lang="it-IT" altLang="it-IT" sz="1100"/>
           </a:p>
@@ -15193,7 +18393,7 @@
             <a:fld id="{FCC9F9EC-B6A8-4331-B4E4-2C3E89718227}" type="slidenum">
               <a:rPr lang="it-IT" altLang="it-IT" sz="1100" smtClean="0"/>
               <a:pPr/>
-              <a:t>16</a:t>
+              <a:t>19</a:t>
             </a:fld>
             <a:endParaRPr lang="it-IT" altLang="it-IT" sz="1100"/>
           </a:p>
@@ -15594,1341 +18794,48 @@
           </a:p>
         </p:txBody>
       </p:sp>
-      <p:graphicFrame>
-        <p:nvGraphicFramePr>
-          <p:cNvPr id="12296" name="Object 21">
+      <p:pic>
+        <p:nvPicPr>
+          <p:cNvPr id="5" name="Immagine 4" descr="Immagine che contiene testo, diagramma, schermata, linea&#10;&#10;Descrizione generata automaticamente">
             <a:extLst>
               <a:ext uri="{FF2B5EF4-FFF2-40B4-BE49-F238E27FC236}">
-                <a16:creationId xmlns:a16="http://schemas.microsoft.com/office/drawing/2014/main" id="{2B6A0B4A-9931-6B50-D916-D85F475A6FEF}"/>
+                <a16:creationId xmlns:a16="http://schemas.microsoft.com/office/drawing/2014/main" id="{40A44FAC-B888-C348-8967-ADC1CA631452}"/>
               </a:ext>
             </a:extLst>
           </p:cNvPr>
-          <p:cNvGraphicFramePr>
-            <a:graphicFrameLocks noGrp="1" noChangeAspect="1"/>
-          </p:cNvGraphicFramePr>
-          <p:nvPr>
-            <p:ph type="chart" idx="1"/>
-          </p:nvPr>
-        </p:nvGraphicFramePr>
-        <p:xfrm>
-          <a:off x="1454150" y="1752600"/>
-          <a:ext cx="6883400" cy="4114800"/>
-        </p:xfrm>
-        <a:graphic>
-          <a:graphicData uri="http://schemas.openxmlformats.org/presentationml/2006/ole">
-            <mc:AlternateContent xmlns:mc="http://schemas.openxmlformats.org/markup-compatibility/2006">
-              <mc:Choice xmlns:v="urn:schemas-microsoft-com:vml" Requires="v">
-                <p:oleObj name="Grafico" r:id="rId3" imgW="0" imgH="0" progId="MSGraph.Chart.8">
-                  <p:embed followColorScheme="full"/>
-                </p:oleObj>
-              </mc:Choice>
-              <mc:Fallback>
-                <p:oleObj name="Grafico" r:id="rId3" imgW="0" imgH="0" progId="MSGraph.Chart.8">
-                  <p:embed followColorScheme="full"/>
-                  <p:pic>
-                    <p:nvPicPr>
-                      <p:cNvPr id="0" name="Object 21"/>
-                      <p:cNvPicPr>
-                        <a:picLocks noChangeAspect="1" noChangeArrowheads="1"/>
-                      </p:cNvPicPr>
-                      <p:nvPr/>
-                    </p:nvPicPr>
-                    <p:blipFill>
-                      <a:blip>
-                        <a:extLst>
-                          <a:ext uri="{28A0092B-C50C-407E-A947-70E740481C1C}">
-                            <a14:useLocalDpi xmlns:a14="http://schemas.microsoft.com/office/drawing/2010/main" val="0"/>
-                          </a:ext>
-                        </a:extLst>
-                      </a:blip>
-                      <a:srcRect/>
-                      <a:stretch>
-                        <a:fillRect/>
-                      </a:stretch>
-                    </p:blipFill>
-                    <p:spPr bwMode="auto">
-                      <a:xfrm>
-                        <a:off x="1454150" y="1752600"/>
-                        <a:ext cx="6883400" cy="4114800"/>
-                      </a:xfrm>
-                      <a:prstGeom prst="rect">
-                        <a:avLst/>
-                      </a:prstGeom>
-                      <a:noFill/>
-                      <a:ln>
-                        <a:noFill/>
-                      </a:ln>
-                      <a:extLst>
-                        <a:ext uri="{909E8E84-426E-40DD-AFC4-6F175D3DCCD1}">
-                          <a14:hiddenFill xmlns:a14="http://schemas.microsoft.com/office/drawing/2010/main">
-                            <a:solidFill>
-                              <a:schemeClr val="accent1"/>
-                            </a:solidFill>
-                          </a14:hiddenFill>
-                        </a:ext>
-                        <a:ext uri="{91240B29-F687-4F45-9708-019B960494DF}">
-                          <a14:hiddenLine xmlns:a14="http://schemas.microsoft.com/office/drawing/2010/main" w="9525">
-                            <a:solidFill>
-                              <a:schemeClr val="tx1"/>
-                            </a:solidFill>
-                            <a:miter lim="800000"/>
-                            <a:headEnd/>
-                            <a:tailEnd/>
-                          </a14:hiddenLine>
-                        </a:ext>
-                      </a:extLst>
-                    </p:spPr>
-                  </p:pic>
-                </p:oleObj>
-              </mc:Fallback>
-            </mc:AlternateContent>
-          </a:graphicData>
-        </a:graphic>
-      </p:graphicFrame>
-    </p:spTree>
-  </p:cSld>
-  <p:clrMapOvr>
-    <a:masterClrMapping/>
-  </p:clrMapOvr>
-</p:sld>
-</file>
-
-<file path=ppt/slides/slide17.xml><?xml version="1.0" encoding="utf-8"?>
-<p:sld xmlns:a="http://schemas.openxmlformats.org/drawingml/2006/main" xmlns:r="http://schemas.openxmlformats.org/officeDocument/2006/relationships" xmlns:p="http://schemas.openxmlformats.org/presentationml/2006/main">
-  <p:cSld>
-    <p:spTree>
-      <p:nvGrpSpPr>
-        <p:cNvPr id="1" name=""/>
-        <p:cNvGrpSpPr/>
-        <p:nvPr/>
-      </p:nvGrpSpPr>
-      <p:grpSpPr>
-        <a:xfrm>
-          <a:off x="0" y="0"/>
-          <a:ext cx="0" cy="0"/>
-          <a:chOff x="0" y="0"/>
-          <a:chExt cx="0" cy="0"/>
-        </a:xfrm>
-      </p:grpSpPr>
-      <p:sp>
-        <p:nvSpPr>
-          <p:cNvPr id="14338" name="Segnaposto data 3">
+          <p:cNvPicPr>
+            <a:picLocks noChangeAspect="1"/>
+          </p:cNvPicPr>
+          <p:nvPr/>
+        </p:nvPicPr>
+        <p:blipFill>
+          <a:blip r:embed="rId3">
             <a:extLst>
-              <a:ext uri="{FF2B5EF4-FFF2-40B4-BE49-F238E27FC236}">
-                <a16:creationId xmlns:a16="http://schemas.microsoft.com/office/drawing/2014/main" id="{471C327A-BD23-D744-E10E-A1E4E678B2DA}"/>
+              <a:ext uri="{28A0092B-C50C-407E-A947-70E740481C1C}">
+                <a14:useLocalDpi xmlns:a14="http://schemas.microsoft.com/office/drawing/2010/main" val="0"/>
               </a:ext>
             </a:extLst>
-          </p:cNvPr>
-          <p:cNvSpPr>
-            <a:spLocks noGrp="1"/>
-          </p:cNvSpPr>
-          <p:nvPr>
-            <p:ph type="dt" sz="quarter" idx="10"/>
-          </p:nvPr>
-        </p:nvSpPr>
+          </a:blip>
+          <a:stretch>
+            <a:fillRect/>
+          </a:stretch>
+        </p:blipFill>
         <p:spPr>
-          <a:noFill/>
-          <a:extLst>
-            <a:ext uri="{909E8E84-426E-40DD-AFC4-6F175D3DCCD1}">
-              <a14:hiddenFill xmlns:a14="http://schemas.microsoft.com/office/drawing/2010/main">
-                <a:solidFill>
-                  <a:schemeClr val="accent1"/>
-                </a:solidFill>
-              </a14:hiddenFill>
-            </a:ext>
-            <a:ext uri="{91240B29-F687-4F45-9708-019B960494DF}">
-              <a14:hiddenLine xmlns:a14="http://schemas.microsoft.com/office/drawing/2010/main" w="9525">
-                <a:solidFill>
-                  <a:schemeClr val="tx1"/>
-                </a:solidFill>
-                <a:miter lim="800000"/>
-                <a:headEnd/>
-                <a:tailEnd/>
-              </a14:hiddenLine>
-            </a:ext>
-          </a:extLst>
-        </p:spPr>
-        <p:txBody>
-          <a:bodyPr/>
-          <a:lstStyle>
-            <a:lvl1pPr>
-              <a:defRPr sz="900">
-                <a:solidFill>
-                  <a:schemeClr val="bg1"/>
-                </a:solidFill>
-                <a:latin typeface="Arial" panose="020B0604020202020204" pitchFamily="34" charset="0"/>
-                <a:ea typeface="ＭＳ Ｐゴシック" panose="020B0600070205080204" pitchFamily="34" charset="-128"/>
-              </a:defRPr>
-            </a:lvl1pPr>
-            <a:lvl2pPr marL="742950" indent="-285750">
-              <a:defRPr sz="900">
-                <a:solidFill>
-                  <a:schemeClr val="bg1"/>
-                </a:solidFill>
-                <a:latin typeface="Arial" panose="020B0604020202020204" pitchFamily="34" charset="0"/>
-                <a:ea typeface="ＭＳ Ｐゴシック" panose="020B0600070205080204" pitchFamily="34" charset="-128"/>
-              </a:defRPr>
-            </a:lvl2pPr>
-            <a:lvl3pPr marL="1143000" indent="-228600">
-              <a:defRPr sz="900">
-                <a:solidFill>
-                  <a:schemeClr val="bg1"/>
-                </a:solidFill>
-                <a:latin typeface="Arial" panose="020B0604020202020204" pitchFamily="34" charset="0"/>
-                <a:ea typeface="ＭＳ Ｐゴシック" panose="020B0600070205080204" pitchFamily="34" charset="-128"/>
-              </a:defRPr>
-            </a:lvl3pPr>
-            <a:lvl4pPr marL="1600200" indent="-228600">
-              <a:defRPr sz="900">
-                <a:solidFill>
-                  <a:schemeClr val="bg1"/>
-                </a:solidFill>
-                <a:latin typeface="Arial" panose="020B0604020202020204" pitchFamily="34" charset="0"/>
-                <a:ea typeface="ＭＳ Ｐゴシック" panose="020B0600070205080204" pitchFamily="34" charset="-128"/>
-              </a:defRPr>
-            </a:lvl4pPr>
-            <a:lvl5pPr marL="2057400" indent="-228600">
-              <a:defRPr sz="900">
-                <a:solidFill>
-                  <a:schemeClr val="bg1"/>
-                </a:solidFill>
-                <a:latin typeface="Arial" panose="020B0604020202020204" pitchFamily="34" charset="0"/>
-                <a:ea typeface="ＭＳ Ｐゴシック" panose="020B0600070205080204" pitchFamily="34" charset="-128"/>
-              </a:defRPr>
-            </a:lvl5pPr>
-            <a:lvl6pPr marL="2514600" indent="-228600" eaLnBrk="0" fontAlgn="base" hangingPunct="0">
-              <a:spcBef>
-                <a:spcPct val="0"/>
-              </a:spcBef>
-              <a:spcAft>
-                <a:spcPct val="0"/>
-              </a:spcAft>
-              <a:defRPr sz="900">
-                <a:solidFill>
-                  <a:schemeClr val="bg1"/>
-                </a:solidFill>
-                <a:latin typeface="Arial" panose="020B0604020202020204" pitchFamily="34" charset="0"/>
-                <a:ea typeface="ＭＳ Ｐゴシック" panose="020B0600070205080204" pitchFamily="34" charset="-128"/>
-              </a:defRPr>
-            </a:lvl6pPr>
-            <a:lvl7pPr marL="2971800" indent="-228600" eaLnBrk="0" fontAlgn="base" hangingPunct="0">
-              <a:spcBef>
-                <a:spcPct val="0"/>
-              </a:spcBef>
-              <a:spcAft>
-                <a:spcPct val="0"/>
-              </a:spcAft>
-              <a:defRPr sz="900">
-                <a:solidFill>
-                  <a:schemeClr val="bg1"/>
-                </a:solidFill>
-                <a:latin typeface="Arial" panose="020B0604020202020204" pitchFamily="34" charset="0"/>
-                <a:ea typeface="ＭＳ Ｐゴシック" panose="020B0600070205080204" pitchFamily="34" charset="-128"/>
-              </a:defRPr>
-            </a:lvl7pPr>
-            <a:lvl8pPr marL="3429000" indent="-228600" eaLnBrk="0" fontAlgn="base" hangingPunct="0">
-              <a:spcBef>
-                <a:spcPct val="0"/>
-              </a:spcBef>
-              <a:spcAft>
-                <a:spcPct val="0"/>
-              </a:spcAft>
-              <a:defRPr sz="900">
-                <a:solidFill>
-                  <a:schemeClr val="bg1"/>
-                </a:solidFill>
-                <a:latin typeface="Arial" panose="020B0604020202020204" pitchFamily="34" charset="0"/>
-                <a:ea typeface="ＭＳ Ｐゴシック" panose="020B0600070205080204" pitchFamily="34" charset="-128"/>
-              </a:defRPr>
-            </a:lvl8pPr>
-            <a:lvl9pPr marL="3886200" indent="-228600" eaLnBrk="0" fontAlgn="base" hangingPunct="0">
-              <a:spcBef>
-                <a:spcPct val="0"/>
-              </a:spcBef>
-              <a:spcAft>
-                <a:spcPct val="0"/>
-              </a:spcAft>
-              <a:defRPr sz="900">
-                <a:solidFill>
-                  <a:schemeClr val="bg1"/>
-                </a:solidFill>
-                <a:latin typeface="Arial" panose="020B0604020202020204" pitchFamily="34" charset="0"/>
-                <a:ea typeface="ＭＳ Ｐゴシック" panose="020B0600070205080204" pitchFamily="34" charset="-128"/>
-              </a:defRPr>
-            </a:lvl9pPr>
-          </a:lstStyle>
-          <a:p>
-            <a:fld id="{D645B0E0-DE25-48CD-8187-F3C7F6F409AE}" type="datetime1">
-              <a:rPr lang="it-IT" altLang="it-IT" sz="1100"/>
-              <a:pPr/>
-              <a:t>11/05/2023</a:t>
-            </a:fld>
-            <a:endParaRPr lang="it-IT" altLang="it-IT" sz="1100"/>
-          </a:p>
-        </p:txBody>
-      </p:sp>
-      <p:sp>
-        <p:nvSpPr>
-          <p:cNvPr id="14339" name="Segnaposto piè di pagina 4">
-            <a:extLst>
-              <a:ext uri="{FF2B5EF4-FFF2-40B4-BE49-F238E27FC236}">
-                <a16:creationId xmlns:a16="http://schemas.microsoft.com/office/drawing/2014/main" id="{8BE14CCF-87B9-3ABD-0A07-C6FD8F26EE3C}"/>
-              </a:ext>
-            </a:extLst>
-          </p:cNvPr>
-          <p:cNvSpPr>
-            <a:spLocks noGrp="1"/>
-          </p:cNvSpPr>
-          <p:nvPr>
-            <p:ph type="ftr" sz="quarter" idx="11"/>
-          </p:nvPr>
-        </p:nvSpPr>
-        <p:spPr>
-          <a:noFill/>
-          <a:extLst>
-            <a:ext uri="{909E8E84-426E-40DD-AFC4-6F175D3DCCD1}">
-              <a14:hiddenFill xmlns:a14="http://schemas.microsoft.com/office/drawing/2010/main">
-                <a:solidFill>
-                  <a:schemeClr val="accent1"/>
-                </a:solidFill>
-              </a14:hiddenFill>
-            </a:ext>
-            <a:ext uri="{91240B29-F687-4F45-9708-019B960494DF}">
-              <a14:hiddenLine xmlns:a14="http://schemas.microsoft.com/office/drawing/2010/main" w="9525">
-                <a:solidFill>
-                  <a:schemeClr val="tx1"/>
-                </a:solidFill>
-                <a:miter lim="800000"/>
-                <a:headEnd/>
-                <a:tailEnd/>
-              </a14:hiddenLine>
-            </a:ext>
-          </a:extLst>
-        </p:spPr>
-        <p:txBody>
-          <a:bodyPr/>
-          <a:lstStyle>
-            <a:lvl1pPr>
-              <a:defRPr sz="900">
-                <a:solidFill>
-                  <a:schemeClr val="bg1"/>
-                </a:solidFill>
-                <a:latin typeface="Arial" panose="020B0604020202020204" pitchFamily="34" charset="0"/>
-                <a:ea typeface="ＭＳ Ｐゴシック" panose="020B0600070205080204" pitchFamily="34" charset="-128"/>
-              </a:defRPr>
-            </a:lvl1pPr>
-            <a:lvl2pPr marL="742950" indent="-285750">
-              <a:defRPr sz="900">
-                <a:solidFill>
-                  <a:schemeClr val="bg1"/>
-                </a:solidFill>
-                <a:latin typeface="Arial" panose="020B0604020202020204" pitchFamily="34" charset="0"/>
-                <a:ea typeface="ＭＳ Ｐゴシック" panose="020B0600070205080204" pitchFamily="34" charset="-128"/>
-              </a:defRPr>
-            </a:lvl2pPr>
-            <a:lvl3pPr marL="1143000" indent="-228600">
-              <a:defRPr sz="900">
-                <a:solidFill>
-                  <a:schemeClr val="bg1"/>
-                </a:solidFill>
-                <a:latin typeface="Arial" panose="020B0604020202020204" pitchFamily="34" charset="0"/>
-                <a:ea typeface="ＭＳ Ｐゴシック" panose="020B0600070205080204" pitchFamily="34" charset="-128"/>
-              </a:defRPr>
-            </a:lvl3pPr>
-            <a:lvl4pPr marL="1600200" indent="-228600">
-              <a:defRPr sz="900">
-                <a:solidFill>
-                  <a:schemeClr val="bg1"/>
-                </a:solidFill>
-                <a:latin typeface="Arial" panose="020B0604020202020204" pitchFamily="34" charset="0"/>
-                <a:ea typeface="ＭＳ Ｐゴシック" panose="020B0600070205080204" pitchFamily="34" charset="-128"/>
-              </a:defRPr>
-            </a:lvl4pPr>
-            <a:lvl5pPr marL="2057400" indent="-228600">
-              <a:defRPr sz="900">
-                <a:solidFill>
-                  <a:schemeClr val="bg1"/>
-                </a:solidFill>
-                <a:latin typeface="Arial" panose="020B0604020202020204" pitchFamily="34" charset="0"/>
-                <a:ea typeface="ＭＳ Ｐゴシック" panose="020B0600070205080204" pitchFamily="34" charset="-128"/>
-              </a:defRPr>
-            </a:lvl5pPr>
-            <a:lvl6pPr marL="2514600" indent="-228600" eaLnBrk="0" fontAlgn="base" hangingPunct="0">
-              <a:spcBef>
-                <a:spcPct val="0"/>
-              </a:spcBef>
-              <a:spcAft>
-                <a:spcPct val="0"/>
-              </a:spcAft>
-              <a:defRPr sz="900">
-                <a:solidFill>
-                  <a:schemeClr val="bg1"/>
-                </a:solidFill>
-                <a:latin typeface="Arial" panose="020B0604020202020204" pitchFamily="34" charset="0"/>
-                <a:ea typeface="ＭＳ Ｐゴシック" panose="020B0600070205080204" pitchFamily="34" charset="-128"/>
-              </a:defRPr>
-            </a:lvl6pPr>
-            <a:lvl7pPr marL="2971800" indent="-228600" eaLnBrk="0" fontAlgn="base" hangingPunct="0">
-              <a:spcBef>
-                <a:spcPct val="0"/>
-              </a:spcBef>
-              <a:spcAft>
-                <a:spcPct val="0"/>
-              </a:spcAft>
-              <a:defRPr sz="900">
-                <a:solidFill>
-                  <a:schemeClr val="bg1"/>
-                </a:solidFill>
-                <a:latin typeface="Arial" panose="020B0604020202020204" pitchFamily="34" charset="0"/>
-                <a:ea typeface="ＭＳ Ｐゴシック" panose="020B0600070205080204" pitchFamily="34" charset="-128"/>
-              </a:defRPr>
-            </a:lvl7pPr>
-            <a:lvl8pPr marL="3429000" indent="-228600" eaLnBrk="0" fontAlgn="base" hangingPunct="0">
-              <a:spcBef>
-                <a:spcPct val="0"/>
-              </a:spcBef>
-              <a:spcAft>
-                <a:spcPct val="0"/>
-              </a:spcAft>
-              <a:defRPr sz="900">
-                <a:solidFill>
-                  <a:schemeClr val="bg1"/>
-                </a:solidFill>
-                <a:latin typeface="Arial" panose="020B0604020202020204" pitchFamily="34" charset="0"/>
-                <a:ea typeface="ＭＳ Ｐゴシック" panose="020B0600070205080204" pitchFamily="34" charset="-128"/>
-              </a:defRPr>
-            </a:lvl8pPr>
-            <a:lvl9pPr marL="3886200" indent="-228600" eaLnBrk="0" fontAlgn="base" hangingPunct="0">
-              <a:spcBef>
-                <a:spcPct val="0"/>
-              </a:spcBef>
-              <a:spcAft>
-                <a:spcPct val="0"/>
-              </a:spcAft>
-              <a:defRPr sz="900">
-                <a:solidFill>
-                  <a:schemeClr val="bg1"/>
-                </a:solidFill>
-                <a:latin typeface="Arial" panose="020B0604020202020204" pitchFamily="34" charset="0"/>
-                <a:ea typeface="ＭＳ Ｐゴシック" panose="020B0600070205080204" pitchFamily="34" charset="-128"/>
-              </a:defRPr>
-            </a:lvl9pPr>
-          </a:lstStyle>
-          <a:p>
-            <a:r>
-              <a:rPr lang="it-IT" altLang="it-IT" sz="1100"/>
-              <a:t>nnAttention U-net for Brain Tumor Segmentation</a:t>
-            </a:r>
-          </a:p>
-        </p:txBody>
-      </p:sp>
-      <p:sp>
-        <p:nvSpPr>
-          <p:cNvPr id="14340" name="Segnaposto numero diapositiva 5">
-            <a:extLst>
-              <a:ext uri="{FF2B5EF4-FFF2-40B4-BE49-F238E27FC236}">
-                <a16:creationId xmlns:a16="http://schemas.microsoft.com/office/drawing/2014/main" id="{0F821F54-DC69-A15C-5849-2E6F0FB65B77}"/>
-              </a:ext>
-            </a:extLst>
-          </p:cNvPr>
-          <p:cNvSpPr>
-            <a:spLocks noGrp="1"/>
-          </p:cNvSpPr>
-          <p:nvPr>
-            <p:ph type="sldNum" sz="quarter" idx="12"/>
-          </p:nvPr>
-        </p:nvSpPr>
-        <p:spPr>
-          <a:noFill/>
-          <a:extLst>
-            <a:ext uri="{909E8E84-426E-40DD-AFC4-6F175D3DCCD1}">
-              <a14:hiddenFill xmlns:a14="http://schemas.microsoft.com/office/drawing/2010/main">
-                <a:solidFill>
-                  <a:schemeClr val="accent1"/>
-                </a:solidFill>
-              </a14:hiddenFill>
-            </a:ext>
-            <a:ext uri="{91240B29-F687-4F45-9708-019B960494DF}">
-              <a14:hiddenLine xmlns:a14="http://schemas.microsoft.com/office/drawing/2010/main" w="9525">
-                <a:solidFill>
-                  <a:schemeClr val="tx1"/>
-                </a:solidFill>
-                <a:miter lim="800000"/>
-                <a:headEnd/>
-                <a:tailEnd/>
-              </a14:hiddenLine>
-            </a:ext>
-          </a:extLst>
-        </p:spPr>
-        <p:txBody>
-          <a:bodyPr/>
-          <a:lstStyle>
-            <a:lvl1pPr>
-              <a:defRPr sz="900">
-                <a:solidFill>
-                  <a:schemeClr val="bg1"/>
-                </a:solidFill>
-                <a:latin typeface="Arial" panose="020B0604020202020204" pitchFamily="34" charset="0"/>
-                <a:ea typeface="ＭＳ Ｐゴシック" panose="020B0600070205080204" pitchFamily="34" charset="-128"/>
-              </a:defRPr>
-            </a:lvl1pPr>
-            <a:lvl2pPr marL="742950" indent="-285750">
-              <a:defRPr sz="900">
-                <a:solidFill>
-                  <a:schemeClr val="bg1"/>
-                </a:solidFill>
-                <a:latin typeface="Arial" panose="020B0604020202020204" pitchFamily="34" charset="0"/>
-                <a:ea typeface="ＭＳ Ｐゴシック" panose="020B0600070205080204" pitchFamily="34" charset="-128"/>
-              </a:defRPr>
-            </a:lvl2pPr>
-            <a:lvl3pPr marL="1143000" indent="-228600">
-              <a:defRPr sz="900">
-                <a:solidFill>
-                  <a:schemeClr val="bg1"/>
-                </a:solidFill>
-                <a:latin typeface="Arial" panose="020B0604020202020204" pitchFamily="34" charset="0"/>
-                <a:ea typeface="ＭＳ Ｐゴシック" panose="020B0600070205080204" pitchFamily="34" charset="-128"/>
-              </a:defRPr>
-            </a:lvl3pPr>
-            <a:lvl4pPr marL="1600200" indent="-228600">
-              <a:defRPr sz="900">
-                <a:solidFill>
-                  <a:schemeClr val="bg1"/>
-                </a:solidFill>
-                <a:latin typeface="Arial" panose="020B0604020202020204" pitchFamily="34" charset="0"/>
-                <a:ea typeface="ＭＳ Ｐゴシック" panose="020B0600070205080204" pitchFamily="34" charset="-128"/>
-              </a:defRPr>
-            </a:lvl4pPr>
-            <a:lvl5pPr marL="2057400" indent="-228600">
-              <a:defRPr sz="900">
-                <a:solidFill>
-                  <a:schemeClr val="bg1"/>
-                </a:solidFill>
-                <a:latin typeface="Arial" panose="020B0604020202020204" pitchFamily="34" charset="0"/>
-                <a:ea typeface="ＭＳ Ｐゴシック" panose="020B0600070205080204" pitchFamily="34" charset="-128"/>
-              </a:defRPr>
-            </a:lvl5pPr>
-            <a:lvl6pPr marL="2514600" indent="-228600" eaLnBrk="0" fontAlgn="base" hangingPunct="0">
-              <a:spcBef>
-                <a:spcPct val="0"/>
-              </a:spcBef>
-              <a:spcAft>
-                <a:spcPct val="0"/>
-              </a:spcAft>
-              <a:defRPr sz="900">
-                <a:solidFill>
-                  <a:schemeClr val="bg1"/>
-                </a:solidFill>
-                <a:latin typeface="Arial" panose="020B0604020202020204" pitchFamily="34" charset="0"/>
-                <a:ea typeface="ＭＳ Ｐゴシック" panose="020B0600070205080204" pitchFamily="34" charset="-128"/>
-              </a:defRPr>
-            </a:lvl6pPr>
-            <a:lvl7pPr marL="2971800" indent="-228600" eaLnBrk="0" fontAlgn="base" hangingPunct="0">
-              <a:spcBef>
-                <a:spcPct val="0"/>
-              </a:spcBef>
-              <a:spcAft>
-                <a:spcPct val="0"/>
-              </a:spcAft>
-              <a:defRPr sz="900">
-                <a:solidFill>
-                  <a:schemeClr val="bg1"/>
-                </a:solidFill>
-                <a:latin typeface="Arial" panose="020B0604020202020204" pitchFamily="34" charset="0"/>
-                <a:ea typeface="ＭＳ Ｐゴシック" panose="020B0600070205080204" pitchFamily="34" charset="-128"/>
-              </a:defRPr>
-            </a:lvl7pPr>
-            <a:lvl8pPr marL="3429000" indent="-228600" eaLnBrk="0" fontAlgn="base" hangingPunct="0">
-              <a:spcBef>
-                <a:spcPct val="0"/>
-              </a:spcBef>
-              <a:spcAft>
-                <a:spcPct val="0"/>
-              </a:spcAft>
-              <a:defRPr sz="900">
-                <a:solidFill>
-                  <a:schemeClr val="bg1"/>
-                </a:solidFill>
-                <a:latin typeface="Arial" panose="020B0604020202020204" pitchFamily="34" charset="0"/>
-                <a:ea typeface="ＭＳ Ｐゴシック" panose="020B0600070205080204" pitchFamily="34" charset="-128"/>
-              </a:defRPr>
-            </a:lvl8pPr>
-            <a:lvl9pPr marL="3886200" indent="-228600" eaLnBrk="0" fontAlgn="base" hangingPunct="0">
-              <a:spcBef>
-                <a:spcPct val="0"/>
-              </a:spcBef>
-              <a:spcAft>
-                <a:spcPct val="0"/>
-              </a:spcAft>
-              <a:defRPr sz="900">
-                <a:solidFill>
-                  <a:schemeClr val="bg1"/>
-                </a:solidFill>
-                <a:latin typeface="Arial" panose="020B0604020202020204" pitchFamily="34" charset="0"/>
-                <a:ea typeface="ＭＳ Ｐゴシック" panose="020B0600070205080204" pitchFamily="34" charset="-128"/>
-              </a:defRPr>
-            </a:lvl9pPr>
-          </a:lstStyle>
-          <a:p>
-            <a:r>
-              <a:rPr lang="it-IT" altLang="it-IT" sz="1100"/>
-              <a:t>Pagina </a:t>
-            </a:r>
-            <a:fld id="{717FA07C-BCBD-448F-BB50-F71173744B9E}" type="slidenum">
-              <a:rPr lang="it-IT" altLang="it-IT" sz="1100" smtClean="0"/>
-              <a:pPr/>
-              <a:t>17</a:t>
-            </a:fld>
-            <a:endParaRPr lang="it-IT" altLang="it-IT" sz="1100"/>
-          </a:p>
-        </p:txBody>
-      </p:sp>
-      <p:sp>
-        <p:nvSpPr>
-          <p:cNvPr id="14341" name="Rectangle 2">
-            <a:extLst>
-              <a:ext uri="{FF2B5EF4-FFF2-40B4-BE49-F238E27FC236}">
-                <a16:creationId xmlns:a16="http://schemas.microsoft.com/office/drawing/2014/main" id="{17BE5AF4-6E25-1FFD-E870-0C98FCFF32BF}"/>
-              </a:ext>
-            </a:extLst>
-          </p:cNvPr>
-          <p:cNvSpPr>
-            <a:spLocks noGrp="1" noChangeArrowheads="1"/>
-          </p:cNvSpPr>
-          <p:nvPr>
-            <p:ph type="title"/>
-          </p:nvPr>
-        </p:nvSpPr>
-        <p:spPr/>
-        <p:txBody>
-          <a:bodyPr/>
-          <a:lstStyle/>
-          <a:p>
-            <a:pPr eaLnBrk="1" hangingPunct="1"/>
-            <a:r>
-              <a:rPr lang="it-IT" altLang="it-IT"/>
-              <a:t>Review</a:t>
-            </a:r>
-          </a:p>
-        </p:txBody>
-      </p:sp>
-      <p:sp>
-        <p:nvSpPr>
-          <p:cNvPr id="14342" name="Text Box 5">
-            <a:extLst>
-              <a:ext uri="{FF2B5EF4-FFF2-40B4-BE49-F238E27FC236}">
-                <a16:creationId xmlns:a16="http://schemas.microsoft.com/office/drawing/2014/main" id="{AC4A8204-7080-943B-0EB0-4CACC43ACE1C}"/>
-              </a:ext>
-            </a:extLst>
-          </p:cNvPr>
-          <p:cNvSpPr txBox="1">
-            <a:spLocks noChangeArrowheads="1"/>
-          </p:cNvSpPr>
-          <p:nvPr/>
-        </p:nvSpPr>
-        <p:spPr bwMode="auto">
           <a:xfrm>
-            <a:off x="1116013" y="776288"/>
-            <a:ext cx="7404100" cy="427037"/>
+            <a:off x="253599" y="1444625"/>
+            <a:ext cx="8636801" cy="4537054"/>
           </a:xfrm>
           <a:prstGeom prst="rect">
             <a:avLst/>
           </a:prstGeom>
-          <a:noFill/>
-          <a:ln>
-            <a:noFill/>
-          </a:ln>
-          <a:effectLst/>
-          <a:extLst>
-            <a:ext uri="{909E8E84-426E-40DD-AFC4-6F175D3DCCD1}">
-              <a14:hiddenFill xmlns:a14="http://schemas.microsoft.com/office/drawing/2010/main">
-                <a:solidFill>
-                  <a:schemeClr val="accent1"/>
-                </a:solidFill>
-              </a14:hiddenFill>
-            </a:ext>
-            <a:ext uri="{91240B29-F687-4F45-9708-019B960494DF}">
-              <a14:hiddenLine xmlns:a14="http://schemas.microsoft.com/office/drawing/2010/main" w="9525">
-                <a:solidFill>
-                  <a:schemeClr val="tx1"/>
-                </a:solidFill>
-                <a:miter lim="800000"/>
-                <a:headEnd/>
-                <a:tailEnd/>
-              </a14:hiddenLine>
-            </a:ext>
-            <a:ext uri="{AF507438-7753-43E0-B8FC-AC1667EBCBE1}">
-              <a14:hiddenEffects xmlns:a14="http://schemas.microsoft.com/office/drawing/2010/main">
-                <a:effectLst>
-                  <a:outerShdw dist="35921" dir="2700000" algn="ctr" rotWithShape="0">
-                    <a:srgbClr val="808080"/>
-                  </a:outerShdw>
-                </a:effectLst>
-              </a14:hiddenEffects>
-            </a:ext>
-          </a:extLst>
         </p:spPr>
-        <p:txBody>
-          <a:bodyPr>
-            <a:spAutoFit/>
-          </a:bodyPr>
-          <a:lstStyle>
-            <a:lvl1pPr>
-              <a:defRPr sz="900">
-                <a:solidFill>
-                  <a:schemeClr val="bg1"/>
-                </a:solidFill>
-                <a:latin typeface="Arial" panose="020B0604020202020204" pitchFamily="34" charset="0"/>
-                <a:ea typeface="ＭＳ Ｐゴシック" panose="020B0600070205080204" pitchFamily="34" charset="-128"/>
-              </a:defRPr>
-            </a:lvl1pPr>
-            <a:lvl2pPr marL="742950" indent="-285750">
-              <a:defRPr sz="900">
-                <a:solidFill>
-                  <a:schemeClr val="bg1"/>
-                </a:solidFill>
-                <a:latin typeface="Arial" panose="020B0604020202020204" pitchFamily="34" charset="0"/>
-                <a:ea typeface="ＭＳ Ｐゴシック" panose="020B0600070205080204" pitchFamily="34" charset="-128"/>
-              </a:defRPr>
-            </a:lvl2pPr>
-            <a:lvl3pPr marL="1143000" indent="-228600">
-              <a:defRPr sz="900">
-                <a:solidFill>
-                  <a:schemeClr val="bg1"/>
-                </a:solidFill>
-                <a:latin typeface="Arial" panose="020B0604020202020204" pitchFamily="34" charset="0"/>
-                <a:ea typeface="ＭＳ Ｐゴシック" panose="020B0600070205080204" pitchFamily="34" charset="-128"/>
-              </a:defRPr>
-            </a:lvl3pPr>
-            <a:lvl4pPr marL="1600200" indent="-228600">
-              <a:defRPr sz="900">
-                <a:solidFill>
-                  <a:schemeClr val="bg1"/>
-                </a:solidFill>
-                <a:latin typeface="Arial" panose="020B0604020202020204" pitchFamily="34" charset="0"/>
-                <a:ea typeface="ＭＳ Ｐゴシック" panose="020B0600070205080204" pitchFamily="34" charset="-128"/>
-              </a:defRPr>
-            </a:lvl4pPr>
-            <a:lvl5pPr marL="2057400" indent="-228600">
-              <a:defRPr sz="900">
-                <a:solidFill>
-                  <a:schemeClr val="bg1"/>
-                </a:solidFill>
-                <a:latin typeface="Arial" panose="020B0604020202020204" pitchFamily="34" charset="0"/>
-                <a:ea typeface="ＭＳ Ｐゴシック" panose="020B0600070205080204" pitchFamily="34" charset="-128"/>
-              </a:defRPr>
-            </a:lvl5pPr>
-            <a:lvl6pPr marL="2514600" indent="-228600" eaLnBrk="0" fontAlgn="base" hangingPunct="0">
-              <a:spcBef>
-                <a:spcPct val="0"/>
-              </a:spcBef>
-              <a:spcAft>
-                <a:spcPct val="0"/>
-              </a:spcAft>
-              <a:defRPr sz="900">
-                <a:solidFill>
-                  <a:schemeClr val="bg1"/>
-                </a:solidFill>
-                <a:latin typeface="Arial" panose="020B0604020202020204" pitchFamily="34" charset="0"/>
-                <a:ea typeface="ＭＳ Ｐゴシック" panose="020B0600070205080204" pitchFamily="34" charset="-128"/>
-              </a:defRPr>
-            </a:lvl6pPr>
-            <a:lvl7pPr marL="2971800" indent="-228600" eaLnBrk="0" fontAlgn="base" hangingPunct="0">
-              <a:spcBef>
-                <a:spcPct val="0"/>
-              </a:spcBef>
-              <a:spcAft>
-                <a:spcPct val="0"/>
-              </a:spcAft>
-              <a:defRPr sz="900">
-                <a:solidFill>
-                  <a:schemeClr val="bg1"/>
-                </a:solidFill>
-                <a:latin typeface="Arial" panose="020B0604020202020204" pitchFamily="34" charset="0"/>
-                <a:ea typeface="ＭＳ Ｐゴシック" panose="020B0600070205080204" pitchFamily="34" charset="-128"/>
-              </a:defRPr>
-            </a:lvl7pPr>
-            <a:lvl8pPr marL="3429000" indent="-228600" eaLnBrk="0" fontAlgn="base" hangingPunct="0">
-              <a:spcBef>
-                <a:spcPct val="0"/>
-              </a:spcBef>
-              <a:spcAft>
-                <a:spcPct val="0"/>
-              </a:spcAft>
-              <a:defRPr sz="900">
-                <a:solidFill>
-                  <a:schemeClr val="bg1"/>
-                </a:solidFill>
-                <a:latin typeface="Arial" panose="020B0604020202020204" pitchFamily="34" charset="0"/>
-                <a:ea typeface="ＭＳ Ｐゴシック" panose="020B0600070205080204" pitchFamily="34" charset="-128"/>
-              </a:defRPr>
-            </a:lvl8pPr>
-            <a:lvl9pPr marL="3886200" indent="-228600" eaLnBrk="0" fontAlgn="base" hangingPunct="0">
-              <a:spcBef>
-                <a:spcPct val="0"/>
-              </a:spcBef>
-              <a:spcAft>
-                <a:spcPct val="0"/>
-              </a:spcAft>
-              <a:defRPr sz="900">
-                <a:solidFill>
-                  <a:schemeClr val="bg1"/>
-                </a:solidFill>
-                <a:latin typeface="Arial" panose="020B0604020202020204" pitchFamily="34" charset="0"/>
-                <a:ea typeface="ＭＳ Ｐゴシック" panose="020B0600070205080204" pitchFamily="34" charset="-128"/>
-              </a:defRPr>
-            </a:lvl9pPr>
-          </a:lstStyle>
-          <a:p>
-            <a:pPr>
-              <a:spcBef>
-                <a:spcPct val="50000"/>
-              </a:spcBef>
-            </a:pPr>
-            <a:r>
-              <a:rPr lang="it-IT" altLang="it-IT" sz="2200">
-                <a:solidFill>
-                  <a:srgbClr val="000000"/>
-                </a:solidFill>
-              </a:rPr>
-              <a:t>Selezionare per scrivere o eliminare il sottotitolo</a:t>
-            </a:r>
-            <a:endParaRPr lang="it-IT" altLang="it-IT" sz="2200">
-              <a:solidFill>
-                <a:schemeClr val="tx1"/>
-              </a:solidFill>
-            </a:endParaRPr>
-          </a:p>
-        </p:txBody>
-      </p:sp>
+      </p:pic>
     </p:spTree>
-  </p:cSld>
-  <p:clrMapOvr>
-    <a:masterClrMapping/>
-  </p:clrMapOvr>
-</p:sld>
-</file>
-
-<file path=ppt/slides/slide18.xml><?xml version="1.0" encoding="utf-8"?>
-<p:sld xmlns:a="http://schemas.openxmlformats.org/drawingml/2006/main" xmlns:r="http://schemas.openxmlformats.org/officeDocument/2006/relationships" xmlns:p="http://schemas.openxmlformats.org/presentationml/2006/main">
-  <p:cSld>
-    <p:spTree>
-      <p:nvGrpSpPr>
-        <p:cNvPr id="1" name=""/>
-        <p:cNvGrpSpPr/>
-        <p:nvPr/>
-      </p:nvGrpSpPr>
-      <p:grpSpPr>
-        <a:xfrm>
-          <a:off x="0" y="0"/>
-          <a:ext cx="0" cy="0"/>
-          <a:chOff x="0" y="0"/>
-          <a:chExt cx="0" cy="0"/>
-        </a:xfrm>
-      </p:grpSpPr>
-      <p:sp>
-        <p:nvSpPr>
-          <p:cNvPr id="15362" name="Titolo 1">
-            <a:extLst>
-              <a:ext uri="{FF2B5EF4-FFF2-40B4-BE49-F238E27FC236}">
-                <a16:creationId xmlns:a16="http://schemas.microsoft.com/office/drawing/2014/main" id="{F89A1DC9-32AC-0408-A5DC-3C63A8911115}"/>
-              </a:ext>
-            </a:extLst>
-          </p:cNvPr>
-          <p:cNvSpPr>
-            <a:spLocks noGrp="1" noChangeArrowheads="1"/>
-          </p:cNvSpPr>
-          <p:nvPr>
-            <p:ph type="title"/>
-          </p:nvPr>
-        </p:nvSpPr>
-        <p:spPr/>
-        <p:txBody>
-          <a:bodyPr/>
-          <a:lstStyle/>
-          <a:p>
-            <a:pPr eaLnBrk="1" hangingPunct="1"/>
-            <a:r>
-              <a:rPr lang="it-IT" altLang="it-IT"/>
-              <a:t>Thanks for the Attention</a:t>
-            </a:r>
-          </a:p>
-        </p:txBody>
-      </p:sp>
-      <p:sp>
-        <p:nvSpPr>
-          <p:cNvPr id="15363" name="Segnaposto data 3">
-            <a:extLst>
-              <a:ext uri="{FF2B5EF4-FFF2-40B4-BE49-F238E27FC236}">
-                <a16:creationId xmlns:a16="http://schemas.microsoft.com/office/drawing/2014/main" id="{22A169C9-90C6-47F1-AE7A-862A336BF201}"/>
-              </a:ext>
-            </a:extLst>
-          </p:cNvPr>
-          <p:cNvSpPr>
-            <a:spLocks noGrp="1"/>
-          </p:cNvSpPr>
-          <p:nvPr>
-            <p:ph type="dt" sz="quarter" idx="10"/>
-          </p:nvPr>
-        </p:nvSpPr>
-        <p:spPr>
-          <a:noFill/>
-          <a:extLst>
-            <a:ext uri="{909E8E84-426E-40DD-AFC4-6F175D3DCCD1}">
-              <a14:hiddenFill xmlns:a14="http://schemas.microsoft.com/office/drawing/2010/main">
-                <a:solidFill>
-                  <a:schemeClr val="accent1"/>
-                </a:solidFill>
-              </a14:hiddenFill>
-            </a:ext>
-            <a:ext uri="{91240B29-F687-4F45-9708-019B960494DF}">
-              <a14:hiddenLine xmlns:a14="http://schemas.microsoft.com/office/drawing/2010/main" w="9525">
-                <a:solidFill>
-                  <a:schemeClr val="tx1"/>
-                </a:solidFill>
-                <a:miter lim="800000"/>
-                <a:headEnd/>
-                <a:tailEnd/>
-              </a14:hiddenLine>
-            </a:ext>
-          </a:extLst>
-        </p:spPr>
-        <p:txBody>
-          <a:bodyPr/>
-          <a:lstStyle>
-            <a:lvl1pPr>
-              <a:defRPr sz="900">
-                <a:solidFill>
-                  <a:schemeClr val="bg1"/>
-                </a:solidFill>
-                <a:latin typeface="Arial" panose="020B0604020202020204" pitchFamily="34" charset="0"/>
-                <a:ea typeface="ＭＳ Ｐゴシック" panose="020B0600070205080204" pitchFamily="34" charset="-128"/>
-              </a:defRPr>
-            </a:lvl1pPr>
-            <a:lvl2pPr marL="742950" indent="-285750">
-              <a:defRPr sz="900">
-                <a:solidFill>
-                  <a:schemeClr val="bg1"/>
-                </a:solidFill>
-                <a:latin typeface="Arial" panose="020B0604020202020204" pitchFamily="34" charset="0"/>
-                <a:ea typeface="ＭＳ Ｐゴシック" panose="020B0600070205080204" pitchFamily="34" charset="-128"/>
-              </a:defRPr>
-            </a:lvl2pPr>
-            <a:lvl3pPr marL="1143000" indent="-228600">
-              <a:defRPr sz="900">
-                <a:solidFill>
-                  <a:schemeClr val="bg1"/>
-                </a:solidFill>
-                <a:latin typeface="Arial" panose="020B0604020202020204" pitchFamily="34" charset="0"/>
-                <a:ea typeface="ＭＳ Ｐゴシック" panose="020B0600070205080204" pitchFamily="34" charset="-128"/>
-              </a:defRPr>
-            </a:lvl3pPr>
-            <a:lvl4pPr marL="1600200" indent="-228600">
-              <a:defRPr sz="900">
-                <a:solidFill>
-                  <a:schemeClr val="bg1"/>
-                </a:solidFill>
-                <a:latin typeface="Arial" panose="020B0604020202020204" pitchFamily="34" charset="0"/>
-                <a:ea typeface="ＭＳ Ｐゴシック" panose="020B0600070205080204" pitchFamily="34" charset="-128"/>
-              </a:defRPr>
-            </a:lvl4pPr>
-            <a:lvl5pPr marL="2057400" indent="-228600">
-              <a:defRPr sz="900">
-                <a:solidFill>
-                  <a:schemeClr val="bg1"/>
-                </a:solidFill>
-                <a:latin typeface="Arial" panose="020B0604020202020204" pitchFamily="34" charset="0"/>
-                <a:ea typeface="ＭＳ Ｐゴシック" panose="020B0600070205080204" pitchFamily="34" charset="-128"/>
-              </a:defRPr>
-            </a:lvl5pPr>
-            <a:lvl6pPr marL="2514600" indent="-228600" eaLnBrk="0" fontAlgn="base" hangingPunct="0">
-              <a:spcBef>
-                <a:spcPct val="0"/>
-              </a:spcBef>
-              <a:spcAft>
-                <a:spcPct val="0"/>
-              </a:spcAft>
-              <a:defRPr sz="900">
-                <a:solidFill>
-                  <a:schemeClr val="bg1"/>
-                </a:solidFill>
-                <a:latin typeface="Arial" panose="020B0604020202020204" pitchFamily="34" charset="0"/>
-                <a:ea typeface="ＭＳ Ｐゴシック" panose="020B0600070205080204" pitchFamily="34" charset="-128"/>
-              </a:defRPr>
-            </a:lvl6pPr>
-            <a:lvl7pPr marL="2971800" indent="-228600" eaLnBrk="0" fontAlgn="base" hangingPunct="0">
-              <a:spcBef>
-                <a:spcPct val="0"/>
-              </a:spcBef>
-              <a:spcAft>
-                <a:spcPct val="0"/>
-              </a:spcAft>
-              <a:defRPr sz="900">
-                <a:solidFill>
-                  <a:schemeClr val="bg1"/>
-                </a:solidFill>
-                <a:latin typeface="Arial" panose="020B0604020202020204" pitchFamily="34" charset="0"/>
-                <a:ea typeface="ＭＳ Ｐゴシック" panose="020B0600070205080204" pitchFamily="34" charset="-128"/>
-              </a:defRPr>
-            </a:lvl7pPr>
-            <a:lvl8pPr marL="3429000" indent="-228600" eaLnBrk="0" fontAlgn="base" hangingPunct="0">
-              <a:spcBef>
-                <a:spcPct val="0"/>
-              </a:spcBef>
-              <a:spcAft>
-                <a:spcPct val="0"/>
-              </a:spcAft>
-              <a:defRPr sz="900">
-                <a:solidFill>
-                  <a:schemeClr val="bg1"/>
-                </a:solidFill>
-                <a:latin typeface="Arial" panose="020B0604020202020204" pitchFamily="34" charset="0"/>
-                <a:ea typeface="ＭＳ Ｐゴシック" panose="020B0600070205080204" pitchFamily="34" charset="-128"/>
-              </a:defRPr>
-            </a:lvl8pPr>
-            <a:lvl9pPr marL="3886200" indent="-228600" eaLnBrk="0" fontAlgn="base" hangingPunct="0">
-              <a:spcBef>
-                <a:spcPct val="0"/>
-              </a:spcBef>
-              <a:spcAft>
-                <a:spcPct val="0"/>
-              </a:spcAft>
-              <a:defRPr sz="900">
-                <a:solidFill>
-                  <a:schemeClr val="bg1"/>
-                </a:solidFill>
-                <a:latin typeface="Arial" panose="020B0604020202020204" pitchFamily="34" charset="0"/>
-                <a:ea typeface="ＭＳ Ｐゴシック" panose="020B0600070205080204" pitchFamily="34" charset="-128"/>
-              </a:defRPr>
-            </a:lvl9pPr>
-          </a:lstStyle>
-          <a:p>
-            <a:fld id="{1BA15356-ED8F-4F24-B378-AB8A159B9FFC}" type="datetime1">
-              <a:rPr lang="it-IT" altLang="it-IT" sz="1100"/>
-              <a:pPr/>
-              <a:t>11/05/2023</a:t>
-            </a:fld>
-            <a:endParaRPr lang="it-IT" altLang="it-IT" sz="1100"/>
-          </a:p>
-        </p:txBody>
-      </p:sp>
-      <p:sp>
-        <p:nvSpPr>
-          <p:cNvPr id="15364" name="Segnaposto piè di pagina 4">
-            <a:extLst>
-              <a:ext uri="{FF2B5EF4-FFF2-40B4-BE49-F238E27FC236}">
-                <a16:creationId xmlns:a16="http://schemas.microsoft.com/office/drawing/2014/main" id="{D799EBD2-833D-41BB-8144-AD90D72AD710}"/>
-              </a:ext>
-            </a:extLst>
-          </p:cNvPr>
-          <p:cNvSpPr>
-            <a:spLocks noGrp="1"/>
-          </p:cNvSpPr>
-          <p:nvPr>
-            <p:ph type="ftr" sz="quarter" idx="11"/>
-          </p:nvPr>
-        </p:nvSpPr>
-        <p:spPr>
-          <a:noFill/>
-          <a:extLst>
-            <a:ext uri="{909E8E84-426E-40DD-AFC4-6F175D3DCCD1}">
-              <a14:hiddenFill xmlns:a14="http://schemas.microsoft.com/office/drawing/2010/main">
-                <a:solidFill>
-                  <a:schemeClr val="accent1"/>
-                </a:solidFill>
-              </a14:hiddenFill>
-            </a:ext>
-            <a:ext uri="{91240B29-F687-4F45-9708-019B960494DF}">
-              <a14:hiddenLine xmlns:a14="http://schemas.microsoft.com/office/drawing/2010/main" w="9525">
-                <a:solidFill>
-                  <a:schemeClr val="tx1"/>
-                </a:solidFill>
-                <a:miter lim="800000"/>
-                <a:headEnd/>
-                <a:tailEnd/>
-              </a14:hiddenLine>
-            </a:ext>
-          </a:extLst>
-        </p:spPr>
-        <p:txBody>
-          <a:bodyPr/>
-          <a:lstStyle>
-            <a:lvl1pPr>
-              <a:defRPr sz="900">
-                <a:solidFill>
-                  <a:schemeClr val="bg1"/>
-                </a:solidFill>
-                <a:latin typeface="Arial" panose="020B0604020202020204" pitchFamily="34" charset="0"/>
-                <a:ea typeface="ＭＳ Ｐゴシック" panose="020B0600070205080204" pitchFamily="34" charset="-128"/>
-              </a:defRPr>
-            </a:lvl1pPr>
-            <a:lvl2pPr marL="742950" indent="-285750">
-              <a:defRPr sz="900">
-                <a:solidFill>
-                  <a:schemeClr val="bg1"/>
-                </a:solidFill>
-                <a:latin typeface="Arial" panose="020B0604020202020204" pitchFamily="34" charset="0"/>
-                <a:ea typeface="ＭＳ Ｐゴシック" panose="020B0600070205080204" pitchFamily="34" charset="-128"/>
-              </a:defRPr>
-            </a:lvl2pPr>
-            <a:lvl3pPr marL="1143000" indent="-228600">
-              <a:defRPr sz="900">
-                <a:solidFill>
-                  <a:schemeClr val="bg1"/>
-                </a:solidFill>
-                <a:latin typeface="Arial" panose="020B0604020202020204" pitchFamily="34" charset="0"/>
-                <a:ea typeface="ＭＳ Ｐゴシック" panose="020B0600070205080204" pitchFamily="34" charset="-128"/>
-              </a:defRPr>
-            </a:lvl3pPr>
-            <a:lvl4pPr marL="1600200" indent="-228600">
-              <a:defRPr sz="900">
-                <a:solidFill>
-                  <a:schemeClr val="bg1"/>
-                </a:solidFill>
-                <a:latin typeface="Arial" panose="020B0604020202020204" pitchFamily="34" charset="0"/>
-                <a:ea typeface="ＭＳ Ｐゴシック" panose="020B0600070205080204" pitchFamily="34" charset="-128"/>
-              </a:defRPr>
-            </a:lvl4pPr>
-            <a:lvl5pPr marL="2057400" indent="-228600">
-              <a:defRPr sz="900">
-                <a:solidFill>
-                  <a:schemeClr val="bg1"/>
-                </a:solidFill>
-                <a:latin typeface="Arial" panose="020B0604020202020204" pitchFamily="34" charset="0"/>
-                <a:ea typeface="ＭＳ Ｐゴシック" panose="020B0600070205080204" pitchFamily="34" charset="-128"/>
-              </a:defRPr>
-            </a:lvl5pPr>
-            <a:lvl6pPr marL="2514600" indent="-228600" eaLnBrk="0" fontAlgn="base" hangingPunct="0">
-              <a:spcBef>
-                <a:spcPct val="0"/>
-              </a:spcBef>
-              <a:spcAft>
-                <a:spcPct val="0"/>
-              </a:spcAft>
-              <a:defRPr sz="900">
-                <a:solidFill>
-                  <a:schemeClr val="bg1"/>
-                </a:solidFill>
-                <a:latin typeface="Arial" panose="020B0604020202020204" pitchFamily="34" charset="0"/>
-                <a:ea typeface="ＭＳ Ｐゴシック" panose="020B0600070205080204" pitchFamily="34" charset="-128"/>
-              </a:defRPr>
-            </a:lvl6pPr>
-            <a:lvl7pPr marL="2971800" indent="-228600" eaLnBrk="0" fontAlgn="base" hangingPunct="0">
-              <a:spcBef>
-                <a:spcPct val="0"/>
-              </a:spcBef>
-              <a:spcAft>
-                <a:spcPct val="0"/>
-              </a:spcAft>
-              <a:defRPr sz="900">
-                <a:solidFill>
-                  <a:schemeClr val="bg1"/>
-                </a:solidFill>
-                <a:latin typeface="Arial" panose="020B0604020202020204" pitchFamily="34" charset="0"/>
-                <a:ea typeface="ＭＳ Ｐゴシック" panose="020B0600070205080204" pitchFamily="34" charset="-128"/>
-              </a:defRPr>
-            </a:lvl7pPr>
-            <a:lvl8pPr marL="3429000" indent="-228600" eaLnBrk="0" fontAlgn="base" hangingPunct="0">
-              <a:spcBef>
-                <a:spcPct val="0"/>
-              </a:spcBef>
-              <a:spcAft>
-                <a:spcPct val="0"/>
-              </a:spcAft>
-              <a:defRPr sz="900">
-                <a:solidFill>
-                  <a:schemeClr val="bg1"/>
-                </a:solidFill>
-                <a:latin typeface="Arial" panose="020B0604020202020204" pitchFamily="34" charset="0"/>
-                <a:ea typeface="ＭＳ Ｐゴシック" panose="020B0600070205080204" pitchFamily="34" charset="-128"/>
-              </a:defRPr>
-            </a:lvl8pPr>
-            <a:lvl9pPr marL="3886200" indent="-228600" eaLnBrk="0" fontAlgn="base" hangingPunct="0">
-              <a:spcBef>
-                <a:spcPct val="0"/>
-              </a:spcBef>
-              <a:spcAft>
-                <a:spcPct val="0"/>
-              </a:spcAft>
-              <a:defRPr sz="900">
-                <a:solidFill>
-                  <a:schemeClr val="bg1"/>
-                </a:solidFill>
-                <a:latin typeface="Arial" panose="020B0604020202020204" pitchFamily="34" charset="0"/>
-                <a:ea typeface="ＭＳ Ｐゴシック" panose="020B0600070205080204" pitchFamily="34" charset="-128"/>
-              </a:defRPr>
-            </a:lvl9pPr>
-          </a:lstStyle>
-          <a:p>
-            <a:r>
-              <a:rPr lang="it-IT" altLang="it-IT" sz="1100"/>
-              <a:t>nnAttention U-net for Brain Tumor Segmentation</a:t>
-            </a:r>
-          </a:p>
-        </p:txBody>
-      </p:sp>
-      <p:sp>
-        <p:nvSpPr>
-          <p:cNvPr id="15365" name="Segnaposto numero diapositiva 5">
-            <a:extLst>
-              <a:ext uri="{FF2B5EF4-FFF2-40B4-BE49-F238E27FC236}">
-                <a16:creationId xmlns:a16="http://schemas.microsoft.com/office/drawing/2014/main" id="{F73CC722-6CE0-2F8E-E583-5B26C8443C55}"/>
-              </a:ext>
-            </a:extLst>
-          </p:cNvPr>
-          <p:cNvSpPr>
-            <a:spLocks noGrp="1"/>
-          </p:cNvSpPr>
-          <p:nvPr>
-            <p:ph type="sldNum" sz="quarter" idx="12"/>
-          </p:nvPr>
-        </p:nvSpPr>
-        <p:spPr>
-          <a:noFill/>
-          <a:extLst>
-            <a:ext uri="{909E8E84-426E-40DD-AFC4-6F175D3DCCD1}">
-              <a14:hiddenFill xmlns:a14="http://schemas.microsoft.com/office/drawing/2010/main">
-                <a:solidFill>
-                  <a:schemeClr val="accent1"/>
-                </a:solidFill>
-              </a14:hiddenFill>
-            </a:ext>
-            <a:ext uri="{91240B29-F687-4F45-9708-019B960494DF}">
-              <a14:hiddenLine xmlns:a14="http://schemas.microsoft.com/office/drawing/2010/main" w="9525">
-                <a:solidFill>
-                  <a:schemeClr val="tx1"/>
-                </a:solidFill>
-                <a:miter lim="800000"/>
-                <a:headEnd/>
-                <a:tailEnd/>
-              </a14:hiddenLine>
-            </a:ext>
-          </a:extLst>
-        </p:spPr>
-        <p:txBody>
-          <a:bodyPr/>
-          <a:lstStyle>
-            <a:lvl1pPr>
-              <a:defRPr sz="900">
-                <a:solidFill>
-                  <a:schemeClr val="bg1"/>
-                </a:solidFill>
-                <a:latin typeface="Arial" panose="020B0604020202020204" pitchFamily="34" charset="0"/>
-                <a:ea typeface="ＭＳ Ｐゴシック" panose="020B0600070205080204" pitchFamily="34" charset="-128"/>
-              </a:defRPr>
-            </a:lvl1pPr>
-            <a:lvl2pPr marL="742950" indent="-285750">
-              <a:defRPr sz="900">
-                <a:solidFill>
-                  <a:schemeClr val="bg1"/>
-                </a:solidFill>
-                <a:latin typeface="Arial" panose="020B0604020202020204" pitchFamily="34" charset="0"/>
-                <a:ea typeface="ＭＳ Ｐゴシック" panose="020B0600070205080204" pitchFamily="34" charset="-128"/>
-              </a:defRPr>
-            </a:lvl2pPr>
-            <a:lvl3pPr marL="1143000" indent="-228600">
-              <a:defRPr sz="900">
-                <a:solidFill>
-                  <a:schemeClr val="bg1"/>
-                </a:solidFill>
-                <a:latin typeface="Arial" panose="020B0604020202020204" pitchFamily="34" charset="0"/>
-                <a:ea typeface="ＭＳ Ｐゴシック" panose="020B0600070205080204" pitchFamily="34" charset="-128"/>
-              </a:defRPr>
-            </a:lvl3pPr>
-            <a:lvl4pPr marL="1600200" indent="-228600">
-              <a:defRPr sz="900">
-                <a:solidFill>
-                  <a:schemeClr val="bg1"/>
-                </a:solidFill>
-                <a:latin typeface="Arial" panose="020B0604020202020204" pitchFamily="34" charset="0"/>
-                <a:ea typeface="ＭＳ Ｐゴシック" panose="020B0600070205080204" pitchFamily="34" charset="-128"/>
-              </a:defRPr>
-            </a:lvl4pPr>
-            <a:lvl5pPr marL="2057400" indent="-228600">
-              <a:defRPr sz="900">
-                <a:solidFill>
-                  <a:schemeClr val="bg1"/>
-                </a:solidFill>
-                <a:latin typeface="Arial" panose="020B0604020202020204" pitchFamily="34" charset="0"/>
-                <a:ea typeface="ＭＳ Ｐゴシック" panose="020B0600070205080204" pitchFamily="34" charset="-128"/>
-              </a:defRPr>
-            </a:lvl5pPr>
-            <a:lvl6pPr marL="2514600" indent="-228600" eaLnBrk="0" fontAlgn="base" hangingPunct="0">
-              <a:spcBef>
-                <a:spcPct val="0"/>
-              </a:spcBef>
-              <a:spcAft>
-                <a:spcPct val="0"/>
-              </a:spcAft>
-              <a:defRPr sz="900">
-                <a:solidFill>
-                  <a:schemeClr val="bg1"/>
-                </a:solidFill>
-                <a:latin typeface="Arial" panose="020B0604020202020204" pitchFamily="34" charset="0"/>
-                <a:ea typeface="ＭＳ Ｐゴシック" panose="020B0600070205080204" pitchFamily="34" charset="-128"/>
-              </a:defRPr>
-            </a:lvl6pPr>
-            <a:lvl7pPr marL="2971800" indent="-228600" eaLnBrk="0" fontAlgn="base" hangingPunct="0">
-              <a:spcBef>
-                <a:spcPct val="0"/>
-              </a:spcBef>
-              <a:spcAft>
-                <a:spcPct val="0"/>
-              </a:spcAft>
-              <a:defRPr sz="900">
-                <a:solidFill>
-                  <a:schemeClr val="bg1"/>
-                </a:solidFill>
-                <a:latin typeface="Arial" panose="020B0604020202020204" pitchFamily="34" charset="0"/>
-                <a:ea typeface="ＭＳ Ｐゴシック" panose="020B0600070205080204" pitchFamily="34" charset="-128"/>
-              </a:defRPr>
-            </a:lvl7pPr>
-            <a:lvl8pPr marL="3429000" indent="-228600" eaLnBrk="0" fontAlgn="base" hangingPunct="0">
-              <a:spcBef>
-                <a:spcPct val="0"/>
-              </a:spcBef>
-              <a:spcAft>
-                <a:spcPct val="0"/>
-              </a:spcAft>
-              <a:defRPr sz="900">
-                <a:solidFill>
-                  <a:schemeClr val="bg1"/>
-                </a:solidFill>
-                <a:latin typeface="Arial" panose="020B0604020202020204" pitchFamily="34" charset="0"/>
-                <a:ea typeface="ＭＳ Ｐゴシック" panose="020B0600070205080204" pitchFamily="34" charset="-128"/>
-              </a:defRPr>
-            </a:lvl8pPr>
-            <a:lvl9pPr marL="3886200" indent="-228600" eaLnBrk="0" fontAlgn="base" hangingPunct="0">
-              <a:spcBef>
-                <a:spcPct val="0"/>
-              </a:spcBef>
-              <a:spcAft>
-                <a:spcPct val="0"/>
-              </a:spcAft>
-              <a:defRPr sz="900">
-                <a:solidFill>
-                  <a:schemeClr val="bg1"/>
-                </a:solidFill>
-                <a:latin typeface="Arial" panose="020B0604020202020204" pitchFamily="34" charset="0"/>
-                <a:ea typeface="ＭＳ Ｐゴシック" panose="020B0600070205080204" pitchFamily="34" charset="-128"/>
-              </a:defRPr>
-            </a:lvl9pPr>
-          </a:lstStyle>
-          <a:p>
-            <a:r>
-              <a:rPr lang="it-IT" altLang="it-IT" sz="1100"/>
-              <a:t>Pagina </a:t>
-            </a:r>
-            <a:fld id="{FF544ACD-400E-42E7-80A3-F35D04085BFA}" type="slidenum">
-              <a:rPr lang="it-IT" altLang="it-IT" sz="1100" smtClean="0"/>
-              <a:pPr/>
-              <a:t>18</a:t>
-            </a:fld>
-            <a:endParaRPr lang="it-IT" altLang="it-IT" sz="1100"/>
-          </a:p>
-        </p:txBody>
-      </p:sp>
-    </p:spTree>
+    <p:extLst>
+      <p:ext uri="{BB962C8B-B14F-4D97-AF65-F5344CB8AC3E}">
+        <p14:creationId xmlns:p14="http://schemas.microsoft.com/office/powerpoint/2010/main" val="2795121804"/>
+      </p:ext>
+    </p:extLst>
   </p:cSld>
   <p:clrMapOvr>
     <a:masterClrMapping/>
@@ -17112,7 +19019,7 @@
             <a:fld id="{F3EF1D73-FA2A-47D8-8A51-DA34ADCF152B}" type="datetime1">
               <a:rPr lang="it-IT" altLang="it-IT" sz="1100"/>
               <a:pPr/>
-              <a:t>11/05/2023</a:t>
+              <a:t>12/05/2023</a:t>
             </a:fld>
             <a:endParaRPr lang="it-IT" altLang="it-IT" sz="1100"/>
           </a:p>
@@ -17948,6 +19855,3746 @@
 </p:sld>
 </file>
 
+<file path=ppt/slides/slide20.xml><?xml version="1.0" encoding="utf-8"?>
+<p:sld xmlns:a="http://schemas.openxmlformats.org/drawingml/2006/main" xmlns:r="http://schemas.openxmlformats.org/officeDocument/2006/relationships" xmlns:p="http://schemas.openxmlformats.org/presentationml/2006/main">
+  <p:cSld>
+    <p:spTree>
+      <p:nvGrpSpPr>
+        <p:cNvPr id="1" name=""/>
+        <p:cNvGrpSpPr/>
+        <p:nvPr/>
+      </p:nvGrpSpPr>
+      <p:grpSpPr>
+        <a:xfrm>
+          <a:off x="0" y="0"/>
+          <a:ext cx="0" cy="0"/>
+          <a:chOff x="0" y="0"/>
+          <a:chExt cx="0" cy="0"/>
+        </a:xfrm>
+      </p:grpSpPr>
+      <p:sp>
+        <p:nvSpPr>
+          <p:cNvPr id="12290" name="Segnaposto data 3">
+            <a:extLst>
+              <a:ext uri="{FF2B5EF4-FFF2-40B4-BE49-F238E27FC236}">
+                <a16:creationId xmlns:a16="http://schemas.microsoft.com/office/drawing/2014/main" id="{E02C8F22-83E8-4B08-82C9-0C869E250850}"/>
+              </a:ext>
+            </a:extLst>
+          </p:cNvPr>
+          <p:cNvSpPr>
+            <a:spLocks noGrp="1"/>
+          </p:cNvSpPr>
+          <p:nvPr>
+            <p:ph type="dt" sz="quarter" idx="10"/>
+          </p:nvPr>
+        </p:nvSpPr>
+        <p:spPr>
+          <a:noFill/>
+          <a:extLst>
+            <a:ext uri="{909E8E84-426E-40DD-AFC4-6F175D3DCCD1}">
+              <a14:hiddenFill xmlns:a14="http://schemas.microsoft.com/office/drawing/2010/main">
+                <a:solidFill>
+                  <a:schemeClr val="accent1"/>
+                </a:solidFill>
+              </a14:hiddenFill>
+            </a:ext>
+            <a:ext uri="{91240B29-F687-4F45-9708-019B960494DF}">
+              <a14:hiddenLine xmlns:a14="http://schemas.microsoft.com/office/drawing/2010/main" w="9525">
+                <a:solidFill>
+                  <a:schemeClr val="tx1"/>
+                </a:solidFill>
+                <a:miter lim="800000"/>
+                <a:headEnd/>
+                <a:tailEnd/>
+              </a14:hiddenLine>
+            </a:ext>
+          </a:extLst>
+        </p:spPr>
+        <p:txBody>
+          <a:bodyPr/>
+          <a:lstStyle>
+            <a:lvl1pPr>
+              <a:defRPr sz="900">
+                <a:solidFill>
+                  <a:schemeClr val="bg1"/>
+                </a:solidFill>
+                <a:latin typeface="Arial" panose="020B0604020202020204" pitchFamily="34" charset="0"/>
+                <a:ea typeface="ＭＳ Ｐゴシック" panose="020B0600070205080204" pitchFamily="34" charset="-128"/>
+              </a:defRPr>
+            </a:lvl1pPr>
+            <a:lvl2pPr marL="742950" indent="-285750">
+              <a:defRPr sz="900">
+                <a:solidFill>
+                  <a:schemeClr val="bg1"/>
+                </a:solidFill>
+                <a:latin typeface="Arial" panose="020B0604020202020204" pitchFamily="34" charset="0"/>
+                <a:ea typeface="ＭＳ Ｐゴシック" panose="020B0600070205080204" pitchFamily="34" charset="-128"/>
+              </a:defRPr>
+            </a:lvl2pPr>
+            <a:lvl3pPr marL="1143000" indent="-228600">
+              <a:defRPr sz="900">
+                <a:solidFill>
+                  <a:schemeClr val="bg1"/>
+                </a:solidFill>
+                <a:latin typeface="Arial" panose="020B0604020202020204" pitchFamily="34" charset="0"/>
+                <a:ea typeface="ＭＳ Ｐゴシック" panose="020B0600070205080204" pitchFamily="34" charset="-128"/>
+              </a:defRPr>
+            </a:lvl3pPr>
+            <a:lvl4pPr marL="1600200" indent="-228600">
+              <a:defRPr sz="900">
+                <a:solidFill>
+                  <a:schemeClr val="bg1"/>
+                </a:solidFill>
+                <a:latin typeface="Arial" panose="020B0604020202020204" pitchFamily="34" charset="0"/>
+                <a:ea typeface="ＭＳ Ｐゴシック" panose="020B0600070205080204" pitchFamily="34" charset="-128"/>
+              </a:defRPr>
+            </a:lvl4pPr>
+            <a:lvl5pPr marL="2057400" indent="-228600">
+              <a:defRPr sz="900">
+                <a:solidFill>
+                  <a:schemeClr val="bg1"/>
+                </a:solidFill>
+                <a:latin typeface="Arial" panose="020B0604020202020204" pitchFamily="34" charset="0"/>
+                <a:ea typeface="ＭＳ Ｐゴシック" panose="020B0600070205080204" pitchFamily="34" charset="-128"/>
+              </a:defRPr>
+            </a:lvl5pPr>
+            <a:lvl6pPr marL="2514600" indent="-228600" eaLnBrk="0" fontAlgn="base" hangingPunct="0">
+              <a:spcBef>
+                <a:spcPct val="0"/>
+              </a:spcBef>
+              <a:spcAft>
+                <a:spcPct val="0"/>
+              </a:spcAft>
+              <a:defRPr sz="900">
+                <a:solidFill>
+                  <a:schemeClr val="bg1"/>
+                </a:solidFill>
+                <a:latin typeface="Arial" panose="020B0604020202020204" pitchFamily="34" charset="0"/>
+                <a:ea typeface="ＭＳ Ｐゴシック" panose="020B0600070205080204" pitchFamily="34" charset="-128"/>
+              </a:defRPr>
+            </a:lvl6pPr>
+            <a:lvl7pPr marL="2971800" indent="-228600" eaLnBrk="0" fontAlgn="base" hangingPunct="0">
+              <a:spcBef>
+                <a:spcPct val="0"/>
+              </a:spcBef>
+              <a:spcAft>
+                <a:spcPct val="0"/>
+              </a:spcAft>
+              <a:defRPr sz="900">
+                <a:solidFill>
+                  <a:schemeClr val="bg1"/>
+                </a:solidFill>
+                <a:latin typeface="Arial" panose="020B0604020202020204" pitchFamily="34" charset="0"/>
+                <a:ea typeface="ＭＳ Ｐゴシック" panose="020B0600070205080204" pitchFamily="34" charset="-128"/>
+              </a:defRPr>
+            </a:lvl7pPr>
+            <a:lvl8pPr marL="3429000" indent="-228600" eaLnBrk="0" fontAlgn="base" hangingPunct="0">
+              <a:spcBef>
+                <a:spcPct val="0"/>
+              </a:spcBef>
+              <a:spcAft>
+                <a:spcPct val="0"/>
+              </a:spcAft>
+              <a:defRPr sz="900">
+                <a:solidFill>
+                  <a:schemeClr val="bg1"/>
+                </a:solidFill>
+                <a:latin typeface="Arial" panose="020B0604020202020204" pitchFamily="34" charset="0"/>
+                <a:ea typeface="ＭＳ Ｐゴシック" panose="020B0600070205080204" pitchFamily="34" charset="-128"/>
+              </a:defRPr>
+            </a:lvl8pPr>
+            <a:lvl9pPr marL="3886200" indent="-228600" eaLnBrk="0" fontAlgn="base" hangingPunct="0">
+              <a:spcBef>
+                <a:spcPct val="0"/>
+              </a:spcBef>
+              <a:spcAft>
+                <a:spcPct val="0"/>
+              </a:spcAft>
+              <a:defRPr sz="900">
+                <a:solidFill>
+                  <a:schemeClr val="bg1"/>
+                </a:solidFill>
+                <a:latin typeface="Arial" panose="020B0604020202020204" pitchFamily="34" charset="0"/>
+                <a:ea typeface="ＭＳ Ｐゴシック" panose="020B0600070205080204" pitchFamily="34" charset="-128"/>
+              </a:defRPr>
+            </a:lvl9pPr>
+          </a:lstStyle>
+          <a:p>
+            <a:fld id="{0F7C379C-86A5-4DFA-9CF6-E11CBC122C51}" type="datetime1">
+              <a:rPr lang="it-IT" altLang="it-IT" sz="1100"/>
+              <a:pPr/>
+              <a:t>12/05/2023</a:t>
+            </a:fld>
+            <a:endParaRPr lang="it-IT" altLang="it-IT" sz="1100"/>
+          </a:p>
+        </p:txBody>
+      </p:sp>
+      <p:sp>
+        <p:nvSpPr>
+          <p:cNvPr id="12291" name="Segnaposto piè di pagina 4">
+            <a:extLst>
+              <a:ext uri="{FF2B5EF4-FFF2-40B4-BE49-F238E27FC236}">
+                <a16:creationId xmlns:a16="http://schemas.microsoft.com/office/drawing/2014/main" id="{F88D0E47-4290-0A2B-CE09-425D20CB2614}"/>
+              </a:ext>
+            </a:extLst>
+          </p:cNvPr>
+          <p:cNvSpPr>
+            <a:spLocks noGrp="1"/>
+          </p:cNvSpPr>
+          <p:nvPr>
+            <p:ph type="ftr" sz="quarter" idx="11"/>
+          </p:nvPr>
+        </p:nvSpPr>
+        <p:spPr>
+          <a:noFill/>
+          <a:extLst>
+            <a:ext uri="{909E8E84-426E-40DD-AFC4-6F175D3DCCD1}">
+              <a14:hiddenFill xmlns:a14="http://schemas.microsoft.com/office/drawing/2010/main">
+                <a:solidFill>
+                  <a:schemeClr val="accent1"/>
+                </a:solidFill>
+              </a14:hiddenFill>
+            </a:ext>
+            <a:ext uri="{91240B29-F687-4F45-9708-019B960494DF}">
+              <a14:hiddenLine xmlns:a14="http://schemas.microsoft.com/office/drawing/2010/main" w="9525">
+                <a:solidFill>
+                  <a:schemeClr val="tx1"/>
+                </a:solidFill>
+                <a:miter lim="800000"/>
+                <a:headEnd/>
+                <a:tailEnd/>
+              </a14:hiddenLine>
+            </a:ext>
+          </a:extLst>
+        </p:spPr>
+        <p:txBody>
+          <a:bodyPr/>
+          <a:lstStyle>
+            <a:lvl1pPr>
+              <a:defRPr sz="900">
+                <a:solidFill>
+                  <a:schemeClr val="bg1"/>
+                </a:solidFill>
+                <a:latin typeface="Arial" panose="020B0604020202020204" pitchFamily="34" charset="0"/>
+                <a:ea typeface="ＭＳ Ｐゴシック" panose="020B0600070205080204" pitchFamily="34" charset="-128"/>
+              </a:defRPr>
+            </a:lvl1pPr>
+            <a:lvl2pPr marL="742950" indent="-285750">
+              <a:defRPr sz="900">
+                <a:solidFill>
+                  <a:schemeClr val="bg1"/>
+                </a:solidFill>
+                <a:latin typeface="Arial" panose="020B0604020202020204" pitchFamily="34" charset="0"/>
+                <a:ea typeface="ＭＳ Ｐゴシック" panose="020B0600070205080204" pitchFamily="34" charset="-128"/>
+              </a:defRPr>
+            </a:lvl2pPr>
+            <a:lvl3pPr marL="1143000" indent="-228600">
+              <a:defRPr sz="900">
+                <a:solidFill>
+                  <a:schemeClr val="bg1"/>
+                </a:solidFill>
+                <a:latin typeface="Arial" panose="020B0604020202020204" pitchFamily="34" charset="0"/>
+                <a:ea typeface="ＭＳ Ｐゴシック" panose="020B0600070205080204" pitchFamily="34" charset="-128"/>
+              </a:defRPr>
+            </a:lvl3pPr>
+            <a:lvl4pPr marL="1600200" indent="-228600">
+              <a:defRPr sz="900">
+                <a:solidFill>
+                  <a:schemeClr val="bg1"/>
+                </a:solidFill>
+                <a:latin typeface="Arial" panose="020B0604020202020204" pitchFamily="34" charset="0"/>
+                <a:ea typeface="ＭＳ Ｐゴシック" panose="020B0600070205080204" pitchFamily="34" charset="-128"/>
+              </a:defRPr>
+            </a:lvl4pPr>
+            <a:lvl5pPr marL="2057400" indent="-228600">
+              <a:defRPr sz="900">
+                <a:solidFill>
+                  <a:schemeClr val="bg1"/>
+                </a:solidFill>
+                <a:latin typeface="Arial" panose="020B0604020202020204" pitchFamily="34" charset="0"/>
+                <a:ea typeface="ＭＳ Ｐゴシック" panose="020B0600070205080204" pitchFamily="34" charset="-128"/>
+              </a:defRPr>
+            </a:lvl5pPr>
+            <a:lvl6pPr marL="2514600" indent="-228600" eaLnBrk="0" fontAlgn="base" hangingPunct="0">
+              <a:spcBef>
+                <a:spcPct val="0"/>
+              </a:spcBef>
+              <a:spcAft>
+                <a:spcPct val="0"/>
+              </a:spcAft>
+              <a:defRPr sz="900">
+                <a:solidFill>
+                  <a:schemeClr val="bg1"/>
+                </a:solidFill>
+                <a:latin typeface="Arial" panose="020B0604020202020204" pitchFamily="34" charset="0"/>
+                <a:ea typeface="ＭＳ Ｐゴシック" panose="020B0600070205080204" pitchFamily="34" charset="-128"/>
+              </a:defRPr>
+            </a:lvl6pPr>
+            <a:lvl7pPr marL="2971800" indent="-228600" eaLnBrk="0" fontAlgn="base" hangingPunct="0">
+              <a:spcBef>
+                <a:spcPct val="0"/>
+              </a:spcBef>
+              <a:spcAft>
+                <a:spcPct val="0"/>
+              </a:spcAft>
+              <a:defRPr sz="900">
+                <a:solidFill>
+                  <a:schemeClr val="bg1"/>
+                </a:solidFill>
+                <a:latin typeface="Arial" panose="020B0604020202020204" pitchFamily="34" charset="0"/>
+                <a:ea typeface="ＭＳ Ｐゴシック" panose="020B0600070205080204" pitchFamily="34" charset="-128"/>
+              </a:defRPr>
+            </a:lvl7pPr>
+            <a:lvl8pPr marL="3429000" indent="-228600" eaLnBrk="0" fontAlgn="base" hangingPunct="0">
+              <a:spcBef>
+                <a:spcPct val="0"/>
+              </a:spcBef>
+              <a:spcAft>
+                <a:spcPct val="0"/>
+              </a:spcAft>
+              <a:defRPr sz="900">
+                <a:solidFill>
+                  <a:schemeClr val="bg1"/>
+                </a:solidFill>
+                <a:latin typeface="Arial" panose="020B0604020202020204" pitchFamily="34" charset="0"/>
+                <a:ea typeface="ＭＳ Ｐゴシック" panose="020B0600070205080204" pitchFamily="34" charset="-128"/>
+              </a:defRPr>
+            </a:lvl8pPr>
+            <a:lvl9pPr marL="3886200" indent="-228600" eaLnBrk="0" fontAlgn="base" hangingPunct="0">
+              <a:spcBef>
+                <a:spcPct val="0"/>
+              </a:spcBef>
+              <a:spcAft>
+                <a:spcPct val="0"/>
+              </a:spcAft>
+              <a:defRPr sz="900">
+                <a:solidFill>
+                  <a:schemeClr val="bg1"/>
+                </a:solidFill>
+                <a:latin typeface="Arial" panose="020B0604020202020204" pitchFamily="34" charset="0"/>
+                <a:ea typeface="ＭＳ Ｐゴシック" panose="020B0600070205080204" pitchFamily="34" charset="-128"/>
+              </a:defRPr>
+            </a:lvl9pPr>
+          </a:lstStyle>
+          <a:p>
+            <a:r>
+              <a:rPr lang="it-IT" altLang="it-IT" sz="1100"/>
+              <a:t>nnAttention U-net for Brain Tumor Segmentation</a:t>
+            </a:r>
+          </a:p>
+        </p:txBody>
+      </p:sp>
+      <p:sp>
+        <p:nvSpPr>
+          <p:cNvPr id="12292" name="Segnaposto numero diapositiva 5">
+            <a:extLst>
+              <a:ext uri="{FF2B5EF4-FFF2-40B4-BE49-F238E27FC236}">
+                <a16:creationId xmlns:a16="http://schemas.microsoft.com/office/drawing/2014/main" id="{3FFF66E5-915D-C40F-CCBC-1ACDE4A10B25}"/>
+              </a:ext>
+            </a:extLst>
+          </p:cNvPr>
+          <p:cNvSpPr>
+            <a:spLocks noGrp="1"/>
+          </p:cNvSpPr>
+          <p:nvPr>
+            <p:ph type="sldNum" sz="quarter" idx="12"/>
+          </p:nvPr>
+        </p:nvSpPr>
+        <p:spPr>
+          <a:noFill/>
+          <a:extLst>
+            <a:ext uri="{909E8E84-426E-40DD-AFC4-6F175D3DCCD1}">
+              <a14:hiddenFill xmlns:a14="http://schemas.microsoft.com/office/drawing/2010/main">
+                <a:solidFill>
+                  <a:schemeClr val="accent1"/>
+                </a:solidFill>
+              </a14:hiddenFill>
+            </a:ext>
+            <a:ext uri="{91240B29-F687-4F45-9708-019B960494DF}">
+              <a14:hiddenLine xmlns:a14="http://schemas.microsoft.com/office/drawing/2010/main" w="9525">
+                <a:solidFill>
+                  <a:schemeClr val="tx1"/>
+                </a:solidFill>
+                <a:miter lim="800000"/>
+                <a:headEnd/>
+                <a:tailEnd/>
+              </a14:hiddenLine>
+            </a:ext>
+          </a:extLst>
+        </p:spPr>
+        <p:txBody>
+          <a:bodyPr/>
+          <a:lstStyle>
+            <a:lvl1pPr>
+              <a:defRPr sz="900">
+                <a:solidFill>
+                  <a:schemeClr val="bg1"/>
+                </a:solidFill>
+                <a:latin typeface="Arial" panose="020B0604020202020204" pitchFamily="34" charset="0"/>
+                <a:ea typeface="ＭＳ Ｐゴシック" panose="020B0600070205080204" pitchFamily="34" charset="-128"/>
+              </a:defRPr>
+            </a:lvl1pPr>
+            <a:lvl2pPr marL="742950" indent="-285750">
+              <a:defRPr sz="900">
+                <a:solidFill>
+                  <a:schemeClr val="bg1"/>
+                </a:solidFill>
+                <a:latin typeface="Arial" panose="020B0604020202020204" pitchFamily="34" charset="0"/>
+                <a:ea typeface="ＭＳ Ｐゴシック" panose="020B0600070205080204" pitchFamily="34" charset="-128"/>
+              </a:defRPr>
+            </a:lvl2pPr>
+            <a:lvl3pPr marL="1143000" indent="-228600">
+              <a:defRPr sz="900">
+                <a:solidFill>
+                  <a:schemeClr val="bg1"/>
+                </a:solidFill>
+                <a:latin typeface="Arial" panose="020B0604020202020204" pitchFamily="34" charset="0"/>
+                <a:ea typeface="ＭＳ Ｐゴシック" panose="020B0600070205080204" pitchFamily="34" charset="-128"/>
+              </a:defRPr>
+            </a:lvl3pPr>
+            <a:lvl4pPr marL="1600200" indent="-228600">
+              <a:defRPr sz="900">
+                <a:solidFill>
+                  <a:schemeClr val="bg1"/>
+                </a:solidFill>
+                <a:latin typeface="Arial" panose="020B0604020202020204" pitchFamily="34" charset="0"/>
+                <a:ea typeface="ＭＳ Ｐゴシック" panose="020B0600070205080204" pitchFamily="34" charset="-128"/>
+              </a:defRPr>
+            </a:lvl4pPr>
+            <a:lvl5pPr marL="2057400" indent="-228600">
+              <a:defRPr sz="900">
+                <a:solidFill>
+                  <a:schemeClr val="bg1"/>
+                </a:solidFill>
+                <a:latin typeface="Arial" panose="020B0604020202020204" pitchFamily="34" charset="0"/>
+                <a:ea typeface="ＭＳ Ｐゴシック" panose="020B0600070205080204" pitchFamily="34" charset="-128"/>
+              </a:defRPr>
+            </a:lvl5pPr>
+            <a:lvl6pPr marL="2514600" indent="-228600" eaLnBrk="0" fontAlgn="base" hangingPunct="0">
+              <a:spcBef>
+                <a:spcPct val="0"/>
+              </a:spcBef>
+              <a:spcAft>
+                <a:spcPct val="0"/>
+              </a:spcAft>
+              <a:defRPr sz="900">
+                <a:solidFill>
+                  <a:schemeClr val="bg1"/>
+                </a:solidFill>
+                <a:latin typeface="Arial" panose="020B0604020202020204" pitchFamily="34" charset="0"/>
+                <a:ea typeface="ＭＳ Ｐゴシック" panose="020B0600070205080204" pitchFamily="34" charset="-128"/>
+              </a:defRPr>
+            </a:lvl6pPr>
+            <a:lvl7pPr marL="2971800" indent="-228600" eaLnBrk="0" fontAlgn="base" hangingPunct="0">
+              <a:spcBef>
+                <a:spcPct val="0"/>
+              </a:spcBef>
+              <a:spcAft>
+                <a:spcPct val="0"/>
+              </a:spcAft>
+              <a:defRPr sz="900">
+                <a:solidFill>
+                  <a:schemeClr val="bg1"/>
+                </a:solidFill>
+                <a:latin typeface="Arial" panose="020B0604020202020204" pitchFamily="34" charset="0"/>
+                <a:ea typeface="ＭＳ Ｐゴシック" panose="020B0600070205080204" pitchFamily="34" charset="-128"/>
+              </a:defRPr>
+            </a:lvl7pPr>
+            <a:lvl8pPr marL="3429000" indent="-228600" eaLnBrk="0" fontAlgn="base" hangingPunct="0">
+              <a:spcBef>
+                <a:spcPct val="0"/>
+              </a:spcBef>
+              <a:spcAft>
+                <a:spcPct val="0"/>
+              </a:spcAft>
+              <a:defRPr sz="900">
+                <a:solidFill>
+                  <a:schemeClr val="bg1"/>
+                </a:solidFill>
+                <a:latin typeface="Arial" panose="020B0604020202020204" pitchFamily="34" charset="0"/>
+                <a:ea typeface="ＭＳ Ｐゴシック" panose="020B0600070205080204" pitchFamily="34" charset="-128"/>
+              </a:defRPr>
+            </a:lvl8pPr>
+            <a:lvl9pPr marL="3886200" indent="-228600" eaLnBrk="0" fontAlgn="base" hangingPunct="0">
+              <a:spcBef>
+                <a:spcPct val="0"/>
+              </a:spcBef>
+              <a:spcAft>
+                <a:spcPct val="0"/>
+              </a:spcAft>
+              <a:defRPr sz="900">
+                <a:solidFill>
+                  <a:schemeClr val="bg1"/>
+                </a:solidFill>
+                <a:latin typeface="Arial" panose="020B0604020202020204" pitchFamily="34" charset="0"/>
+                <a:ea typeface="ＭＳ Ｐゴシック" panose="020B0600070205080204" pitchFamily="34" charset="-128"/>
+              </a:defRPr>
+            </a:lvl9pPr>
+          </a:lstStyle>
+          <a:p>
+            <a:r>
+              <a:rPr lang="it-IT" altLang="it-IT" sz="1100"/>
+              <a:t>Pagina </a:t>
+            </a:r>
+            <a:fld id="{FCC9F9EC-B6A8-4331-B4E4-2C3E89718227}" type="slidenum">
+              <a:rPr lang="it-IT" altLang="it-IT" sz="1100" smtClean="0"/>
+              <a:pPr/>
+              <a:t>20</a:t>
+            </a:fld>
+            <a:endParaRPr lang="it-IT" altLang="it-IT" sz="1100"/>
+          </a:p>
+        </p:txBody>
+      </p:sp>
+      <p:sp>
+        <p:nvSpPr>
+          <p:cNvPr id="12293" name="Rectangle 14">
+            <a:extLst>
+              <a:ext uri="{FF2B5EF4-FFF2-40B4-BE49-F238E27FC236}">
+                <a16:creationId xmlns:a16="http://schemas.microsoft.com/office/drawing/2014/main" id="{62C6EAD6-3CD8-60DF-0398-38D8D7290CD5}"/>
+              </a:ext>
+            </a:extLst>
+          </p:cNvPr>
+          <p:cNvSpPr>
+            <a:spLocks noGrp="1" noChangeArrowheads="1"/>
+          </p:cNvSpPr>
+          <p:nvPr>
+            <p:ph type="title"/>
+          </p:nvPr>
+        </p:nvSpPr>
+        <p:spPr>
+          <a:xfrm>
+            <a:off x="1116013" y="409575"/>
+            <a:ext cx="7416800" cy="504825"/>
+          </a:xfrm>
+        </p:spPr>
+        <p:txBody>
+          <a:bodyPr/>
+          <a:lstStyle/>
+          <a:p>
+            <a:pPr eaLnBrk="1" hangingPunct="1"/>
+            <a:r>
+              <a:rPr lang="it-IT" altLang="it-IT"/>
+              <a:t>Results</a:t>
+            </a:r>
+          </a:p>
+        </p:txBody>
+      </p:sp>
+      <p:sp>
+        <p:nvSpPr>
+          <p:cNvPr id="12294" name="Rectangle 18">
+            <a:extLst>
+              <a:ext uri="{FF2B5EF4-FFF2-40B4-BE49-F238E27FC236}">
+                <a16:creationId xmlns:a16="http://schemas.microsoft.com/office/drawing/2014/main" id="{1CDB2825-8143-B121-0F7E-FA934B26BB6E}"/>
+              </a:ext>
+            </a:extLst>
+          </p:cNvPr>
+          <p:cNvSpPr>
+            <a:spLocks noChangeArrowheads="1"/>
+          </p:cNvSpPr>
+          <p:nvPr/>
+        </p:nvSpPr>
+        <p:spPr bwMode="auto">
+          <a:xfrm>
+            <a:off x="2382838" y="-349250"/>
+            <a:ext cx="184150" cy="228600"/>
+          </a:xfrm>
+          <a:prstGeom prst="rect">
+            <a:avLst/>
+          </a:prstGeom>
+          <a:noFill/>
+          <a:ln>
+            <a:noFill/>
+          </a:ln>
+          <a:effectLst/>
+          <a:extLst>
+            <a:ext uri="{909E8E84-426E-40DD-AFC4-6F175D3DCCD1}">
+              <a14:hiddenFill xmlns:a14="http://schemas.microsoft.com/office/drawing/2010/main">
+                <a:solidFill>
+                  <a:schemeClr val="accent1"/>
+                </a:solidFill>
+              </a14:hiddenFill>
+            </a:ext>
+            <a:ext uri="{91240B29-F687-4F45-9708-019B960494DF}">
+              <a14:hiddenLine xmlns:a14="http://schemas.microsoft.com/office/drawing/2010/main" w="9525">
+                <a:solidFill>
+                  <a:schemeClr val="tx1"/>
+                </a:solidFill>
+                <a:miter lim="800000"/>
+                <a:headEnd/>
+                <a:tailEnd/>
+              </a14:hiddenLine>
+            </a:ext>
+            <a:ext uri="{AF507438-7753-43E0-B8FC-AC1667EBCBE1}">
+              <a14:hiddenEffects xmlns:a14="http://schemas.microsoft.com/office/drawing/2010/main">
+                <a:effectLst>
+                  <a:outerShdw dist="35921" dir="2700000" algn="ctr" rotWithShape="0">
+                    <a:srgbClr val="808080"/>
+                  </a:outerShdw>
+                </a:effectLst>
+              </a14:hiddenEffects>
+            </a:ext>
+          </a:extLst>
+        </p:spPr>
+        <p:txBody>
+          <a:bodyPr wrap="none">
+            <a:spAutoFit/>
+          </a:bodyPr>
+          <a:lstStyle>
+            <a:lvl1pPr>
+              <a:defRPr sz="900">
+                <a:solidFill>
+                  <a:schemeClr val="bg1"/>
+                </a:solidFill>
+                <a:latin typeface="Arial" panose="020B0604020202020204" pitchFamily="34" charset="0"/>
+                <a:ea typeface="ＭＳ Ｐゴシック" panose="020B0600070205080204" pitchFamily="34" charset="-128"/>
+              </a:defRPr>
+            </a:lvl1pPr>
+            <a:lvl2pPr marL="742950" indent="-285750">
+              <a:defRPr sz="900">
+                <a:solidFill>
+                  <a:schemeClr val="bg1"/>
+                </a:solidFill>
+                <a:latin typeface="Arial" panose="020B0604020202020204" pitchFamily="34" charset="0"/>
+                <a:ea typeface="ＭＳ Ｐゴシック" panose="020B0600070205080204" pitchFamily="34" charset="-128"/>
+              </a:defRPr>
+            </a:lvl2pPr>
+            <a:lvl3pPr marL="1143000" indent="-228600">
+              <a:defRPr sz="900">
+                <a:solidFill>
+                  <a:schemeClr val="bg1"/>
+                </a:solidFill>
+                <a:latin typeface="Arial" panose="020B0604020202020204" pitchFamily="34" charset="0"/>
+                <a:ea typeface="ＭＳ Ｐゴシック" panose="020B0600070205080204" pitchFamily="34" charset="-128"/>
+              </a:defRPr>
+            </a:lvl3pPr>
+            <a:lvl4pPr marL="1600200" indent="-228600">
+              <a:defRPr sz="900">
+                <a:solidFill>
+                  <a:schemeClr val="bg1"/>
+                </a:solidFill>
+                <a:latin typeface="Arial" panose="020B0604020202020204" pitchFamily="34" charset="0"/>
+                <a:ea typeface="ＭＳ Ｐゴシック" panose="020B0600070205080204" pitchFamily="34" charset="-128"/>
+              </a:defRPr>
+            </a:lvl4pPr>
+            <a:lvl5pPr marL="2057400" indent="-228600">
+              <a:defRPr sz="900">
+                <a:solidFill>
+                  <a:schemeClr val="bg1"/>
+                </a:solidFill>
+                <a:latin typeface="Arial" panose="020B0604020202020204" pitchFamily="34" charset="0"/>
+                <a:ea typeface="ＭＳ Ｐゴシック" panose="020B0600070205080204" pitchFamily="34" charset="-128"/>
+              </a:defRPr>
+            </a:lvl5pPr>
+            <a:lvl6pPr marL="2514600" indent="-228600" eaLnBrk="0" fontAlgn="base" hangingPunct="0">
+              <a:spcBef>
+                <a:spcPct val="0"/>
+              </a:spcBef>
+              <a:spcAft>
+                <a:spcPct val="0"/>
+              </a:spcAft>
+              <a:defRPr sz="900">
+                <a:solidFill>
+                  <a:schemeClr val="bg1"/>
+                </a:solidFill>
+                <a:latin typeface="Arial" panose="020B0604020202020204" pitchFamily="34" charset="0"/>
+                <a:ea typeface="ＭＳ Ｐゴシック" panose="020B0600070205080204" pitchFamily="34" charset="-128"/>
+              </a:defRPr>
+            </a:lvl6pPr>
+            <a:lvl7pPr marL="2971800" indent="-228600" eaLnBrk="0" fontAlgn="base" hangingPunct="0">
+              <a:spcBef>
+                <a:spcPct val="0"/>
+              </a:spcBef>
+              <a:spcAft>
+                <a:spcPct val="0"/>
+              </a:spcAft>
+              <a:defRPr sz="900">
+                <a:solidFill>
+                  <a:schemeClr val="bg1"/>
+                </a:solidFill>
+                <a:latin typeface="Arial" panose="020B0604020202020204" pitchFamily="34" charset="0"/>
+                <a:ea typeface="ＭＳ Ｐゴシック" panose="020B0600070205080204" pitchFamily="34" charset="-128"/>
+              </a:defRPr>
+            </a:lvl7pPr>
+            <a:lvl8pPr marL="3429000" indent="-228600" eaLnBrk="0" fontAlgn="base" hangingPunct="0">
+              <a:spcBef>
+                <a:spcPct val="0"/>
+              </a:spcBef>
+              <a:spcAft>
+                <a:spcPct val="0"/>
+              </a:spcAft>
+              <a:defRPr sz="900">
+                <a:solidFill>
+                  <a:schemeClr val="bg1"/>
+                </a:solidFill>
+                <a:latin typeface="Arial" panose="020B0604020202020204" pitchFamily="34" charset="0"/>
+                <a:ea typeface="ＭＳ Ｐゴシック" panose="020B0600070205080204" pitchFamily="34" charset="-128"/>
+              </a:defRPr>
+            </a:lvl8pPr>
+            <a:lvl9pPr marL="3886200" indent="-228600" eaLnBrk="0" fontAlgn="base" hangingPunct="0">
+              <a:spcBef>
+                <a:spcPct val="0"/>
+              </a:spcBef>
+              <a:spcAft>
+                <a:spcPct val="0"/>
+              </a:spcAft>
+              <a:defRPr sz="900">
+                <a:solidFill>
+                  <a:schemeClr val="bg1"/>
+                </a:solidFill>
+                <a:latin typeface="Arial" panose="020B0604020202020204" pitchFamily="34" charset="0"/>
+                <a:ea typeface="ＭＳ Ｐゴシック" panose="020B0600070205080204" pitchFamily="34" charset="-128"/>
+              </a:defRPr>
+            </a:lvl9pPr>
+          </a:lstStyle>
+          <a:p>
+            <a:endParaRPr lang="it-IT" altLang="it-IT"/>
+          </a:p>
+        </p:txBody>
+      </p:sp>
+      <p:sp>
+        <p:nvSpPr>
+          <p:cNvPr id="12295" name="Text Box 19">
+            <a:extLst>
+              <a:ext uri="{FF2B5EF4-FFF2-40B4-BE49-F238E27FC236}">
+                <a16:creationId xmlns:a16="http://schemas.microsoft.com/office/drawing/2014/main" id="{62FE120B-2C1D-B23C-80AE-B91D65909792}"/>
+              </a:ext>
+            </a:extLst>
+          </p:cNvPr>
+          <p:cNvSpPr txBox="1">
+            <a:spLocks noChangeArrowheads="1"/>
+          </p:cNvSpPr>
+          <p:nvPr/>
+        </p:nvSpPr>
+        <p:spPr bwMode="auto">
+          <a:xfrm>
+            <a:off x="1116013" y="776288"/>
+            <a:ext cx="7404100" cy="427037"/>
+          </a:xfrm>
+          <a:prstGeom prst="rect">
+            <a:avLst/>
+          </a:prstGeom>
+          <a:noFill/>
+          <a:ln>
+            <a:noFill/>
+          </a:ln>
+          <a:effectLst/>
+          <a:extLst>
+            <a:ext uri="{909E8E84-426E-40DD-AFC4-6F175D3DCCD1}">
+              <a14:hiddenFill xmlns:a14="http://schemas.microsoft.com/office/drawing/2010/main">
+                <a:solidFill>
+                  <a:schemeClr val="accent1"/>
+                </a:solidFill>
+              </a14:hiddenFill>
+            </a:ext>
+            <a:ext uri="{91240B29-F687-4F45-9708-019B960494DF}">
+              <a14:hiddenLine xmlns:a14="http://schemas.microsoft.com/office/drawing/2010/main" w="9525">
+                <a:solidFill>
+                  <a:schemeClr val="tx1"/>
+                </a:solidFill>
+                <a:miter lim="800000"/>
+                <a:headEnd/>
+                <a:tailEnd/>
+              </a14:hiddenLine>
+            </a:ext>
+            <a:ext uri="{AF507438-7753-43E0-B8FC-AC1667EBCBE1}">
+              <a14:hiddenEffects xmlns:a14="http://schemas.microsoft.com/office/drawing/2010/main">
+                <a:effectLst>
+                  <a:outerShdw dist="35921" dir="2700000" algn="ctr" rotWithShape="0">
+                    <a:srgbClr val="808080"/>
+                  </a:outerShdw>
+                </a:effectLst>
+              </a14:hiddenEffects>
+            </a:ext>
+          </a:extLst>
+        </p:spPr>
+        <p:txBody>
+          <a:bodyPr>
+            <a:spAutoFit/>
+          </a:bodyPr>
+          <a:lstStyle>
+            <a:lvl1pPr>
+              <a:defRPr sz="900">
+                <a:solidFill>
+                  <a:schemeClr val="bg1"/>
+                </a:solidFill>
+                <a:latin typeface="Arial" panose="020B0604020202020204" pitchFamily="34" charset="0"/>
+                <a:ea typeface="ＭＳ Ｐゴシック" panose="020B0600070205080204" pitchFamily="34" charset="-128"/>
+              </a:defRPr>
+            </a:lvl1pPr>
+            <a:lvl2pPr marL="742950" indent="-285750">
+              <a:defRPr sz="900">
+                <a:solidFill>
+                  <a:schemeClr val="bg1"/>
+                </a:solidFill>
+                <a:latin typeface="Arial" panose="020B0604020202020204" pitchFamily="34" charset="0"/>
+                <a:ea typeface="ＭＳ Ｐゴシック" panose="020B0600070205080204" pitchFamily="34" charset="-128"/>
+              </a:defRPr>
+            </a:lvl2pPr>
+            <a:lvl3pPr marL="1143000" indent="-228600">
+              <a:defRPr sz="900">
+                <a:solidFill>
+                  <a:schemeClr val="bg1"/>
+                </a:solidFill>
+                <a:latin typeface="Arial" panose="020B0604020202020204" pitchFamily="34" charset="0"/>
+                <a:ea typeface="ＭＳ Ｐゴシック" panose="020B0600070205080204" pitchFamily="34" charset="-128"/>
+              </a:defRPr>
+            </a:lvl3pPr>
+            <a:lvl4pPr marL="1600200" indent="-228600">
+              <a:defRPr sz="900">
+                <a:solidFill>
+                  <a:schemeClr val="bg1"/>
+                </a:solidFill>
+                <a:latin typeface="Arial" panose="020B0604020202020204" pitchFamily="34" charset="0"/>
+                <a:ea typeface="ＭＳ Ｐゴシック" panose="020B0600070205080204" pitchFamily="34" charset="-128"/>
+              </a:defRPr>
+            </a:lvl4pPr>
+            <a:lvl5pPr marL="2057400" indent="-228600">
+              <a:defRPr sz="900">
+                <a:solidFill>
+                  <a:schemeClr val="bg1"/>
+                </a:solidFill>
+                <a:latin typeface="Arial" panose="020B0604020202020204" pitchFamily="34" charset="0"/>
+                <a:ea typeface="ＭＳ Ｐゴシック" panose="020B0600070205080204" pitchFamily="34" charset="-128"/>
+              </a:defRPr>
+            </a:lvl5pPr>
+            <a:lvl6pPr marL="2514600" indent="-228600" eaLnBrk="0" fontAlgn="base" hangingPunct="0">
+              <a:spcBef>
+                <a:spcPct val="0"/>
+              </a:spcBef>
+              <a:spcAft>
+                <a:spcPct val="0"/>
+              </a:spcAft>
+              <a:defRPr sz="900">
+                <a:solidFill>
+                  <a:schemeClr val="bg1"/>
+                </a:solidFill>
+                <a:latin typeface="Arial" panose="020B0604020202020204" pitchFamily="34" charset="0"/>
+                <a:ea typeface="ＭＳ Ｐゴシック" panose="020B0600070205080204" pitchFamily="34" charset="-128"/>
+              </a:defRPr>
+            </a:lvl6pPr>
+            <a:lvl7pPr marL="2971800" indent="-228600" eaLnBrk="0" fontAlgn="base" hangingPunct="0">
+              <a:spcBef>
+                <a:spcPct val="0"/>
+              </a:spcBef>
+              <a:spcAft>
+                <a:spcPct val="0"/>
+              </a:spcAft>
+              <a:defRPr sz="900">
+                <a:solidFill>
+                  <a:schemeClr val="bg1"/>
+                </a:solidFill>
+                <a:latin typeface="Arial" panose="020B0604020202020204" pitchFamily="34" charset="0"/>
+                <a:ea typeface="ＭＳ Ｐゴシック" panose="020B0600070205080204" pitchFamily="34" charset="-128"/>
+              </a:defRPr>
+            </a:lvl7pPr>
+            <a:lvl8pPr marL="3429000" indent="-228600" eaLnBrk="0" fontAlgn="base" hangingPunct="0">
+              <a:spcBef>
+                <a:spcPct val="0"/>
+              </a:spcBef>
+              <a:spcAft>
+                <a:spcPct val="0"/>
+              </a:spcAft>
+              <a:defRPr sz="900">
+                <a:solidFill>
+                  <a:schemeClr val="bg1"/>
+                </a:solidFill>
+                <a:latin typeface="Arial" panose="020B0604020202020204" pitchFamily="34" charset="0"/>
+                <a:ea typeface="ＭＳ Ｐゴシック" panose="020B0600070205080204" pitchFamily="34" charset="-128"/>
+              </a:defRPr>
+            </a:lvl8pPr>
+            <a:lvl9pPr marL="3886200" indent="-228600" eaLnBrk="0" fontAlgn="base" hangingPunct="0">
+              <a:spcBef>
+                <a:spcPct val="0"/>
+              </a:spcBef>
+              <a:spcAft>
+                <a:spcPct val="0"/>
+              </a:spcAft>
+              <a:defRPr sz="900">
+                <a:solidFill>
+                  <a:schemeClr val="bg1"/>
+                </a:solidFill>
+                <a:latin typeface="Arial" panose="020B0604020202020204" pitchFamily="34" charset="0"/>
+                <a:ea typeface="ＭＳ Ｐゴシック" panose="020B0600070205080204" pitchFamily="34" charset="-128"/>
+              </a:defRPr>
+            </a:lvl9pPr>
+          </a:lstStyle>
+          <a:p>
+            <a:pPr>
+              <a:spcBef>
+                <a:spcPct val="50000"/>
+              </a:spcBef>
+            </a:pPr>
+            <a:r>
+              <a:rPr lang="it-IT" altLang="it-IT" sz="2200">
+                <a:solidFill>
+                  <a:srgbClr val="000000"/>
+                </a:solidFill>
+              </a:rPr>
+              <a:t>Selezionare per scrivere o eliminare il sottotitolo</a:t>
+            </a:r>
+            <a:endParaRPr lang="it-IT" altLang="it-IT" sz="2200">
+              <a:solidFill>
+                <a:schemeClr val="tx1"/>
+              </a:solidFill>
+            </a:endParaRPr>
+          </a:p>
+        </p:txBody>
+      </p:sp>
+      <p:pic>
+        <p:nvPicPr>
+          <p:cNvPr id="12306" name="Immagine 12305" descr="Immagine che contiene testo, schermata, diagramma, linea&#10;&#10;Descrizione generata automaticamente">
+            <a:extLst>
+              <a:ext uri="{FF2B5EF4-FFF2-40B4-BE49-F238E27FC236}">
+                <a16:creationId xmlns:a16="http://schemas.microsoft.com/office/drawing/2014/main" id="{148C6ACA-6898-295F-DF43-70F71B545A14}"/>
+              </a:ext>
+            </a:extLst>
+          </p:cNvPr>
+          <p:cNvPicPr>
+            <a:picLocks noChangeAspect="1"/>
+          </p:cNvPicPr>
+          <p:nvPr/>
+        </p:nvPicPr>
+        <p:blipFill>
+          <a:blip r:embed="rId3">
+            <a:extLst>
+              <a:ext uri="{28A0092B-C50C-407E-A947-70E740481C1C}">
+                <a14:useLocalDpi xmlns:a14="http://schemas.microsoft.com/office/drawing/2010/main" val="0"/>
+              </a:ext>
+            </a:extLst>
+          </a:blip>
+          <a:stretch>
+            <a:fillRect/>
+          </a:stretch>
+        </p:blipFill>
+        <p:spPr>
+          <a:xfrm>
+            <a:off x="241626" y="1471654"/>
+            <a:ext cx="8660748" cy="4549634"/>
+          </a:xfrm>
+          <a:prstGeom prst="rect">
+            <a:avLst/>
+          </a:prstGeom>
+        </p:spPr>
+      </p:pic>
+    </p:spTree>
+  </p:cSld>
+  <p:clrMapOvr>
+    <a:masterClrMapping/>
+  </p:clrMapOvr>
+</p:sld>
+</file>
+
+<file path=ppt/slides/slide21.xml><?xml version="1.0" encoding="utf-8"?>
+<p:sld xmlns:a="http://schemas.openxmlformats.org/drawingml/2006/main" xmlns:r="http://schemas.openxmlformats.org/officeDocument/2006/relationships" xmlns:p="http://schemas.openxmlformats.org/presentationml/2006/main">
+  <p:cSld>
+    <p:spTree>
+      <p:nvGrpSpPr>
+        <p:cNvPr id="1" name=""/>
+        <p:cNvGrpSpPr/>
+        <p:nvPr/>
+      </p:nvGrpSpPr>
+      <p:grpSpPr>
+        <a:xfrm>
+          <a:off x="0" y="0"/>
+          <a:ext cx="0" cy="0"/>
+          <a:chOff x="0" y="0"/>
+          <a:chExt cx="0" cy="0"/>
+        </a:xfrm>
+      </p:grpSpPr>
+      <p:sp>
+        <p:nvSpPr>
+          <p:cNvPr id="12290" name="Segnaposto data 3">
+            <a:extLst>
+              <a:ext uri="{FF2B5EF4-FFF2-40B4-BE49-F238E27FC236}">
+                <a16:creationId xmlns:a16="http://schemas.microsoft.com/office/drawing/2014/main" id="{E02C8F22-83E8-4B08-82C9-0C869E250850}"/>
+              </a:ext>
+            </a:extLst>
+          </p:cNvPr>
+          <p:cNvSpPr>
+            <a:spLocks noGrp="1"/>
+          </p:cNvSpPr>
+          <p:nvPr>
+            <p:ph type="dt" sz="quarter" idx="10"/>
+          </p:nvPr>
+        </p:nvSpPr>
+        <p:spPr>
+          <a:noFill/>
+          <a:extLst>
+            <a:ext uri="{909E8E84-426E-40DD-AFC4-6F175D3DCCD1}">
+              <a14:hiddenFill xmlns:a14="http://schemas.microsoft.com/office/drawing/2010/main">
+                <a:solidFill>
+                  <a:schemeClr val="accent1"/>
+                </a:solidFill>
+              </a14:hiddenFill>
+            </a:ext>
+            <a:ext uri="{91240B29-F687-4F45-9708-019B960494DF}">
+              <a14:hiddenLine xmlns:a14="http://schemas.microsoft.com/office/drawing/2010/main" w="9525">
+                <a:solidFill>
+                  <a:schemeClr val="tx1"/>
+                </a:solidFill>
+                <a:miter lim="800000"/>
+                <a:headEnd/>
+                <a:tailEnd/>
+              </a14:hiddenLine>
+            </a:ext>
+          </a:extLst>
+        </p:spPr>
+        <p:txBody>
+          <a:bodyPr/>
+          <a:lstStyle>
+            <a:lvl1pPr>
+              <a:defRPr sz="900">
+                <a:solidFill>
+                  <a:schemeClr val="bg1"/>
+                </a:solidFill>
+                <a:latin typeface="Arial" panose="020B0604020202020204" pitchFamily="34" charset="0"/>
+                <a:ea typeface="ＭＳ Ｐゴシック" panose="020B0600070205080204" pitchFamily="34" charset="-128"/>
+              </a:defRPr>
+            </a:lvl1pPr>
+            <a:lvl2pPr marL="742950" indent="-285750">
+              <a:defRPr sz="900">
+                <a:solidFill>
+                  <a:schemeClr val="bg1"/>
+                </a:solidFill>
+                <a:latin typeface="Arial" panose="020B0604020202020204" pitchFamily="34" charset="0"/>
+                <a:ea typeface="ＭＳ Ｐゴシック" panose="020B0600070205080204" pitchFamily="34" charset="-128"/>
+              </a:defRPr>
+            </a:lvl2pPr>
+            <a:lvl3pPr marL="1143000" indent="-228600">
+              <a:defRPr sz="900">
+                <a:solidFill>
+                  <a:schemeClr val="bg1"/>
+                </a:solidFill>
+                <a:latin typeface="Arial" panose="020B0604020202020204" pitchFamily="34" charset="0"/>
+                <a:ea typeface="ＭＳ Ｐゴシック" panose="020B0600070205080204" pitchFamily="34" charset="-128"/>
+              </a:defRPr>
+            </a:lvl3pPr>
+            <a:lvl4pPr marL="1600200" indent="-228600">
+              <a:defRPr sz="900">
+                <a:solidFill>
+                  <a:schemeClr val="bg1"/>
+                </a:solidFill>
+                <a:latin typeface="Arial" panose="020B0604020202020204" pitchFamily="34" charset="0"/>
+                <a:ea typeface="ＭＳ Ｐゴシック" panose="020B0600070205080204" pitchFamily="34" charset="-128"/>
+              </a:defRPr>
+            </a:lvl4pPr>
+            <a:lvl5pPr marL="2057400" indent="-228600">
+              <a:defRPr sz="900">
+                <a:solidFill>
+                  <a:schemeClr val="bg1"/>
+                </a:solidFill>
+                <a:latin typeface="Arial" panose="020B0604020202020204" pitchFamily="34" charset="0"/>
+                <a:ea typeface="ＭＳ Ｐゴシック" panose="020B0600070205080204" pitchFamily="34" charset="-128"/>
+              </a:defRPr>
+            </a:lvl5pPr>
+            <a:lvl6pPr marL="2514600" indent="-228600" eaLnBrk="0" fontAlgn="base" hangingPunct="0">
+              <a:spcBef>
+                <a:spcPct val="0"/>
+              </a:spcBef>
+              <a:spcAft>
+                <a:spcPct val="0"/>
+              </a:spcAft>
+              <a:defRPr sz="900">
+                <a:solidFill>
+                  <a:schemeClr val="bg1"/>
+                </a:solidFill>
+                <a:latin typeface="Arial" panose="020B0604020202020204" pitchFamily="34" charset="0"/>
+                <a:ea typeface="ＭＳ Ｐゴシック" panose="020B0600070205080204" pitchFamily="34" charset="-128"/>
+              </a:defRPr>
+            </a:lvl6pPr>
+            <a:lvl7pPr marL="2971800" indent="-228600" eaLnBrk="0" fontAlgn="base" hangingPunct="0">
+              <a:spcBef>
+                <a:spcPct val="0"/>
+              </a:spcBef>
+              <a:spcAft>
+                <a:spcPct val="0"/>
+              </a:spcAft>
+              <a:defRPr sz="900">
+                <a:solidFill>
+                  <a:schemeClr val="bg1"/>
+                </a:solidFill>
+                <a:latin typeface="Arial" panose="020B0604020202020204" pitchFamily="34" charset="0"/>
+                <a:ea typeface="ＭＳ Ｐゴシック" panose="020B0600070205080204" pitchFamily="34" charset="-128"/>
+              </a:defRPr>
+            </a:lvl7pPr>
+            <a:lvl8pPr marL="3429000" indent="-228600" eaLnBrk="0" fontAlgn="base" hangingPunct="0">
+              <a:spcBef>
+                <a:spcPct val="0"/>
+              </a:spcBef>
+              <a:spcAft>
+                <a:spcPct val="0"/>
+              </a:spcAft>
+              <a:defRPr sz="900">
+                <a:solidFill>
+                  <a:schemeClr val="bg1"/>
+                </a:solidFill>
+                <a:latin typeface="Arial" panose="020B0604020202020204" pitchFamily="34" charset="0"/>
+                <a:ea typeface="ＭＳ Ｐゴシック" panose="020B0600070205080204" pitchFamily="34" charset="-128"/>
+              </a:defRPr>
+            </a:lvl8pPr>
+            <a:lvl9pPr marL="3886200" indent="-228600" eaLnBrk="0" fontAlgn="base" hangingPunct="0">
+              <a:spcBef>
+                <a:spcPct val="0"/>
+              </a:spcBef>
+              <a:spcAft>
+                <a:spcPct val="0"/>
+              </a:spcAft>
+              <a:defRPr sz="900">
+                <a:solidFill>
+                  <a:schemeClr val="bg1"/>
+                </a:solidFill>
+                <a:latin typeface="Arial" panose="020B0604020202020204" pitchFamily="34" charset="0"/>
+                <a:ea typeface="ＭＳ Ｐゴシック" panose="020B0600070205080204" pitchFamily="34" charset="-128"/>
+              </a:defRPr>
+            </a:lvl9pPr>
+          </a:lstStyle>
+          <a:p>
+            <a:fld id="{0F7C379C-86A5-4DFA-9CF6-E11CBC122C51}" type="datetime1">
+              <a:rPr lang="it-IT" altLang="it-IT" sz="1100"/>
+              <a:pPr/>
+              <a:t>12/05/2023</a:t>
+            </a:fld>
+            <a:endParaRPr lang="it-IT" altLang="it-IT" sz="1100"/>
+          </a:p>
+        </p:txBody>
+      </p:sp>
+      <p:sp>
+        <p:nvSpPr>
+          <p:cNvPr id="12291" name="Segnaposto piè di pagina 4">
+            <a:extLst>
+              <a:ext uri="{FF2B5EF4-FFF2-40B4-BE49-F238E27FC236}">
+                <a16:creationId xmlns:a16="http://schemas.microsoft.com/office/drawing/2014/main" id="{F88D0E47-4290-0A2B-CE09-425D20CB2614}"/>
+              </a:ext>
+            </a:extLst>
+          </p:cNvPr>
+          <p:cNvSpPr>
+            <a:spLocks noGrp="1"/>
+          </p:cNvSpPr>
+          <p:nvPr>
+            <p:ph type="ftr" sz="quarter" idx="11"/>
+          </p:nvPr>
+        </p:nvSpPr>
+        <p:spPr>
+          <a:noFill/>
+          <a:extLst>
+            <a:ext uri="{909E8E84-426E-40DD-AFC4-6F175D3DCCD1}">
+              <a14:hiddenFill xmlns:a14="http://schemas.microsoft.com/office/drawing/2010/main">
+                <a:solidFill>
+                  <a:schemeClr val="accent1"/>
+                </a:solidFill>
+              </a14:hiddenFill>
+            </a:ext>
+            <a:ext uri="{91240B29-F687-4F45-9708-019B960494DF}">
+              <a14:hiddenLine xmlns:a14="http://schemas.microsoft.com/office/drawing/2010/main" w="9525">
+                <a:solidFill>
+                  <a:schemeClr val="tx1"/>
+                </a:solidFill>
+                <a:miter lim="800000"/>
+                <a:headEnd/>
+                <a:tailEnd/>
+              </a14:hiddenLine>
+            </a:ext>
+          </a:extLst>
+        </p:spPr>
+        <p:txBody>
+          <a:bodyPr/>
+          <a:lstStyle>
+            <a:lvl1pPr>
+              <a:defRPr sz="900">
+                <a:solidFill>
+                  <a:schemeClr val="bg1"/>
+                </a:solidFill>
+                <a:latin typeface="Arial" panose="020B0604020202020204" pitchFamily="34" charset="0"/>
+                <a:ea typeface="ＭＳ Ｐゴシック" panose="020B0600070205080204" pitchFamily="34" charset="-128"/>
+              </a:defRPr>
+            </a:lvl1pPr>
+            <a:lvl2pPr marL="742950" indent="-285750">
+              <a:defRPr sz="900">
+                <a:solidFill>
+                  <a:schemeClr val="bg1"/>
+                </a:solidFill>
+                <a:latin typeface="Arial" panose="020B0604020202020204" pitchFamily="34" charset="0"/>
+                <a:ea typeface="ＭＳ Ｐゴシック" panose="020B0600070205080204" pitchFamily="34" charset="-128"/>
+              </a:defRPr>
+            </a:lvl2pPr>
+            <a:lvl3pPr marL="1143000" indent="-228600">
+              <a:defRPr sz="900">
+                <a:solidFill>
+                  <a:schemeClr val="bg1"/>
+                </a:solidFill>
+                <a:latin typeface="Arial" panose="020B0604020202020204" pitchFamily="34" charset="0"/>
+                <a:ea typeface="ＭＳ Ｐゴシック" panose="020B0600070205080204" pitchFamily="34" charset="-128"/>
+              </a:defRPr>
+            </a:lvl3pPr>
+            <a:lvl4pPr marL="1600200" indent="-228600">
+              <a:defRPr sz="900">
+                <a:solidFill>
+                  <a:schemeClr val="bg1"/>
+                </a:solidFill>
+                <a:latin typeface="Arial" panose="020B0604020202020204" pitchFamily="34" charset="0"/>
+                <a:ea typeface="ＭＳ Ｐゴシック" panose="020B0600070205080204" pitchFamily="34" charset="-128"/>
+              </a:defRPr>
+            </a:lvl4pPr>
+            <a:lvl5pPr marL="2057400" indent="-228600">
+              <a:defRPr sz="900">
+                <a:solidFill>
+                  <a:schemeClr val="bg1"/>
+                </a:solidFill>
+                <a:latin typeface="Arial" panose="020B0604020202020204" pitchFamily="34" charset="0"/>
+                <a:ea typeface="ＭＳ Ｐゴシック" panose="020B0600070205080204" pitchFamily="34" charset="-128"/>
+              </a:defRPr>
+            </a:lvl5pPr>
+            <a:lvl6pPr marL="2514600" indent="-228600" eaLnBrk="0" fontAlgn="base" hangingPunct="0">
+              <a:spcBef>
+                <a:spcPct val="0"/>
+              </a:spcBef>
+              <a:spcAft>
+                <a:spcPct val="0"/>
+              </a:spcAft>
+              <a:defRPr sz="900">
+                <a:solidFill>
+                  <a:schemeClr val="bg1"/>
+                </a:solidFill>
+                <a:latin typeface="Arial" panose="020B0604020202020204" pitchFamily="34" charset="0"/>
+                <a:ea typeface="ＭＳ Ｐゴシック" panose="020B0600070205080204" pitchFamily="34" charset="-128"/>
+              </a:defRPr>
+            </a:lvl6pPr>
+            <a:lvl7pPr marL="2971800" indent="-228600" eaLnBrk="0" fontAlgn="base" hangingPunct="0">
+              <a:spcBef>
+                <a:spcPct val="0"/>
+              </a:spcBef>
+              <a:spcAft>
+                <a:spcPct val="0"/>
+              </a:spcAft>
+              <a:defRPr sz="900">
+                <a:solidFill>
+                  <a:schemeClr val="bg1"/>
+                </a:solidFill>
+                <a:latin typeface="Arial" panose="020B0604020202020204" pitchFamily="34" charset="0"/>
+                <a:ea typeface="ＭＳ Ｐゴシック" panose="020B0600070205080204" pitchFamily="34" charset="-128"/>
+              </a:defRPr>
+            </a:lvl7pPr>
+            <a:lvl8pPr marL="3429000" indent="-228600" eaLnBrk="0" fontAlgn="base" hangingPunct="0">
+              <a:spcBef>
+                <a:spcPct val="0"/>
+              </a:spcBef>
+              <a:spcAft>
+                <a:spcPct val="0"/>
+              </a:spcAft>
+              <a:defRPr sz="900">
+                <a:solidFill>
+                  <a:schemeClr val="bg1"/>
+                </a:solidFill>
+                <a:latin typeface="Arial" panose="020B0604020202020204" pitchFamily="34" charset="0"/>
+                <a:ea typeface="ＭＳ Ｐゴシック" panose="020B0600070205080204" pitchFamily="34" charset="-128"/>
+              </a:defRPr>
+            </a:lvl8pPr>
+            <a:lvl9pPr marL="3886200" indent="-228600" eaLnBrk="0" fontAlgn="base" hangingPunct="0">
+              <a:spcBef>
+                <a:spcPct val="0"/>
+              </a:spcBef>
+              <a:spcAft>
+                <a:spcPct val="0"/>
+              </a:spcAft>
+              <a:defRPr sz="900">
+                <a:solidFill>
+                  <a:schemeClr val="bg1"/>
+                </a:solidFill>
+                <a:latin typeface="Arial" panose="020B0604020202020204" pitchFamily="34" charset="0"/>
+                <a:ea typeface="ＭＳ Ｐゴシック" panose="020B0600070205080204" pitchFamily="34" charset="-128"/>
+              </a:defRPr>
+            </a:lvl9pPr>
+          </a:lstStyle>
+          <a:p>
+            <a:r>
+              <a:rPr lang="it-IT" altLang="it-IT" sz="1100"/>
+              <a:t>nnAttention U-net for Brain Tumor Segmentation</a:t>
+            </a:r>
+          </a:p>
+        </p:txBody>
+      </p:sp>
+      <p:sp>
+        <p:nvSpPr>
+          <p:cNvPr id="12292" name="Segnaposto numero diapositiva 5">
+            <a:extLst>
+              <a:ext uri="{FF2B5EF4-FFF2-40B4-BE49-F238E27FC236}">
+                <a16:creationId xmlns:a16="http://schemas.microsoft.com/office/drawing/2014/main" id="{3FFF66E5-915D-C40F-CCBC-1ACDE4A10B25}"/>
+              </a:ext>
+            </a:extLst>
+          </p:cNvPr>
+          <p:cNvSpPr>
+            <a:spLocks noGrp="1"/>
+          </p:cNvSpPr>
+          <p:nvPr>
+            <p:ph type="sldNum" sz="quarter" idx="12"/>
+          </p:nvPr>
+        </p:nvSpPr>
+        <p:spPr>
+          <a:noFill/>
+          <a:extLst>
+            <a:ext uri="{909E8E84-426E-40DD-AFC4-6F175D3DCCD1}">
+              <a14:hiddenFill xmlns:a14="http://schemas.microsoft.com/office/drawing/2010/main">
+                <a:solidFill>
+                  <a:schemeClr val="accent1"/>
+                </a:solidFill>
+              </a14:hiddenFill>
+            </a:ext>
+            <a:ext uri="{91240B29-F687-4F45-9708-019B960494DF}">
+              <a14:hiddenLine xmlns:a14="http://schemas.microsoft.com/office/drawing/2010/main" w="9525">
+                <a:solidFill>
+                  <a:schemeClr val="tx1"/>
+                </a:solidFill>
+                <a:miter lim="800000"/>
+                <a:headEnd/>
+                <a:tailEnd/>
+              </a14:hiddenLine>
+            </a:ext>
+          </a:extLst>
+        </p:spPr>
+        <p:txBody>
+          <a:bodyPr/>
+          <a:lstStyle>
+            <a:lvl1pPr>
+              <a:defRPr sz="900">
+                <a:solidFill>
+                  <a:schemeClr val="bg1"/>
+                </a:solidFill>
+                <a:latin typeface="Arial" panose="020B0604020202020204" pitchFamily="34" charset="0"/>
+                <a:ea typeface="ＭＳ Ｐゴシック" panose="020B0600070205080204" pitchFamily="34" charset="-128"/>
+              </a:defRPr>
+            </a:lvl1pPr>
+            <a:lvl2pPr marL="742950" indent="-285750">
+              <a:defRPr sz="900">
+                <a:solidFill>
+                  <a:schemeClr val="bg1"/>
+                </a:solidFill>
+                <a:latin typeface="Arial" panose="020B0604020202020204" pitchFamily="34" charset="0"/>
+                <a:ea typeface="ＭＳ Ｐゴシック" panose="020B0600070205080204" pitchFamily="34" charset="-128"/>
+              </a:defRPr>
+            </a:lvl2pPr>
+            <a:lvl3pPr marL="1143000" indent="-228600">
+              <a:defRPr sz="900">
+                <a:solidFill>
+                  <a:schemeClr val="bg1"/>
+                </a:solidFill>
+                <a:latin typeface="Arial" panose="020B0604020202020204" pitchFamily="34" charset="0"/>
+                <a:ea typeface="ＭＳ Ｐゴシック" panose="020B0600070205080204" pitchFamily="34" charset="-128"/>
+              </a:defRPr>
+            </a:lvl3pPr>
+            <a:lvl4pPr marL="1600200" indent="-228600">
+              <a:defRPr sz="900">
+                <a:solidFill>
+                  <a:schemeClr val="bg1"/>
+                </a:solidFill>
+                <a:latin typeface="Arial" panose="020B0604020202020204" pitchFamily="34" charset="0"/>
+                <a:ea typeface="ＭＳ Ｐゴシック" panose="020B0600070205080204" pitchFamily="34" charset="-128"/>
+              </a:defRPr>
+            </a:lvl4pPr>
+            <a:lvl5pPr marL="2057400" indent="-228600">
+              <a:defRPr sz="900">
+                <a:solidFill>
+                  <a:schemeClr val="bg1"/>
+                </a:solidFill>
+                <a:latin typeface="Arial" panose="020B0604020202020204" pitchFamily="34" charset="0"/>
+                <a:ea typeface="ＭＳ Ｐゴシック" panose="020B0600070205080204" pitchFamily="34" charset="-128"/>
+              </a:defRPr>
+            </a:lvl5pPr>
+            <a:lvl6pPr marL="2514600" indent="-228600" eaLnBrk="0" fontAlgn="base" hangingPunct="0">
+              <a:spcBef>
+                <a:spcPct val="0"/>
+              </a:spcBef>
+              <a:spcAft>
+                <a:spcPct val="0"/>
+              </a:spcAft>
+              <a:defRPr sz="900">
+                <a:solidFill>
+                  <a:schemeClr val="bg1"/>
+                </a:solidFill>
+                <a:latin typeface="Arial" panose="020B0604020202020204" pitchFamily="34" charset="0"/>
+                <a:ea typeface="ＭＳ Ｐゴシック" panose="020B0600070205080204" pitchFamily="34" charset="-128"/>
+              </a:defRPr>
+            </a:lvl6pPr>
+            <a:lvl7pPr marL="2971800" indent="-228600" eaLnBrk="0" fontAlgn="base" hangingPunct="0">
+              <a:spcBef>
+                <a:spcPct val="0"/>
+              </a:spcBef>
+              <a:spcAft>
+                <a:spcPct val="0"/>
+              </a:spcAft>
+              <a:defRPr sz="900">
+                <a:solidFill>
+                  <a:schemeClr val="bg1"/>
+                </a:solidFill>
+                <a:latin typeface="Arial" panose="020B0604020202020204" pitchFamily="34" charset="0"/>
+                <a:ea typeface="ＭＳ Ｐゴシック" panose="020B0600070205080204" pitchFamily="34" charset="-128"/>
+              </a:defRPr>
+            </a:lvl7pPr>
+            <a:lvl8pPr marL="3429000" indent="-228600" eaLnBrk="0" fontAlgn="base" hangingPunct="0">
+              <a:spcBef>
+                <a:spcPct val="0"/>
+              </a:spcBef>
+              <a:spcAft>
+                <a:spcPct val="0"/>
+              </a:spcAft>
+              <a:defRPr sz="900">
+                <a:solidFill>
+                  <a:schemeClr val="bg1"/>
+                </a:solidFill>
+                <a:latin typeface="Arial" panose="020B0604020202020204" pitchFamily="34" charset="0"/>
+                <a:ea typeface="ＭＳ Ｐゴシック" panose="020B0600070205080204" pitchFamily="34" charset="-128"/>
+              </a:defRPr>
+            </a:lvl8pPr>
+            <a:lvl9pPr marL="3886200" indent="-228600" eaLnBrk="0" fontAlgn="base" hangingPunct="0">
+              <a:spcBef>
+                <a:spcPct val="0"/>
+              </a:spcBef>
+              <a:spcAft>
+                <a:spcPct val="0"/>
+              </a:spcAft>
+              <a:defRPr sz="900">
+                <a:solidFill>
+                  <a:schemeClr val="bg1"/>
+                </a:solidFill>
+                <a:latin typeface="Arial" panose="020B0604020202020204" pitchFamily="34" charset="0"/>
+                <a:ea typeface="ＭＳ Ｐゴシック" panose="020B0600070205080204" pitchFamily="34" charset="-128"/>
+              </a:defRPr>
+            </a:lvl9pPr>
+          </a:lstStyle>
+          <a:p>
+            <a:r>
+              <a:rPr lang="it-IT" altLang="it-IT" sz="1100"/>
+              <a:t>Pagina </a:t>
+            </a:r>
+            <a:fld id="{FCC9F9EC-B6A8-4331-B4E4-2C3E89718227}" type="slidenum">
+              <a:rPr lang="it-IT" altLang="it-IT" sz="1100" smtClean="0"/>
+              <a:pPr/>
+              <a:t>21</a:t>
+            </a:fld>
+            <a:endParaRPr lang="it-IT" altLang="it-IT" sz="1100"/>
+          </a:p>
+        </p:txBody>
+      </p:sp>
+      <p:sp>
+        <p:nvSpPr>
+          <p:cNvPr id="12293" name="Rectangle 14">
+            <a:extLst>
+              <a:ext uri="{FF2B5EF4-FFF2-40B4-BE49-F238E27FC236}">
+                <a16:creationId xmlns:a16="http://schemas.microsoft.com/office/drawing/2014/main" id="{62C6EAD6-3CD8-60DF-0398-38D8D7290CD5}"/>
+              </a:ext>
+            </a:extLst>
+          </p:cNvPr>
+          <p:cNvSpPr>
+            <a:spLocks noGrp="1" noChangeArrowheads="1"/>
+          </p:cNvSpPr>
+          <p:nvPr>
+            <p:ph type="title"/>
+          </p:nvPr>
+        </p:nvSpPr>
+        <p:spPr>
+          <a:xfrm>
+            <a:off x="1116013" y="409575"/>
+            <a:ext cx="7416800" cy="504825"/>
+          </a:xfrm>
+        </p:spPr>
+        <p:txBody>
+          <a:bodyPr/>
+          <a:lstStyle/>
+          <a:p>
+            <a:pPr eaLnBrk="1" hangingPunct="1"/>
+            <a:r>
+              <a:rPr lang="it-IT" altLang="it-IT"/>
+              <a:t>Results</a:t>
+            </a:r>
+          </a:p>
+        </p:txBody>
+      </p:sp>
+      <p:sp>
+        <p:nvSpPr>
+          <p:cNvPr id="12294" name="Rectangle 18">
+            <a:extLst>
+              <a:ext uri="{FF2B5EF4-FFF2-40B4-BE49-F238E27FC236}">
+                <a16:creationId xmlns:a16="http://schemas.microsoft.com/office/drawing/2014/main" id="{1CDB2825-8143-B121-0F7E-FA934B26BB6E}"/>
+              </a:ext>
+            </a:extLst>
+          </p:cNvPr>
+          <p:cNvSpPr>
+            <a:spLocks noChangeArrowheads="1"/>
+          </p:cNvSpPr>
+          <p:nvPr/>
+        </p:nvSpPr>
+        <p:spPr bwMode="auto">
+          <a:xfrm>
+            <a:off x="2382838" y="-349250"/>
+            <a:ext cx="184150" cy="228600"/>
+          </a:xfrm>
+          <a:prstGeom prst="rect">
+            <a:avLst/>
+          </a:prstGeom>
+          <a:noFill/>
+          <a:ln>
+            <a:noFill/>
+          </a:ln>
+          <a:effectLst/>
+          <a:extLst>
+            <a:ext uri="{909E8E84-426E-40DD-AFC4-6F175D3DCCD1}">
+              <a14:hiddenFill xmlns:a14="http://schemas.microsoft.com/office/drawing/2010/main">
+                <a:solidFill>
+                  <a:schemeClr val="accent1"/>
+                </a:solidFill>
+              </a14:hiddenFill>
+            </a:ext>
+            <a:ext uri="{91240B29-F687-4F45-9708-019B960494DF}">
+              <a14:hiddenLine xmlns:a14="http://schemas.microsoft.com/office/drawing/2010/main" w="9525">
+                <a:solidFill>
+                  <a:schemeClr val="tx1"/>
+                </a:solidFill>
+                <a:miter lim="800000"/>
+                <a:headEnd/>
+                <a:tailEnd/>
+              </a14:hiddenLine>
+            </a:ext>
+            <a:ext uri="{AF507438-7753-43E0-B8FC-AC1667EBCBE1}">
+              <a14:hiddenEffects xmlns:a14="http://schemas.microsoft.com/office/drawing/2010/main">
+                <a:effectLst>
+                  <a:outerShdw dist="35921" dir="2700000" algn="ctr" rotWithShape="0">
+                    <a:srgbClr val="808080"/>
+                  </a:outerShdw>
+                </a:effectLst>
+              </a14:hiddenEffects>
+            </a:ext>
+          </a:extLst>
+        </p:spPr>
+        <p:txBody>
+          <a:bodyPr wrap="none">
+            <a:spAutoFit/>
+          </a:bodyPr>
+          <a:lstStyle>
+            <a:lvl1pPr>
+              <a:defRPr sz="900">
+                <a:solidFill>
+                  <a:schemeClr val="bg1"/>
+                </a:solidFill>
+                <a:latin typeface="Arial" panose="020B0604020202020204" pitchFamily="34" charset="0"/>
+                <a:ea typeface="ＭＳ Ｐゴシック" panose="020B0600070205080204" pitchFamily="34" charset="-128"/>
+              </a:defRPr>
+            </a:lvl1pPr>
+            <a:lvl2pPr marL="742950" indent="-285750">
+              <a:defRPr sz="900">
+                <a:solidFill>
+                  <a:schemeClr val="bg1"/>
+                </a:solidFill>
+                <a:latin typeface="Arial" panose="020B0604020202020204" pitchFamily="34" charset="0"/>
+                <a:ea typeface="ＭＳ Ｐゴシック" panose="020B0600070205080204" pitchFamily="34" charset="-128"/>
+              </a:defRPr>
+            </a:lvl2pPr>
+            <a:lvl3pPr marL="1143000" indent="-228600">
+              <a:defRPr sz="900">
+                <a:solidFill>
+                  <a:schemeClr val="bg1"/>
+                </a:solidFill>
+                <a:latin typeface="Arial" panose="020B0604020202020204" pitchFamily="34" charset="0"/>
+                <a:ea typeface="ＭＳ Ｐゴシック" panose="020B0600070205080204" pitchFamily="34" charset="-128"/>
+              </a:defRPr>
+            </a:lvl3pPr>
+            <a:lvl4pPr marL="1600200" indent="-228600">
+              <a:defRPr sz="900">
+                <a:solidFill>
+                  <a:schemeClr val="bg1"/>
+                </a:solidFill>
+                <a:latin typeface="Arial" panose="020B0604020202020204" pitchFamily="34" charset="0"/>
+                <a:ea typeface="ＭＳ Ｐゴシック" panose="020B0600070205080204" pitchFamily="34" charset="-128"/>
+              </a:defRPr>
+            </a:lvl4pPr>
+            <a:lvl5pPr marL="2057400" indent="-228600">
+              <a:defRPr sz="900">
+                <a:solidFill>
+                  <a:schemeClr val="bg1"/>
+                </a:solidFill>
+                <a:latin typeface="Arial" panose="020B0604020202020204" pitchFamily="34" charset="0"/>
+                <a:ea typeface="ＭＳ Ｐゴシック" panose="020B0600070205080204" pitchFamily="34" charset="-128"/>
+              </a:defRPr>
+            </a:lvl5pPr>
+            <a:lvl6pPr marL="2514600" indent="-228600" eaLnBrk="0" fontAlgn="base" hangingPunct="0">
+              <a:spcBef>
+                <a:spcPct val="0"/>
+              </a:spcBef>
+              <a:spcAft>
+                <a:spcPct val="0"/>
+              </a:spcAft>
+              <a:defRPr sz="900">
+                <a:solidFill>
+                  <a:schemeClr val="bg1"/>
+                </a:solidFill>
+                <a:latin typeface="Arial" panose="020B0604020202020204" pitchFamily="34" charset="0"/>
+                <a:ea typeface="ＭＳ Ｐゴシック" panose="020B0600070205080204" pitchFamily="34" charset="-128"/>
+              </a:defRPr>
+            </a:lvl6pPr>
+            <a:lvl7pPr marL="2971800" indent="-228600" eaLnBrk="0" fontAlgn="base" hangingPunct="0">
+              <a:spcBef>
+                <a:spcPct val="0"/>
+              </a:spcBef>
+              <a:spcAft>
+                <a:spcPct val="0"/>
+              </a:spcAft>
+              <a:defRPr sz="900">
+                <a:solidFill>
+                  <a:schemeClr val="bg1"/>
+                </a:solidFill>
+                <a:latin typeface="Arial" panose="020B0604020202020204" pitchFamily="34" charset="0"/>
+                <a:ea typeface="ＭＳ Ｐゴシック" panose="020B0600070205080204" pitchFamily="34" charset="-128"/>
+              </a:defRPr>
+            </a:lvl7pPr>
+            <a:lvl8pPr marL="3429000" indent="-228600" eaLnBrk="0" fontAlgn="base" hangingPunct="0">
+              <a:spcBef>
+                <a:spcPct val="0"/>
+              </a:spcBef>
+              <a:spcAft>
+                <a:spcPct val="0"/>
+              </a:spcAft>
+              <a:defRPr sz="900">
+                <a:solidFill>
+                  <a:schemeClr val="bg1"/>
+                </a:solidFill>
+                <a:latin typeface="Arial" panose="020B0604020202020204" pitchFamily="34" charset="0"/>
+                <a:ea typeface="ＭＳ Ｐゴシック" panose="020B0600070205080204" pitchFamily="34" charset="-128"/>
+              </a:defRPr>
+            </a:lvl8pPr>
+            <a:lvl9pPr marL="3886200" indent="-228600" eaLnBrk="0" fontAlgn="base" hangingPunct="0">
+              <a:spcBef>
+                <a:spcPct val="0"/>
+              </a:spcBef>
+              <a:spcAft>
+                <a:spcPct val="0"/>
+              </a:spcAft>
+              <a:defRPr sz="900">
+                <a:solidFill>
+                  <a:schemeClr val="bg1"/>
+                </a:solidFill>
+                <a:latin typeface="Arial" panose="020B0604020202020204" pitchFamily="34" charset="0"/>
+                <a:ea typeface="ＭＳ Ｐゴシック" panose="020B0600070205080204" pitchFamily="34" charset="-128"/>
+              </a:defRPr>
+            </a:lvl9pPr>
+          </a:lstStyle>
+          <a:p>
+            <a:endParaRPr lang="it-IT" altLang="it-IT"/>
+          </a:p>
+        </p:txBody>
+      </p:sp>
+      <p:sp>
+        <p:nvSpPr>
+          <p:cNvPr id="12295" name="Text Box 19">
+            <a:extLst>
+              <a:ext uri="{FF2B5EF4-FFF2-40B4-BE49-F238E27FC236}">
+                <a16:creationId xmlns:a16="http://schemas.microsoft.com/office/drawing/2014/main" id="{62FE120B-2C1D-B23C-80AE-B91D65909792}"/>
+              </a:ext>
+            </a:extLst>
+          </p:cNvPr>
+          <p:cNvSpPr txBox="1">
+            <a:spLocks noChangeArrowheads="1"/>
+          </p:cNvSpPr>
+          <p:nvPr/>
+        </p:nvSpPr>
+        <p:spPr bwMode="auto">
+          <a:xfrm>
+            <a:off x="1116013" y="776288"/>
+            <a:ext cx="7404100" cy="427037"/>
+          </a:xfrm>
+          <a:prstGeom prst="rect">
+            <a:avLst/>
+          </a:prstGeom>
+          <a:noFill/>
+          <a:ln>
+            <a:noFill/>
+          </a:ln>
+          <a:effectLst/>
+          <a:extLst>
+            <a:ext uri="{909E8E84-426E-40DD-AFC4-6F175D3DCCD1}">
+              <a14:hiddenFill xmlns:a14="http://schemas.microsoft.com/office/drawing/2010/main">
+                <a:solidFill>
+                  <a:schemeClr val="accent1"/>
+                </a:solidFill>
+              </a14:hiddenFill>
+            </a:ext>
+            <a:ext uri="{91240B29-F687-4F45-9708-019B960494DF}">
+              <a14:hiddenLine xmlns:a14="http://schemas.microsoft.com/office/drawing/2010/main" w="9525">
+                <a:solidFill>
+                  <a:schemeClr val="tx1"/>
+                </a:solidFill>
+                <a:miter lim="800000"/>
+                <a:headEnd/>
+                <a:tailEnd/>
+              </a14:hiddenLine>
+            </a:ext>
+            <a:ext uri="{AF507438-7753-43E0-B8FC-AC1667EBCBE1}">
+              <a14:hiddenEffects xmlns:a14="http://schemas.microsoft.com/office/drawing/2010/main">
+                <a:effectLst>
+                  <a:outerShdw dist="35921" dir="2700000" algn="ctr" rotWithShape="0">
+                    <a:srgbClr val="808080"/>
+                  </a:outerShdw>
+                </a:effectLst>
+              </a14:hiddenEffects>
+            </a:ext>
+          </a:extLst>
+        </p:spPr>
+        <p:txBody>
+          <a:bodyPr>
+            <a:spAutoFit/>
+          </a:bodyPr>
+          <a:lstStyle>
+            <a:lvl1pPr>
+              <a:defRPr sz="900">
+                <a:solidFill>
+                  <a:schemeClr val="bg1"/>
+                </a:solidFill>
+                <a:latin typeface="Arial" panose="020B0604020202020204" pitchFamily="34" charset="0"/>
+                <a:ea typeface="ＭＳ Ｐゴシック" panose="020B0600070205080204" pitchFamily="34" charset="-128"/>
+              </a:defRPr>
+            </a:lvl1pPr>
+            <a:lvl2pPr marL="742950" indent="-285750">
+              <a:defRPr sz="900">
+                <a:solidFill>
+                  <a:schemeClr val="bg1"/>
+                </a:solidFill>
+                <a:latin typeface="Arial" panose="020B0604020202020204" pitchFamily="34" charset="0"/>
+                <a:ea typeface="ＭＳ Ｐゴシック" panose="020B0600070205080204" pitchFamily="34" charset="-128"/>
+              </a:defRPr>
+            </a:lvl2pPr>
+            <a:lvl3pPr marL="1143000" indent="-228600">
+              <a:defRPr sz="900">
+                <a:solidFill>
+                  <a:schemeClr val="bg1"/>
+                </a:solidFill>
+                <a:latin typeface="Arial" panose="020B0604020202020204" pitchFamily="34" charset="0"/>
+                <a:ea typeface="ＭＳ Ｐゴシック" panose="020B0600070205080204" pitchFamily="34" charset="-128"/>
+              </a:defRPr>
+            </a:lvl3pPr>
+            <a:lvl4pPr marL="1600200" indent="-228600">
+              <a:defRPr sz="900">
+                <a:solidFill>
+                  <a:schemeClr val="bg1"/>
+                </a:solidFill>
+                <a:latin typeface="Arial" panose="020B0604020202020204" pitchFamily="34" charset="0"/>
+                <a:ea typeface="ＭＳ Ｐゴシック" panose="020B0600070205080204" pitchFamily="34" charset="-128"/>
+              </a:defRPr>
+            </a:lvl4pPr>
+            <a:lvl5pPr marL="2057400" indent="-228600">
+              <a:defRPr sz="900">
+                <a:solidFill>
+                  <a:schemeClr val="bg1"/>
+                </a:solidFill>
+                <a:latin typeface="Arial" panose="020B0604020202020204" pitchFamily="34" charset="0"/>
+                <a:ea typeface="ＭＳ Ｐゴシック" panose="020B0600070205080204" pitchFamily="34" charset="-128"/>
+              </a:defRPr>
+            </a:lvl5pPr>
+            <a:lvl6pPr marL="2514600" indent="-228600" eaLnBrk="0" fontAlgn="base" hangingPunct="0">
+              <a:spcBef>
+                <a:spcPct val="0"/>
+              </a:spcBef>
+              <a:spcAft>
+                <a:spcPct val="0"/>
+              </a:spcAft>
+              <a:defRPr sz="900">
+                <a:solidFill>
+                  <a:schemeClr val="bg1"/>
+                </a:solidFill>
+                <a:latin typeface="Arial" panose="020B0604020202020204" pitchFamily="34" charset="0"/>
+                <a:ea typeface="ＭＳ Ｐゴシック" panose="020B0600070205080204" pitchFamily="34" charset="-128"/>
+              </a:defRPr>
+            </a:lvl6pPr>
+            <a:lvl7pPr marL="2971800" indent="-228600" eaLnBrk="0" fontAlgn="base" hangingPunct="0">
+              <a:spcBef>
+                <a:spcPct val="0"/>
+              </a:spcBef>
+              <a:spcAft>
+                <a:spcPct val="0"/>
+              </a:spcAft>
+              <a:defRPr sz="900">
+                <a:solidFill>
+                  <a:schemeClr val="bg1"/>
+                </a:solidFill>
+                <a:latin typeface="Arial" panose="020B0604020202020204" pitchFamily="34" charset="0"/>
+                <a:ea typeface="ＭＳ Ｐゴシック" panose="020B0600070205080204" pitchFamily="34" charset="-128"/>
+              </a:defRPr>
+            </a:lvl7pPr>
+            <a:lvl8pPr marL="3429000" indent="-228600" eaLnBrk="0" fontAlgn="base" hangingPunct="0">
+              <a:spcBef>
+                <a:spcPct val="0"/>
+              </a:spcBef>
+              <a:spcAft>
+                <a:spcPct val="0"/>
+              </a:spcAft>
+              <a:defRPr sz="900">
+                <a:solidFill>
+                  <a:schemeClr val="bg1"/>
+                </a:solidFill>
+                <a:latin typeface="Arial" panose="020B0604020202020204" pitchFamily="34" charset="0"/>
+                <a:ea typeface="ＭＳ Ｐゴシック" panose="020B0600070205080204" pitchFamily="34" charset="-128"/>
+              </a:defRPr>
+            </a:lvl8pPr>
+            <a:lvl9pPr marL="3886200" indent="-228600" eaLnBrk="0" fontAlgn="base" hangingPunct="0">
+              <a:spcBef>
+                <a:spcPct val="0"/>
+              </a:spcBef>
+              <a:spcAft>
+                <a:spcPct val="0"/>
+              </a:spcAft>
+              <a:defRPr sz="900">
+                <a:solidFill>
+                  <a:schemeClr val="bg1"/>
+                </a:solidFill>
+                <a:latin typeface="Arial" panose="020B0604020202020204" pitchFamily="34" charset="0"/>
+                <a:ea typeface="ＭＳ Ｐゴシック" panose="020B0600070205080204" pitchFamily="34" charset="-128"/>
+              </a:defRPr>
+            </a:lvl9pPr>
+          </a:lstStyle>
+          <a:p>
+            <a:pPr>
+              <a:spcBef>
+                <a:spcPct val="50000"/>
+              </a:spcBef>
+            </a:pPr>
+            <a:r>
+              <a:rPr lang="it-IT" altLang="it-IT" sz="2200">
+                <a:solidFill>
+                  <a:srgbClr val="000000"/>
+                </a:solidFill>
+              </a:rPr>
+              <a:t>Selezionare per scrivere o eliminare il sottotitolo</a:t>
+            </a:r>
+            <a:endParaRPr lang="it-IT" altLang="it-IT" sz="2200">
+              <a:solidFill>
+                <a:schemeClr val="tx1"/>
+              </a:solidFill>
+            </a:endParaRPr>
+          </a:p>
+        </p:txBody>
+      </p:sp>
+      <p:grpSp>
+        <p:nvGrpSpPr>
+          <p:cNvPr id="12298" name="Gruppo 12297">
+            <a:extLst>
+              <a:ext uri="{FF2B5EF4-FFF2-40B4-BE49-F238E27FC236}">
+                <a16:creationId xmlns:a16="http://schemas.microsoft.com/office/drawing/2014/main" id="{BB7A875D-C2BC-0EE2-7E16-0283E86DD817}"/>
+              </a:ext>
+            </a:extLst>
+          </p:cNvPr>
+          <p:cNvGrpSpPr>
+            <a:grpSpLocks noChangeAspect="1"/>
+          </p:cNvGrpSpPr>
+          <p:nvPr/>
+        </p:nvGrpSpPr>
+        <p:grpSpPr>
+          <a:xfrm>
+            <a:off x="1087733" y="1521288"/>
+            <a:ext cx="6968534" cy="4500000"/>
+            <a:chOff x="1219200" y="1575504"/>
+            <a:chExt cx="6634046" cy="4280282"/>
+          </a:xfrm>
+        </p:grpSpPr>
+        <p:grpSp>
+          <p:nvGrpSpPr>
+            <p:cNvPr id="29" name="Gruppo 28">
+              <a:extLst>
+                <a:ext uri="{FF2B5EF4-FFF2-40B4-BE49-F238E27FC236}">
+                  <a16:creationId xmlns:a16="http://schemas.microsoft.com/office/drawing/2014/main" id="{69B44ACA-1991-AA3F-BF71-87D0A6892AF4}"/>
+                </a:ext>
+              </a:extLst>
+            </p:cNvPr>
+            <p:cNvGrpSpPr/>
+            <p:nvPr/>
+          </p:nvGrpSpPr>
+          <p:grpSpPr>
+            <a:xfrm>
+              <a:off x="1219200" y="1575504"/>
+              <a:ext cx="1548930" cy="1904018"/>
+              <a:chOff x="1219200" y="1575504"/>
+              <a:chExt cx="1548930" cy="1904018"/>
+            </a:xfrm>
+          </p:grpSpPr>
+          <p:pic>
+            <p:nvPicPr>
+              <p:cNvPr id="5" name="Immagine 4" descr="Immagine che contiene disegno, schizzo, arte, Arte bambini&#10;&#10;Descrizione generata automaticamente">
+                <a:extLst>
+                  <a:ext uri="{FF2B5EF4-FFF2-40B4-BE49-F238E27FC236}">
+                    <a16:creationId xmlns:a16="http://schemas.microsoft.com/office/drawing/2014/main" id="{F93AF7F6-CF26-C68F-86B0-8042548D0844}"/>
+                  </a:ext>
+                </a:extLst>
+              </p:cNvPr>
+              <p:cNvPicPr>
+                <a:picLocks noChangeAspect="1"/>
+              </p:cNvPicPr>
+              <p:nvPr/>
+            </p:nvPicPr>
+            <p:blipFill>
+              <a:blip r:embed="rId3">
+                <a:extLst>
+                  <a:ext uri="{28A0092B-C50C-407E-A947-70E740481C1C}">
+                    <a14:useLocalDpi xmlns:a14="http://schemas.microsoft.com/office/drawing/2010/main" val="0"/>
+                  </a:ext>
+                </a:extLst>
+              </a:blip>
+              <a:stretch>
+                <a:fillRect/>
+              </a:stretch>
+            </p:blipFill>
+            <p:spPr>
+              <a:xfrm>
+                <a:off x="1219201" y="1575504"/>
+                <a:ext cx="1548929" cy="1548927"/>
+              </a:xfrm>
+              <a:prstGeom prst="rect">
+                <a:avLst/>
+              </a:prstGeom>
+            </p:spPr>
+          </p:pic>
+          <p:sp>
+            <p:nvSpPr>
+              <p:cNvPr id="22" name="CasellaDiTesto 21">
+                <a:extLst>
+                  <a:ext uri="{FF2B5EF4-FFF2-40B4-BE49-F238E27FC236}">
+                    <a16:creationId xmlns:a16="http://schemas.microsoft.com/office/drawing/2014/main" id="{5AF4E321-54DF-6F83-8B2A-94889C6EC46B}"/>
+                  </a:ext>
+                </a:extLst>
+              </p:cNvPr>
+              <p:cNvSpPr txBox="1"/>
+              <p:nvPr/>
+            </p:nvSpPr>
+            <p:spPr>
+              <a:xfrm>
+                <a:off x="1219200" y="3140968"/>
+                <a:ext cx="1548929" cy="338554"/>
+              </a:xfrm>
+              <a:prstGeom prst="rect">
+                <a:avLst/>
+              </a:prstGeom>
+              <a:noFill/>
+            </p:spPr>
+            <p:txBody>
+              <a:bodyPr wrap="square" rtlCol="0">
+                <a:spAutoFit/>
+              </a:bodyPr>
+              <a:lstStyle/>
+              <a:p>
+                <a:pPr algn="ctr"/>
+                <a:r>
+                  <a:rPr lang="it-IT" sz="1600" dirty="0">
+                    <a:solidFill>
+                      <a:srgbClr val="000000"/>
+                    </a:solidFill>
+                  </a:rPr>
+                  <a:t>Ground truth</a:t>
+                </a:r>
+              </a:p>
+            </p:txBody>
+          </p:sp>
+        </p:grpSp>
+        <p:grpSp>
+          <p:nvGrpSpPr>
+            <p:cNvPr id="30" name="Gruppo 29">
+              <a:extLst>
+                <a:ext uri="{FF2B5EF4-FFF2-40B4-BE49-F238E27FC236}">
+                  <a16:creationId xmlns:a16="http://schemas.microsoft.com/office/drawing/2014/main" id="{F88B8F67-1402-C483-45B2-ACEB47845426}"/>
+                </a:ext>
+              </a:extLst>
+            </p:cNvPr>
+            <p:cNvGrpSpPr/>
+            <p:nvPr/>
+          </p:nvGrpSpPr>
+          <p:grpSpPr>
+            <a:xfrm>
+              <a:off x="3779912" y="1577813"/>
+              <a:ext cx="1561096" cy="1901709"/>
+              <a:chOff x="3779912" y="1577813"/>
+              <a:chExt cx="1561096" cy="1901709"/>
+            </a:xfrm>
+          </p:grpSpPr>
+          <p:pic>
+            <p:nvPicPr>
+              <p:cNvPr id="13" name="Immagine 12" descr="Immagine che contiene disegno, cartone animato, arte&#10;&#10;Descrizione generata automaticamente">
+                <a:extLst>
+                  <a:ext uri="{FF2B5EF4-FFF2-40B4-BE49-F238E27FC236}">
+                    <a16:creationId xmlns:a16="http://schemas.microsoft.com/office/drawing/2014/main" id="{02B01CA7-BEC7-D0A5-A4F1-A2452518C4F2}"/>
+                  </a:ext>
+                </a:extLst>
+              </p:cNvPr>
+              <p:cNvPicPr>
+                <a:picLocks noChangeAspect="1"/>
+              </p:cNvPicPr>
+              <p:nvPr/>
+            </p:nvPicPr>
+            <p:blipFill>
+              <a:blip r:embed="rId4">
+                <a:extLst>
+                  <a:ext uri="{28A0092B-C50C-407E-A947-70E740481C1C}">
+                    <a14:useLocalDpi xmlns:a14="http://schemas.microsoft.com/office/drawing/2010/main" val="0"/>
+                  </a:ext>
+                </a:extLst>
+              </a:blip>
+              <a:stretch>
+                <a:fillRect/>
+              </a:stretch>
+            </p:blipFill>
+            <p:spPr>
+              <a:xfrm>
+                <a:off x="3794388" y="1577813"/>
+                <a:ext cx="1546620" cy="1546618"/>
+              </a:xfrm>
+              <a:prstGeom prst="rect">
+                <a:avLst/>
+              </a:prstGeom>
+            </p:spPr>
+          </p:pic>
+          <p:sp>
+            <p:nvSpPr>
+              <p:cNvPr id="23" name="CasellaDiTesto 22">
+                <a:extLst>
+                  <a:ext uri="{FF2B5EF4-FFF2-40B4-BE49-F238E27FC236}">
+                    <a16:creationId xmlns:a16="http://schemas.microsoft.com/office/drawing/2014/main" id="{1505AD18-3944-0867-BB60-26EB13EA0C1D}"/>
+                  </a:ext>
+                </a:extLst>
+              </p:cNvPr>
+              <p:cNvSpPr txBox="1"/>
+              <p:nvPr/>
+            </p:nvSpPr>
+            <p:spPr>
+              <a:xfrm>
+                <a:off x="3779912" y="3140968"/>
+                <a:ext cx="1548929" cy="338554"/>
+              </a:xfrm>
+              <a:prstGeom prst="rect">
+                <a:avLst/>
+              </a:prstGeom>
+              <a:noFill/>
+            </p:spPr>
+            <p:txBody>
+              <a:bodyPr wrap="square" rtlCol="0">
+                <a:spAutoFit/>
+              </a:bodyPr>
+              <a:lstStyle/>
+              <a:p>
+                <a:pPr algn="ctr"/>
+                <a:r>
+                  <a:rPr lang="it-IT" sz="1600" dirty="0" err="1">
+                    <a:solidFill>
+                      <a:srgbClr val="000000"/>
+                    </a:solidFill>
+                  </a:rPr>
+                  <a:t>SegResNet</a:t>
+                </a:r>
+                <a:endParaRPr lang="it-IT" sz="1600" dirty="0">
+                  <a:solidFill>
+                    <a:srgbClr val="000000"/>
+                  </a:solidFill>
+                </a:endParaRPr>
+              </a:p>
+            </p:txBody>
+          </p:sp>
+        </p:grpSp>
+        <p:grpSp>
+          <p:nvGrpSpPr>
+            <p:cNvPr id="31" name="Gruppo 30">
+              <a:extLst>
+                <a:ext uri="{FF2B5EF4-FFF2-40B4-BE49-F238E27FC236}">
+                  <a16:creationId xmlns:a16="http://schemas.microsoft.com/office/drawing/2014/main" id="{A9E5F67D-BEAD-3B1A-A918-1318D44958E2}"/>
+                </a:ext>
+              </a:extLst>
+            </p:cNvPr>
+            <p:cNvGrpSpPr/>
+            <p:nvPr/>
+          </p:nvGrpSpPr>
+          <p:grpSpPr>
+            <a:xfrm>
+              <a:off x="6300192" y="1577813"/>
+              <a:ext cx="1548929" cy="1870932"/>
+              <a:chOff x="6300192" y="1577813"/>
+              <a:chExt cx="1548929" cy="1870932"/>
+            </a:xfrm>
+          </p:grpSpPr>
+          <p:pic>
+            <p:nvPicPr>
+              <p:cNvPr id="15" name="Immagine 14" descr="Immagine che contiene disegno, cartone animato, cerchio, schizzo&#10;&#10;Descrizione generata automaticamente">
+                <a:extLst>
+                  <a:ext uri="{FF2B5EF4-FFF2-40B4-BE49-F238E27FC236}">
+                    <a16:creationId xmlns:a16="http://schemas.microsoft.com/office/drawing/2014/main" id="{5B96C763-2C4E-D30D-2D95-4DDFA0CD9F9A}"/>
+                  </a:ext>
+                </a:extLst>
+              </p:cNvPr>
+              <p:cNvPicPr>
+                <a:picLocks noChangeAspect="1"/>
+              </p:cNvPicPr>
+              <p:nvPr/>
+            </p:nvPicPr>
+            <p:blipFill>
+              <a:blip r:embed="rId5">
+                <a:extLst>
+                  <a:ext uri="{28A0092B-C50C-407E-A947-70E740481C1C}">
+                    <a14:useLocalDpi xmlns:a14="http://schemas.microsoft.com/office/drawing/2010/main" val="0"/>
+                  </a:ext>
+                </a:extLst>
+              </a:blip>
+              <a:stretch>
+                <a:fillRect/>
+              </a:stretch>
+            </p:blipFill>
+            <p:spPr>
+              <a:xfrm>
+                <a:off x="6300192" y="1577813"/>
+                <a:ext cx="1548929" cy="1548927"/>
+              </a:xfrm>
+              <a:prstGeom prst="rect">
+                <a:avLst/>
+              </a:prstGeom>
+            </p:spPr>
+          </p:pic>
+          <p:sp>
+            <p:nvSpPr>
+              <p:cNvPr id="24" name="CasellaDiTesto 23">
+                <a:extLst>
+                  <a:ext uri="{FF2B5EF4-FFF2-40B4-BE49-F238E27FC236}">
+                    <a16:creationId xmlns:a16="http://schemas.microsoft.com/office/drawing/2014/main" id="{51411DAB-9670-A961-A0F6-4C6B3875FF52}"/>
+                  </a:ext>
+                </a:extLst>
+              </p:cNvPr>
+              <p:cNvSpPr txBox="1"/>
+              <p:nvPr/>
+            </p:nvSpPr>
+            <p:spPr>
+              <a:xfrm>
+                <a:off x="6300192" y="3140968"/>
+                <a:ext cx="1548929" cy="307777"/>
+              </a:xfrm>
+              <a:prstGeom prst="rect">
+                <a:avLst/>
+              </a:prstGeom>
+              <a:noFill/>
+            </p:spPr>
+            <p:txBody>
+              <a:bodyPr wrap="square" rtlCol="0">
+                <a:spAutoFit/>
+              </a:bodyPr>
+              <a:lstStyle/>
+              <a:p>
+                <a:pPr algn="ctr"/>
+                <a:r>
+                  <a:rPr lang="it-IT" sz="1400" dirty="0" err="1">
+                    <a:solidFill>
+                      <a:srgbClr val="000000"/>
+                    </a:solidFill>
+                  </a:rPr>
+                  <a:t>SegResNet</a:t>
+                </a:r>
+                <a:r>
+                  <a:rPr lang="it-IT" sz="1400" dirty="0">
+                    <a:solidFill>
+                      <a:srgbClr val="000000"/>
+                    </a:solidFill>
+                  </a:rPr>
+                  <a:t>-VAE</a:t>
+                </a:r>
+                <a:endParaRPr lang="it-IT" sz="1500" dirty="0">
+                  <a:solidFill>
+                    <a:srgbClr val="000000"/>
+                  </a:solidFill>
+                </a:endParaRPr>
+              </a:p>
+            </p:txBody>
+          </p:sp>
+        </p:grpSp>
+        <p:grpSp>
+          <p:nvGrpSpPr>
+            <p:cNvPr id="12288" name="Gruppo 12287">
+              <a:extLst>
+                <a:ext uri="{FF2B5EF4-FFF2-40B4-BE49-F238E27FC236}">
+                  <a16:creationId xmlns:a16="http://schemas.microsoft.com/office/drawing/2014/main" id="{12A52888-02DC-B484-25E7-A64DCBF4FFD0}"/>
+                </a:ext>
+              </a:extLst>
+            </p:cNvPr>
+            <p:cNvGrpSpPr/>
+            <p:nvPr/>
+          </p:nvGrpSpPr>
+          <p:grpSpPr>
+            <a:xfrm>
+              <a:off x="1219200" y="3968305"/>
+              <a:ext cx="1552600" cy="1887481"/>
+              <a:chOff x="1219200" y="3968305"/>
+              <a:chExt cx="1552600" cy="1887481"/>
+            </a:xfrm>
+          </p:grpSpPr>
+          <p:pic>
+            <p:nvPicPr>
+              <p:cNvPr id="17" name="Immagine 16" descr="Immagine che contiene disegno, schizzo, arte&#10;&#10;Descrizione generata automaticamente">
+                <a:extLst>
+                  <a:ext uri="{FF2B5EF4-FFF2-40B4-BE49-F238E27FC236}">
+                    <a16:creationId xmlns:a16="http://schemas.microsoft.com/office/drawing/2014/main" id="{84562B16-15C4-FD5D-FEC2-CF0C00DA8ACD}"/>
+                  </a:ext>
+                </a:extLst>
+              </p:cNvPr>
+              <p:cNvPicPr>
+                <a:picLocks noChangeAspect="1"/>
+              </p:cNvPicPr>
+              <p:nvPr/>
+            </p:nvPicPr>
+            <p:blipFill>
+              <a:blip r:embed="rId6">
+                <a:extLst>
+                  <a:ext uri="{28A0092B-C50C-407E-A947-70E740481C1C}">
+                    <a14:useLocalDpi xmlns:a14="http://schemas.microsoft.com/office/drawing/2010/main" val="0"/>
+                  </a:ext>
+                </a:extLst>
+              </a:blip>
+              <a:stretch>
+                <a:fillRect/>
+              </a:stretch>
+            </p:blipFill>
+            <p:spPr>
+              <a:xfrm>
+                <a:off x="1219200" y="3968305"/>
+                <a:ext cx="1548929" cy="1548927"/>
+              </a:xfrm>
+              <a:prstGeom prst="rect">
+                <a:avLst/>
+              </a:prstGeom>
+            </p:spPr>
+          </p:pic>
+          <p:sp>
+            <p:nvSpPr>
+              <p:cNvPr id="25" name="CasellaDiTesto 24">
+                <a:extLst>
+                  <a:ext uri="{FF2B5EF4-FFF2-40B4-BE49-F238E27FC236}">
+                    <a16:creationId xmlns:a16="http://schemas.microsoft.com/office/drawing/2014/main" id="{3ECB45C6-F4BD-2931-7E70-6076D6D2F7E8}"/>
+                  </a:ext>
+                </a:extLst>
+              </p:cNvPr>
+              <p:cNvSpPr txBox="1"/>
+              <p:nvPr/>
+            </p:nvSpPr>
+            <p:spPr>
+              <a:xfrm>
+                <a:off x="1222871" y="5517232"/>
+                <a:ext cx="1548929" cy="338554"/>
+              </a:xfrm>
+              <a:prstGeom prst="rect">
+                <a:avLst/>
+              </a:prstGeom>
+              <a:noFill/>
+            </p:spPr>
+            <p:txBody>
+              <a:bodyPr wrap="square" rtlCol="0">
+                <a:spAutoFit/>
+              </a:bodyPr>
+              <a:lstStyle/>
+              <a:p>
+                <a:pPr algn="ctr"/>
+                <a:r>
+                  <a:rPr lang="it-IT" sz="1600" dirty="0" err="1">
+                    <a:solidFill>
+                      <a:srgbClr val="000000"/>
+                    </a:solidFill>
+                  </a:rPr>
+                  <a:t>SwinUNETR</a:t>
+                </a:r>
+                <a:endParaRPr lang="it-IT" sz="1600" dirty="0">
+                  <a:solidFill>
+                    <a:srgbClr val="000000"/>
+                  </a:solidFill>
+                </a:endParaRPr>
+              </a:p>
+            </p:txBody>
+          </p:sp>
+        </p:grpSp>
+        <p:grpSp>
+          <p:nvGrpSpPr>
+            <p:cNvPr id="12297" name="Gruppo 12296">
+              <a:extLst>
+                <a:ext uri="{FF2B5EF4-FFF2-40B4-BE49-F238E27FC236}">
+                  <a16:creationId xmlns:a16="http://schemas.microsoft.com/office/drawing/2014/main" id="{2CC448C4-F074-26BB-54F4-5CFD4131D8F6}"/>
+                </a:ext>
+              </a:extLst>
+            </p:cNvPr>
+            <p:cNvGrpSpPr/>
+            <p:nvPr/>
+          </p:nvGrpSpPr>
+          <p:grpSpPr>
+            <a:xfrm>
+              <a:off x="6301856" y="3968305"/>
+              <a:ext cx="1551390" cy="1856704"/>
+              <a:chOff x="6301856" y="3968305"/>
+              <a:chExt cx="1551390" cy="1856704"/>
+            </a:xfrm>
+          </p:grpSpPr>
+          <p:pic>
+            <p:nvPicPr>
+              <p:cNvPr id="19" name="Immagine 18" descr="Immagine che contiene disegno, schizzo, cerchio, cartone animato&#10;&#10;Descrizione generata automaticamente">
+                <a:extLst>
+                  <a:ext uri="{FF2B5EF4-FFF2-40B4-BE49-F238E27FC236}">
+                    <a16:creationId xmlns:a16="http://schemas.microsoft.com/office/drawing/2014/main" id="{9E4F02DD-5B77-74C0-8AB6-44580BC19BDC}"/>
+                  </a:ext>
+                </a:extLst>
+              </p:cNvPr>
+              <p:cNvPicPr>
+                <a:picLocks noChangeAspect="1"/>
+              </p:cNvPicPr>
+              <p:nvPr/>
+            </p:nvPicPr>
+            <p:blipFill>
+              <a:blip r:embed="rId7">
+                <a:extLst>
+                  <a:ext uri="{28A0092B-C50C-407E-A947-70E740481C1C}">
+                    <a14:useLocalDpi xmlns:a14="http://schemas.microsoft.com/office/drawing/2010/main" val="0"/>
+                  </a:ext>
+                </a:extLst>
+              </a:blip>
+              <a:stretch>
+                <a:fillRect/>
+              </a:stretch>
+            </p:blipFill>
+            <p:spPr>
+              <a:xfrm>
+                <a:off x="6301856" y="3968305"/>
+                <a:ext cx="1548929" cy="1548927"/>
+              </a:xfrm>
+              <a:prstGeom prst="rect">
+                <a:avLst/>
+              </a:prstGeom>
+            </p:spPr>
+          </p:pic>
+          <p:sp>
+            <p:nvSpPr>
+              <p:cNvPr id="27" name="CasellaDiTesto 26">
+                <a:extLst>
+                  <a:ext uri="{FF2B5EF4-FFF2-40B4-BE49-F238E27FC236}">
+                    <a16:creationId xmlns:a16="http://schemas.microsoft.com/office/drawing/2014/main" id="{50306787-6758-84C5-2C1A-C4ED1D455F6B}"/>
+                  </a:ext>
+                </a:extLst>
+              </p:cNvPr>
+              <p:cNvSpPr txBox="1"/>
+              <p:nvPr/>
+            </p:nvSpPr>
+            <p:spPr>
+              <a:xfrm>
+                <a:off x="6304317" y="5517232"/>
+                <a:ext cx="1548929" cy="307777"/>
+              </a:xfrm>
+              <a:prstGeom prst="rect">
+                <a:avLst/>
+              </a:prstGeom>
+              <a:noFill/>
+            </p:spPr>
+            <p:txBody>
+              <a:bodyPr wrap="square" rtlCol="0">
+                <a:spAutoFit/>
+              </a:bodyPr>
+              <a:lstStyle/>
+              <a:p>
+                <a:pPr algn="ctr"/>
+                <a:r>
+                  <a:rPr lang="it-IT" sz="1400" dirty="0" err="1">
+                    <a:solidFill>
+                      <a:srgbClr val="000000"/>
+                    </a:solidFill>
+                  </a:rPr>
+                  <a:t>nnAttention</a:t>
+                </a:r>
+                <a:r>
+                  <a:rPr lang="it-IT" sz="1400" dirty="0">
+                    <a:solidFill>
+                      <a:srgbClr val="000000"/>
+                    </a:solidFill>
+                  </a:rPr>
+                  <a:t> </a:t>
+                </a:r>
+                <a:r>
+                  <a:rPr lang="it-IT" sz="1400" dirty="0" err="1">
+                    <a:solidFill>
+                      <a:srgbClr val="000000"/>
+                    </a:solidFill>
+                  </a:rPr>
+                  <a:t>UNet</a:t>
+                </a:r>
+                <a:endParaRPr lang="it-IT" sz="1400" dirty="0">
+                  <a:solidFill>
+                    <a:srgbClr val="000000"/>
+                  </a:solidFill>
+                </a:endParaRPr>
+              </a:p>
+            </p:txBody>
+          </p:sp>
+        </p:grpSp>
+        <p:grpSp>
+          <p:nvGrpSpPr>
+            <p:cNvPr id="12289" name="Gruppo 12288">
+              <a:extLst>
+                <a:ext uri="{FF2B5EF4-FFF2-40B4-BE49-F238E27FC236}">
+                  <a16:creationId xmlns:a16="http://schemas.microsoft.com/office/drawing/2014/main" id="{F7C658B6-0E77-31E9-C516-56B67D1BC60B}"/>
+                </a:ext>
+              </a:extLst>
+            </p:cNvPr>
+            <p:cNvGrpSpPr/>
+            <p:nvPr/>
+          </p:nvGrpSpPr>
+          <p:grpSpPr>
+            <a:xfrm>
+              <a:off x="3779912" y="3968305"/>
+              <a:ext cx="1561096" cy="1887481"/>
+              <a:chOff x="3779912" y="3968305"/>
+              <a:chExt cx="1561096" cy="1887481"/>
+            </a:xfrm>
+          </p:grpSpPr>
+          <p:pic>
+            <p:nvPicPr>
+              <p:cNvPr id="11" name="Immagine 10" descr="Immagine che contiene disegno, schizzo, cartone animato, cerchio&#10;&#10;Descrizione generata automaticamente">
+                <a:extLst>
+                  <a:ext uri="{FF2B5EF4-FFF2-40B4-BE49-F238E27FC236}">
+                    <a16:creationId xmlns:a16="http://schemas.microsoft.com/office/drawing/2014/main" id="{AFEC151D-E214-6AFC-9268-3FE0BFE2C0DD}"/>
+                  </a:ext>
+                </a:extLst>
+              </p:cNvPr>
+              <p:cNvPicPr>
+                <a:picLocks noChangeAspect="1"/>
+              </p:cNvPicPr>
+              <p:nvPr/>
+            </p:nvPicPr>
+            <p:blipFill>
+              <a:blip r:embed="rId8">
+                <a:extLst>
+                  <a:ext uri="{28A0092B-C50C-407E-A947-70E740481C1C}">
+                    <a14:useLocalDpi xmlns:a14="http://schemas.microsoft.com/office/drawing/2010/main" val="0"/>
+                  </a:ext>
+                </a:extLst>
+              </a:blip>
+              <a:stretch>
+                <a:fillRect/>
+              </a:stretch>
+            </p:blipFill>
+            <p:spPr>
+              <a:xfrm>
+                <a:off x="3794388" y="3968305"/>
+                <a:ext cx="1546620" cy="1546618"/>
+              </a:xfrm>
+              <a:prstGeom prst="rect">
+                <a:avLst/>
+              </a:prstGeom>
+            </p:spPr>
+          </p:pic>
+          <p:sp>
+            <p:nvSpPr>
+              <p:cNvPr id="28" name="CasellaDiTesto 27">
+                <a:extLst>
+                  <a:ext uri="{FF2B5EF4-FFF2-40B4-BE49-F238E27FC236}">
+                    <a16:creationId xmlns:a16="http://schemas.microsoft.com/office/drawing/2014/main" id="{7B7F1AAE-D06F-EC8A-B8B2-58A1C60916B8}"/>
+                  </a:ext>
+                </a:extLst>
+              </p:cNvPr>
+              <p:cNvSpPr txBox="1"/>
+              <p:nvPr/>
+            </p:nvSpPr>
+            <p:spPr>
+              <a:xfrm>
+                <a:off x="3779912" y="5517232"/>
+                <a:ext cx="1548929" cy="338554"/>
+              </a:xfrm>
+              <a:prstGeom prst="rect">
+                <a:avLst/>
+              </a:prstGeom>
+              <a:noFill/>
+            </p:spPr>
+            <p:txBody>
+              <a:bodyPr wrap="square" rtlCol="0">
+                <a:spAutoFit/>
+              </a:bodyPr>
+              <a:lstStyle/>
+              <a:p>
+                <a:pPr algn="ctr"/>
+                <a:r>
+                  <a:rPr lang="it-IT" sz="1600" dirty="0" err="1">
+                    <a:solidFill>
+                      <a:srgbClr val="000000"/>
+                    </a:solidFill>
+                  </a:rPr>
+                  <a:t>Attention</a:t>
+                </a:r>
+                <a:r>
+                  <a:rPr lang="it-IT" sz="1600" dirty="0">
+                    <a:solidFill>
+                      <a:srgbClr val="000000"/>
+                    </a:solidFill>
+                  </a:rPr>
+                  <a:t> </a:t>
+                </a:r>
+                <a:r>
+                  <a:rPr lang="it-IT" sz="1600" dirty="0" err="1">
+                    <a:solidFill>
+                      <a:srgbClr val="000000"/>
+                    </a:solidFill>
+                  </a:rPr>
+                  <a:t>UNet</a:t>
+                </a:r>
+                <a:endParaRPr lang="it-IT" sz="1600" dirty="0">
+                  <a:solidFill>
+                    <a:srgbClr val="000000"/>
+                  </a:solidFill>
+                </a:endParaRPr>
+              </a:p>
+            </p:txBody>
+          </p:sp>
+        </p:grpSp>
+      </p:grpSp>
+    </p:spTree>
+    <p:extLst>
+      <p:ext uri="{BB962C8B-B14F-4D97-AF65-F5344CB8AC3E}">
+        <p14:creationId xmlns:p14="http://schemas.microsoft.com/office/powerpoint/2010/main" val="2445634659"/>
+      </p:ext>
+    </p:extLst>
+  </p:cSld>
+  <p:clrMapOvr>
+    <a:masterClrMapping/>
+  </p:clrMapOvr>
+</p:sld>
+</file>
+
+<file path=ppt/slides/slide22.xml><?xml version="1.0" encoding="utf-8"?>
+<p:sld xmlns:a="http://schemas.openxmlformats.org/drawingml/2006/main" xmlns:r="http://schemas.openxmlformats.org/officeDocument/2006/relationships" xmlns:p="http://schemas.openxmlformats.org/presentationml/2006/main">
+  <p:cSld>
+    <p:spTree>
+      <p:nvGrpSpPr>
+        <p:cNvPr id="1" name=""/>
+        <p:cNvGrpSpPr/>
+        <p:nvPr/>
+      </p:nvGrpSpPr>
+      <p:grpSpPr>
+        <a:xfrm>
+          <a:off x="0" y="0"/>
+          <a:ext cx="0" cy="0"/>
+          <a:chOff x="0" y="0"/>
+          <a:chExt cx="0" cy="0"/>
+        </a:xfrm>
+      </p:grpSpPr>
+      <p:sp>
+        <p:nvSpPr>
+          <p:cNvPr id="14338" name="Segnaposto data 3">
+            <a:extLst>
+              <a:ext uri="{FF2B5EF4-FFF2-40B4-BE49-F238E27FC236}">
+                <a16:creationId xmlns:a16="http://schemas.microsoft.com/office/drawing/2014/main" id="{471C327A-BD23-D744-E10E-A1E4E678B2DA}"/>
+              </a:ext>
+            </a:extLst>
+          </p:cNvPr>
+          <p:cNvSpPr>
+            <a:spLocks noGrp="1"/>
+          </p:cNvSpPr>
+          <p:nvPr>
+            <p:ph type="dt" sz="quarter" idx="10"/>
+          </p:nvPr>
+        </p:nvSpPr>
+        <p:spPr>
+          <a:noFill/>
+          <a:extLst>
+            <a:ext uri="{909E8E84-426E-40DD-AFC4-6F175D3DCCD1}">
+              <a14:hiddenFill xmlns:a14="http://schemas.microsoft.com/office/drawing/2010/main">
+                <a:solidFill>
+                  <a:schemeClr val="accent1"/>
+                </a:solidFill>
+              </a14:hiddenFill>
+            </a:ext>
+            <a:ext uri="{91240B29-F687-4F45-9708-019B960494DF}">
+              <a14:hiddenLine xmlns:a14="http://schemas.microsoft.com/office/drawing/2010/main" w="9525">
+                <a:solidFill>
+                  <a:schemeClr val="tx1"/>
+                </a:solidFill>
+                <a:miter lim="800000"/>
+                <a:headEnd/>
+                <a:tailEnd/>
+              </a14:hiddenLine>
+            </a:ext>
+          </a:extLst>
+        </p:spPr>
+        <p:txBody>
+          <a:bodyPr/>
+          <a:lstStyle>
+            <a:lvl1pPr>
+              <a:defRPr sz="900">
+                <a:solidFill>
+                  <a:schemeClr val="bg1"/>
+                </a:solidFill>
+                <a:latin typeface="Arial" panose="020B0604020202020204" pitchFamily="34" charset="0"/>
+                <a:ea typeface="ＭＳ Ｐゴシック" panose="020B0600070205080204" pitchFamily="34" charset="-128"/>
+              </a:defRPr>
+            </a:lvl1pPr>
+            <a:lvl2pPr marL="742950" indent="-285750">
+              <a:defRPr sz="900">
+                <a:solidFill>
+                  <a:schemeClr val="bg1"/>
+                </a:solidFill>
+                <a:latin typeface="Arial" panose="020B0604020202020204" pitchFamily="34" charset="0"/>
+                <a:ea typeface="ＭＳ Ｐゴシック" panose="020B0600070205080204" pitchFamily="34" charset="-128"/>
+              </a:defRPr>
+            </a:lvl2pPr>
+            <a:lvl3pPr marL="1143000" indent="-228600">
+              <a:defRPr sz="900">
+                <a:solidFill>
+                  <a:schemeClr val="bg1"/>
+                </a:solidFill>
+                <a:latin typeface="Arial" panose="020B0604020202020204" pitchFamily="34" charset="0"/>
+                <a:ea typeface="ＭＳ Ｐゴシック" panose="020B0600070205080204" pitchFamily="34" charset="-128"/>
+              </a:defRPr>
+            </a:lvl3pPr>
+            <a:lvl4pPr marL="1600200" indent="-228600">
+              <a:defRPr sz="900">
+                <a:solidFill>
+                  <a:schemeClr val="bg1"/>
+                </a:solidFill>
+                <a:latin typeface="Arial" panose="020B0604020202020204" pitchFamily="34" charset="0"/>
+                <a:ea typeface="ＭＳ Ｐゴシック" panose="020B0600070205080204" pitchFamily="34" charset="-128"/>
+              </a:defRPr>
+            </a:lvl4pPr>
+            <a:lvl5pPr marL="2057400" indent="-228600">
+              <a:defRPr sz="900">
+                <a:solidFill>
+                  <a:schemeClr val="bg1"/>
+                </a:solidFill>
+                <a:latin typeface="Arial" panose="020B0604020202020204" pitchFamily="34" charset="0"/>
+                <a:ea typeface="ＭＳ Ｐゴシック" panose="020B0600070205080204" pitchFamily="34" charset="-128"/>
+              </a:defRPr>
+            </a:lvl5pPr>
+            <a:lvl6pPr marL="2514600" indent="-228600" eaLnBrk="0" fontAlgn="base" hangingPunct="0">
+              <a:spcBef>
+                <a:spcPct val="0"/>
+              </a:spcBef>
+              <a:spcAft>
+                <a:spcPct val="0"/>
+              </a:spcAft>
+              <a:defRPr sz="900">
+                <a:solidFill>
+                  <a:schemeClr val="bg1"/>
+                </a:solidFill>
+                <a:latin typeface="Arial" panose="020B0604020202020204" pitchFamily="34" charset="0"/>
+                <a:ea typeface="ＭＳ Ｐゴシック" panose="020B0600070205080204" pitchFamily="34" charset="-128"/>
+              </a:defRPr>
+            </a:lvl6pPr>
+            <a:lvl7pPr marL="2971800" indent="-228600" eaLnBrk="0" fontAlgn="base" hangingPunct="0">
+              <a:spcBef>
+                <a:spcPct val="0"/>
+              </a:spcBef>
+              <a:spcAft>
+                <a:spcPct val="0"/>
+              </a:spcAft>
+              <a:defRPr sz="900">
+                <a:solidFill>
+                  <a:schemeClr val="bg1"/>
+                </a:solidFill>
+                <a:latin typeface="Arial" panose="020B0604020202020204" pitchFamily="34" charset="0"/>
+                <a:ea typeface="ＭＳ Ｐゴシック" panose="020B0600070205080204" pitchFamily="34" charset="-128"/>
+              </a:defRPr>
+            </a:lvl7pPr>
+            <a:lvl8pPr marL="3429000" indent="-228600" eaLnBrk="0" fontAlgn="base" hangingPunct="0">
+              <a:spcBef>
+                <a:spcPct val="0"/>
+              </a:spcBef>
+              <a:spcAft>
+                <a:spcPct val="0"/>
+              </a:spcAft>
+              <a:defRPr sz="900">
+                <a:solidFill>
+                  <a:schemeClr val="bg1"/>
+                </a:solidFill>
+                <a:latin typeface="Arial" panose="020B0604020202020204" pitchFamily="34" charset="0"/>
+                <a:ea typeface="ＭＳ Ｐゴシック" panose="020B0600070205080204" pitchFamily="34" charset="-128"/>
+              </a:defRPr>
+            </a:lvl8pPr>
+            <a:lvl9pPr marL="3886200" indent="-228600" eaLnBrk="0" fontAlgn="base" hangingPunct="0">
+              <a:spcBef>
+                <a:spcPct val="0"/>
+              </a:spcBef>
+              <a:spcAft>
+                <a:spcPct val="0"/>
+              </a:spcAft>
+              <a:defRPr sz="900">
+                <a:solidFill>
+                  <a:schemeClr val="bg1"/>
+                </a:solidFill>
+                <a:latin typeface="Arial" panose="020B0604020202020204" pitchFamily="34" charset="0"/>
+                <a:ea typeface="ＭＳ Ｐゴシック" panose="020B0600070205080204" pitchFamily="34" charset="-128"/>
+              </a:defRPr>
+            </a:lvl9pPr>
+          </a:lstStyle>
+          <a:p>
+            <a:fld id="{D645B0E0-DE25-48CD-8187-F3C7F6F409AE}" type="datetime1">
+              <a:rPr lang="it-IT" altLang="it-IT" sz="1100"/>
+              <a:pPr/>
+              <a:t>12/05/2023</a:t>
+            </a:fld>
+            <a:endParaRPr lang="it-IT" altLang="it-IT" sz="1100"/>
+          </a:p>
+        </p:txBody>
+      </p:sp>
+      <p:sp>
+        <p:nvSpPr>
+          <p:cNvPr id="14339" name="Segnaposto piè di pagina 4">
+            <a:extLst>
+              <a:ext uri="{FF2B5EF4-FFF2-40B4-BE49-F238E27FC236}">
+                <a16:creationId xmlns:a16="http://schemas.microsoft.com/office/drawing/2014/main" id="{8BE14CCF-87B9-3ABD-0A07-C6FD8F26EE3C}"/>
+              </a:ext>
+            </a:extLst>
+          </p:cNvPr>
+          <p:cNvSpPr>
+            <a:spLocks noGrp="1"/>
+          </p:cNvSpPr>
+          <p:nvPr>
+            <p:ph type="ftr" sz="quarter" idx="11"/>
+          </p:nvPr>
+        </p:nvSpPr>
+        <p:spPr>
+          <a:noFill/>
+          <a:extLst>
+            <a:ext uri="{909E8E84-426E-40DD-AFC4-6F175D3DCCD1}">
+              <a14:hiddenFill xmlns:a14="http://schemas.microsoft.com/office/drawing/2010/main">
+                <a:solidFill>
+                  <a:schemeClr val="accent1"/>
+                </a:solidFill>
+              </a14:hiddenFill>
+            </a:ext>
+            <a:ext uri="{91240B29-F687-4F45-9708-019B960494DF}">
+              <a14:hiddenLine xmlns:a14="http://schemas.microsoft.com/office/drawing/2010/main" w="9525">
+                <a:solidFill>
+                  <a:schemeClr val="tx1"/>
+                </a:solidFill>
+                <a:miter lim="800000"/>
+                <a:headEnd/>
+                <a:tailEnd/>
+              </a14:hiddenLine>
+            </a:ext>
+          </a:extLst>
+        </p:spPr>
+        <p:txBody>
+          <a:bodyPr/>
+          <a:lstStyle>
+            <a:lvl1pPr>
+              <a:defRPr sz="900">
+                <a:solidFill>
+                  <a:schemeClr val="bg1"/>
+                </a:solidFill>
+                <a:latin typeface="Arial" panose="020B0604020202020204" pitchFamily="34" charset="0"/>
+                <a:ea typeface="ＭＳ Ｐゴシック" panose="020B0600070205080204" pitchFamily="34" charset="-128"/>
+              </a:defRPr>
+            </a:lvl1pPr>
+            <a:lvl2pPr marL="742950" indent="-285750">
+              <a:defRPr sz="900">
+                <a:solidFill>
+                  <a:schemeClr val="bg1"/>
+                </a:solidFill>
+                <a:latin typeface="Arial" panose="020B0604020202020204" pitchFamily="34" charset="0"/>
+                <a:ea typeface="ＭＳ Ｐゴシック" panose="020B0600070205080204" pitchFamily="34" charset="-128"/>
+              </a:defRPr>
+            </a:lvl2pPr>
+            <a:lvl3pPr marL="1143000" indent="-228600">
+              <a:defRPr sz="900">
+                <a:solidFill>
+                  <a:schemeClr val="bg1"/>
+                </a:solidFill>
+                <a:latin typeface="Arial" panose="020B0604020202020204" pitchFamily="34" charset="0"/>
+                <a:ea typeface="ＭＳ Ｐゴシック" panose="020B0600070205080204" pitchFamily="34" charset="-128"/>
+              </a:defRPr>
+            </a:lvl3pPr>
+            <a:lvl4pPr marL="1600200" indent="-228600">
+              <a:defRPr sz="900">
+                <a:solidFill>
+                  <a:schemeClr val="bg1"/>
+                </a:solidFill>
+                <a:latin typeface="Arial" panose="020B0604020202020204" pitchFamily="34" charset="0"/>
+                <a:ea typeface="ＭＳ Ｐゴシック" panose="020B0600070205080204" pitchFamily="34" charset="-128"/>
+              </a:defRPr>
+            </a:lvl4pPr>
+            <a:lvl5pPr marL="2057400" indent="-228600">
+              <a:defRPr sz="900">
+                <a:solidFill>
+                  <a:schemeClr val="bg1"/>
+                </a:solidFill>
+                <a:latin typeface="Arial" panose="020B0604020202020204" pitchFamily="34" charset="0"/>
+                <a:ea typeface="ＭＳ Ｐゴシック" panose="020B0600070205080204" pitchFamily="34" charset="-128"/>
+              </a:defRPr>
+            </a:lvl5pPr>
+            <a:lvl6pPr marL="2514600" indent="-228600" eaLnBrk="0" fontAlgn="base" hangingPunct="0">
+              <a:spcBef>
+                <a:spcPct val="0"/>
+              </a:spcBef>
+              <a:spcAft>
+                <a:spcPct val="0"/>
+              </a:spcAft>
+              <a:defRPr sz="900">
+                <a:solidFill>
+                  <a:schemeClr val="bg1"/>
+                </a:solidFill>
+                <a:latin typeface="Arial" panose="020B0604020202020204" pitchFamily="34" charset="0"/>
+                <a:ea typeface="ＭＳ Ｐゴシック" panose="020B0600070205080204" pitchFamily="34" charset="-128"/>
+              </a:defRPr>
+            </a:lvl6pPr>
+            <a:lvl7pPr marL="2971800" indent="-228600" eaLnBrk="0" fontAlgn="base" hangingPunct="0">
+              <a:spcBef>
+                <a:spcPct val="0"/>
+              </a:spcBef>
+              <a:spcAft>
+                <a:spcPct val="0"/>
+              </a:spcAft>
+              <a:defRPr sz="900">
+                <a:solidFill>
+                  <a:schemeClr val="bg1"/>
+                </a:solidFill>
+                <a:latin typeface="Arial" panose="020B0604020202020204" pitchFamily="34" charset="0"/>
+                <a:ea typeface="ＭＳ Ｐゴシック" panose="020B0600070205080204" pitchFamily="34" charset="-128"/>
+              </a:defRPr>
+            </a:lvl7pPr>
+            <a:lvl8pPr marL="3429000" indent="-228600" eaLnBrk="0" fontAlgn="base" hangingPunct="0">
+              <a:spcBef>
+                <a:spcPct val="0"/>
+              </a:spcBef>
+              <a:spcAft>
+                <a:spcPct val="0"/>
+              </a:spcAft>
+              <a:defRPr sz="900">
+                <a:solidFill>
+                  <a:schemeClr val="bg1"/>
+                </a:solidFill>
+                <a:latin typeface="Arial" panose="020B0604020202020204" pitchFamily="34" charset="0"/>
+                <a:ea typeface="ＭＳ Ｐゴシック" panose="020B0600070205080204" pitchFamily="34" charset="-128"/>
+              </a:defRPr>
+            </a:lvl8pPr>
+            <a:lvl9pPr marL="3886200" indent="-228600" eaLnBrk="0" fontAlgn="base" hangingPunct="0">
+              <a:spcBef>
+                <a:spcPct val="0"/>
+              </a:spcBef>
+              <a:spcAft>
+                <a:spcPct val="0"/>
+              </a:spcAft>
+              <a:defRPr sz="900">
+                <a:solidFill>
+                  <a:schemeClr val="bg1"/>
+                </a:solidFill>
+                <a:latin typeface="Arial" panose="020B0604020202020204" pitchFamily="34" charset="0"/>
+                <a:ea typeface="ＭＳ Ｐゴシック" panose="020B0600070205080204" pitchFamily="34" charset="-128"/>
+              </a:defRPr>
+            </a:lvl9pPr>
+          </a:lstStyle>
+          <a:p>
+            <a:r>
+              <a:rPr lang="it-IT" altLang="it-IT" sz="1100"/>
+              <a:t>nnAttention U-net for Brain Tumor Segmentation</a:t>
+            </a:r>
+          </a:p>
+        </p:txBody>
+      </p:sp>
+      <p:sp>
+        <p:nvSpPr>
+          <p:cNvPr id="14340" name="Segnaposto numero diapositiva 5">
+            <a:extLst>
+              <a:ext uri="{FF2B5EF4-FFF2-40B4-BE49-F238E27FC236}">
+                <a16:creationId xmlns:a16="http://schemas.microsoft.com/office/drawing/2014/main" id="{0F821F54-DC69-A15C-5849-2E6F0FB65B77}"/>
+              </a:ext>
+            </a:extLst>
+          </p:cNvPr>
+          <p:cNvSpPr>
+            <a:spLocks noGrp="1"/>
+          </p:cNvSpPr>
+          <p:nvPr>
+            <p:ph type="sldNum" sz="quarter" idx="12"/>
+          </p:nvPr>
+        </p:nvSpPr>
+        <p:spPr>
+          <a:noFill/>
+          <a:extLst>
+            <a:ext uri="{909E8E84-426E-40DD-AFC4-6F175D3DCCD1}">
+              <a14:hiddenFill xmlns:a14="http://schemas.microsoft.com/office/drawing/2010/main">
+                <a:solidFill>
+                  <a:schemeClr val="accent1"/>
+                </a:solidFill>
+              </a14:hiddenFill>
+            </a:ext>
+            <a:ext uri="{91240B29-F687-4F45-9708-019B960494DF}">
+              <a14:hiddenLine xmlns:a14="http://schemas.microsoft.com/office/drawing/2010/main" w="9525">
+                <a:solidFill>
+                  <a:schemeClr val="tx1"/>
+                </a:solidFill>
+                <a:miter lim="800000"/>
+                <a:headEnd/>
+                <a:tailEnd/>
+              </a14:hiddenLine>
+            </a:ext>
+          </a:extLst>
+        </p:spPr>
+        <p:txBody>
+          <a:bodyPr/>
+          <a:lstStyle>
+            <a:lvl1pPr>
+              <a:defRPr sz="900">
+                <a:solidFill>
+                  <a:schemeClr val="bg1"/>
+                </a:solidFill>
+                <a:latin typeface="Arial" panose="020B0604020202020204" pitchFamily="34" charset="0"/>
+                <a:ea typeface="ＭＳ Ｐゴシック" panose="020B0600070205080204" pitchFamily="34" charset="-128"/>
+              </a:defRPr>
+            </a:lvl1pPr>
+            <a:lvl2pPr marL="742950" indent="-285750">
+              <a:defRPr sz="900">
+                <a:solidFill>
+                  <a:schemeClr val="bg1"/>
+                </a:solidFill>
+                <a:latin typeface="Arial" panose="020B0604020202020204" pitchFamily="34" charset="0"/>
+                <a:ea typeface="ＭＳ Ｐゴシック" panose="020B0600070205080204" pitchFamily="34" charset="-128"/>
+              </a:defRPr>
+            </a:lvl2pPr>
+            <a:lvl3pPr marL="1143000" indent="-228600">
+              <a:defRPr sz="900">
+                <a:solidFill>
+                  <a:schemeClr val="bg1"/>
+                </a:solidFill>
+                <a:latin typeface="Arial" panose="020B0604020202020204" pitchFamily="34" charset="0"/>
+                <a:ea typeface="ＭＳ Ｐゴシック" panose="020B0600070205080204" pitchFamily="34" charset="-128"/>
+              </a:defRPr>
+            </a:lvl3pPr>
+            <a:lvl4pPr marL="1600200" indent="-228600">
+              <a:defRPr sz="900">
+                <a:solidFill>
+                  <a:schemeClr val="bg1"/>
+                </a:solidFill>
+                <a:latin typeface="Arial" panose="020B0604020202020204" pitchFamily="34" charset="0"/>
+                <a:ea typeface="ＭＳ Ｐゴシック" panose="020B0600070205080204" pitchFamily="34" charset="-128"/>
+              </a:defRPr>
+            </a:lvl4pPr>
+            <a:lvl5pPr marL="2057400" indent="-228600">
+              <a:defRPr sz="900">
+                <a:solidFill>
+                  <a:schemeClr val="bg1"/>
+                </a:solidFill>
+                <a:latin typeface="Arial" panose="020B0604020202020204" pitchFamily="34" charset="0"/>
+                <a:ea typeface="ＭＳ Ｐゴシック" panose="020B0600070205080204" pitchFamily="34" charset="-128"/>
+              </a:defRPr>
+            </a:lvl5pPr>
+            <a:lvl6pPr marL="2514600" indent="-228600" eaLnBrk="0" fontAlgn="base" hangingPunct="0">
+              <a:spcBef>
+                <a:spcPct val="0"/>
+              </a:spcBef>
+              <a:spcAft>
+                <a:spcPct val="0"/>
+              </a:spcAft>
+              <a:defRPr sz="900">
+                <a:solidFill>
+                  <a:schemeClr val="bg1"/>
+                </a:solidFill>
+                <a:latin typeface="Arial" panose="020B0604020202020204" pitchFamily="34" charset="0"/>
+                <a:ea typeface="ＭＳ Ｐゴシック" panose="020B0600070205080204" pitchFamily="34" charset="-128"/>
+              </a:defRPr>
+            </a:lvl6pPr>
+            <a:lvl7pPr marL="2971800" indent="-228600" eaLnBrk="0" fontAlgn="base" hangingPunct="0">
+              <a:spcBef>
+                <a:spcPct val="0"/>
+              </a:spcBef>
+              <a:spcAft>
+                <a:spcPct val="0"/>
+              </a:spcAft>
+              <a:defRPr sz="900">
+                <a:solidFill>
+                  <a:schemeClr val="bg1"/>
+                </a:solidFill>
+                <a:latin typeface="Arial" panose="020B0604020202020204" pitchFamily="34" charset="0"/>
+                <a:ea typeface="ＭＳ Ｐゴシック" panose="020B0600070205080204" pitchFamily="34" charset="-128"/>
+              </a:defRPr>
+            </a:lvl7pPr>
+            <a:lvl8pPr marL="3429000" indent="-228600" eaLnBrk="0" fontAlgn="base" hangingPunct="0">
+              <a:spcBef>
+                <a:spcPct val="0"/>
+              </a:spcBef>
+              <a:spcAft>
+                <a:spcPct val="0"/>
+              </a:spcAft>
+              <a:defRPr sz="900">
+                <a:solidFill>
+                  <a:schemeClr val="bg1"/>
+                </a:solidFill>
+                <a:latin typeface="Arial" panose="020B0604020202020204" pitchFamily="34" charset="0"/>
+                <a:ea typeface="ＭＳ Ｐゴシック" panose="020B0600070205080204" pitchFamily="34" charset="-128"/>
+              </a:defRPr>
+            </a:lvl8pPr>
+            <a:lvl9pPr marL="3886200" indent="-228600" eaLnBrk="0" fontAlgn="base" hangingPunct="0">
+              <a:spcBef>
+                <a:spcPct val="0"/>
+              </a:spcBef>
+              <a:spcAft>
+                <a:spcPct val="0"/>
+              </a:spcAft>
+              <a:defRPr sz="900">
+                <a:solidFill>
+                  <a:schemeClr val="bg1"/>
+                </a:solidFill>
+                <a:latin typeface="Arial" panose="020B0604020202020204" pitchFamily="34" charset="0"/>
+                <a:ea typeface="ＭＳ Ｐゴシック" panose="020B0600070205080204" pitchFamily="34" charset="-128"/>
+              </a:defRPr>
+            </a:lvl9pPr>
+          </a:lstStyle>
+          <a:p>
+            <a:r>
+              <a:rPr lang="it-IT" altLang="it-IT" sz="1100"/>
+              <a:t>Pagina </a:t>
+            </a:r>
+            <a:fld id="{717FA07C-BCBD-448F-BB50-F71173744B9E}" type="slidenum">
+              <a:rPr lang="it-IT" altLang="it-IT" sz="1100" smtClean="0"/>
+              <a:pPr/>
+              <a:t>22</a:t>
+            </a:fld>
+            <a:endParaRPr lang="it-IT" altLang="it-IT" sz="1100"/>
+          </a:p>
+        </p:txBody>
+      </p:sp>
+      <p:sp>
+        <p:nvSpPr>
+          <p:cNvPr id="14341" name="Rectangle 2">
+            <a:extLst>
+              <a:ext uri="{FF2B5EF4-FFF2-40B4-BE49-F238E27FC236}">
+                <a16:creationId xmlns:a16="http://schemas.microsoft.com/office/drawing/2014/main" id="{17BE5AF4-6E25-1FFD-E870-0C98FCFF32BF}"/>
+              </a:ext>
+            </a:extLst>
+          </p:cNvPr>
+          <p:cNvSpPr>
+            <a:spLocks noGrp="1" noChangeArrowheads="1"/>
+          </p:cNvSpPr>
+          <p:nvPr>
+            <p:ph type="title"/>
+          </p:nvPr>
+        </p:nvSpPr>
+        <p:spPr/>
+        <p:txBody>
+          <a:bodyPr/>
+          <a:lstStyle/>
+          <a:p>
+            <a:pPr eaLnBrk="1" hangingPunct="1"/>
+            <a:r>
+              <a:rPr lang="it-IT" altLang="it-IT"/>
+              <a:t>Review</a:t>
+            </a:r>
+          </a:p>
+        </p:txBody>
+      </p:sp>
+      <p:sp>
+        <p:nvSpPr>
+          <p:cNvPr id="14342" name="Text Box 5">
+            <a:extLst>
+              <a:ext uri="{FF2B5EF4-FFF2-40B4-BE49-F238E27FC236}">
+                <a16:creationId xmlns:a16="http://schemas.microsoft.com/office/drawing/2014/main" id="{AC4A8204-7080-943B-0EB0-4CACC43ACE1C}"/>
+              </a:ext>
+            </a:extLst>
+          </p:cNvPr>
+          <p:cNvSpPr txBox="1">
+            <a:spLocks noChangeArrowheads="1"/>
+          </p:cNvSpPr>
+          <p:nvPr/>
+        </p:nvSpPr>
+        <p:spPr bwMode="auto">
+          <a:xfrm>
+            <a:off x="1116013" y="776288"/>
+            <a:ext cx="7404100" cy="427037"/>
+          </a:xfrm>
+          <a:prstGeom prst="rect">
+            <a:avLst/>
+          </a:prstGeom>
+          <a:noFill/>
+          <a:ln>
+            <a:noFill/>
+          </a:ln>
+          <a:effectLst/>
+          <a:extLst>
+            <a:ext uri="{909E8E84-426E-40DD-AFC4-6F175D3DCCD1}">
+              <a14:hiddenFill xmlns:a14="http://schemas.microsoft.com/office/drawing/2010/main">
+                <a:solidFill>
+                  <a:schemeClr val="accent1"/>
+                </a:solidFill>
+              </a14:hiddenFill>
+            </a:ext>
+            <a:ext uri="{91240B29-F687-4F45-9708-019B960494DF}">
+              <a14:hiddenLine xmlns:a14="http://schemas.microsoft.com/office/drawing/2010/main" w="9525">
+                <a:solidFill>
+                  <a:schemeClr val="tx1"/>
+                </a:solidFill>
+                <a:miter lim="800000"/>
+                <a:headEnd/>
+                <a:tailEnd/>
+              </a14:hiddenLine>
+            </a:ext>
+            <a:ext uri="{AF507438-7753-43E0-B8FC-AC1667EBCBE1}">
+              <a14:hiddenEffects xmlns:a14="http://schemas.microsoft.com/office/drawing/2010/main">
+                <a:effectLst>
+                  <a:outerShdw dist="35921" dir="2700000" algn="ctr" rotWithShape="0">
+                    <a:srgbClr val="808080"/>
+                  </a:outerShdw>
+                </a:effectLst>
+              </a14:hiddenEffects>
+            </a:ext>
+          </a:extLst>
+        </p:spPr>
+        <p:txBody>
+          <a:bodyPr>
+            <a:spAutoFit/>
+          </a:bodyPr>
+          <a:lstStyle>
+            <a:lvl1pPr>
+              <a:defRPr sz="900">
+                <a:solidFill>
+                  <a:schemeClr val="bg1"/>
+                </a:solidFill>
+                <a:latin typeface="Arial" panose="020B0604020202020204" pitchFamily="34" charset="0"/>
+                <a:ea typeface="ＭＳ Ｐゴシック" panose="020B0600070205080204" pitchFamily="34" charset="-128"/>
+              </a:defRPr>
+            </a:lvl1pPr>
+            <a:lvl2pPr marL="742950" indent="-285750">
+              <a:defRPr sz="900">
+                <a:solidFill>
+                  <a:schemeClr val="bg1"/>
+                </a:solidFill>
+                <a:latin typeface="Arial" panose="020B0604020202020204" pitchFamily="34" charset="0"/>
+                <a:ea typeface="ＭＳ Ｐゴシック" panose="020B0600070205080204" pitchFamily="34" charset="-128"/>
+              </a:defRPr>
+            </a:lvl2pPr>
+            <a:lvl3pPr marL="1143000" indent="-228600">
+              <a:defRPr sz="900">
+                <a:solidFill>
+                  <a:schemeClr val="bg1"/>
+                </a:solidFill>
+                <a:latin typeface="Arial" panose="020B0604020202020204" pitchFamily="34" charset="0"/>
+                <a:ea typeface="ＭＳ Ｐゴシック" panose="020B0600070205080204" pitchFamily="34" charset="-128"/>
+              </a:defRPr>
+            </a:lvl3pPr>
+            <a:lvl4pPr marL="1600200" indent="-228600">
+              <a:defRPr sz="900">
+                <a:solidFill>
+                  <a:schemeClr val="bg1"/>
+                </a:solidFill>
+                <a:latin typeface="Arial" panose="020B0604020202020204" pitchFamily="34" charset="0"/>
+                <a:ea typeface="ＭＳ Ｐゴシック" panose="020B0600070205080204" pitchFamily="34" charset="-128"/>
+              </a:defRPr>
+            </a:lvl4pPr>
+            <a:lvl5pPr marL="2057400" indent="-228600">
+              <a:defRPr sz="900">
+                <a:solidFill>
+                  <a:schemeClr val="bg1"/>
+                </a:solidFill>
+                <a:latin typeface="Arial" panose="020B0604020202020204" pitchFamily="34" charset="0"/>
+                <a:ea typeface="ＭＳ Ｐゴシック" panose="020B0600070205080204" pitchFamily="34" charset="-128"/>
+              </a:defRPr>
+            </a:lvl5pPr>
+            <a:lvl6pPr marL="2514600" indent="-228600" eaLnBrk="0" fontAlgn="base" hangingPunct="0">
+              <a:spcBef>
+                <a:spcPct val="0"/>
+              </a:spcBef>
+              <a:spcAft>
+                <a:spcPct val="0"/>
+              </a:spcAft>
+              <a:defRPr sz="900">
+                <a:solidFill>
+                  <a:schemeClr val="bg1"/>
+                </a:solidFill>
+                <a:latin typeface="Arial" panose="020B0604020202020204" pitchFamily="34" charset="0"/>
+                <a:ea typeface="ＭＳ Ｐゴシック" panose="020B0600070205080204" pitchFamily="34" charset="-128"/>
+              </a:defRPr>
+            </a:lvl6pPr>
+            <a:lvl7pPr marL="2971800" indent="-228600" eaLnBrk="0" fontAlgn="base" hangingPunct="0">
+              <a:spcBef>
+                <a:spcPct val="0"/>
+              </a:spcBef>
+              <a:spcAft>
+                <a:spcPct val="0"/>
+              </a:spcAft>
+              <a:defRPr sz="900">
+                <a:solidFill>
+                  <a:schemeClr val="bg1"/>
+                </a:solidFill>
+                <a:latin typeface="Arial" panose="020B0604020202020204" pitchFamily="34" charset="0"/>
+                <a:ea typeface="ＭＳ Ｐゴシック" panose="020B0600070205080204" pitchFamily="34" charset="-128"/>
+              </a:defRPr>
+            </a:lvl7pPr>
+            <a:lvl8pPr marL="3429000" indent="-228600" eaLnBrk="0" fontAlgn="base" hangingPunct="0">
+              <a:spcBef>
+                <a:spcPct val="0"/>
+              </a:spcBef>
+              <a:spcAft>
+                <a:spcPct val="0"/>
+              </a:spcAft>
+              <a:defRPr sz="900">
+                <a:solidFill>
+                  <a:schemeClr val="bg1"/>
+                </a:solidFill>
+                <a:latin typeface="Arial" panose="020B0604020202020204" pitchFamily="34" charset="0"/>
+                <a:ea typeface="ＭＳ Ｐゴシック" panose="020B0600070205080204" pitchFamily="34" charset="-128"/>
+              </a:defRPr>
+            </a:lvl8pPr>
+            <a:lvl9pPr marL="3886200" indent="-228600" eaLnBrk="0" fontAlgn="base" hangingPunct="0">
+              <a:spcBef>
+                <a:spcPct val="0"/>
+              </a:spcBef>
+              <a:spcAft>
+                <a:spcPct val="0"/>
+              </a:spcAft>
+              <a:defRPr sz="900">
+                <a:solidFill>
+                  <a:schemeClr val="bg1"/>
+                </a:solidFill>
+                <a:latin typeface="Arial" panose="020B0604020202020204" pitchFamily="34" charset="0"/>
+                <a:ea typeface="ＭＳ Ｐゴシック" panose="020B0600070205080204" pitchFamily="34" charset="-128"/>
+              </a:defRPr>
+            </a:lvl9pPr>
+          </a:lstStyle>
+          <a:p>
+            <a:pPr>
+              <a:spcBef>
+                <a:spcPct val="50000"/>
+              </a:spcBef>
+            </a:pPr>
+            <a:r>
+              <a:rPr lang="it-IT" altLang="it-IT" sz="2200">
+                <a:solidFill>
+                  <a:srgbClr val="000000"/>
+                </a:solidFill>
+              </a:rPr>
+              <a:t>Selezionare per scrivere o eliminare il sottotitolo</a:t>
+            </a:r>
+            <a:endParaRPr lang="it-IT" altLang="it-IT" sz="2200">
+              <a:solidFill>
+                <a:schemeClr val="tx1"/>
+              </a:solidFill>
+            </a:endParaRPr>
+          </a:p>
+        </p:txBody>
+      </p:sp>
+    </p:spTree>
+  </p:cSld>
+  <p:clrMapOvr>
+    <a:masterClrMapping/>
+  </p:clrMapOvr>
+</p:sld>
+</file>
+
+<file path=ppt/slides/slide23.xml><?xml version="1.0" encoding="utf-8"?>
+<p:sld xmlns:a="http://schemas.openxmlformats.org/drawingml/2006/main" xmlns:r="http://schemas.openxmlformats.org/officeDocument/2006/relationships" xmlns:p="http://schemas.openxmlformats.org/presentationml/2006/main">
+  <p:cSld>
+    <p:spTree>
+      <p:nvGrpSpPr>
+        <p:cNvPr id="1" name=""/>
+        <p:cNvGrpSpPr/>
+        <p:nvPr/>
+      </p:nvGrpSpPr>
+      <p:grpSpPr>
+        <a:xfrm>
+          <a:off x="0" y="0"/>
+          <a:ext cx="0" cy="0"/>
+          <a:chOff x="0" y="0"/>
+          <a:chExt cx="0" cy="0"/>
+        </a:xfrm>
+      </p:grpSpPr>
+      <p:sp>
+        <p:nvSpPr>
+          <p:cNvPr id="15362" name="Titolo 1">
+            <a:extLst>
+              <a:ext uri="{FF2B5EF4-FFF2-40B4-BE49-F238E27FC236}">
+                <a16:creationId xmlns:a16="http://schemas.microsoft.com/office/drawing/2014/main" id="{F89A1DC9-32AC-0408-A5DC-3C63A8911115}"/>
+              </a:ext>
+            </a:extLst>
+          </p:cNvPr>
+          <p:cNvSpPr>
+            <a:spLocks noGrp="1" noChangeArrowheads="1"/>
+          </p:cNvSpPr>
+          <p:nvPr>
+            <p:ph type="title"/>
+          </p:nvPr>
+        </p:nvSpPr>
+        <p:spPr/>
+        <p:txBody>
+          <a:bodyPr/>
+          <a:lstStyle/>
+          <a:p>
+            <a:pPr eaLnBrk="1" hangingPunct="1"/>
+            <a:r>
+              <a:rPr lang="it-IT" altLang="it-IT"/>
+              <a:t>Thanks for the Attention</a:t>
+            </a:r>
+          </a:p>
+        </p:txBody>
+      </p:sp>
+      <p:sp>
+        <p:nvSpPr>
+          <p:cNvPr id="15363" name="Segnaposto data 3">
+            <a:extLst>
+              <a:ext uri="{FF2B5EF4-FFF2-40B4-BE49-F238E27FC236}">
+                <a16:creationId xmlns:a16="http://schemas.microsoft.com/office/drawing/2014/main" id="{22A169C9-90C6-47F1-AE7A-862A336BF201}"/>
+              </a:ext>
+            </a:extLst>
+          </p:cNvPr>
+          <p:cNvSpPr>
+            <a:spLocks noGrp="1"/>
+          </p:cNvSpPr>
+          <p:nvPr>
+            <p:ph type="dt" sz="quarter" idx="10"/>
+          </p:nvPr>
+        </p:nvSpPr>
+        <p:spPr>
+          <a:noFill/>
+          <a:extLst>
+            <a:ext uri="{909E8E84-426E-40DD-AFC4-6F175D3DCCD1}">
+              <a14:hiddenFill xmlns:a14="http://schemas.microsoft.com/office/drawing/2010/main">
+                <a:solidFill>
+                  <a:schemeClr val="accent1"/>
+                </a:solidFill>
+              </a14:hiddenFill>
+            </a:ext>
+            <a:ext uri="{91240B29-F687-4F45-9708-019B960494DF}">
+              <a14:hiddenLine xmlns:a14="http://schemas.microsoft.com/office/drawing/2010/main" w="9525">
+                <a:solidFill>
+                  <a:schemeClr val="tx1"/>
+                </a:solidFill>
+                <a:miter lim="800000"/>
+                <a:headEnd/>
+                <a:tailEnd/>
+              </a14:hiddenLine>
+            </a:ext>
+          </a:extLst>
+        </p:spPr>
+        <p:txBody>
+          <a:bodyPr/>
+          <a:lstStyle>
+            <a:lvl1pPr>
+              <a:defRPr sz="900">
+                <a:solidFill>
+                  <a:schemeClr val="bg1"/>
+                </a:solidFill>
+                <a:latin typeface="Arial" panose="020B0604020202020204" pitchFamily="34" charset="0"/>
+                <a:ea typeface="ＭＳ Ｐゴシック" panose="020B0600070205080204" pitchFamily="34" charset="-128"/>
+              </a:defRPr>
+            </a:lvl1pPr>
+            <a:lvl2pPr marL="742950" indent="-285750">
+              <a:defRPr sz="900">
+                <a:solidFill>
+                  <a:schemeClr val="bg1"/>
+                </a:solidFill>
+                <a:latin typeface="Arial" panose="020B0604020202020204" pitchFamily="34" charset="0"/>
+                <a:ea typeface="ＭＳ Ｐゴシック" panose="020B0600070205080204" pitchFamily="34" charset="-128"/>
+              </a:defRPr>
+            </a:lvl2pPr>
+            <a:lvl3pPr marL="1143000" indent="-228600">
+              <a:defRPr sz="900">
+                <a:solidFill>
+                  <a:schemeClr val="bg1"/>
+                </a:solidFill>
+                <a:latin typeface="Arial" panose="020B0604020202020204" pitchFamily="34" charset="0"/>
+                <a:ea typeface="ＭＳ Ｐゴシック" panose="020B0600070205080204" pitchFamily="34" charset="-128"/>
+              </a:defRPr>
+            </a:lvl3pPr>
+            <a:lvl4pPr marL="1600200" indent="-228600">
+              <a:defRPr sz="900">
+                <a:solidFill>
+                  <a:schemeClr val="bg1"/>
+                </a:solidFill>
+                <a:latin typeface="Arial" panose="020B0604020202020204" pitchFamily="34" charset="0"/>
+                <a:ea typeface="ＭＳ Ｐゴシック" panose="020B0600070205080204" pitchFamily="34" charset="-128"/>
+              </a:defRPr>
+            </a:lvl4pPr>
+            <a:lvl5pPr marL="2057400" indent="-228600">
+              <a:defRPr sz="900">
+                <a:solidFill>
+                  <a:schemeClr val="bg1"/>
+                </a:solidFill>
+                <a:latin typeface="Arial" panose="020B0604020202020204" pitchFamily="34" charset="0"/>
+                <a:ea typeface="ＭＳ Ｐゴシック" panose="020B0600070205080204" pitchFamily="34" charset="-128"/>
+              </a:defRPr>
+            </a:lvl5pPr>
+            <a:lvl6pPr marL="2514600" indent="-228600" eaLnBrk="0" fontAlgn="base" hangingPunct="0">
+              <a:spcBef>
+                <a:spcPct val="0"/>
+              </a:spcBef>
+              <a:spcAft>
+                <a:spcPct val="0"/>
+              </a:spcAft>
+              <a:defRPr sz="900">
+                <a:solidFill>
+                  <a:schemeClr val="bg1"/>
+                </a:solidFill>
+                <a:latin typeface="Arial" panose="020B0604020202020204" pitchFamily="34" charset="0"/>
+                <a:ea typeface="ＭＳ Ｐゴシック" panose="020B0600070205080204" pitchFamily="34" charset="-128"/>
+              </a:defRPr>
+            </a:lvl6pPr>
+            <a:lvl7pPr marL="2971800" indent="-228600" eaLnBrk="0" fontAlgn="base" hangingPunct="0">
+              <a:spcBef>
+                <a:spcPct val="0"/>
+              </a:spcBef>
+              <a:spcAft>
+                <a:spcPct val="0"/>
+              </a:spcAft>
+              <a:defRPr sz="900">
+                <a:solidFill>
+                  <a:schemeClr val="bg1"/>
+                </a:solidFill>
+                <a:latin typeface="Arial" panose="020B0604020202020204" pitchFamily="34" charset="0"/>
+                <a:ea typeface="ＭＳ Ｐゴシック" panose="020B0600070205080204" pitchFamily="34" charset="-128"/>
+              </a:defRPr>
+            </a:lvl7pPr>
+            <a:lvl8pPr marL="3429000" indent="-228600" eaLnBrk="0" fontAlgn="base" hangingPunct="0">
+              <a:spcBef>
+                <a:spcPct val="0"/>
+              </a:spcBef>
+              <a:spcAft>
+                <a:spcPct val="0"/>
+              </a:spcAft>
+              <a:defRPr sz="900">
+                <a:solidFill>
+                  <a:schemeClr val="bg1"/>
+                </a:solidFill>
+                <a:latin typeface="Arial" panose="020B0604020202020204" pitchFamily="34" charset="0"/>
+                <a:ea typeface="ＭＳ Ｐゴシック" panose="020B0600070205080204" pitchFamily="34" charset="-128"/>
+              </a:defRPr>
+            </a:lvl8pPr>
+            <a:lvl9pPr marL="3886200" indent="-228600" eaLnBrk="0" fontAlgn="base" hangingPunct="0">
+              <a:spcBef>
+                <a:spcPct val="0"/>
+              </a:spcBef>
+              <a:spcAft>
+                <a:spcPct val="0"/>
+              </a:spcAft>
+              <a:defRPr sz="900">
+                <a:solidFill>
+                  <a:schemeClr val="bg1"/>
+                </a:solidFill>
+                <a:latin typeface="Arial" panose="020B0604020202020204" pitchFamily="34" charset="0"/>
+                <a:ea typeface="ＭＳ Ｐゴシック" panose="020B0600070205080204" pitchFamily="34" charset="-128"/>
+              </a:defRPr>
+            </a:lvl9pPr>
+          </a:lstStyle>
+          <a:p>
+            <a:fld id="{1BA15356-ED8F-4F24-B378-AB8A159B9FFC}" type="datetime1">
+              <a:rPr lang="it-IT" altLang="it-IT" sz="1100"/>
+              <a:pPr/>
+              <a:t>12/05/2023</a:t>
+            </a:fld>
+            <a:endParaRPr lang="it-IT" altLang="it-IT" sz="1100"/>
+          </a:p>
+        </p:txBody>
+      </p:sp>
+      <p:sp>
+        <p:nvSpPr>
+          <p:cNvPr id="15364" name="Segnaposto piè di pagina 4">
+            <a:extLst>
+              <a:ext uri="{FF2B5EF4-FFF2-40B4-BE49-F238E27FC236}">
+                <a16:creationId xmlns:a16="http://schemas.microsoft.com/office/drawing/2014/main" id="{D799EBD2-833D-41BB-8144-AD90D72AD710}"/>
+              </a:ext>
+            </a:extLst>
+          </p:cNvPr>
+          <p:cNvSpPr>
+            <a:spLocks noGrp="1"/>
+          </p:cNvSpPr>
+          <p:nvPr>
+            <p:ph type="ftr" sz="quarter" idx="11"/>
+          </p:nvPr>
+        </p:nvSpPr>
+        <p:spPr>
+          <a:noFill/>
+          <a:extLst>
+            <a:ext uri="{909E8E84-426E-40DD-AFC4-6F175D3DCCD1}">
+              <a14:hiddenFill xmlns:a14="http://schemas.microsoft.com/office/drawing/2010/main">
+                <a:solidFill>
+                  <a:schemeClr val="accent1"/>
+                </a:solidFill>
+              </a14:hiddenFill>
+            </a:ext>
+            <a:ext uri="{91240B29-F687-4F45-9708-019B960494DF}">
+              <a14:hiddenLine xmlns:a14="http://schemas.microsoft.com/office/drawing/2010/main" w="9525">
+                <a:solidFill>
+                  <a:schemeClr val="tx1"/>
+                </a:solidFill>
+                <a:miter lim="800000"/>
+                <a:headEnd/>
+                <a:tailEnd/>
+              </a14:hiddenLine>
+            </a:ext>
+          </a:extLst>
+        </p:spPr>
+        <p:txBody>
+          <a:bodyPr/>
+          <a:lstStyle>
+            <a:lvl1pPr>
+              <a:defRPr sz="900">
+                <a:solidFill>
+                  <a:schemeClr val="bg1"/>
+                </a:solidFill>
+                <a:latin typeface="Arial" panose="020B0604020202020204" pitchFamily="34" charset="0"/>
+                <a:ea typeface="ＭＳ Ｐゴシック" panose="020B0600070205080204" pitchFamily="34" charset="-128"/>
+              </a:defRPr>
+            </a:lvl1pPr>
+            <a:lvl2pPr marL="742950" indent="-285750">
+              <a:defRPr sz="900">
+                <a:solidFill>
+                  <a:schemeClr val="bg1"/>
+                </a:solidFill>
+                <a:latin typeface="Arial" panose="020B0604020202020204" pitchFamily="34" charset="0"/>
+                <a:ea typeface="ＭＳ Ｐゴシック" panose="020B0600070205080204" pitchFamily="34" charset="-128"/>
+              </a:defRPr>
+            </a:lvl2pPr>
+            <a:lvl3pPr marL="1143000" indent="-228600">
+              <a:defRPr sz="900">
+                <a:solidFill>
+                  <a:schemeClr val="bg1"/>
+                </a:solidFill>
+                <a:latin typeface="Arial" panose="020B0604020202020204" pitchFamily="34" charset="0"/>
+                <a:ea typeface="ＭＳ Ｐゴシック" panose="020B0600070205080204" pitchFamily="34" charset="-128"/>
+              </a:defRPr>
+            </a:lvl3pPr>
+            <a:lvl4pPr marL="1600200" indent="-228600">
+              <a:defRPr sz="900">
+                <a:solidFill>
+                  <a:schemeClr val="bg1"/>
+                </a:solidFill>
+                <a:latin typeface="Arial" panose="020B0604020202020204" pitchFamily="34" charset="0"/>
+                <a:ea typeface="ＭＳ Ｐゴシック" panose="020B0600070205080204" pitchFamily="34" charset="-128"/>
+              </a:defRPr>
+            </a:lvl4pPr>
+            <a:lvl5pPr marL="2057400" indent="-228600">
+              <a:defRPr sz="900">
+                <a:solidFill>
+                  <a:schemeClr val="bg1"/>
+                </a:solidFill>
+                <a:latin typeface="Arial" panose="020B0604020202020204" pitchFamily="34" charset="0"/>
+                <a:ea typeface="ＭＳ Ｐゴシック" panose="020B0600070205080204" pitchFamily="34" charset="-128"/>
+              </a:defRPr>
+            </a:lvl5pPr>
+            <a:lvl6pPr marL="2514600" indent="-228600" eaLnBrk="0" fontAlgn="base" hangingPunct="0">
+              <a:spcBef>
+                <a:spcPct val="0"/>
+              </a:spcBef>
+              <a:spcAft>
+                <a:spcPct val="0"/>
+              </a:spcAft>
+              <a:defRPr sz="900">
+                <a:solidFill>
+                  <a:schemeClr val="bg1"/>
+                </a:solidFill>
+                <a:latin typeface="Arial" panose="020B0604020202020204" pitchFamily="34" charset="0"/>
+                <a:ea typeface="ＭＳ Ｐゴシック" panose="020B0600070205080204" pitchFamily="34" charset="-128"/>
+              </a:defRPr>
+            </a:lvl6pPr>
+            <a:lvl7pPr marL="2971800" indent="-228600" eaLnBrk="0" fontAlgn="base" hangingPunct="0">
+              <a:spcBef>
+                <a:spcPct val="0"/>
+              </a:spcBef>
+              <a:spcAft>
+                <a:spcPct val="0"/>
+              </a:spcAft>
+              <a:defRPr sz="900">
+                <a:solidFill>
+                  <a:schemeClr val="bg1"/>
+                </a:solidFill>
+                <a:latin typeface="Arial" panose="020B0604020202020204" pitchFamily="34" charset="0"/>
+                <a:ea typeface="ＭＳ Ｐゴシック" panose="020B0600070205080204" pitchFamily="34" charset="-128"/>
+              </a:defRPr>
+            </a:lvl7pPr>
+            <a:lvl8pPr marL="3429000" indent="-228600" eaLnBrk="0" fontAlgn="base" hangingPunct="0">
+              <a:spcBef>
+                <a:spcPct val="0"/>
+              </a:spcBef>
+              <a:spcAft>
+                <a:spcPct val="0"/>
+              </a:spcAft>
+              <a:defRPr sz="900">
+                <a:solidFill>
+                  <a:schemeClr val="bg1"/>
+                </a:solidFill>
+                <a:latin typeface="Arial" panose="020B0604020202020204" pitchFamily="34" charset="0"/>
+                <a:ea typeface="ＭＳ Ｐゴシック" panose="020B0600070205080204" pitchFamily="34" charset="-128"/>
+              </a:defRPr>
+            </a:lvl8pPr>
+            <a:lvl9pPr marL="3886200" indent="-228600" eaLnBrk="0" fontAlgn="base" hangingPunct="0">
+              <a:spcBef>
+                <a:spcPct val="0"/>
+              </a:spcBef>
+              <a:spcAft>
+                <a:spcPct val="0"/>
+              </a:spcAft>
+              <a:defRPr sz="900">
+                <a:solidFill>
+                  <a:schemeClr val="bg1"/>
+                </a:solidFill>
+                <a:latin typeface="Arial" panose="020B0604020202020204" pitchFamily="34" charset="0"/>
+                <a:ea typeface="ＭＳ Ｐゴシック" panose="020B0600070205080204" pitchFamily="34" charset="-128"/>
+              </a:defRPr>
+            </a:lvl9pPr>
+          </a:lstStyle>
+          <a:p>
+            <a:r>
+              <a:rPr lang="it-IT" altLang="it-IT" sz="1100"/>
+              <a:t>nnAttention U-net for Brain Tumor Segmentation</a:t>
+            </a:r>
+          </a:p>
+        </p:txBody>
+      </p:sp>
+      <p:sp>
+        <p:nvSpPr>
+          <p:cNvPr id="15365" name="Segnaposto numero diapositiva 5">
+            <a:extLst>
+              <a:ext uri="{FF2B5EF4-FFF2-40B4-BE49-F238E27FC236}">
+                <a16:creationId xmlns:a16="http://schemas.microsoft.com/office/drawing/2014/main" id="{F73CC722-6CE0-2F8E-E583-5B26C8443C55}"/>
+              </a:ext>
+            </a:extLst>
+          </p:cNvPr>
+          <p:cNvSpPr>
+            <a:spLocks noGrp="1"/>
+          </p:cNvSpPr>
+          <p:nvPr>
+            <p:ph type="sldNum" sz="quarter" idx="12"/>
+          </p:nvPr>
+        </p:nvSpPr>
+        <p:spPr>
+          <a:noFill/>
+          <a:extLst>
+            <a:ext uri="{909E8E84-426E-40DD-AFC4-6F175D3DCCD1}">
+              <a14:hiddenFill xmlns:a14="http://schemas.microsoft.com/office/drawing/2010/main">
+                <a:solidFill>
+                  <a:schemeClr val="accent1"/>
+                </a:solidFill>
+              </a14:hiddenFill>
+            </a:ext>
+            <a:ext uri="{91240B29-F687-4F45-9708-019B960494DF}">
+              <a14:hiddenLine xmlns:a14="http://schemas.microsoft.com/office/drawing/2010/main" w="9525">
+                <a:solidFill>
+                  <a:schemeClr val="tx1"/>
+                </a:solidFill>
+                <a:miter lim="800000"/>
+                <a:headEnd/>
+                <a:tailEnd/>
+              </a14:hiddenLine>
+            </a:ext>
+          </a:extLst>
+        </p:spPr>
+        <p:txBody>
+          <a:bodyPr/>
+          <a:lstStyle>
+            <a:lvl1pPr>
+              <a:defRPr sz="900">
+                <a:solidFill>
+                  <a:schemeClr val="bg1"/>
+                </a:solidFill>
+                <a:latin typeface="Arial" panose="020B0604020202020204" pitchFamily="34" charset="0"/>
+                <a:ea typeface="ＭＳ Ｐゴシック" panose="020B0600070205080204" pitchFamily="34" charset="-128"/>
+              </a:defRPr>
+            </a:lvl1pPr>
+            <a:lvl2pPr marL="742950" indent="-285750">
+              <a:defRPr sz="900">
+                <a:solidFill>
+                  <a:schemeClr val="bg1"/>
+                </a:solidFill>
+                <a:latin typeface="Arial" panose="020B0604020202020204" pitchFamily="34" charset="0"/>
+                <a:ea typeface="ＭＳ Ｐゴシック" panose="020B0600070205080204" pitchFamily="34" charset="-128"/>
+              </a:defRPr>
+            </a:lvl2pPr>
+            <a:lvl3pPr marL="1143000" indent="-228600">
+              <a:defRPr sz="900">
+                <a:solidFill>
+                  <a:schemeClr val="bg1"/>
+                </a:solidFill>
+                <a:latin typeface="Arial" panose="020B0604020202020204" pitchFamily="34" charset="0"/>
+                <a:ea typeface="ＭＳ Ｐゴシック" panose="020B0600070205080204" pitchFamily="34" charset="-128"/>
+              </a:defRPr>
+            </a:lvl3pPr>
+            <a:lvl4pPr marL="1600200" indent="-228600">
+              <a:defRPr sz="900">
+                <a:solidFill>
+                  <a:schemeClr val="bg1"/>
+                </a:solidFill>
+                <a:latin typeface="Arial" panose="020B0604020202020204" pitchFamily="34" charset="0"/>
+                <a:ea typeface="ＭＳ Ｐゴシック" panose="020B0600070205080204" pitchFamily="34" charset="-128"/>
+              </a:defRPr>
+            </a:lvl4pPr>
+            <a:lvl5pPr marL="2057400" indent="-228600">
+              <a:defRPr sz="900">
+                <a:solidFill>
+                  <a:schemeClr val="bg1"/>
+                </a:solidFill>
+                <a:latin typeface="Arial" panose="020B0604020202020204" pitchFamily="34" charset="0"/>
+                <a:ea typeface="ＭＳ Ｐゴシック" panose="020B0600070205080204" pitchFamily="34" charset="-128"/>
+              </a:defRPr>
+            </a:lvl5pPr>
+            <a:lvl6pPr marL="2514600" indent="-228600" eaLnBrk="0" fontAlgn="base" hangingPunct="0">
+              <a:spcBef>
+                <a:spcPct val="0"/>
+              </a:spcBef>
+              <a:spcAft>
+                <a:spcPct val="0"/>
+              </a:spcAft>
+              <a:defRPr sz="900">
+                <a:solidFill>
+                  <a:schemeClr val="bg1"/>
+                </a:solidFill>
+                <a:latin typeface="Arial" panose="020B0604020202020204" pitchFamily="34" charset="0"/>
+                <a:ea typeface="ＭＳ Ｐゴシック" panose="020B0600070205080204" pitchFamily="34" charset="-128"/>
+              </a:defRPr>
+            </a:lvl6pPr>
+            <a:lvl7pPr marL="2971800" indent="-228600" eaLnBrk="0" fontAlgn="base" hangingPunct="0">
+              <a:spcBef>
+                <a:spcPct val="0"/>
+              </a:spcBef>
+              <a:spcAft>
+                <a:spcPct val="0"/>
+              </a:spcAft>
+              <a:defRPr sz="900">
+                <a:solidFill>
+                  <a:schemeClr val="bg1"/>
+                </a:solidFill>
+                <a:latin typeface="Arial" panose="020B0604020202020204" pitchFamily="34" charset="0"/>
+                <a:ea typeface="ＭＳ Ｐゴシック" panose="020B0600070205080204" pitchFamily="34" charset="-128"/>
+              </a:defRPr>
+            </a:lvl7pPr>
+            <a:lvl8pPr marL="3429000" indent="-228600" eaLnBrk="0" fontAlgn="base" hangingPunct="0">
+              <a:spcBef>
+                <a:spcPct val="0"/>
+              </a:spcBef>
+              <a:spcAft>
+                <a:spcPct val="0"/>
+              </a:spcAft>
+              <a:defRPr sz="900">
+                <a:solidFill>
+                  <a:schemeClr val="bg1"/>
+                </a:solidFill>
+                <a:latin typeface="Arial" panose="020B0604020202020204" pitchFamily="34" charset="0"/>
+                <a:ea typeface="ＭＳ Ｐゴシック" panose="020B0600070205080204" pitchFamily="34" charset="-128"/>
+              </a:defRPr>
+            </a:lvl8pPr>
+            <a:lvl9pPr marL="3886200" indent="-228600" eaLnBrk="0" fontAlgn="base" hangingPunct="0">
+              <a:spcBef>
+                <a:spcPct val="0"/>
+              </a:spcBef>
+              <a:spcAft>
+                <a:spcPct val="0"/>
+              </a:spcAft>
+              <a:defRPr sz="900">
+                <a:solidFill>
+                  <a:schemeClr val="bg1"/>
+                </a:solidFill>
+                <a:latin typeface="Arial" panose="020B0604020202020204" pitchFamily="34" charset="0"/>
+                <a:ea typeface="ＭＳ Ｐゴシック" panose="020B0600070205080204" pitchFamily="34" charset="-128"/>
+              </a:defRPr>
+            </a:lvl9pPr>
+          </a:lstStyle>
+          <a:p>
+            <a:r>
+              <a:rPr lang="it-IT" altLang="it-IT" sz="1100"/>
+              <a:t>Pagina </a:t>
+            </a:r>
+            <a:fld id="{FF544ACD-400E-42E7-80A3-F35D04085BFA}" type="slidenum">
+              <a:rPr lang="it-IT" altLang="it-IT" sz="1100" smtClean="0"/>
+              <a:pPr/>
+              <a:t>23</a:t>
+            </a:fld>
+            <a:endParaRPr lang="it-IT" altLang="it-IT" sz="1100"/>
+          </a:p>
+        </p:txBody>
+      </p:sp>
+    </p:spTree>
+  </p:cSld>
+  <p:clrMapOvr>
+    <a:masterClrMapping/>
+  </p:clrMapOvr>
+</p:sld>
+</file>
+
 <file path=ppt/slides/slide3.xml><?xml version="1.0" encoding="utf-8"?>
 <p:sld xmlns:a="http://schemas.openxmlformats.org/drawingml/2006/main" xmlns:r="http://schemas.openxmlformats.org/officeDocument/2006/relationships" xmlns:p="http://schemas.openxmlformats.org/presentationml/2006/main">
   <p:cSld>
@@ -18124,7 +23771,7 @@
             <a:fld id="{F3EF1D73-FA2A-47D8-8A51-DA34ADCF152B}" type="datetime1">
               <a:rPr lang="it-IT" altLang="it-IT" sz="1100"/>
               <a:pPr/>
-              <a:t>11/05/2023</a:t>
+              <a:t>12/05/2023</a:t>
             </a:fld>
             <a:endParaRPr lang="it-IT" altLang="it-IT" sz="1100"/>
           </a:p>
@@ -18935,7 +24582,7 @@
             <a:fld id="{F3EF1D73-FA2A-47D8-8A51-DA34ADCF152B}" type="datetime1">
               <a:rPr lang="it-IT" altLang="it-IT" sz="1100"/>
               <a:pPr/>
-              <a:t>11/05/2023</a:t>
+              <a:t>12/05/2023</a:t>
             </a:fld>
             <a:endParaRPr lang="it-IT" altLang="it-IT" sz="1100"/>
           </a:p>
@@ -19864,7 +25511,7 @@
             <a:fld id="{9E582260-007F-4969-8198-F6C9C1A10CB4}" type="datetime1">
               <a:rPr lang="it-IT" altLang="it-IT" sz="1100"/>
               <a:pPr/>
-              <a:t>11/05/2023</a:t>
+              <a:t>12/05/2023</a:t>
             </a:fld>
             <a:endParaRPr lang="it-IT" altLang="it-IT" sz="1100"/>
           </a:p>
@@ -20431,7 +26078,7 @@
             <a:fld id="{9E582260-007F-4969-8198-F6C9C1A10CB4}" type="datetime1">
               <a:rPr lang="it-IT" altLang="it-IT" sz="1100"/>
               <a:pPr/>
-              <a:t>11/05/2023</a:t>
+              <a:t>12/05/2023</a:t>
             </a:fld>
             <a:endParaRPr lang="it-IT" altLang="it-IT" sz="1100"/>
           </a:p>
@@ -21107,7 +26754,7 @@
             <a:fld id="{9E582260-007F-4969-8198-F6C9C1A10CB4}" type="datetime1">
               <a:rPr lang="it-IT" altLang="it-IT" sz="1100"/>
               <a:pPr/>
-              <a:t>11/05/2023</a:t>
+              <a:t>12/05/2023</a:t>
             </a:fld>
             <a:endParaRPr lang="it-IT" altLang="it-IT" sz="1100"/>
           </a:p>
@@ -21716,7 +27363,7 @@
             <a:fld id="{9E582260-007F-4969-8198-F6C9C1A10CB4}" type="datetime1">
               <a:rPr lang="it-IT" altLang="it-IT" sz="1100"/>
               <a:pPr/>
-              <a:t>11/05/2023</a:t>
+              <a:t>12/05/2023</a:t>
             </a:fld>
             <a:endParaRPr lang="it-IT" altLang="it-IT" sz="1100"/>
           </a:p>
@@ -22289,7 +27936,7 @@
             <a:fld id="{9E582260-007F-4969-8198-F6C9C1A10CB4}" type="datetime1">
               <a:rPr lang="it-IT" altLang="it-IT" sz="1100"/>
               <a:pPr/>
-              <a:t>11/05/2023</a:t>
+              <a:t>12/05/2023</a:t>
             </a:fld>
             <a:endParaRPr lang="it-IT" altLang="it-IT" sz="1100"/>
           </a:p>
